--- a/Nhom07/BaoCao.pptx
+++ b/Nhom07/BaoCao.pptx
@@ -7,7 +7,7 @@
     <p:sldMasterId id="2147483653" r:id="rId3"/>
   </p:sldMasterIdLst>
   <p:notesMasterIdLst>
-    <p:notesMasterId r:id="rId17"/>
+    <p:notesMasterId r:id="rId18"/>
   </p:notesMasterIdLst>
   <p:sldIdLst>
     <p:sldId id="256" r:id="rId4"/>
@@ -22,7 +22,8 @@
     <p:sldId id="307" r:id="rId13"/>
     <p:sldId id="308" r:id="rId14"/>
     <p:sldId id="306" r:id="rId15"/>
-    <p:sldId id="311" r:id="rId16"/>
+    <p:sldId id="312" r:id="rId16"/>
+    <p:sldId id="311" r:id="rId17"/>
   </p:sldIdLst>
   <p:sldSz cx="9144000" cy="5143500" type="screen16x9"/>
   <p:notesSz cx="6858000" cy="9144000"/>
@@ -3109,19 +3110,19 @@
     </dgm:pt>
   </dgm:ptLst>
   <dgm:cxnLst>
+    <dgm:cxn modelId="{19713E57-1D5D-47CB-9438-66BAFB9E278D}" type="presOf" srcId="{6D0E2588-4114-4865-9E27-A43B1DEB6444}" destId="{F379F809-880E-4895-85DA-61C906C27457}" srcOrd="0" destOrd="0" presId="urn:microsoft.com/office/officeart/2005/8/layout/StepDownProcess"/>
+    <dgm:cxn modelId="{8F89E9F7-E3C8-47E4-9E4B-9F6A5A06471E}" type="presOf" srcId="{3D18B955-7B28-4E85-BB55-2C62DD585E6D}" destId="{60365F3E-94AE-48CF-B10D-1DADE2240891}" srcOrd="0" destOrd="0" presId="urn:microsoft.com/office/officeart/2005/8/layout/StepDownProcess"/>
+    <dgm:cxn modelId="{E288A7B6-1B09-410E-99BF-B091CC107EA8}" srcId="{CE2A4323-E904-4124-ADE2-2DD2EF9F0DA2}" destId="{6EE3F59D-E882-48CD-841B-FD7F6A0BBE05}" srcOrd="1" destOrd="0" parTransId="{58B68DA2-862A-4536-9FA9-15E80C43C7DA}" sibTransId="{04515BAF-0369-4F2F-8B08-910B05F4A9B3}"/>
+    <dgm:cxn modelId="{4BE8AEF0-5557-4187-B901-E4F5E139743C}" type="presOf" srcId="{2CAD3410-85E2-4E70-83A5-0A6F42C20DE5}" destId="{96ED9A23-DA93-49F5-8B33-FBA9B83E572E}" srcOrd="0" destOrd="0" presId="urn:microsoft.com/office/officeart/2005/8/layout/StepDownProcess"/>
+    <dgm:cxn modelId="{5DF1CDF4-2BE5-4E9E-BB09-9EDB9E052F68}" type="presOf" srcId="{6EE3F59D-E882-48CD-841B-FD7F6A0BBE05}" destId="{5763FCB2-D2E4-4616-8C97-3CA9481376BE}" srcOrd="0" destOrd="0" presId="urn:microsoft.com/office/officeart/2005/8/layout/StepDownProcess"/>
     <dgm:cxn modelId="{7400DCDD-A88A-4611-8E1A-89B92C71B083}" srcId="{CE2A4323-E904-4124-ADE2-2DD2EF9F0DA2}" destId="{3D18B955-7B28-4E85-BB55-2C62DD585E6D}" srcOrd="5" destOrd="0" parTransId="{1C30176C-842F-4C8C-8D68-DFDC4F62C6ED}" sibTransId="{F513CFE4-F299-4278-A09D-E11EA656BDA5}"/>
-    <dgm:cxn modelId="{11F4719E-51AA-4089-B38D-CB38085218EF}" type="presOf" srcId="{CE2A4323-E904-4124-ADE2-2DD2EF9F0DA2}" destId="{DFD5FC24-5B73-4E40-BE6C-9C50ED8AEB74}" srcOrd="0" destOrd="0" presId="urn:microsoft.com/office/officeart/2005/8/layout/StepDownProcess"/>
-    <dgm:cxn modelId="{5DF1CDF4-2BE5-4E9E-BB09-9EDB9E052F68}" type="presOf" srcId="{6EE3F59D-E882-48CD-841B-FD7F6A0BBE05}" destId="{5763FCB2-D2E4-4616-8C97-3CA9481376BE}" srcOrd="0" destOrd="0" presId="urn:microsoft.com/office/officeart/2005/8/layout/StepDownProcess"/>
-    <dgm:cxn modelId="{34C1EA19-02EC-461D-8A98-70DF02D2AC04}" srcId="{CE2A4323-E904-4124-ADE2-2DD2EF9F0DA2}" destId="{6009C047-F2EA-42CC-822E-6538609400D0}" srcOrd="3" destOrd="0" parTransId="{E7C4EB4A-1872-4492-8328-319E8CA92D22}" sibTransId="{4AC8AC2C-3EB3-43A9-B43E-86EBE755152A}"/>
+    <dgm:cxn modelId="{E66DE4CC-3CE1-4945-BD00-082BF4649854}" type="presOf" srcId="{75F67C52-1E91-46AE-8D7F-6467CAFAA35E}" destId="{0DE55DD4-6C28-44BE-8926-51993AA593F4}" srcOrd="0" destOrd="0" presId="urn:microsoft.com/office/officeart/2005/8/layout/StepDownProcess"/>
     <dgm:cxn modelId="{F51FB9D3-11B9-4313-847C-0BEBD28B4667}" srcId="{CE2A4323-E904-4124-ADE2-2DD2EF9F0DA2}" destId="{2CAD3410-85E2-4E70-83A5-0A6F42C20DE5}" srcOrd="0" destOrd="0" parTransId="{54B6540D-86E1-42DF-9007-2D898B4D7E52}" sibTransId="{498A0951-9A1F-4CA1-BA7A-40016A291D5C}"/>
     <dgm:cxn modelId="{5AC9D447-815A-4249-A4DD-C39EDCC5768A}" srcId="{CE2A4323-E904-4124-ADE2-2DD2EF9F0DA2}" destId="{6D0E2588-4114-4865-9E27-A43B1DEB6444}" srcOrd="4" destOrd="0" parTransId="{E4A17454-B093-46B8-82E8-132EBD855472}" sibTransId="{19DDC513-73F6-428D-8DBB-91C760C510A1}"/>
     <dgm:cxn modelId="{2D6377C2-150E-4032-82C9-311702C4D816}" srcId="{CE2A4323-E904-4124-ADE2-2DD2EF9F0DA2}" destId="{75F67C52-1E91-46AE-8D7F-6467CAFAA35E}" srcOrd="2" destOrd="0" parTransId="{8044BB46-FBEA-47CE-9A0F-242A7A74BDCE}" sibTransId="{0CB924F7-D9F7-489C-A347-C8D7DB96885B}"/>
-    <dgm:cxn modelId="{E66DE4CC-3CE1-4945-BD00-082BF4649854}" type="presOf" srcId="{75F67C52-1E91-46AE-8D7F-6467CAFAA35E}" destId="{0DE55DD4-6C28-44BE-8926-51993AA593F4}" srcOrd="0" destOrd="0" presId="urn:microsoft.com/office/officeart/2005/8/layout/StepDownProcess"/>
-    <dgm:cxn modelId="{4BE8AEF0-5557-4187-B901-E4F5E139743C}" type="presOf" srcId="{2CAD3410-85E2-4E70-83A5-0A6F42C20DE5}" destId="{96ED9A23-DA93-49F5-8B33-FBA9B83E572E}" srcOrd="0" destOrd="0" presId="urn:microsoft.com/office/officeart/2005/8/layout/StepDownProcess"/>
-    <dgm:cxn modelId="{8F89E9F7-E3C8-47E4-9E4B-9F6A5A06471E}" type="presOf" srcId="{3D18B955-7B28-4E85-BB55-2C62DD585E6D}" destId="{60365F3E-94AE-48CF-B10D-1DADE2240891}" srcOrd="0" destOrd="0" presId="urn:microsoft.com/office/officeart/2005/8/layout/StepDownProcess"/>
-    <dgm:cxn modelId="{E288A7B6-1B09-410E-99BF-B091CC107EA8}" srcId="{CE2A4323-E904-4124-ADE2-2DD2EF9F0DA2}" destId="{6EE3F59D-E882-48CD-841B-FD7F6A0BBE05}" srcOrd="1" destOrd="0" parTransId="{58B68DA2-862A-4536-9FA9-15E80C43C7DA}" sibTransId="{04515BAF-0369-4F2F-8B08-910B05F4A9B3}"/>
     <dgm:cxn modelId="{86B9DDA7-F44F-4FC0-ACDC-B3016749D694}" type="presOf" srcId="{6009C047-F2EA-42CC-822E-6538609400D0}" destId="{25DB703A-94B1-43D7-80BB-5DF384BE092B}" srcOrd="0" destOrd="0" presId="urn:microsoft.com/office/officeart/2005/8/layout/StepDownProcess"/>
-    <dgm:cxn modelId="{19713E57-1D5D-47CB-9438-66BAFB9E278D}" type="presOf" srcId="{6D0E2588-4114-4865-9E27-A43B1DEB6444}" destId="{F379F809-880E-4895-85DA-61C906C27457}" srcOrd="0" destOrd="0" presId="urn:microsoft.com/office/officeart/2005/8/layout/StepDownProcess"/>
+    <dgm:cxn modelId="{11F4719E-51AA-4089-B38D-CB38085218EF}" type="presOf" srcId="{CE2A4323-E904-4124-ADE2-2DD2EF9F0DA2}" destId="{DFD5FC24-5B73-4E40-BE6C-9C50ED8AEB74}" srcOrd="0" destOrd="0" presId="urn:microsoft.com/office/officeart/2005/8/layout/StepDownProcess"/>
+    <dgm:cxn modelId="{34C1EA19-02EC-461D-8A98-70DF02D2AC04}" srcId="{CE2A4323-E904-4124-ADE2-2DD2EF9F0DA2}" destId="{6009C047-F2EA-42CC-822E-6538609400D0}" srcOrd="3" destOrd="0" parTransId="{E7C4EB4A-1872-4492-8328-319E8CA92D22}" sibTransId="{4AC8AC2C-3EB3-43A9-B43E-86EBE755152A}"/>
     <dgm:cxn modelId="{18E79D95-FB03-44EB-A48E-F6BFABD5BCB8}" type="presParOf" srcId="{DFD5FC24-5B73-4E40-BE6C-9C50ED8AEB74}" destId="{13E27643-F11B-4314-87D7-3785F7BE1E51}" srcOrd="0" destOrd="0" presId="urn:microsoft.com/office/officeart/2005/8/layout/StepDownProcess"/>
     <dgm:cxn modelId="{BA80E5A8-6CB5-406D-9379-7B784A60088B}" type="presParOf" srcId="{13E27643-F11B-4314-87D7-3785F7BE1E51}" destId="{B517B95A-5193-4EBC-8930-6F0A5F1CD9C7}" srcOrd="0" destOrd="0" presId="urn:microsoft.com/office/officeart/2005/8/layout/StepDownProcess"/>
     <dgm:cxn modelId="{CB69C6D6-4681-4BD2-83D8-B439245F9D5C}" type="presParOf" srcId="{13E27643-F11B-4314-87D7-3785F7BE1E51}" destId="{96ED9A23-DA93-49F5-8B33-FBA9B83E572E}" srcOrd="1" destOrd="0" presId="urn:microsoft.com/office/officeart/2005/8/layout/StepDownProcess"/>
@@ -10766,6 +10767,90 @@
     <p:extLst>
       <p:ext uri="{BB962C8B-B14F-4D97-AF65-F5344CB8AC3E}">
         <p14:creationId xmlns:p14="http://schemas.microsoft.com/office/powerpoint/2010/main" val="1198160647"/>
+      </p:ext>
+    </p:extLst>
+  </p:cSld>
+  <p:clrMapOvr>
+    <a:masterClrMapping/>
+  </p:clrMapOvr>
+</p:notes>
+</file>
+
+<file path=ppt/notesSlides/notesSlide3.xml><?xml version="1.0" encoding="utf-8"?>
+<p:notes xmlns:a="http://schemas.openxmlformats.org/drawingml/2006/main" xmlns:r="http://schemas.openxmlformats.org/officeDocument/2006/relationships" xmlns:p="http://schemas.openxmlformats.org/presentationml/2006/main">
+  <p:cSld>
+    <p:spTree>
+      <p:nvGrpSpPr>
+        <p:cNvPr id="1" name=""/>
+        <p:cNvGrpSpPr/>
+        <p:nvPr/>
+      </p:nvGrpSpPr>
+      <p:grpSpPr>
+        <a:xfrm>
+          <a:off x="0" y="0"/>
+          <a:ext cx="0" cy="0"/>
+          <a:chOff x="0" y="0"/>
+          <a:chExt cx="0" cy="0"/>
+        </a:xfrm>
+      </p:grpSpPr>
+      <p:sp>
+        <p:nvSpPr>
+          <p:cNvPr id="2" name="Slide Image Placeholder 1"/>
+          <p:cNvSpPr>
+            <a:spLocks noGrp="1" noRot="1" noChangeAspect="1"/>
+          </p:cNvSpPr>
+          <p:nvPr>
+            <p:ph type="sldImg"/>
+          </p:nvPr>
+        </p:nvSpPr>
+        <p:spPr/>
+      </p:sp>
+      <p:sp>
+        <p:nvSpPr>
+          <p:cNvPr id="3" name="Notes Placeholder 2"/>
+          <p:cNvSpPr>
+            <a:spLocks noGrp="1"/>
+          </p:cNvSpPr>
+          <p:nvPr>
+            <p:ph type="body" idx="1"/>
+          </p:nvPr>
+        </p:nvSpPr>
+        <p:spPr/>
+        <p:txBody>
+          <a:bodyPr/>
+          <a:lstStyle/>
+          <a:p>
+            <a:endParaRPr lang="en-US" dirty="0"/>
+          </a:p>
+        </p:txBody>
+      </p:sp>
+      <p:sp>
+        <p:nvSpPr>
+          <p:cNvPr id="4" name="Slide Number Placeholder 3"/>
+          <p:cNvSpPr>
+            <a:spLocks noGrp="1"/>
+          </p:cNvSpPr>
+          <p:nvPr>
+            <p:ph type="sldNum" sz="quarter" idx="10"/>
+          </p:nvPr>
+        </p:nvSpPr>
+        <p:spPr/>
+        <p:txBody>
+          <a:bodyPr/>
+          <a:lstStyle/>
+          <a:p>
+            <a:fld id="{A424E6C8-CCB6-4893-83AB-E4E160D98B08}" type="slidenum">
+              <a:rPr lang="vi-VN" smtClean="0"/>
+              <a:t>13</a:t>
+            </a:fld>
+            <a:endParaRPr lang="vi-VN"/>
+          </a:p>
+        </p:txBody>
+      </p:sp>
+    </p:spTree>
+    <p:extLst>
+      <p:ext uri="{BB962C8B-B14F-4D97-AF65-F5344CB8AC3E}">
+        <p14:creationId xmlns:p14="http://schemas.microsoft.com/office/powerpoint/2010/main" val="2663393304"/>
       </p:ext>
     </p:extLst>
   </p:cSld>
@@ -17100,11 +17185,7 @@
             <a:pPr algn="r"/>
             <a:r>
               <a:rPr lang="en-US" altLang="ko-KR" sz="3600" dirty="0" smtClean="0"/>
-              <a:t>HỆ </a:t>
-            </a:r>
-            <a:r>
-              <a:rPr lang="en-US" altLang="ko-KR" sz="3600" dirty="0" smtClean="0"/>
-              <a:t>THỐNG KINH </a:t>
+              <a:t>HỆ THỐNG KINH </a:t>
             </a:r>
             <a:r>
               <a:rPr lang="en-US" altLang="ko-KR" sz="3600" dirty="0"/>
@@ -17153,14 +17234,14 @@
                 <a:gridCol w="3294112">
                   <a:extLst>
                     <a:ext uri="{9D8B030D-6E8A-4147-A177-3AD203B41FA5}">
-                      <a16:colId xmlns:a16="http://schemas.microsoft.com/office/drawing/2014/main" val="2182553213"/>
+                      <a16:colId xmlns:a16="http://schemas.microsoft.com/office/drawing/2014/main" xmlns="" val="2182553213"/>
                     </a:ext>
                   </a:extLst>
                 </a:gridCol>
                 <a:gridCol w="3294112">
                   <a:extLst>
                     <a:ext uri="{9D8B030D-6E8A-4147-A177-3AD203B41FA5}">
-                      <a16:colId xmlns:a16="http://schemas.microsoft.com/office/drawing/2014/main" val="732047531"/>
+                      <a16:colId xmlns:a16="http://schemas.microsoft.com/office/drawing/2014/main" xmlns="" val="732047531"/>
                     </a:ext>
                   </a:extLst>
                 </a:gridCol>
@@ -17279,7 +17360,7 @@
                 </a:tc>
                 <a:extLst>
                   <a:ext uri="{0D108BD9-81ED-4DB2-BD59-A6C34878D82A}">
-                    <a16:rowId xmlns:a16="http://schemas.microsoft.com/office/drawing/2014/main" val="1174455105"/>
+                    <a16:rowId xmlns:a16="http://schemas.microsoft.com/office/drawing/2014/main" xmlns="" val="1174455105"/>
                   </a:ext>
                 </a:extLst>
               </a:tr>
@@ -17297,13 +17378,13 @@
   <p:clrMapOvr>
     <a:masterClrMapping/>
   </p:clrMapOvr>
-  <mc:AlternateContent xmlns:mc="http://schemas.openxmlformats.org/markup-compatibility/2006">
-    <mc:Choice xmlns:p14="http://schemas.microsoft.com/office/powerpoint/2010/main" Requires="p14">
+  <mc:AlternateContent xmlns:mc="http://schemas.openxmlformats.org/markup-compatibility/2006" xmlns:p14="http://schemas.microsoft.com/office/powerpoint/2010/main">
+    <mc:Choice Requires="p14">
       <p:transition spd="slow" p14:dur="1300">
         <p14:pan dir="u"/>
       </p:transition>
     </mc:Choice>
-    <mc:Fallback>
+    <mc:Fallback xmlns="">
       <p:transition spd="slow">
         <p:fade/>
       </p:transition>
@@ -27896,11 +27977,11 @@
   <p:clrMapOvr>
     <a:masterClrMapping/>
   </p:clrMapOvr>
-  <mc:AlternateContent xmlns:mc="http://schemas.openxmlformats.org/markup-compatibility/2006">
-    <mc:Choice xmlns:p14="http://schemas.microsoft.com/office/powerpoint/2010/main" Requires="p14">
+  <mc:AlternateContent xmlns:mc="http://schemas.openxmlformats.org/markup-compatibility/2006" xmlns:p14="http://schemas.microsoft.com/office/powerpoint/2010/main">
+    <mc:Choice Requires="p14">
       <p:transition p14:dur="0"/>
     </mc:Choice>
-    <mc:Fallback>
+    <mc:Fallback xmlns="">
       <p:transition/>
     </mc:Fallback>
   </mc:AlternateContent>
@@ -29717,6 +29798,2502 @@
 </file>
 
 <file path=ppt/slides/slide13.xml><?xml version="1.0" encoding="utf-8"?>
+<p:sld xmlns:a="http://schemas.openxmlformats.org/drawingml/2006/main" xmlns:r="http://schemas.openxmlformats.org/officeDocument/2006/relationships" xmlns:p="http://schemas.openxmlformats.org/presentationml/2006/main">
+  <p:cSld>
+    <p:spTree>
+      <p:nvGrpSpPr>
+        <p:cNvPr id="1" name=""/>
+        <p:cNvGrpSpPr/>
+        <p:nvPr/>
+      </p:nvGrpSpPr>
+      <p:grpSpPr>
+        <a:xfrm>
+          <a:off x="0" y="0"/>
+          <a:ext cx="0" cy="0"/>
+          <a:chOff x="0" y="0"/>
+          <a:chExt cx="0" cy="0"/>
+        </a:xfrm>
+      </p:grpSpPr>
+      <p:sp>
+        <p:nvSpPr>
+          <p:cNvPr id="4" name="Text Placeholder 1"/>
+          <p:cNvSpPr>
+            <a:spLocks noGrp="1"/>
+          </p:cNvSpPr>
+          <p:nvPr>
+            <p:ph type="body" sz="quarter" idx="10"/>
+          </p:nvPr>
+        </p:nvSpPr>
+        <p:spPr>
+          <a:xfrm>
+            <a:off x="0" y="0"/>
+            <a:ext cx="8100392" cy="738664"/>
+          </a:xfrm>
+          <a:solidFill>
+            <a:schemeClr val="accent1">
+              <a:lumMod val="20000"/>
+              <a:lumOff val="80000"/>
+            </a:schemeClr>
+          </a:solidFill>
+        </p:spPr>
+        <p:txBody>
+          <a:bodyPr/>
+          <a:lstStyle/>
+          <a:p>
+            <a:r>
+              <a:rPr lang="en-US" altLang="ko-KR" dirty="0" err="1" smtClean="0"/>
+              <a:t>Quản</a:t>
+            </a:r>
+            <a:r>
+              <a:rPr lang="en-US" altLang="ko-KR" dirty="0" smtClean="0"/>
+              <a:t> </a:t>
+            </a:r>
+            <a:r>
+              <a:rPr lang="en-US" altLang="ko-KR" dirty="0" err="1" smtClean="0"/>
+              <a:t>lý</a:t>
+            </a:r>
+            <a:r>
+              <a:rPr lang="en-US" altLang="ko-KR" dirty="0" smtClean="0"/>
+              <a:t> </a:t>
+            </a:r>
+            <a:r>
+              <a:rPr lang="en-US" altLang="ko-KR" dirty="0" err="1" smtClean="0"/>
+              <a:t>rủi</a:t>
+            </a:r>
+            <a:r>
+              <a:rPr lang="en-US" altLang="ko-KR" dirty="0" smtClean="0"/>
+              <a:t> </a:t>
+            </a:r>
+            <a:r>
+              <a:rPr lang="en-US" altLang="ko-KR" dirty="0" err="1" smtClean="0"/>
+              <a:t>ro</a:t>
+            </a:r>
+            <a:endParaRPr lang="ko-KR" altLang="en-US" dirty="0"/>
+          </a:p>
+        </p:txBody>
+      </p:sp>
+      <p:sp>
+        <p:nvSpPr>
+          <p:cNvPr id="5" name="TextBox 4"/>
+          <p:cNvSpPr txBox="1"/>
+          <p:nvPr/>
+        </p:nvSpPr>
+        <p:spPr>
+          <a:xfrm>
+            <a:off x="8100392" y="40084"/>
+            <a:ext cx="1047756" cy="738664"/>
+          </a:xfrm>
+          <a:prstGeom prst="rect">
+            <a:avLst/>
+          </a:prstGeom>
+          <a:noFill/>
+          <a:ln>
+            <a:noFill/>
+          </a:ln>
+        </p:spPr>
+        <p:txBody>
+          <a:bodyPr wrap="square" rtlCol="0">
+            <a:spAutoFit/>
+          </a:bodyPr>
+          <a:lstStyle/>
+          <a:p>
+            <a:pPr marL="228600" indent="-228600">
+              <a:buAutoNum type="arabicPeriod"/>
+            </a:pPr>
+            <a:r>
+              <a:rPr lang="en-US" sz="1050" dirty="0" smtClean="0">
+                <a:solidFill>
+                  <a:schemeClr val="bg1">
+                    <a:lumMod val="85000"/>
+                  </a:schemeClr>
+                </a:solidFill>
+              </a:rPr>
+              <a:t>Giới thiệu</a:t>
+            </a:r>
+          </a:p>
+          <a:p>
+            <a:pPr marL="228600" indent="-228600">
+              <a:buAutoNum type="arabicPeriod"/>
+            </a:pPr>
+            <a:r>
+              <a:rPr lang="en-US" sz="1050" dirty="0">
+                <a:solidFill>
+                  <a:schemeClr val="bg1">
+                    <a:lumMod val="75000"/>
+                  </a:schemeClr>
+                </a:solidFill>
+              </a:rPr>
+              <a:t>Kế hoạch</a:t>
+            </a:r>
+          </a:p>
+          <a:p>
+            <a:pPr marL="228600" indent="-228600">
+              <a:buAutoNum type="arabicPeriod"/>
+            </a:pPr>
+            <a:r>
+              <a:rPr lang="en-US" sz="1050" dirty="0" smtClean="0">
+                <a:solidFill>
+                  <a:schemeClr val="bg1">
+                    <a:lumMod val="75000"/>
+                  </a:schemeClr>
+                </a:solidFill>
+              </a:rPr>
+              <a:t>Kinh phí</a:t>
+            </a:r>
+          </a:p>
+          <a:p>
+            <a:pPr marL="228600" indent="-228600">
+              <a:buAutoNum type="arabicPeriod"/>
+            </a:pPr>
+            <a:r>
+              <a:rPr lang="en-US" sz="1050" dirty="0">
+                <a:solidFill>
+                  <a:schemeClr val="accent3"/>
+                </a:solidFill>
+              </a:rPr>
+              <a:t>Rủi ro</a:t>
+            </a:r>
+            <a:endParaRPr lang="vi-VN" sz="1050" dirty="0">
+              <a:solidFill>
+                <a:schemeClr val="accent3"/>
+              </a:solidFill>
+            </a:endParaRPr>
+          </a:p>
+        </p:txBody>
+      </p:sp>
+      <p:sp>
+        <p:nvSpPr>
+          <p:cNvPr id="6" name="Block Arc 5"/>
+          <p:cNvSpPr/>
+          <p:nvPr/>
+        </p:nvSpPr>
+        <p:spPr>
+          <a:xfrm>
+            <a:off x="-4974417" y="-24367"/>
+            <a:ext cx="5930899" cy="5930899"/>
+          </a:xfrm>
+          <a:prstGeom prst="blockArc">
+            <a:avLst>
+              <a:gd name="adj1" fmla="val 18900000"/>
+              <a:gd name="adj2" fmla="val 2700000"/>
+              <a:gd name="adj3" fmla="val 364"/>
+            </a:avLst>
+          </a:prstGeom>
+        </p:spPr>
+        <p:style>
+          <a:lnRef idx="2">
+            <a:schemeClr val="accent1">
+              <a:shade val="60000"/>
+              <a:hueOff val="0"/>
+              <a:satOff val="0"/>
+              <a:lumOff val="0"/>
+              <a:alphaOff val="0"/>
+            </a:schemeClr>
+          </a:lnRef>
+          <a:fillRef idx="0">
+            <a:schemeClr val="accent1">
+              <a:hueOff val="0"/>
+              <a:satOff val="0"/>
+              <a:lumOff val="0"/>
+              <a:alphaOff val="0"/>
+            </a:schemeClr>
+          </a:fillRef>
+          <a:effectRef idx="0">
+            <a:schemeClr val="accent1">
+              <a:hueOff val="0"/>
+              <a:satOff val="0"/>
+              <a:lumOff val="0"/>
+              <a:alphaOff val="0"/>
+            </a:schemeClr>
+          </a:effectRef>
+          <a:fontRef idx="minor">
+            <a:schemeClr val="tx1">
+              <a:hueOff val="0"/>
+              <a:satOff val="0"/>
+              <a:lumOff val="0"/>
+              <a:alphaOff val="0"/>
+            </a:schemeClr>
+          </a:fontRef>
+        </p:style>
+      </p:sp>
+      <p:sp>
+        <p:nvSpPr>
+          <p:cNvPr id="22" name="Pentagon 21"/>
+          <p:cNvSpPr/>
+          <p:nvPr/>
+        </p:nvSpPr>
+        <p:spPr>
+          <a:xfrm>
+            <a:off x="394047" y="874586"/>
+            <a:ext cx="2489768" cy="501066"/>
+          </a:xfrm>
+          <a:prstGeom prst="homePlate">
+            <a:avLst/>
+          </a:prstGeom>
+          <a:solidFill>
+            <a:srgbClr val="32AEB8"/>
+          </a:solidFill>
+          <a:ln>
+            <a:noFill/>
+          </a:ln>
+        </p:spPr>
+        <p:style>
+          <a:lnRef idx="2">
+            <a:schemeClr val="accent1">
+              <a:shade val="50000"/>
+            </a:schemeClr>
+          </a:lnRef>
+          <a:fillRef idx="1">
+            <a:schemeClr val="accent1"/>
+          </a:fillRef>
+          <a:effectRef idx="0">
+            <a:schemeClr val="accent1"/>
+          </a:effectRef>
+          <a:fontRef idx="minor">
+            <a:schemeClr val="lt1"/>
+          </a:fontRef>
+        </p:style>
+        <p:txBody>
+          <a:bodyPr rtlCol="0" anchor="ctr"/>
+          <a:lstStyle/>
+          <a:p>
+            <a:pPr algn="ctr"/>
+            <a:r>
+              <a:rPr lang="vi-VN" dirty="0"/>
+              <a:t>Công nghệ</a:t>
+            </a:r>
+            <a:endParaRPr lang="en-US" dirty="0"/>
+          </a:p>
+        </p:txBody>
+      </p:sp>
+      <p:sp>
+        <p:nvSpPr>
+          <p:cNvPr id="23" name="Oval 22"/>
+          <p:cNvSpPr/>
+          <p:nvPr/>
+        </p:nvSpPr>
+        <p:spPr>
+          <a:xfrm>
+            <a:off x="-1" y="814650"/>
+            <a:ext cx="673809" cy="629004"/>
+          </a:xfrm>
+          <a:prstGeom prst="ellipse">
+            <a:avLst/>
+          </a:prstGeom>
+        </p:spPr>
+        <p:style>
+          <a:lnRef idx="2">
+            <a:schemeClr val="accent1">
+              <a:hueOff val="0"/>
+              <a:satOff val="0"/>
+              <a:lumOff val="0"/>
+              <a:alphaOff val="0"/>
+            </a:schemeClr>
+          </a:lnRef>
+          <a:fillRef idx="1">
+            <a:schemeClr val="lt1">
+              <a:hueOff val="0"/>
+              <a:satOff val="0"/>
+              <a:lumOff val="0"/>
+              <a:alphaOff val="0"/>
+            </a:schemeClr>
+          </a:fillRef>
+          <a:effectRef idx="0">
+            <a:schemeClr val="lt1">
+              <a:hueOff val="0"/>
+              <a:satOff val="0"/>
+              <a:lumOff val="0"/>
+              <a:alphaOff val="0"/>
+            </a:schemeClr>
+          </a:effectRef>
+          <a:fontRef idx="minor">
+            <a:schemeClr val="dk1">
+              <a:hueOff val="0"/>
+              <a:satOff val="0"/>
+              <a:lumOff val="0"/>
+              <a:alphaOff val="0"/>
+            </a:schemeClr>
+          </a:fontRef>
+        </p:style>
+      </p:sp>
+      <p:sp>
+        <p:nvSpPr>
+          <p:cNvPr id="24" name="Chevron 23"/>
+          <p:cNvSpPr/>
+          <p:nvPr/>
+        </p:nvSpPr>
+        <p:spPr>
+          <a:xfrm>
+            <a:off x="2840799" y="874586"/>
+            <a:ext cx="6123690" cy="501067"/>
+          </a:xfrm>
+          <a:prstGeom prst="chevron">
+            <a:avLst/>
+          </a:prstGeom>
+          <a:solidFill>
+            <a:srgbClr val="32AEB8"/>
+          </a:solidFill>
+          <a:ln>
+            <a:noFill/>
+          </a:ln>
+        </p:spPr>
+        <p:style>
+          <a:lnRef idx="2">
+            <a:schemeClr val="accent1">
+              <a:shade val="50000"/>
+            </a:schemeClr>
+          </a:lnRef>
+          <a:fillRef idx="1">
+            <a:schemeClr val="accent1"/>
+          </a:fillRef>
+          <a:effectRef idx="0">
+            <a:schemeClr val="accent1"/>
+          </a:effectRef>
+          <a:fontRef idx="minor">
+            <a:schemeClr val="lt1"/>
+          </a:fontRef>
+        </p:style>
+        <p:txBody>
+          <a:bodyPr rtlCol="0" anchor="ctr"/>
+          <a:lstStyle/>
+          <a:p>
+            <a:r>
+              <a:rPr lang="vi-VN" sz="1400" dirty="0">
+                <a:solidFill>
+                  <a:schemeClr val="bg1"/>
+                </a:solidFill>
+              </a:rPr>
+              <a:t>Phiên bản </a:t>
+            </a:r>
+            <a:r>
+              <a:rPr lang="en-US" sz="1400" dirty="0" err="1" smtClean="0">
+                <a:solidFill>
+                  <a:schemeClr val="bg1"/>
+                </a:solidFill>
+              </a:rPr>
+              <a:t>của</a:t>
+            </a:r>
+            <a:r>
+              <a:rPr lang="en-US" sz="1400" dirty="0" smtClean="0">
+                <a:solidFill>
+                  <a:schemeClr val="bg1"/>
+                </a:solidFill>
+              </a:rPr>
+              <a:t> </a:t>
+            </a:r>
+            <a:r>
+              <a:rPr lang="vi-VN" sz="1400" dirty="0" smtClean="0">
+                <a:solidFill>
+                  <a:schemeClr val="bg1"/>
+                </a:solidFill>
+              </a:rPr>
+              <a:t>phần </a:t>
+            </a:r>
+            <a:r>
+              <a:rPr lang="vi-VN" sz="1400" dirty="0">
+                <a:solidFill>
+                  <a:schemeClr val="bg1"/>
+                </a:solidFill>
+              </a:rPr>
+              <a:t>cứng, phần </a:t>
+            </a:r>
+            <a:r>
+              <a:rPr lang="vi-VN" sz="1400" dirty="0" smtClean="0">
+                <a:solidFill>
+                  <a:schemeClr val="bg1"/>
+                </a:solidFill>
+              </a:rPr>
+              <a:t>mềm</a:t>
+            </a:r>
+            <a:r>
+              <a:rPr lang="en-US" sz="1400" dirty="0" smtClean="0">
+                <a:solidFill>
+                  <a:schemeClr val="bg1"/>
+                </a:solidFill>
+              </a:rPr>
+              <a:t>, </a:t>
+            </a:r>
+            <a:r>
+              <a:rPr lang="en-US" sz="1400" dirty="0" err="1" smtClean="0">
+                <a:solidFill>
+                  <a:schemeClr val="bg1"/>
+                </a:solidFill>
+              </a:rPr>
+              <a:t>hiệu</a:t>
+            </a:r>
+            <a:r>
+              <a:rPr lang="en-US" sz="1400" dirty="0" smtClean="0">
+                <a:solidFill>
+                  <a:schemeClr val="bg1"/>
+                </a:solidFill>
+              </a:rPr>
+              <a:t> </a:t>
+            </a:r>
+            <a:r>
+              <a:rPr lang="en-US" sz="1400" dirty="0" err="1" smtClean="0">
+                <a:solidFill>
+                  <a:schemeClr val="bg1"/>
+                </a:solidFill>
+              </a:rPr>
+              <a:t>năng</a:t>
+            </a:r>
+            <a:r>
+              <a:rPr lang="en-US" sz="1400" dirty="0" smtClean="0">
+                <a:solidFill>
+                  <a:schemeClr val="bg1"/>
+                </a:solidFill>
+              </a:rPr>
+              <a:t> </a:t>
+            </a:r>
+            <a:r>
+              <a:rPr lang="en-US" sz="1400" dirty="0" err="1" smtClean="0">
+                <a:solidFill>
+                  <a:schemeClr val="bg1"/>
+                </a:solidFill>
+              </a:rPr>
+              <a:t>của</a:t>
+            </a:r>
+            <a:r>
+              <a:rPr lang="en-US" sz="1400" dirty="0" smtClean="0">
+                <a:solidFill>
+                  <a:schemeClr val="bg1"/>
+                </a:solidFill>
+              </a:rPr>
+              <a:t> </a:t>
+            </a:r>
+            <a:r>
+              <a:rPr lang="en-US" sz="1400" dirty="0" err="1" smtClean="0">
+                <a:solidFill>
+                  <a:schemeClr val="bg1"/>
+                </a:solidFill>
+              </a:rPr>
+              <a:t>hệ</a:t>
+            </a:r>
+            <a:r>
+              <a:rPr lang="en-US" sz="1400" dirty="0" smtClean="0">
+                <a:solidFill>
+                  <a:schemeClr val="bg1"/>
+                </a:solidFill>
+              </a:rPr>
+              <a:t> </a:t>
+            </a:r>
+            <a:r>
+              <a:rPr lang="en-US" sz="1400" dirty="0" err="1" smtClean="0">
+                <a:solidFill>
+                  <a:schemeClr val="bg1"/>
+                </a:solidFill>
+              </a:rPr>
+              <a:t>thống</a:t>
+            </a:r>
+            <a:r>
+              <a:rPr lang="en-US" sz="1400" dirty="0" smtClean="0">
+                <a:solidFill>
+                  <a:schemeClr val="bg1"/>
+                </a:solidFill>
+              </a:rPr>
+              <a:t>, </a:t>
+            </a:r>
+          </a:p>
+          <a:p>
+            <a:r>
+              <a:rPr lang="en-US" sz="1400" dirty="0" err="1">
+                <a:solidFill>
+                  <a:schemeClr val="bg1"/>
+                </a:solidFill>
+              </a:rPr>
+              <a:t>b</a:t>
+            </a:r>
+            <a:r>
+              <a:rPr lang="en-US" sz="1400" dirty="0" err="1" smtClean="0">
+                <a:solidFill>
+                  <a:schemeClr val="bg1"/>
+                </a:solidFill>
+              </a:rPr>
+              <a:t>iện</a:t>
+            </a:r>
+            <a:r>
+              <a:rPr lang="en-US" sz="1400" dirty="0" smtClean="0">
+                <a:solidFill>
+                  <a:schemeClr val="bg1"/>
+                </a:solidFill>
+              </a:rPr>
+              <a:t> </a:t>
+            </a:r>
+            <a:r>
+              <a:rPr lang="en-US" sz="1400" dirty="0" err="1" smtClean="0">
+                <a:solidFill>
+                  <a:schemeClr val="bg1"/>
+                </a:solidFill>
+              </a:rPr>
+              <a:t>pháp</a:t>
+            </a:r>
+            <a:r>
+              <a:rPr lang="en-US" sz="1400" dirty="0" smtClean="0">
+                <a:solidFill>
+                  <a:schemeClr val="bg1"/>
+                </a:solidFill>
+              </a:rPr>
+              <a:t> </a:t>
+            </a:r>
+            <a:r>
+              <a:rPr lang="en-US" sz="1400" dirty="0" err="1" smtClean="0">
+                <a:solidFill>
+                  <a:schemeClr val="bg1"/>
+                </a:solidFill>
+              </a:rPr>
+              <a:t>phòng</a:t>
+            </a:r>
+            <a:r>
+              <a:rPr lang="en-US" sz="1400" dirty="0" smtClean="0">
+                <a:solidFill>
+                  <a:schemeClr val="bg1"/>
+                </a:solidFill>
+              </a:rPr>
+              <a:t> </a:t>
+            </a:r>
+            <a:r>
+              <a:rPr lang="en-US" sz="1400" dirty="0" err="1" smtClean="0">
+                <a:solidFill>
+                  <a:schemeClr val="bg1"/>
+                </a:solidFill>
+              </a:rPr>
+              <a:t>ngừa</a:t>
+            </a:r>
+            <a:r>
+              <a:rPr lang="en-US" sz="1400" dirty="0" smtClean="0">
+                <a:solidFill>
+                  <a:schemeClr val="bg1"/>
+                </a:solidFill>
+              </a:rPr>
+              <a:t> </a:t>
+            </a:r>
+            <a:r>
+              <a:rPr lang="en-US" sz="1400" dirty="0" err="1" smtClean="0">
+                <a:solidFill>
+                  <a:schemeClr val="bg1"/>
+                </a:solidFill>
+              </a:rPr>
+              <a:t>sự</a:t>
+            </a:r>
+            <a:r>
+              <a:rPr lang="en-US" sz="1400" dirty="0" smtClean="0">
+                <a:solidFill>
+                  <a:schemeClr val="bg1"/>
+                </a:solidFill>
+              </a:rPr>
+              <a:t> </a:t>
+            </a:r>
+            <a:r>
+              <a:rPr lang="en-US" sz="1400" dirty="0" err="1" smtClean="0">
+                <a:solidFill>
+                  <a:schemeClr val="bg1"/>
+                </a:solidFill>
+              </a:rPr>
+              <a:t>cố</a:t>
+            </a:r>
+            <a:r>
+              <a:rPr lang="en-US" sz="1400" dirty="0" smtClean="0">
+                <a:solidFill>
+                  <a:schemeClr val="bg1"/>
+                </a:solidFill>
+              </a:rPr>
+              <a:t>,…</a:t>
+            </a:r>
+          </a:p>
+        </p:txBody>
+      </p:sp>
+      <p:sp>
+        <p:nvSpPr>
+          <p:cNvPr id="25" name="Pentagon 24"/>
+          <p:cNvSpPr/>
+          <p:nvPr/>
+        </p:nvSpPr>
+        <p:spPr>
+          <a:xfrm>
+            <a:off x="764328" y="1571377"/>
+            <a:ext cx="2130232" cy="502455"/>
+          </a:xfrm>
+          <a:prstGeom prst="homePlate">
+            <a:avLst/>
+          </a:prstGeom>
+          <a:solidFill>
+            <a:srgbClr val="32AEB8"/>
+          </a:solidFill>
+          <a:ln>
+            <a:noFill/>
+          </a:ln>
+        </p:spPr>
+        <p:style>
+          <a:lnRef idx="2">
+            <a:schemeClr val="accent1">
+              <a:shade val="50000"/>
+            </a:schemeClr>
+          </a:lnRef>
+          <a:fillRef idx="1">
+            <a:schemeClr val="accent1"/>
+          </a:fillRef>
+          <a:effectRef idx="0">
+            <a:schemeClr val="accent1"/>
+          </a:effectRef>
+          <a:fontRef idx="minor">
+            <a:schemeClr val="lt1"/>
+          </a:fontRef>
+        </p:style>
+        <p:txBody>
+          <a:bodyPr rtlCol="0" anchor="ctr"/>
+          <a:lstStyle/>
+          <a:p>
+            <a:pPr algn="ctr"/>
+            <a:r>
+              <a:rPr lang="vi-VN" dirty="0"/>
+              <a:t>Con người</a:t>
+            </a:r>
+            <a:endParaRPr lang="en-US" dirty="0"/>
+          </a:p>
+        </p:txBody>
+      </p:sp>
+      <p:sp>
+        <p:nvSpPr>
+          <p:cNvPr id="26" name="Oval 25"/>
+          <p:cNvSpPr/>
+          <p:nvPr/>
+        </p:nvSpPr>
+        <p:spPr>
+          <a:xfrm>
+            <a:off x="336299" y="1521727"/>
+            <a:ext cx="676405" cy="619634"/>
+          </a:xfrm>
+          <a:prstGeom prst="ellipse">
+            <a:avLst/>
+          </a:prstGeom>
+        </p:spPr>
+        <p:style>
+          <a:lnRef idx="2">
+            <a:schemeClr val="accent1">
+              <a:hueOff val="0"/>
+              <a:satOff val="0"/>
+              <a:lumOff val="0"/>
+              <a:alphaOff val="0"/>
+            </a:schemeClr>
+          </a:lnRef>
+          <a:fillRef idx="1">
+            <a:schemeClr val="lt1">
+              <a:hueOff val="0"/>
+              <a:satOff val="0"/>
+              <a:lumOff val="0"/>
+              <a:alphaOff val="0"/>
+            </a:schemeClr>
+          </a:fillRef>
+          <a:effectRef idx="0">
+            <a:schemeClr val="lt1">
+              <a:hueOff val="0"/>
+              <a:satOff val="0"/>
+              <a:lumOff val="0"/>
+              <a:alphaOff val="0"/>
+            </a:schemeClr>
+          </a:effectRef>
+          <a:fontRef idx="minor">
+            <a:schemeClr val="dk1">
+              <a:hueOff val="0"/>
+              <a:satOff val="0"/>
+              <a:lumOff val="0"/>
+              <a:alphaOff val="0"/>
+            </a:schemeClr>
+          </a:fontRef>
+        </p:style>
+      </p:sp>
+      <p:sp>
+        <p:nvSpPr>
+          <p:cNvPr id="37" name="Chevron 36"/>
+          <p:cNvSpPr/>
+          <p:nvPr/>
+        </p:nvSpPr>
+        <p:spPr>
+          <a:xfrm>
+            <a:off x="2840798" y="1567328"/>
+            <a:ext cx="6123690" cy="497006"/>
+          </a:xfrm>
+          <a:prstGeom prst="chevron">
+            <a:avLst/>
+          </a:prstGeom>
+          <a:solidFill>
+            <a:srgbClr val="32AEB8"/>
+          </a:solidFill>
+          <a:ln>
+            <a:noFill/>
+          </a:ln>
+        </p:spPr>
+        <p:style>
+          <a:lnRef idx="2">
+            <a:schemeClr val="accent1">
+              <a:shade val="50000"/>
+            </a:schemeClr>
+          </a:lnRef>
+          <a:fillRef idx="1">
+            <a:schemeClr val="accent1"/>
+          </a:fillRef>
+          <a:effectRef idx="0">
+            <a:schemeClr val="accent1"/>
+          </a:effectRef>
+          <a:fontRef idx="minor">
+            <a:schemeClr val="lt1"/>
+          </a:fontRef>
+        </p:style>
+        <p:txBody>
+          <a:bodyPr rtlCol="0" anchor="ctr"/>
+          <a:lstStyle/>
+          <a:p>
+            <a:r>
+              <a:rPr lang="en-US" sz="1400" dirty="0"/>
+              <a:t>R</a:t>
+            </a:r>
+            <a:r>
+              <a:rPr lang="vi-VN" sz="1400" dirty="0" smtClean="0"/>
+              <a:t>ời </a:t>
+            </a:r>
+            <a:r>
+              <a:rPr lang="vi-VN" sz="1400" dirty="0"/>
+              <a:t>dự án </a:t>
+            </a:r>
+            <a:r>
+              <a:rPr lang="vi-VN" sz="1400" dirty="0" smtClean="0"/>
+              <a:t>giữa</a:t>
+            </a:r>
+            <a:r>
+              <a:rPr lang="en-US" sz="1400" dirty="0" smtClean="0"/>
+              <a:t> </a:t>
+            </a:r>
+            <a:r>
+              <a:rPr lang="en-US" sz="1400" dirty="0" err="1" smtClean="0"/>
+              <a:t>chừng</a:t>
+            </a:r>
+            <a:r>
+              <a:rPr lang="en-US" sz="1400" dirty="0" smtClean="0"/>
+              <a:t>, </a:t>
+            </a:r>
+            <a:r>
+              <a:rPr lang="en-US" sz="1400" dirty="0" err="1" smtClean="0"/>
+              <a:t>bị</a:t>
+            </a:r>
+            <a:r>
+              <a:rPr lang="en-US" sz="1400" dirty="0" smtClean="0"/>
+              <a:t> </a:t>
+            </a:r>
+            <a:r>
+              <a:rPr lang="en-US" sz="1400" dirty="0" err="1" smtClean="0"/>
+              <a:t>bệnh</a:t>
+            </a:r>
+            <a:r>
+              <a:rPr lang="en-US" sz="1400" dirty="0" smtClean="0"/>
+              <a:t>, </a:t>
+            </a:r>
+            <a:r>
+              <a:rPr lang="en-US" sz="1400" dirty="0" err="1" smtClean="0"/>
+              <a:t>chưa</a:t>
+            </a:r>
+            <a:r>
+              <a:rPr lang="en-US" sz="1400" dirty="0" smtClean="0"/>
+              <a:t> </a:t>
+            </a:r>
+            <a:r>
+              <a:rPr lang="en-US" sz="1400" dirty="0" err="1" smtClean="0"/>
+              <a:t>biết</a:t>
+            </a:r>
+            <a:r>
+              <a:rPr lang="en-US" sz="1400" dirty="0" smtClean="0"/>
+              <a:t> </a:t>
+            </a:r>
+            <a:r>
+              <a:rPr lang="en-US" sz="1400" dirty="0" err="1" smtClean="0"/>
+              <a:t>đến</a:t>
+            </a:r>
+            <a:r>
+              <a:rPr lang="en-US" sz="1400" dirty="0" smtClean="0"/>
+              <a:t> </a:t>
+            </a:r>
+            <a:r>
+              <a:rPr lang="en-US" sz="1400" dirty="0" err="1" smtClean="0"/>
+              <a:t>các</a:t>
+            </a:r>
+            <a:r>
+              <a:rPr lang="en-US" sz="1400" dirty="0" smtClean="0"/>
+              <a:t> </a:t>
+            </a:r>
+            <a:r>
+              <a:rPr lang="en-US" sz="1400" dirty="0" err="1" smtClean="0"/>
+              <a:t>công</a:t>
+            </a:r>
+            <a:r>
+              <a:rPr lang="en-US" sz="1400" dirty="0" smtClean="0"/>
+              <a:t> </a:t>
+            </a:r>
+            <a:r>
+              <a:rPr lang="en-US" sz="1400" dirty="0" err="1" smtClean="0"/>
+              <a:t>nghệ</a:t>
+            </a:r>
+            <a:r>
+              <a:rPr lang="en-US" sz="1400" dirty="0" smtClean="0"/>
+              <a:t> </a:t>
+            </a:r>
+            <a:r>
+              <a:rPr lang="en-US" sz="1400" dirty="0" err="1" smtClean="0"/>
+              <a:t>mới</a:t>
+            </a:r>
+            <a:r>
+              <a:rPr lang="en-US" sz="1400" dirty="0" smtClean="0"/>
+              <a:t>,…</a:t>
+            </a:r>
+            <a:endParaRPr lang="en-US" sz="1400" dirty="0" smtClean="0">
+              <a:solidFill>
+                <a:schemeClr val="bg1"/>
+              </a:solidFill>
+            </a:endParaRPr>
+          </a:p>
+        </p:txBody>
+      </p:sp>
+      <p:sp>
+        <p:nvSpPr>
+          <p:cNvPr id="40" name="Pentagon 39"/>
+          <p:cNvSpPr/>
+          <p:nvPr/>
+        </p:nvSpPr>
+        <p:spPr>
+          <a:xfrm>
+            <a:off x="959011" y="2339327"/>
+            <a:ext cx="1935453" cy="502455"/>
+          </a:xfrm>
+          <a:prstGeom prst="homePlate">
+            <a:avLst/>
+          </a:prstGeom>
+          <a:solidFill>
+            <a:srgbClr val="32AEB8"/>
+          </a:solidFill>
+          <a:ln>
+            <a:noFill/>
+          </a:ln>
+        </p:spPr>
+        <p:style>
+          <a:lnRef idx="2">
+            <a:schemeClr val="accent1">
+              <a:shade val="50000"/>
+            </a:schemeClr>
+          </a:lnRef>
+          <a:fillRef idx="1">
+            <a:schemeClr val="accent1"/>
+          </a:fillRef>
+          <a:effectRef idx="0">
+            <a:schemeClr val="accent1"/>
+          </a:effectRef>
+          <a:fontRef idx="minor">
+            <a:schemeClr val="lt1"/>
+          </a:fontRef>
+        </p:style>
+        <p:txBody>
+          <a:bodyPr rtlCol="0" anchor="ctr"/>
+          <a:lstStyle/>
+          <a:p>
+            <a:pPr algn="ctr"/>
+            <a:r>
+              <a:rPr lang="vi-VN" dirty="0" smtClean="0"/>
+              <a:t>Xác </a:t>
+            </a:r>
+            <a:r>
+              <a:rPr lang="vi-VN" dirty="0"/>
+              <a:t>định </a:t>
+            </a:r>
+            <a:endParaRPr lang="en-US" dirty="0" smtClean="0"/>
+          </a:p>
+          <a:p>
+            <a:pPr algn="ctr"/>
+            <a:r>
+              <a:rPr lang="vi-VN" dirty="0" smtClean="0"/>
+              <a:t>yêu </a:t>
+            </a:r>
+            <a:r>
+              <a:rPr lang="vi-VN" dirty="0"/>
+              <a:t>cầu</a:t>
+            </a:r>
+            <a:endParaRPr lang="en-US" dirty="0"/>
+          </a:p>
+        </p:txBody>
+      </p:sp>
+      <p:sp>
+        <p:nvSpPr>
+          <p:cNvPr id="41" name="Oval 40"/>
+          <p:cNvSpPr/>
+          <p:nvPr/>
+        </p:nvSpPr>
+        <p:spPr>
+          <a:xfrm>
+            <a:off x="530982" y="2289677"/>
+            <a:ext cx="655182" cy="619634"/>
+          </a:xfrm>
+          <a:prstGeom prst="ellipse">
+            <a:avLst/>
+          </a:prstGeom>
+        </p:spPr>
+        <p:style>
+          <a:lnRef idx="2">
+            <a:schemeClr val="accent1">
+              <a:hueOff val="0"/>
+              <a:satOff val="0"/>
+              <a:lumOff val="0"/>
+              <a:alphaOff val="0"/>
+            </a:schemeClr>
+          </a:lnRef>
+          <a:fillRef idx="1">
+            <a:schemeClr val="lt1">
+              <a:hueOff val="0"/>
+              <a:satOff val="0"/>
+              <a:lumOff val="0"/>
+              <a:alphaOff val="0"/>
+            </a:schemeClr>
+          </a:fillRef>
+          <a:effectRef idx="0">
+            <a:schemeClr val="lt1">
+              <a:hueOff val="0"/>
+              <a:satOff val="0"/>
+              <a:lumOff val="0"/>
+              <a:alphaOff val="0"/>
+            </a:schemeClr>
+          </a:effectRef>
+          <a:fontRef idx="minor">
+            <a:schemeClr val="dk1">
+              <a:hueOff val="0"/>
+              <a:satOff val="0"/>
+              <a:lumOff val="0"/>
+              <a:alphaOff val="0"/>
+            </a:schemeClr>
+          </a:fontRef>
+        </p:style>
+      </p:sp>
+      <p:sp>
+        <p:nvSpPr>
+          <p:cNvPr id="42" name="Chevron 41"/>
+          <p:cNvSpPr/>
+          <p:nvPr/>
+        </p:nvSpPr>
+        <p:spPr>
+          <a:xfrm>
+            <a:off x="2840798" y="2345194"/>
+            <a:ext cx="6123692" cy="497006"/>
+          </a:xfrm>
+          <a:prstGeom prst="chevron">
+            <a:avLst/>
+          </a:prstGeom>
+          <a:solidFill>
+            <a:srgbClr val="32AEB8"/>
+          </a:solidFill>
+          <a:ln>
+            <a:noFill/>
+          </a:ln>
+        </p:spPr>
+        <p:style>
+          <a:lnRef idx="2">
+            <a:schemeClr val="accent1">
+              <a:shade val="50000"/>
+            </a:schemeClr>
+          </a:lnRef>
+          <a:fillRef idx="1">
+            <a:schemeClr val="accent1"/>
+          </a:fillRef>
+          <a:effectRef idx="0">
+            <a:schemeClr val="accent1"/>
+          </a:effectRef>
+          <a:fontRef idx="minor">
+            <a:schemeClr val="lt1"/>
+          </a:fontRef>
+        </p:style>
+        <p:txBody>
+          <a:bodyPr rtlCol="0" anchor="ctr"/>
+          <a:lstStyle/>
+          <a:p>
+            <a:r>
+              <a:rPr lang="vi-VN" sz="1400" dirty="0"/>
+              <a:t>Khách hàng thay đổi về phạm vi và yêu cầu dự </a:t>
+            </a:r>
+            <a:r>
+              <a:rPr lang="vi-VN" sz="1400" dirty="0" smtClean="0"/>
+              <a:t>án</a:t>
+            </a:r>
+            <a:r>
+              <a:rPr lang="en-US" sz="1400" dirty="0" smtClean="0"/>
+              <a:t>, </a:t>
+            </a:r>
+            <a:r>
+              <a:rPr lang="en-US" sz="1400" dirty="0"/>
+              <a:t>h</a:t>
+            </a:r>
+            <a:r>
+              <a:rPr lang="vi-VN" sz="1400" dirty="0" smtClean="0"/>
+              <a:t>ợp đồng chưa </a:t>
+            </a:r>
+            <a:endParaRPr lang="en-US" sz="1400" dirty="0" smtClean="0"/>
+          </a:p>
+          <a:p>
+            <a:r>
+              <a:rPr lang="vi-VN" sz="1400" dirty="0" smtClean="0"/>
+              <a:t>chặt chẽ</a:t>
+            </a:r>
+            <a:r>
+              <a:rPr lang="en-US" sz="1400" dirty="0" smtClean="0"/>
+              <a:t>,…</a:t>
+            </a:r>
+            <a:endParaRPr lang="en-US" sz="1400" dirty="0" smtClean="0">
+              <a:solidFill>
+                <a:schemeClr val="bg1"/>
+              </a:solidFill>
+            </a:endParaRPr>
+          </a:p>
+        </p:txBody>
+      </p:sp>
+      <p:sp>
+        <p:nvSpPr>
+          <p:cNvPr id="43" name="Pentagon 42"/>
+          <p:cNvSpPr/>
+          <p:nvPr/>
+        </p:nvSpPr>
+        <p:spPr>
+          <a:xfrm>
+            <a:off x="1040306" y="3083337"/>
+            <a:ext cx="1854118" cy="502456"/>
+          </a:xfrm>
+          <a:prstGeom prst="homePlate">
+            <a:avLst/>
+          </a:prstGeom>
+          <a:solidFill>
+            <a:srgbClr val="32AEB8"/>
+          </a:solidFill>
+          <a:ln>
+            <a:noFill/>
+          </a:ln>
+        </p:spPr>
+        <p:style>
+          <a:lnRef idx="2">
+            <a:schemeClr val="accent1">
+              <a:shade val="50000"/>
+            </a:schemeClr>
+          </a:lnRef>
+          <a:fillRef idx="1">
+            <a:schemeClr val="accent1"/>
+          </a:fillRef>
+          <a:effectRef idx="0">
+            <a:schemeClr val="accent1"/>
+          </a:effectRef>
+          <a:fontRef idx="minor">
+            <a:schemeClr val="lt1"/>
+          </a:fontRef>
+        </p:style>
+        <p:txBody>
+          <a:bodyPr rtlCol="0" anchor="ctr"/>
+          <a:lstStyle/>
+          <a:p>
+            <a:pPr algn="ctr"/>
+            <a:r>
+              <a:rPr lang="vi-VN" dirty="0"/>
+              <a:t>Kế hoạch</a:t>
+            </a:r>
+            <a:endParaRPr lang="en-US" dirty="0"/>
+          </a:p>
+        </p:txBody>
+      </p:sp>
+      <p:sp>
+        <p:nvSpPr>
+          <p:cNvPr id="44" name="Oval 43"/>
+          <p:cNvSpPr/>
+          <p:nvPr/>
+        </p:nvSpPr>
+        <p:spPr>
+          <a:xfrm>
+            <a:off x="570807" y="3027847"/>
+            <a:ext cx="644883" cy="619634"/>
+          </a:xfrm>
+          <a:prstGeom prst="ellipse">
+            <a:avLst/>
+          </a:prstGeom>
+        </p:spPr>
+        <p:style>
+          <a:lnRef idx="2">
+            <a:schemeClr val="accent1">
+              <a:hueOff val="0"/>
+              <a:satOff val="0"/>
+              <a:lumOff val="0"/>
+              <a:alphaOff val="0"/>
+            </a:schemeClr>
+          </a:lnRef>
+          <a:fillRef idx="1">
+            <a:schemeClr val="lt1">
+              <a:hueOff val="0"/>
+              <a:satOff val="0"/>
+              <a:lumOff val="0"/>
+              <a:alphaOff val="0"/>
+            </a:schemeClr>
+          </a:fillRef>
+          <a:effectRef idx="0">
+            <a:schemeClr val="lt1">
+              <a:hueOff val="0"/>
+              <a:satOff val="0"/>
+              <a:lumOff val="0"/>
+              <a:alphaOff val="0"/>
+            </a:schemeClr>
+          </a:effectRef>
+          <a:fontRef idx="minor">
+            <a:schemeClr val="dk1">
+              <a:hueOff val="0"/>
+              <a:satOff val="0"/>
+              <a:lumOff val="0"/>
+              <a:alphaOff val="0"/>
+            </a:schemeClr>
+          </a:fontRef>
+        </p:style>
+      </p:sp>
+      <p:sp>
+        <p:nvSpPr>
+          <p:cNvPr id="45" name="Chevron 44"/>
+          <p:cNvSpPr/>
+          <p:nvPr/>
+        </p:nvSpPr>
+        <p:spPr>
+          <a:xfrm>
+            <a:off x="2840798" y="3089205"/>
+            <a:ext cx="6123690" cy="497006"/>
+          </a:xfrm>
+          <a:prstGeom prst="chevron">
+            <a:avLst/>
+          </a:prstGeom>
+          <a:solidFill>
+            <a:srgbClr val="32AEB8"/>
+          </a:solidFill>
+          <a:ln>
+            <a:noFill/>
+          </a:ln>
+        </p:spPr>
+        <p:style>
+          <a:lnRef idx="2">
+            <a:schemeClr val="accent1">
+              <a:shade val="50000"/>
+            </a:schemeClr>
+          </a:lnRef>
+          <a:fillRef idx="1">
+            <a:schemeClr val="accent1"/>
+          </a:fillRef>
+          <a:effectRef idx="0">
+            <a:schemeClr val="accent1"/>
+          </a:effectRef>
+          <a:fontRef idx="minor">
+            <a:schemeClr val="lt1"/>
+          </a:fontRef>
+        </p:style>
+        <p:txBody>
+          <a:bodyPr rtlCol="0" anchor="ctr"/>
+          <a:lstStyle/>
+          <a:p>
+            <a:r>
+              <a:rPr lang="vi-VN" sz="1400" dirty="0"/>
+              <a:t>Lập lịch không hợp </a:t>
+            </a:r>
+            <a:r>
+              <a:rPr lang="vi-VN" sz="1400" dirty="0" smtClean="0"/>
+              <a:t>lí</a:t>
+            </a:r>
+            <a:r>
+              <a:rPr lang="en-US" sz="1400" dirty="0" smtClean="0"/>
+              <a:t>,…</a:t>
+            </a:r>
+            <a:endParaRPr lang="en-US" sz="1400" dirty="0" smtClean="0">
+              <a:solidFill>
+                <a:schemeClr val="bg1"/>
+              </a:solidFill>
+            </a:endParaRPr>
+          </a:p>
+        </p:txBody>
+      </p:sp>
+      <p:sp>
+        <p:nvSpPr>
+          <p:cNvPr id="46" name="Pentagon 45"/>
+          <p:cNvSpPr/>
+          <p:nvPr/>
+        </p:nvSpPr>
+        <p:spPr>
+          <a:xfrm>
+            <a:off x="845482" y="3818096"/>
+            <a:ext cx="2049037" cy="502455"/>
+          </a:xfrm>
+          <a:prstGeom prst="homePlate">
+            <a:avLst/>
+          </a:prstGeom>
+          <a:solidFill>
+            <a:srgbClr val="32AEB8"/>
+          </a:solidFill>
+          <a:ln>
+            <a:noFill/>
+          </a:ln>
+        </p:spPr>
+        <p:style>
+          <a:lnRef idx="2">
+            <a:schemeClr val="accent1">
+              <a:shade val="50000"/>
+            </a:schemeClr>
+          </a:lnRef>
+          <a:fillRef idx="1">
+            <a:schemeClr val="accent1"/>
+          </a:fillRef>
+          <a:effectRef idx="0">
+            <a:schemeClr val="accent1"/>
+          </a:effectRef>
+          <a:fontRef idx="minor">
+            <a:schemeClr val="lt1"/>
+          </a:fontRef>
+        </p:style>
+        <p:txBody>
+          <a:bodyPr rtlCol="0" anchor="ctr"/>
+          <a:lstStyle/>
+          <a:p>
+            <a:pPr algn="ctr"/>
+            <a:r>
+              <a:rPr lang="vi-VN" dirty="0"/>
+              <a:t>Cài đặt</a:t>
+            </a:r>
+            <a:endParaRPr lang="en-US" dirty="0"/>
+          </a:p>
+        </p:txBody>
+      </p:sp>
+      <p:sp>
+        <p:nvSpPr>
+          <p:cNvPr id="47" name="Oval 46"/>
+          <p:cNvSpPr/>
+          <p:nvPr/>
+        </p:nvSpPr>
+        <p:spPr>
+          <a:xfrm>
+            <a:off x="330383" y="3756315"/>
+            <a:ext cx="676405" cy="619634"/>
+          </a:xfrm>
+          <a:prstGeom prst="ellipse">
+            <a:avLst/>
+          </a:prstGeom>
+        </p:spPr>
+        <p:style>
+          <a:lnRef idx="2">
+            <a:schemeClr val="accent1">
+              <a:hueOff val="0"/>
+              <a:satOff val="0"/>
+              <a:lumOff val="0"/>
+              <a:alphaOff val="0"/>
+            </a:schemeClr>
+          </a:lnRef>
+          <a:fillRef idx="1">
+            <a:schemeClr val="lt1">
+              <a:hueOff val="0"/>
+              <a:satOff val="0"/>
+              <a:lumOff val="0"/>
+              <a:alphaOff val="0"/>
+            </a:schemeClr>
+          </a:fillRef>
+          <a:effectRef idx="0">
+            <a:schemeClr val="lt1">
+              <a:hueOff val="0"/>
+              <a:satOff val="0"/>
+              <a:lumOff val="0"/>
+              <a:alphaOff val="0"/>
+            </a:schemeClr>
+          </a:effectRef>
+          <a:fontRef idx="minor">
+            <a:schemeClr val="dk1">
+              <a:hueOff val="0"/>
+              <a:satOff val="0"/>
+              <a:lumOff val="0"/>
+              <a:alphaOff val="0"/>
+            </a:schemeClr>
+          </a:fontRef>
+        </p:style>
+      </p:sp>
+      <p:sp>
+        <p:nvSpPr>
+          <p:cNvPr id="48" name="Chevron 47"/>
+          <p:cNvSpPr/>
+          <p:nvPr/>
+        </p:nvSpPr>
+        <p:spPr>
+          <a:xfrm>
+            <a:off x="2840798" y="3818096"/>
+            <a:ext cx="6123690" cy="497006"/>
+          </a:xfrm>
+          <a:prstGeom prst="chevron">
+            <a:avLst/>
+          </a:prstGeom>
+          <a:solidFill>
+            <a:srgbClr val="32AEB8"/>
+          </a:solidFill>
+          <a:ln>
+            <a:noFill/>
+          </a:ln>
+        </p:spPr>
+        <p:style>
+          <a:lnRef idx="2">
+            <a:schemeClr val="accent1">
+              <a:shade val="50000"/>
+            </a:schemeClr>
+          </a:lnRef>
+          <a:fillRef idx="1">
+            <a:schemeClr val="accent1"/>
+          </a:fillRef>
+          <a:effectRef idx="0">
+            <a:schemeClr val="accent1"/>
+          </a:effectRef>
+          <a:fontRef idx="minor">
+            <a:schemeClr val="lt1"/>
+          </a:fontRef>
+        </p:style>
+        <p:txBody>
+          <a:bodyPr rtlCol="0" anchor="ctr"/>
+          <a:lstStyle/>
+          <a:p>
+            <a:r>
+              <a:rPr lang="vi-VN" sz="1400" dirty="0"/>
+              <a:t>Phần mềm không tương thích với hệ </a:t>
+            </a:r>
+            <a:r>
+              <a:rPr lang="vi-VN" sz="1400" dirty="0" smtClean="0"/>
+              <a:t>thống</a:t>
+            </a:r>
+            <a:r>
+              <a:rPr lang="en-US" sz="1400" dirty="0" smtClean="0"/>
+              <a:t>, l</a:t>
+            </a:r>
+            <a:r>
+              <a:rPr lang="vi-VN" sz="1400" dirty="0" smtClean="0"/>
+              <a:t>ỗi code</a:t>
+            </a:r>
+            <a:r>
+              <a:rPr lang="en-US" sz="1400" dirty="0" smtClean="0"/>
+              <a:t>,…</a:t>
+            </a:r>
+            <a:endParaRPr lang="en-US" sz="1400" dirty="0"/>
+          </a:p>
+        </p:txBody>
+      </p:sp>
+      <p:sp>
+        <p:nvSpPr>
+          <p:cNvPr id="49" name="Pentagon 48"/>
+          <p:cNvSpPr/>
+          <p:nvPr/>
+        </p:nvSpPr>
+        <p:spPr>
+          <a:xfrm>
+            <a:off x="470073" y="4517149"/>
+            <a:ext cx="2413742" cy="502455"/>
+          </a:xfrm>
+          <a:prstGeom prst="homePlate">
+            <a:avLst/>
+          </a:prstGeom>
+          <a:solidFill>
+            <a:srgbClr val="32AEB8"/>
+          </a:solidFill>
+          <a:ln>
+            <a:noFill/>
+          </a:ln>
+        </p:spPr>
+        <p:style>
+          <a:lnRef idx="2">
+            <a:schemeClr val="accent1">
+              <a:shade val="50000"/>
+            </a:schemeClr>
+          </a:lnRef>
+          <a:fillRef idx="1">
+            <a:schemeClr val="accent1"/>
+          </a:fillRef>
+          <a:effectRef idx="0">
+            <a:schemeClr val="accent1"/>
+          </a:effectRef>
+          <a:fontRef idx="minor">
+            <a:schemeClr val="lt1"/>
+          </a:fontRef>
+        </p:style>
+        <p:txBody>
+          <a:bodyPr rtlCol="0" anchor="ctr"/>
+          <a:lstStyle/>
+          <a:p>
+            <a:pPr algn="ctr"/>
+            <a:r>
+              <a:rPr lang="vi-VN" dirty="0"/>
+              <a:t>Nghiệp vụ</a:t>
+            </a:r>
+            <a:endParaRPr lang="en-US" dirty="0"/>
+          </a:p>
+        </p:txBody>
+      </p:sp>
+      <p:sp>
+        <p:nvSpPr>
+          <p:cNvPr id="50" name="Oval 49"/>
+          <p:cNvSpPr/>
+          <p:nvPr/>
+        </p:nvSpPr>
+        <p:spPr>
+          <a:xfrm>
+            <a:off x="0" y="4453407"/>
+            <a:ext cx="676405" cy="619634"/>
+          </a:xfrm>
+          <a:prstGeom prst="ellipse">
+            <a:avLst/>
+          </a:prstGeom>
+        </p:spPr>
+        <p:style>
+          <a:lnRef idx="2">
+            <a:schemeClr val="accent1">
+              <a:hueOff val="0"/>
+              <a:satOff val="0"/>
+              <a:lumOff val="0"/>
+              <a:alphaOff val="0"/>
+            </a:schemeClr>
+          </a:lnRef>
+          <a:fillRef idx="1">
+            <a:schemeClr val="lt1">
+              <a:hueOff val="0"/>
+              <a:satOff val="0"/>
+              <a:lumOff val="0"/>
+              <a:alphaOff val="0"/>
+            </a:schemeClr>
+          </a:fillRef>
+          <a:effectRef idx="0">
+            <a:schemeClr val="lt1">
+              <a:hueOff val="0"/>
+              <a:satOff val="0"/>
+              <a:lumOff val="0"/>
+              <a:alphaOff val="0"/>
+            </a:schemeClr>
+          </a:effectRef>
+          <a:fontRef idx="minor">
+            <a:schemeClr val="dk1">
+              <a:hueOff val="0"/>
+              <a:satOff val="0"/>
+              <a:lumOff val="0"/>
+              <a:alphaOff val="0"/>
+            </a:schemeClr>
+          </a:fontRef>
+        </p:style>
+      </p:sp>
+      <p:sp>
+        <p:nvSpPr>
+          <p:cNvPr id="51" name="Chevron 50"/>
+          <p:cNvSpPr/>
+          <p:nvPr/>
+        </p:nvSpPr>
+        <p:spPr>
+          <a:xfrm>
+            <a:off x="2840798" y="4523016"/>
+            <a:ext cx="6123690" cy="497006"/>
+          </a:xfrm>
+          <a:prstGeom prst="chevron">
+            <a:avLst/>
+          </a:prstGeom>
+          <a:solidFill>
+            <a:srgbClr val="32AEB8"/>
+          </a:solidFill>
+          <a:ln>
+            <a:noFill/>
+          </a:ln>
+        </p:spPr>
+        <p:style>
+          <a:lnRef idx="2">
+            <a:schemeClr val="accent1">
+              <a:shade val="50000"/>
+            </a:schemeClr>
+          </a:lnRef>
+          <a:fillRef idx="1">
+            <a:schemeClr val="accent1"/>
+          </a:fillRef>
+          <a:effectRef idx="0">
+            <a:schemeClr val="accent1"/>
+          </a:effectRef>
+          <a:fontRef idx="minor">
+            <a:schemeClr val="lt1"/>
+          </a:fontRef>
+        </p:style>
+        <p:txBody>
+          <a:bodyPr rtlCol="0" anchor="ctr"/>
+          <a:lstStyle/>
+          <a:p>
+            <a:r>
+              <a:rPr lang="en-US" sz="1400" dirty="0" err="1" smtClean="0"/>
+              <a:t>Phạm</a:t>
+            </a:r>
+            <a:r>
+              <a:rPr lang="en-US" sz="1400" dirty="0" smtClean="0"/>
+              <a:t> vi </a:t>
+            </a:r>
+            <a:r>
+              <a:rPr lang="en-US" sz="1400" dirty="0" err="1" smtClean="0"/>
+              <a:t>yêu</a:t>
+            </a:r>
+            <a:r>
+              <a:rPr lang="en-US" sz="1400" dirty="0" smtClean="0"/>
+              <a:t> </a:t>
+            </a:r>
+            <a:r>
+              <a:rPr lang="en-US" sz="1400" dirty="0" err="1" smtClean="0"/>
+              <a:t>cầu</a:t>
+            </a:r>
+            <a:r>
+              <a:rPr lang="en-US" sz="1400" dirty="0" smtClean="0"/>
+              <a:t> </a:t>
+            </a:r>
+            <a:r>
+              <a:rPr lang="en-US" sz="1400" dirty="0" err="1" smtClean="0"/>
+              <a:t>tăng</a:t>
+            </a:r>
+            <a:r>
+              <a:rPr lang="en-US" sz="1400" dirty="0" smtClean="0"/>
+              <a:t> </a:t>
+            </a:r>
+            <a:r>
+              <a:rPr lang="en-US" sz="1400" dirty="0" err="1" smtClean="0"/>
+              <a:t>dẫn</a:t>
+            </a:r>
+            <a:r>
+              <a:rPr lang="en-US" sz="1400" dirty="0" smtClean="0"/>
+              <a:t> </a:t>
+            </a:r>
+            <a:r>
+              <a:rPr lang="en-US" sz="1400" dirty="0" err="1" smtClean="0"/>
+              <a:t>đến</a:t>
+            </a:r>
+            <a:r>
+              <a:rPr lang="en-US" sz="1400" dirty="0" smtClean="0"/>
+              <a:t> </a:t>
+            </a:r>
+            <a:r>
+              <a:rPr lang="en-US" sz="1400" dirty="0" err="1" smtClean="0"/>
+              <a:t>thiếu</a:t>
+            </a:r>
+            <a:r>
+              <a:rPr lang="en-US" sz="1400" dirty="0" smtClean="0"/>
+              <a:t> </a:t>
+            </a:r>
+            <a:r>
+              <a:rPr lang="en-US" sz="1400" dirty="0" err="1" smtClean="0"/>
+              <a:t>kinh</a:t>
+            </a:r>
+            <a:r>
+              <a:rPr lang="en-US" sz="1400" dirty="0" smtClean="0"/>
+              <a:t> </a:t>
+            </a:r>
+            <a:r>
+              <a:rPr lang="en-US" sz="1400" dirty="0" err="1" smtClean="0"/>
+              <a:t>phí</a:t>
+            </a:r>
+            <a:r>
+              <a:rPr lang="en-US" sz="1400" dirty="0" smtClean="0"/>
+              <a:t>, </a:t>
+            </a:r>
+            <a:r>
+              <a:rPr lang="en-US" sz="1400" dirty="0" err="1" smtClean="0"/>
+              <a:t>không</a:t>
+            </a:r>
+            <a:r>
+              <a:rPr lang="en-US" sz="1400" dirty="0" smtClean="0"/>
+              <a:t> </a:t>
+            </a:r>
+            <a:r>
+              <a:rPr lang="en-US" sz="1400" dirty="0" err="1" smtClean="0"/>
+              <a:t>đáp</a:t>
+            </a:r>
+            <a:r>
+              <a:rPr lang="en-US" sz="1400" dirty="0" smtClean="0"/>
+              <a:t> </a:t>
+            </a:r>
+            <a:r>
+              <a:rPr lang="en-US" sz="1400" dirty="0" err="1" smtClean="0"/>
+              <a:t>ứng</a:t>
+            </a:r>
+            <a:r>
+              <a:rPr lang="en-US" sz="1400" dirty="0" smtClean="0"/>
+              <a:t> </a:t>
+            </a:r>
+            <a:r>
+              <a:rPr lang="en-US" sz="1400" dirty="0" err="1" smtClean="0"/>
+              <a:t>được</a:t>
+            </a:r>
+            <a:r>
+              <a:rPr lang="en-US" sz="1400" dirty="0" smtClean="0"/>
+              <a:t> </a:t>
+            </a:r>
+          </a:p>
+          <a:p>
+            <a:r>
+              <a:rPr lang="en-US" sz="1400" dirty="0" err="1" smtClean="0"/>
+              <a:t>nhu</a:t>
+            </a:r>
+            <a:r>
+              <a:rPr lang="en-US" sz="1400" dirty="0" smtClean="0"/>
+              <a:t> </a:t>
+            </a:r>
+            <a:r>
+              <a:rPr lang="en-US" sz="1400" dirty="0" err="1" smtClean="0"/>
+              <a:t>cầu</a:t>
+            </a:r>
+            <a:r>
+              <a:rPr lang="en-US" sz="1400" dirty="0"/>
+              <a:t> </a:t>
+            </a:r>
+            <a:r>
+              <a:rPr lang="en-US" sz="1400" dirty="0" err="1" smtClean="0"/>
+              <a:t>sử</a:t>
+            </a:r>
+            <a:r>
+              <a:rPr lang="en-US" sz="1400" dirty="0" smtClean="0"/>
+              <a:t> </a:t>
+            </a:r>
+            <a:r>
+              <a:rPr lang="en-US" sz="1400" dirty="0" err="1" smtClean="0"/>
+              <a:t>dụng</a:t>
+            </a:r>
+            <a:r>
+              <a:rPr lang="en-US" sz="1400" dirty="0" smtClean="0"/>
+              <a:t>,…</a:t>
+            </a:r>
+            <a:endParaRPr lang="en-US" sz="1400" dirty="0" smtClean="0">
+              <a:solidFill>
+                <a:schemeClr val="bg1"/>
+              </a:solidFill>
+            </a:endParaRPr>
+          </a:p>
+        </p:txBody>
+      </p:sp>
+    </p:spTree>
+    <p:extLst>
+      <p:ext uri="{BB962C8B-B14F-4D97-AF65-F5344CB8AC3E}">
+        <p14:creationId xmlns:p14="http://schemas.microsoft.com/office/powerpoint/2010/main" val="3421677144"/>
+      </p:ext>
+    </p:extLst>
+  </p:cSld>
+  <p:clrMapOvr>
+    <a:masterClrMapping/>
+  </p:clrMapOvr>
+  <p:transition spd="slow">
+    <p:cover/>
+  </p:transition>
+  <p:timing>
+    <p:tnLst>
+      <p:par>
+        <p:cTn id="1" dur="indefinite" restart="never" nodeType="tmRoot">
+          <p:childTnLst>
+            <p:seq concurrent="1" nextAc="seek">
+              <p:cTn id="2" dur="indefinite" nodeType="mainSeq">
+                <p:childTnLst>
+                  <p:par>
+                    <p:cTn id="3" fill="hold">
+                      <p:stCondLst>
+                        <p:cond delay="indefinite"/>
+                      </p:stCondLst>
+                      <p:childTnLst>
+                        <p:par>
+                          <p:cTn id="4" fill="hold">
+                            <p:stCondLst>
+                              <p:cond delay="0"/>
+                            </p:stCondLst>
+                            <p:childTnLst>
+                              <p:par>
+                                <p:cTn id="5" presetID="22" presetClass="entr" presetSubtype="1" fill="hold" nodeType="clickEffect">
+                                  <p:stCondLst>
+                                    <p:cond delay="0"/>
+                                  </p:stCondLst>
+                                  <p:childTnLst>
+                                    <p:set>
+                                      <p:cBhvr>
+                                        <p:cTn id="6" dur="1" fill="hold">
+                                          <p:stCondLst>
+                                            <p:cond delay="0"/>
+                                          </p:stCondLst>
+                                        </p:cTn>
+                                        <p:tgtEl>
+                                          <p:spTgt spid="6"/>
+                                        </p:tgtEl>
+                                        <p:attrNameLst>
+                                          <p:attrName>style.visibility</p:attrName>
+                                        </p:attrNameLst>
+                                      </p:cBhvr>
+                                      <p:to>
+                                        <p:strVal val="visible"/>
+                                      </p:to>
+                                    </p:set>
+                                    <p:animEffect transition="in" filter="wipe(up)">
+                                      <p:cBhvr>
+                                        <p:cTn id="7" dur="500"/>
+                                        <p:tgtEl>
+                                          <p:spTgt spid="6"/>
+                                        </p:tgtEl>
+                                      </p:cBhvr>
+                                    </p:animEffect>
+                                  </p:childTnLst>
+                                </p:cTn>
+                              </p:par>
+                              <p:par>
+                                <p:cTn id="8" presetID="22" presetClass="entr" presetSubtype="1" fill="hold" nodeType="withEffect">
+                                  <p:stCondLst>
+                                    <p:cond delay="0"/>
+                                  </p:stCondLst>
+                                  <p:childTnLst>
+                                    <p:set>
+                                      <p:cBhvr>
+                                        <p:cTn id="9" dur="1" fill="hold">
+                                          <p:stCondLst>
+                                            <p:cond delay="0"/>
+                                          </p:stCondLst>
+                                        </p:cTn>
+                                        <p:tgtEl>
+                                          <p:spTgt spid="23"/>
+                                        </p:tgtEl>
+                                        <p:attrNameLst>
+                                          <p:attrName>style.visibility</p:attrName>
+                                        </p:attrNameLst>
+                                      </p:cBhvr>
+                                      <p:to>
+                                        <p:strVal val="visible"/>
+                                      </p:to>
+                                    </p:set>
+                                    <p:animEffect transition="in" filter="wipe(up)">
+                                      <p:cBhvr>
+                                        <p:cTn id="10" dur="500"/>
+                                        <p:tgtEl>
+                                          <p:spTgt spid="23"/>
+                                        </p:tgtEl>
+                                      </p:cBhvr>
+                                    </p:animEffect>
+                                  </p:childTnLst>
+                                </p:cTn>
+                              </p:par>
+                              <p:par>
+                                <p:cTn id="11" presetID="22" presetClass="entr" presetSubtype="1" fill="hold" grpId="0" nodeType="withEffect">
+                                  <p:stCondLst>
+                                    <p:cond delay="0"/>
+                                  </p:stCondLst>
+                                  <p:childTnLst>
+                                    <p:set>
+                                      <p:cBhvr>
+                                        <p:cTn id="12" dur="1" fill="hold">
+                                          <p:stCondLst>
+                                            <p:cond delay="0"/>
+                                          </p:stCondLst>
+                                        </p:cTn>
+                                        <p:tgtEl>
+                                          <p:spTgt spid="22"/>
+                                        </p:tgtEl>
+                                        <p:attrNameLst>
+                                          <p:attrName>style.visibility</p:attrName>
+                                        </p:attrNameLst>
+                                      </p:cBhvr>
+                                      <p:to>
+                                        <p:strVal val="visible"/>
+                                      </p:to>
+                                    </p:set>
+                                    <p:animEffect transition="in" filter="wipe(up)">
+                                      <p:cBhvr>
+                                        <p:cTn id="13" dur="500"/>
+                                        <p:tgtEl>
+                                          <p:spTgt spid="22"/>
+                                        </p:tgtEl>
+                                      </p:cBhvr>
+                                    </p:animEffect>
+                                  </p:childTnLst>
+                                </p:cTn>
+                              </p:par>
+                              <p:par>
+                                <p:cTn id="14" presetID="22" presetClass="entr" presetSubtype="1" fill="hold" grpId="0" nodeType="withEffect">
+                                  <p:stCondLst>
+                                    <p:cond delay="0"/>
+                                  </p:stCondLst>
+                                  <p:childTnLst>
+                                    <p:set>
+                                      <p:cBhvr>
+                                        <p:cTn id="15" dur="1" fill="hold">
+                                          <p:stCondLst>
+                                            <p:cond delay="0"/>
+                                          </p:stCondLst>
+                                        </p:cTn>
+                                        <p:tgtEl>
+                                          <p:spTgt spid="24"/>
+                                        </p:tgtEl>
+                                        <p:attrNameLst>
+                                          <p:attrName>style.visibility</p:attrName>
+                                        </p:attrNameLst>
+                                      </p:cBhvr>
+                                      <p:to>
+                                        <p:strVal val="visible"/>
+                                      </p:to>
+                                    </p:set>
+                                    <p:animEffect transition="in" filter="wipe(up)">
+                                      <p:cBhvr>
+                                        <p:cTn id="16" dur="500"/>
+                                        <p:tgtEl>
+                                          <p:spTgt spid="24"/>
+                                        </p:tgtEl>
+                                      </p:cBhvr>
+                                    </p:animEffect>
+                                  </p:childTnLst>
+                                </p:cTn>
+                              </p:par>
+                            </p:childTnLst>
+                          </p:cTn>
+                        </p:par>
+                      </p:childTnLst>
+                    </p:cTn>
+                  </p:par>
+                  <p:par>
+                    <p:cTn id="17" fill="hold">
+                      <p:stCondLst>
+                        <p:cond delay="indefinite"/>
+                      </p:stCondLst>
+                      <p:childTnLst>
+                        <p:par>
+                          <p:cTn id="18" fill="hold">
+                            <p:stCondLst>
+                              <p:cond delay="0"/>
+                            </p:stCondLst>
+                            <p:childTnLst>
+                              <p:par>
+                                <p:cTn id="19" presetID="22" presetClass="entr" presetSubtype="8" fill="hold" nodeType="clickEffect">
+                                  <p:stCondLst>
+                                    <p:cond delay="0"/>
+                                  </p:stCondLst>
+                                  <p:childTnLst>
+                                    <p:set>
+                                      <p:cBhvr>
+                                        <p:cTn id="20" dur="1" fill="hold">
+                                          <p:stCondLst>
+                                            <p:cond delay="0"/>
+                                          </p:stCondLst>
+                                        </p:cTn>
+                                        <p:tgtEl>
+                                          <p:spTgt spid="26"/>
+                                        </p:tgtEl>
+                                        <p:attrNameLst>
+                                          <p:attrName>style.visibility</p:attrName>
+                                        </p:attrNameLst>
+                                      </p:cBhvr>
+                                      <p:to>
+                                        <p:strVal val="visible"/>
+                                      </p:to>
+                                    </p:set>
+                                    <p:animEffect transition="in" filter="wipe(left)">
+                                      <p:cBhvr>
+                                        <p:cTn id="21" dur="500"/>
+                                        <p:tgtEl>
+                                          <p:spTgt spid="26"/>
+                                        </p:tgtEl>
+                                      </p:cBhvr>
+                                    </p:animEffect>
+                                  </p:childTnLst>
+                                </p:cTn>
+                              </p:par>
+                              <p:par>
+                                <p:cTn id="22" presetID="22" presetClass="entr" presetSubtype="8" fill="hold" grpId="0" nodeType="withEffect">
+                                  <p:stCondLst>
+                                    <p:cond delay="0"/>
+                                  </p:stCondLst>
+                                  <p:childTnLst>
+                                    <p:set>
+                                      <p:cBhvr>
+                                        <p:cTn id="23" dur="1" fill="hold">
+                                          <p:stCondLst>
+                                            <p:cond delay="0"/>
+                                          </p:stCondLst>
+                                        </p:cTn>
+                                        <p:tgtEl>
+                                          <p:spTgt spid="25"/>
+                                        </p:tgtEl>
+                                        <p:attrNameLst>
+                                          <p:attrName>style.visibility</p:attrName>
+                                        </p:attrNameLst>
+                                      </p:cBhvr>
+                                      <p:to>
+                                        <p:strVal val="visible"/>
+                                      </p:to>
+                                    </p:set>
+                                    <p:animEffect transition="in" filter="wipe(left)">
+                                      <p:cBhvr>
+                                        <p:cTn id="24" dur="500"/>
+                                        <p:tgtEl>
+                                          <p:spTgt spid="25"/>
+                                        </p:tgtEl>
+                                      </p:cBhvr>
+                                    </p:animEffect>
+                                  </p:childTnLst>
+                                </p:cTn>
+                              </p:par>
+                              <p:par>
+                                <p:cTn id="25" presetID="22" presetClass="entr" presetSubtype="8" fill="hold" grpId="0" nodeType="withEffect">
+                                  <p:stCondLst>
+                                    <p:cond delay="0"/>
+                                  </p:stCondLst>
+                                  <p:childTnLst>
+                                    <p:set>
+                                      <p:cBhvr>
+                                        <p:cTn id="26" dur="1" fill="hold">
+                                          <p:stCondLst>
+                                            <p:cond delay="0"/>
+                                          </p:stCondLst>
+                                        </p:cTn>
+                                        <p:tgtEl>
+                                          <p:spTgt spid="37"/>
+                                        </p:tgtEl>
+                                        <p:attrNameLst>
+                                          <p:attrName>style.visibility</p:attrName>
+                                        </p:attrNameLst>
+                                      </p:cBhvr>
+                                      <p:to>
+                                        <p:strVal val="visible"/>
+                                      </p:to>
+                                    </p:set>
+                                    <p:animEffect transition="in" filter="wipe(left)">
+                                      <p:cBhvr>
+                                        <p:cTn id="27" dur="500"/>
+                                        <p:tgtEl>
+                                          <p:spTgt spid="37"/>
+                                        </p:tgtEl>
+                                      </p:cBhvr>
+                                    </p:animEffect>
+                                  </p:childTnLst>
+                                </p:cTn>
+                              </p:par>
+                            </p:childTnLst>
+                          </p:cTn>
+                        </p:par>
+                      </p:childTnLst>
+                    </p:cTn>
+                  </p:par>
+                  <p:par>
+                    <p:cTn id="28" fill="hold">
+                      <p:stCondLst>
+                        <p:cond delay="indefinite"/>
+                      </p:stCondLst>
+                      <p:childTnLst>
+                        <p:par>
+                          <p:cTn id="29" fill="hold">
+                            <p:stCondLst>
+                              <p:cond delay="0"/>
+                            </p:stCondLst>
+                            <p:childTnLst>
+                              <p:par>
+                                <p:cTn id="30" presetID="22" presetClass="entr" presetSubtype="8" fill="hold" nodeType="clickEffect">
+                                  <p:stCondLst>
+                                    <p:cond delay="0"/>
+                                  </p:stCondLst>
+                                  <p:childTnLst>
+                                    <p:set>
+                                      <p:cBhvr>
+                                        <p:cTn id="31" dur="1" fill="hold">
+                                          <p:stCondLst>
+                                            <p:cond delay="0"/>
+                                          </p:stCondLst>
+                                        </p:cTn>
+                                        <p:tgtEl>
+                                          <p:spTgt spid="41"/>
+                                        </p:tgtEl>
+                                        <p:attrNameLst>
+                                          <p:attrName>style.visibility</p:attrName>
+                                        </p:attrNameLst>
+                                      </p:cBhvr>
+                                      <p:to>
+                                        <p:strVal val="visible"/>
+                                      </p:to>
+                                    </p:set>
+                                    <p:animEffect transition="in" filter="wipe(left)">
+                                      <p:cBhvr>
+                                        <p:cTn id="32" dur="500"/>
+                                        <p:tgtEl>
+                                          <p:spTgt spid="41"/>
+                                        </p:tgtEl>
+                                      </p:cBhvr>
+                                    </p:animEffect>
+                                  </p:childTnLst>
+                                </p:cTn>
+                              </p:par>
+                              <p:par>
+                                <p:cTn id="33" presetID="22" presetClass="entr" presetSubtype="8" fill="hold" grpId="0" nodeType="withEffect">
+                                  <p:stCondLst>
+                                    <p:cond delay="0"/>
+                                  </p:stCondLst>
+                                  <p:childTnLst>
+                                    <p:set>
+                                      <p:cBhvr>
+                                        <p:cTn id="34" dur="1" fill="hold">
+                                          <p:stCondLst>
+                                            <p:cond delay="0"/>
+                                          </p:stCondLst>
+                                        </p:cTn>
+                                        <p:tgtEl>
+                                          <p:spTgt spid="40"/>
+                                        </p:tgtEl>
+                                        <p:attrNameLst>
+                                          <p:attrName>style.visibility</p:attrName>
+                                        </p:attrNameLst>
+                                      </p:cBhvr>
+                                      <p:to>
+                                        <p:strVal val="visible"/>
+                                      </p:to>
+                                    </p:set>
+                                    <p:animEffect transition="in" filter="wipe(left)">
+                                      <p:cBhvr>
+                                        <p:cTn id="35" dur="500"/>
+                                        <p:tgtEl>
+                                          <p:spTgt spid="40"/>
+                                        </p:tgtEl>
+                                      </p:cBhvr>
+                                    </p:animEffect>
+                                  </p:childTnLst>
+                                </p:cTn>
+                              </p:par>
+                              <p:par>
+                                <p:cTn id="36" presetID="22" presetClass="entr" presetSubtype="8" fill="hold" grpId="0" nodeType="withEffect">
+                                  <p:stCondLst>
+                                    <p:cond delay="0"/>
+                                  </p:stCondLst>
+                                  <p:childTnLst>
+                                    <p:set>
+                                      <p:cBhvr>
+                                        <p:cTn id="37" dur="1" fill="hold">
+                                          <p:stCondLst>
+                                            <p:cond delay="0"/>
+                                          </p:stCondLst>
+                                        </p:cTn>
+                                        <p:tgtEl>
+                                          <p:spTgt spid="42"/>
+                                        </p:tgtEl>
+                                        <p:attrNameLst>
+                                          <p:attrName>style.visibility</p:attrName>
+                                        </p:attrNameLst>
+                                      </p:cBhvr>
+                                      <p:to>
+                                        <p:strVal val="visible"/>
+                                      </p:to>
+                                    </p:set>
+                                    <p:animEffect transition="in" filter="wipe(left)">
+                                      <p:cBhvr>
+                                        <p:cTn id="38" dur="500"/>
+                                        <p:tgtEl>
+                                          <p:spTgt spid="42"/>
+                                        </p:tgtEl>
+                                      </p:cBhvr>
+                                    </p:animEffect>
+                                  </p:childTnLst>
+                                </p:cTn>
+                              </p:par>
+                            </p:childTnLst>
+                          </p:cTn>
+                        </p:par>
+                      </p:childTnLst>
+                    </p:cTn>
+                  </p:par>
+                  <p:par>
+                    <p:cTn id="39" fill="hold">
+                      <p:stCondLst>
+                        <p:cond delay="indefinite"/>
+                      </p:stCondLst>
+                      <p:childTnLst>
+                        <p:par>
+                          <p:cTn id="40" fill="hold">
+                            <p:stCondLst>
+                              <p:cond delay="0"/>
+                            </p:stCondLst>
+                            <p:childTnLst>
+                              <p:par>
+                                <p:cTn id="41" presetID="22" presetClass="entr" presetSubtype="8" fill="hold" nodeType="clickEffect">
+                                  <p:stCondLst>
+                                    <p:cond delay="0"/>
+                                  </p:stCondLst>
+                                  <p:childTnLst>
+                                    <p:set>
+                                      <p:cBhvr>
+                                        <p:cTn id="42" dur="1" fill="hold">
+                                          <p:stCondLst>
+                                            <p:cond delay="0"/>
+                                          </p:stCondLst>
+                                        </p:cTn>
+                                        <p:tgtEl>
+                                          <p:spTgt spid="44"/>
+                                        </p:tgtEl>
+                                        <p:attrNameLst>
+                                          <p:attrName>style.visibility</p:attrName>
+                                        </p:attrNameLst>
+                                      </p:cBhvr>
+                                      <p:to>
+                                        <p:strVal val="visible"/>
+                                      </p:to>
+                                    </p:set>
+                                    <p:animEffect transition="in" filter="wipe(left)">
+                                      <p:cBhvr>
+                                        <p:cTn id="43" dur="500"/>
+                                        <p:tgtEl>
+                                          <p:spTgt spid="44"/>
+                                        </p:tgtEl>
+                                      </p:cBhvr>
+                                    </p:animEffect>
+                                  </p:childTnLst>
+                                </p:cTn>
+                              </p:par>
+                              <p:par>
+                                <p:cTn id="44" presetID="22" presetClass="entr" presetSubtype="8" fill="hold" grpId="0" nodeType="withEffect">
+                                  <p:stCondLst>
+                                    <p:cond delay="0"/>
+                                  </p:stCondLst>
+                                  <p:childTnLst>
+                                    <p:set>
+                                      <p:cBhvr>
+                                        <p:cTn id="45" dur="1" fill="hold">
+                                          <p:stCondLst>
+                                            <p:cond delay="0"/>
+                                          </p:stCondLst>
+                                        </p:cTn>
+                                        <p:tgtEl>
+                                          <p:spTgt spid="43"/>
+                                        </p:tgtEl>
+                                        <p:attrNameLst>
+                                          <p:attrName>style.visibility</p:attrName>
+                                        </p:attrNameLst>
+                                      </p:cBhvr>
+                                      <p:to>
+                                        <p:strVal val="visible"/>
+                                      </p:to>
+                                    </p:set>
+                                    <p:animEffect transition="in" filter="wipe(left)">
+                                      <p:cBhvr>
+                                        <p:cTn id="46" dur="500"/>
+                                        <p:tgtEl>
+                                          <p:spTgt spid="43"/>
+                                        </p:tgtEl>
+                                      </p:cBhvr>
+                                    </p:animEffect>
+                                  </p:childTnLst>
+                                </p:cTn>
+                              </p:par>
+                              <p:par>
+                                <p:cTn id="47" presetID="22" presetClass="entr" presetSubtype="8" fill="hold" grpId="0" nodeType="withEffect">
+                                  <p:stCondLst>
+                                    <p:cond delay="0"/>
+                                  </p:stCondLst>
+                                  <p:childTnLst>
+                                    <p:set>
+                                      <p:cBhvr>
+                                        <p:cTn id="48" dur="1" fill="hold">
+                                          <p:stCondLst>
+                                            <p:cond delay="0"/>
+                                          </p:stCondLst>
+                                        </p:cTn>
+                                        <p:tgtEl>
+                                          <p:spTgt spid="45"/>
+                                        </p:tgtEl>
+                                        <p:attrNameLst>
+                                          <p:attrName>style.visibility</p:attrName>
+                                        </p:attrNameLst>
+                                      </p:cBhvr>
+                                      <p:to>
+                                        <p:strVal val="visible"/>
+                                      </p:to>
+                                    </p:set>
+                                    <p:animEffect transition="in" filter="wipe(left)">
+                                      <p:cBhvr>
+                                        <p:cTn id="49" dur="500"/>
+                                        <p:tgtEl>
+                                          <p:spTgt spid="45"/>
+                                        </p:tgtEl>
+                                      </p:cBhvr>
+                                    </p:animEffect>
+                                  </p:childTnLst>
+                                </p:cTn>
+                              </p:par>
+                            </p:childTnLst>
+                          </p:cTn>
+                        </p:par>
+                      </p:childTnLst>
+                    </p:cTn>
+                  </p:par>
+                  <p:par>
+                    <p:cTn id="50" fill="hold">
+                      <p:stCondLst>
+                        <p:cond delay="indefinite"/>
+                      </p:stCondLst>
+                      <p:childTnLst>
+                        <p:par>
+                          <p:cTn id="51" fill="hold">
+                            <p:stCondLst>
+                              <p:cond delay="0"/>
+                            </p:stCondLst>
+                            <p:childTnLst>
+                              <p:par>
+                                <p:cTn id="52" presetID="22" presetClass="entr" presetSubtype="8" fill="hold" nodeType="clickEffect">
+                                  <p:stCondLst>
+                                    <p:cond delay="0"/>
+                                  </p:stCondLst>
+                                  <p:childTnLst>
+                                    <p:set>
+                                      <p:cBhvr>
+                                        <p:cTn id="53" dur="1" fill="hold">
+                                          <p:stCondLst>
+                                            <p:cond delay="0"/>
+                                          </p:stCondLst>
+                                        </p:cTn>
+                                        <p:tgtEl>
+                                          <p:spTgt spid="47"/>
+                                        </p:tgtEl>
+                                        <p:attrNameLst>
+                                          <p:attrName>style.visibility</p:attrName>
+                                        </p:attrNameLst>
+                                      </p:cBhvr>
+                                      <p:to>
+                                        <p:strVal val="visible"/>
+                                      </p:to>
+                                    </p:set>
+                                    <p:animEffect transition="in" filter="wipe(left)">
+                                      <p:cBhvr>
+                                        <p:cTn id="54" dur="500"/>
+                                        <p:tgtEl>
+                                          <p:spTgt spid="47"/>
+                                        </p:tgtEl>
+                                      </p:cBhvr>
+                                    </p:animEffect>
+                                  </p:childTnLst>
+                                </p:cTn>
+                              </p:par>
+                              <p:par>
+                                <p:cTn id="55" presetID="22" presetClass="entr" presetSubtype="8" fill="hold" grpId="0" nodeType="withEffect">
+                                  <p:stCondLst>
+                                    <p:cond delay="0"/>
+                                  </p:stCondLst>
+                                  <p:childTnLst>
+                                    <p:set>
+                                      <p:cBhvr>
+                                        <p:cTn id="56" dur="1" fill="hold">
+                                          <p:stCondLst>
+                                            <p:cond delay="0"/>
+                                          </p:stCondLst>
+                                        </p:cTn>
+                                        <p:tgtEl>
+                                          <p:spTgt spid="46"/>
+                                        </p:tgtEl>
+                                        <p:attrNameLst>
+                                          <p:attrName>style.visibility</p:attrName>
+                                        </p:attrNameLst>
+                                      </p:cBhvr>
+                                      <p:to>
+                                        <p:strVal val="visible"/>
+                                      </p:to>
+                                    </p:set>
+                                    <p:animEffect transition="in" filter="wipe(left)">
+                                      <p:cBhvr>
+                                        <p:cTn id="57" dur="500"/>
+                                        <p:tgtEl>
+                                          <p:spTgt spid="46"/>
+                                        </p:tgtEl>
+                                      </p:cBhvr>
+                                    </p:animEffect>
+                                  </p:childTnLst>
+                                </p:cTn>
+                              </p:par>
+                              <p:par>
+                                <p:cTn id="58" presetID="22" presetClass="entr" presetSubtype="8" fill="hold" grpId="0" nodeType="withEffect">
+                                  <p:stCondLst>
+                                    <p:cond delay="0"/>
+                                  </p:stCondLst>
+                                  <p:childTnLst>
+                                    <p:set>
+                                      <p:cBhvr>
+                                        <p:cTn id="59" dur="1" fill="hold">
+                                          <p:stCondLst>
+                                            <p:cond delay="0"/>
+                                          </p:stCondLst>
+                                        </p:cTn>
+                                        <p:tgtEl>
+                                          <p:spTgt spid="48"/>
+                                        </p:tgtEl>
+                                        <p:attrNameLst>
+                                          <p:attrName>style.visibility</p:attrName>
+                                        </p:attrNameLst>
+                                      </p:cBhvr>
+                                      <p:to>
+                                        <p:strVal val="visible"/>
+                                      </p:to>
+                                    </p:set>
+                                    <p:animEffect transition="in" filter="wipe(left)">
+                                      <p:cBhvr>
+                                        <p:cTn id="60" dur="500"/>
+                                        <p:tgtEl>
+                                          <p:spTgt spid="48"/>
+                                        </p:tgtEl>
+                                      </p:cBhvr>
+                                    </p:animEffect>
+                                  </p:childTnLst>
+                                </p:cTn>
+                              </p:par>
+                            </p:childTnLst>
+                          </p:cTn>
+                        </p:par>
+                      </p:childTnLst>
+                    </p:cTn>
+                  </p:par>
+                  <p:par>
+                    <p:cTn id="61" fill="hold">
+                      <p:stCondLst>
+                        <p:cond delay="indefinite"/>
+                      </p:stCondLst>
+                      <p:childTnLst>
+                        <p:par>
+                          <p:cTn id="62" fill="hold">
+                            <p:stCondLst>
+                              <p:cond delay="0"/>
+                            </p:stCondLst>
+                            <p:childTnLst>
+                              <p:par>
+                                <p:cTn id="63" presetID="22" presetClass="entr" presetSubtype="8" fill="hold" nodeType="clickEffect">
+                                  <p:stCondLst>
+                                    <p:cond delay="0"/>
+                                  </p:stCondLst>
+                                  <p:childTnLst>
+                                    <p:set>
+                                      <p:cBhvr>
+                                        <p:cTn id="64" dur="1" fill="hold">
+                                          <p:stCondLst>
+                                            <p:cond delay="0"/>
+                                          </p:stCondLst>
+                                        </p:cTn>
+                                        <p:tgtEl>
+                                          <p:spTgt spid="50"/>
+                                        </p:tgtEl>
+                                        <p:attrNameLst>
+                                          <p:attrName>style.visibility</p:attrName>
+                                        </p:attrNameLst>
+                                      </p:cBhvr>
+                                      <p:to>
+                                        <p:strVal val="visible"/>
+                                      </p:to>
+                                    </p:set>
+                                    <p:animEffect transition="in" filter="wipe(left)">
+                                      <p:cBhvr>
+                                        <p:cTn id="65" dur="500"/>
+                                        <p:tgtEl>
+                                          <p:spTgt spid="50"/>
+                                        </p:tgtEl>
+                                      </p:cBhvr>
+                                    </p:animEffect>
+                                  </p:childTnLst>
+                                </p:cTn>
+                              </p:par>
+                              <p:par>
+                                <p:cTn id="66" presetID="22" presetClass="entr" presetSubtype="8" fill="hold" grpId="0" nodeType="withEffect">
+                                  <p:stCondLst>
+                                    <p:cond delay="0"/>
+                                  </p:stCondLst>
+                                  <p:childTnLst>
+                                    <p:set>
+                                      <p:cBhvr>
+                                        <p:cTn id="67" dur="1" fill="hold">
+                                          <p:stCondLst>
+                                            <p:cond delay="0"/>
+                                          </p:stCondLst>
+                                        </p:cTn>
+                                        <p:tgtEl>
+                                          <p:spTgt spid="49"/>
+                                        </p:tgtEl>
+                                        <p:attrNameLst>
+                                          <p:attrName>style.visibility</p:attrName>
+                                        </p:attrNameLst>
+                                      </p:cBhvr>
+                                      <p:to>
+                                        <p:strVal val="visible"/>
+                                      </p:to>
+                                    </p:set>
+                                    <p:animEffect transition="in" filter="wipe(left)">
+                                      <p:cBhvr>
+                                        <p:cTn id="68" dur="500"/>
+                                        <p:tgtEl>
+                                          <p:spTgt spid="49"/>
+                                        </p:tgtEl>
+                                      </p:cBhvr>
+                                    </p:animEffect>
+                                  </p:childTnLst>
+                                </p:cTn>
+                              </p:par>
+                              <p:par>
+                                <p:cTn id="69" presetID="22" presetClass="entr" presetSubtype="8" fill="hold" grpId="0" nodeType="withEffect">
+                                  <p:stCondLst>
+                                    <p:cond delay="0"/>
+                                  </p:stCondLst>
+                                  <p:childTnLst>
+                                    <p:set>
+                                      <p:cBhvr>
+                                        <p:cTn id="70" dur="1" fill="hold">
+                                          <p:stCondLst>
+                                            <p:cond delay="0"/>
+                                          </p:stCondLst>
+                                        </p:cTn>
+                                        <p:tgtEl>
+                                          <p:spTgt spid="51"/>
+                                        </p:tgtEl>
+                                        <p:attrNameLst>
+                                          <p:attrName>style.visibility</p:attrName>
+                                        </p:attrNameLst>
+                                      </p:cBhvr>
+                                      <p:to>
+                                        <p:strVal val="visible"/>
+                                      </p:to>
+                                    </p:set>
+                                    <p:animEffect transition="in" filter="wipe(left)">
+                                      <p:cBhvr>
+                                        <p:cTn id="71" dur="500"/>
+                                        <p:tgtEl>
+                                          <p:spTgt spid="51"/>
+                                        </p:tgtEl>
+                                      </p:cBhvr>
+                                    </p:animEffect>
+                                  </p:childTnLst>
+                                </p:cTn>
+                              </p:par>
+                            </p:childTnLst>
+                          </p:cTn>
+                        </p:par>
+                      </p:childTnLst>
+                    </p:cTn>
+                  </p:par>
+                </p:childTnLst>
+              </p:cTn>
+              <p:prevCondLst>
+                <p:cond evt="onPrev" delay="0">
+                  <p:tgtEl>
+                    <p:sldTgt/>
+                  </p:tgtEl>
+                </p:cond>
+              </p:prevCondLst>
+              <p:nextCondLst>
+                <p:cond evt="onNext" delay="0">
+                  <p:tgtEl>
+                    <p:sldTgt/>
+                  </p:tgtEl>
+                </p:cond>
+              </p:nextCondLst>
+            </p:seq>
+          </p:childTnLst>
+        </p:cTn>
+      </p:par>
+    </p:tnLst>
+    <p:bldLst>
+      <p:bldP spid="22" grpId="0" animBg="1"/>
+      <p:bldP spid="24" grpId="0" animBg="1"/>
+      <p:bldP spid="25" grpId="0" animBg="1"/>
+      <p:bldP spid="37" grpId="0" animBg="1"/>
+      <p:bldP spid="40" grpId="0" animBg="1"/>
+      <p:bldP spid="42" grpId="0" animBg="1"/>
+      <p:bldP spid="43" grpId="0" animBg="1"/>
+      <p:bldP spid="45" grpId="0" animBg="1"/>
+      <p:bldP spid="46" grpId="0" animBg="1"/>
+      <p:bldP spid="48" grpId="0" animBg="1"/>
+      <p:bldP spid="49" grpId="0" animBg="1"/>
+      <p:bldP spid="51" grpId="0" animBg="1"/>
+    </p:bldLst>
+  </p:timing>
+</p:sld>
+</file>
+
+<file path=ppt/slides/slide14.xml><?xml version="1.0" encoding="utf-8"?>
 <p:sld xmlns:a="http://schemas.openxmlformats.org/drawingml/2006/main" xmlns:r="http://schemas.openxmlformats.org/officeDocument/2006/relationships" xmlns:p="http://schemas.openxmlformats.org/presentationml/2006/main">
   <p:cSld>
     <p:spTree>
@@ -35356,28 +37933,28 @@
                 <a:gridCol w="207893">
                   <a:extLst>
                     <a:ext uri="{9D8B030D-6E8A-4147-A177-3AD203B41FA5}">
-                      <a16:colId xmlns:a16="http://schemas.microsoft.com/office/drawing/2014/main" val="993252977"/>
+                      <a16:colId xmlns:a16="http://schemas.microsoft.com/office/drawing/2014/main" xmlns="" val="993252977"/>
                     </a:ext>
                   </a:extLst>
                 </a:gridCol>
                 <a:gridCol w="1987843">
                   <a:extLst>
                     <a:ext uri="{9D8B030D-6E8A-4147-A177-3AD203B41FA5}">
-                      <a16:colId xmlns:a16="http://schemas.microsoft.com/office/drawing/2014/main" val="1322109277"/>
+                      <a16:colId xmlns:a16="http://schemas.microsoft.com/office/drawing/2014/main" xmlns="" val="1322109277"/>
                     </a:ext>
                   </a:extLst>
                 </a:gridCol>
                 <a:gridCol w="936104">
                   <a:extLst>
                     <a:ext uri="{9D8B030D-6E8A-4147-A177-3AD203B41FA5}">
-                      <a16:colId xmlns:a16="http://schemas.microsoft.com/office/drawing/2014/main" val="965916880"/>
+                      <a16:colId xmlns:a16="http://schemas.microsoft.com/office/drawing/2014/main" xmlns="" val="965916880"/>
                     </a:ext>
                   </a:extLst>
                 </a:gridCol>
                 <a:gridCol w="942863">
                   <a:extLst>
                     <a:ext uri="{9D8B030D-6E8A-4147-A177-3AD203B41FA5}">
-                      <a16:colId xmlns:a16="http://schemas.microsoft.com/office/drawing/2014/main" val="3826113273"/>
+                      <a16:colId xmlns:a16="http://schemas.microsoft.com/office/drawing/2014/main" xmlns="" val="3826113273"/>
                     </a:ext>
                   </a:extLst>
                 </a:gridCol>
@@ -35541,7 +38118,7 @@
                 </a:tc>
                 <a:extLst>
                   <a:ext uri="{0D108BD9-81ED-4DB2-BD59-A6C34878D82A}">
-                    <a16:rowId xmlns:a16="http://schemas.microsoft.com/office/drawing/2014/main" val="1029573305"/>
+                    <a16:rowId xmlns:a16="http://schemas.microsoft.com/office/drawing/2014/main" xmlns="" val="1029573305"/>
                   </a:ext>
                 </a:extLst>
               </a:tr>
@@ -35676,7 +38253,7 @@
                 </a:tc>
                 <a:extLst>
                   <a:ext uri="{0D108BD9-81ED-4DB2-BD59-A6C34878D82A}">
-                    <a16:rowId xmlns:a16="http://schemas.microsoft.com/office/drawing/2014/main" val="3450903129"/>
+                    <a16:rowId xmlns:a16="http://schemas.microsoft.com/office/drawing/2014/main" xmlns="" val="3450903129"/>
                   </a:ext>
                 </a:extLst>
               </a:tr>
@@ -35811,7 +38388,7 @@
                 </a:tc>
                 <a:extLst>
                   <a:ext uri="{0D108BD9-81ED-4DB2-BD59-A6C34878D82A}">
-                    <a16:rowId xmlns:a16="http://schemas.microsoft.com/office/drawing/2014/main" val="2934985046"/>
+                    <a16:rowId xmlns:a16="http://schemas.microsoft.com/office/drawing/2014/main" xmlns="" val="2934985046"/>
                   </a:ext>
                 </a:extLst>
               </a:tr>
@@ -35946,7 +38523,7 @@
                 </a:tc>
                 <a:extLst>
                   <a:ext uri="{0D108BD9-81ED-4DB2-BD59-A6C34878D82A}">
-                    <a16:rowId xmlns:a16="http://schemas.microsoft.com/office/drawing/2014/main" val="507756792"/>
+                    <a16:rowId xmlns:a16="http://schemas.microsoft.com/office/drawing/2014/main" xmlns="" val="507756792"/>
                   </a:ext>
                 </a:extLst>
               </a:tr>
@@ -36081,7 +38658,7 @@
                 </a:tc>
                 <a:extLst>
                   <a:ext uri="{0D108BD9-81ED-4DB2-BD59-A6C34878D82A}">
-                    <a16:rowId xmlns:a16="http://schemas.microsoft.com/office/drawing/2014/main" val="996940151"/>
+                    <a16:rowId xmlns:a16="http://schemas.microsoft.com/office/drawing/2014/main" xmlns="" val="996940151"/>
                   </a:ext>
                 </a:extLst>
               </a:tr>
@@ -36216,7 +38793,7 @@
                 </a:tc>
                 <a:extLst>
                   <a:ext uri="{0D108BD9-81ED-4DB2-BD59-A6C34878D82A}">
-                    <a16:rowId xmlns:a16="http://schemas.microsoft.com/office/drawing/2014/main" val="2951058208"/>
+                    <a16:rowId xmlns:a16="http://schemas.microsoft.com/office/drawing/2014/main" xmlns="" val="2951058208"/>
                   </a:ext>
                 </a:extLst>
               </a:tr>
@@ -36351,7 +38928,7 @@
                 </a:tc>
                 <a:extLst>
                   <a:ext uri="{0D108BD9-81ED-4DB2-BD59-A6C34878D82A}">
-                    <a16:rowId xmlns:a16="http://schemas.microsoft.com/office/drawing/2014/main" val="3217075677"/>
+                    <a16:rowId xmlns:a16="http://schemas.microsoft.com/office/drawing/2014/main" xmlns="" val="3217075677"/>
                   </a:ext>
                 </a:extLst>
               </a:tr>
@@ -36486,7 +39063,7 @@
                 </a:tc>
                 <a:extLst>
                   <a:ext uri="{0D108BD9-81ED-4DB2-BD59-A6C34878D82A}">
-                    <a16:rowId xmlns:a16="http://schemas.microsoft.com/office/drawing/2014/main" val="2255415068"/>
+                    <a16:rowId xmlns:a16="http://schemas.microsoft.com/office/drawing/2014/main" xmlns="" val="2255415068"/>
                   </a:ext>
                 </a:extLst>
               </a:tr>
@@ -36621,7 +39198,7 @@
                 </a:tc>
                 <a:extLst>
                   <a:ext uri="{0D108BD9-81ED-4DB2-BD59-A6C34878D82A}">
-                    <a16:rowId xmlns:a16="http://schemas.microsoft.com/office/drawing/2014/main" val="3511100479"/>
+                    <a16:rowId xmlns:a16="http://schemas.microsoft.com/office/drawing/2014/main" xmlns="" val="3511100479"/>
                   </a:ext>
                 </a:extLst>
               </a:tr>
@@ -36756,7 +39333,7 @@
                 </a:tc>
                 <a:extLst>
                   <a:ext uri="{0D108BD9-81ED-4DB2-BD59-A6C34878D82A}">
-                    <a16:rowId xmlns:a16="http://schemas.microsoft.com/office/drawing/2014/main" val="2426890671"/>
+                    <a16:rowId xmlns:a16="http://schemas.microsoft.com/office/drawing/2014/main" xmlns="" val="2426890671"/>
                   </a:ext>
                 </a:extLst>
               </a:tr>
@@ -36891,7 +39468,7 @@
                 </a:tc>
                 <a:extLst>
                   <a:ext uri="{0D108BD9-81ED-4DB2-BD59-A6C34878D82A}">
-                    <a16:rowId xmlns:a16="http://schemas.microsoft.com/office/drawing/2014/main" val="2079778918"/>
+                    <a16:rowId xmlns:a16="http://schemas.microsoft.com/office/drawing/2014/main" xmlns="" val="2079778918"/>
                   </a:ext>
                 </a:extLst>
               </a:tr>
@@ -37054,7 +39631,7 @@
                 </a:tc>
                 <a:extLst>
                   <a:ext uri="{0D108BD9-81ED-4DB2-BD59-A6C34878D82A}">
-                    <a16:rowId xmlns:a16="http://schemas.microsoft.com/office/drawing/2014/main" val="2998932665"/>
+                    <a16:rowId xmlns:a16="http://schemas.microsoft.com/office/drawing/2014/main" xmlns="" val="2998932665"/>
                   </a:ext>
                 </a:extLst>
               </a:tr>
@@ -37189,7 +39766,7 @@
                 </a:tc>
                 <a:extLst>
                   <a:ext uri="{0D108BD9-81ED-4DB2-BD59-A6C34878D82A}">
-                    <a16:rowId xmlns:a16="http://schemas.microsoft.com/office/drawing/2014/main" val="2626392403"/>
+                    <a16:rowId xmlns:a16="http://schemas.microsoft.com/office/drawing/2014/main" xmlns="" val="2626392403"/>
                   </a:ext>
                 </a:extLst>
               </a:tr>
@@ -37324,7 +39901,7 @@
                 </a:tc>
                 <a:extLst>
                   <a:ext uri="{0D108BD9-81ED-4DB2-BD59-A6C34878D82A}">
-                    <a16:rowId xmlns:a16="http://schemas.microsoft.com/office/drawing/2014/main" val="2987382929"/>
+                    <a16:rowId xmlns:a16="http://schemas.microsoft.com/office/drawing/2014/main" xmlns="" val="2987382929"/>
                   </a:ext>
                 </a:extLst>
               </a:tr>
@@ -37360,28 +39937,28 @@
                 <a:gridCol w="254956">
                   <a:extLst>
                     <a:ext uri="{9D8B030D-6E8A-4147-A177-3AD203B41FA5}">
-                      <a16:colId xmlns:a16="http://schemas.microsoft.com/office/drawing/2014/main" val="3467281822"/>
+                      <a16:colId xmlns:a16="http://schemas.microsoft.com/office/drawing/2014/main" xmlns="" val="3467281822"/>
                     </a:ext>
                   </a:extLst>
                 </a:gridCol>
                 <a:gridCol w="2937668">
                   <a:extLst>
                     <a:ext uri="{9D8B030D-6E8A-4147-A177-3AD203B41FA5}">
-                      <a16:colId xmlns:a16="http://schemas.microsoft.com/office/drawing/2014/main" val="3343962413"/>
+                      <a16:colId xmlns:a16="http://schemas.microsoft.com/office/drawing/2014/main" xmlns="" val="3343962413"/>
                     </a:ext>
                   </a:extLst>
                 </a:gridCol>
                 <a:gridCol w="971669">
                   <a:extLst>
                     <a:ext uri="{9D8B030D-6E8A-4147-A177-3AD203B41FA5}">
-                      <a16:colId xmlns:a16="http://schemas.microsoft.com/office/drawing/2014/main" val="1795382390"/>
+                      <a16:colId xmlns:a16="http://schemas.microsoft.com/office/drawing/2014/main" xmlns="" val="1795382390"/>
                     </a:ext>
                   </a:extLst>
                 </a:gridCol>
                 <a:gridCol w="832859">
                   <a:extLst>
                     <a:ext uri="{9D8B030D-6E8A-4147-A177-3AD203B41FA5}">
-                      <a16:colId xmlns:a16="http://schemas.microsoft.com/office/drawing/2014/main" val="1953180135"/>
+                      <a16:colId xmlns:a16="http://schemas.microsoft.com/office/drawing/2014/main" xmlns="" val="1953180135"/>
                     </a:ext>
                   </a:extLst>
                 </a:gridCol>
@@ -37545,7 +40122,7 @@
                 </a:tc>
                 <a:extLst>
                   <a:ext uri="{0D108BD9-81ED-4DB2-BD59-A6C34878D82A}">
-                    <a16:rowId xmlns:a16="http://schemas.microsoft.com/office/drawing/2014/main" val="1476789936"/>
+                    <a16:rowId xmlns:a16="http://schemas.microsoft.com/office/drawing/2014/main" xmlns="" val="1476789936"/>
                   </a:ext>
                 </a:extLst>
               </a:tr>
@@ -37680,7 +40257,7 @@
                 </a:tc>
                 <a:extLst>
                   <a:ext uri="{0D108BD9-81ED-4DB2-BD59-A6C34878D82A}">
-                    <a16:rowId xmlns:a16="http://schemas.microsoft.com/office/drawing/2014/main" val="2235205793"/>
+                    <a16:rowId xmlns:a16="http://schemas.microsoft.com/office/drawing/2014/main" xmlns="" val="2235205793"/>
                   </a:ext>
                 </a:extLst>
               </a:tr>
@@ -37815,7 +40392,7 @@
                 </a:tc>
                 <a:extLst>
                   <a:ext uri="{0D108BD9-81ED-4DB2-BD59-A6C34878D82A}">
-                    <a16:rowId xmlns:a16="http://schemas.microsoft.com/office/drawing/2014/main" val="2260336039"/>
+                    <a16:rowId xmlns:a16="http://schemas.microsoft.com/office/drawing/2014/main" xmlns="" val="2260336039"/>
                   </a:ext>
                 </a:extLst>
               </a:tr>
@@ -37950,7 +40527,7 @@
                 </a:tc>
                 <a:extLst>
                   <a:ext uri="{0D108BD9-81ED-4DB2-BD59-A6C34878D82A}">
-                    <a16:rowId xmlns:a16="http://schemas.microsoft.com/office/drawing/2014/main" val="2622292242"/>
+                    <a16:rowId xmlns:a16="http://schemas.microsoft.com/office/drawing/2014/main" xmlns="" val="2622292242"/>
                   </a:ext>
                 </a:extLst>
               </a:tr>
@@ -38085,7 +40662,7 @@
                 </a:tc>
                 <a:extLst>
                   <a:ext uri="{0D108BD9-81ED-4DB2-BD59-A6C34878D82A}">
-                    <a16:rowId xmlns:a16="http://schemas.microsoft.com/office/drawing/2014/main" val="2366861278"/>
+                    <a16:rowId xmlns:a16="http://schemas.microsoft.com/office/drawing/2014/main" xmlns="" val="2366861278"/>
                   </a:ext>
                 </a:extLst>
               </a:tr>
@@ -38220,7 +40797,7 @@
                 </a:tc>
                 <a:extLst>
                   <a:ext uri="{0D108BD9-81ED-4DB2-BD59-A6C34878D82A}">
-                    <a16:rowId xmlns:a16="http://schemas.microsoft.com/office/drawing/2014/main" val="3925908686"/>
+                    <a16:rowId xmlns:a16="http://schemas.microsoft.com/office/drawing/2014/main" xmlns="" val="3925908686"/>
                   </a:ext>
                 </a:extLst>
               </a:tr>
@@ -38355,7 +40932,7 @@
                 </a:tc>
                 <a:extLst>
                   <a:ext uri="{0D108BD9-81ED-4DB2-BD59-A6C34878D82A}">
-                    <a16:rowId xmlns:a16="http://schemas.microsoft.com/office/drawing/2014/main" val="3778334257"/>
+                    <a16:rowId xmlns:a16="http://schemas.microsoft.com/office/drawing/2014/main" xmlns="" val="3778334257"/>
                   </a:ext>
                 </a:extLst>
               </a:tr>
@@ -38490,7 +41067,7 @@
                 </a:tc>
                 <a:extLst>
                   <a:ext uri="{0D108BD9-81ED-4DB2-BD59-A6C34878D82A}">
-                    <a16:rowId xmlns:a16="http://schemas.microsoft.com/office/drawing/2014/main" val="3684376204"/>
+                    <a16:rowId xmlns:a16="http://schemas.microsoft.com/office/drawing/2014/main" xmlns="" val="3684376204"/>
                   </a:ext>
                 </a:extLst>
               </a:tr>
@@ -38625,7 +41202,7 @@
                 </a:tc>
                 <a:extLst>
                   <a:ext uri="{0D108BD9-81ED-4DB2-BD59-A6C34878D82A}">
-                    <a16:rowId xmlns:a16="http://schemas.microsoft.com/office/drawing/2014/main" val="3390676083"/>
+                    <a16:rowId xmlns:a16="http://schemas.microsoft.com/office/drawing/2014/main" xmlns="" val="3390676083"/>
                   </a:ext>
                 </a:extLst>
               </a:tr>
@@ -38760,7 +41337,7 @@
                 </a:tc>
                 <a:extLst>
                   <a:ext uri="{0D108BD9-81ED-4DB2-BD59-A6C34878D82A}">
-                    <a16:rowId xmlns:a16="http://schemas.microsoft.com/office/drawing/2014/main" val="3136304490"/>
+                    <a16:rowId xmlns:a16="http://schemas.microsoft.com/office/drawing/2014/main" xmlns="" val="3136304490"/>
                   </a:ext>
                 </a:extLst>
               </a:tr>
@@ -38895,7 +41472,7 @@
                 </a:tc>
                 <a:extLst>
                   <a:ext uri="{0D108BD9-81ED-4DB2-BD59-A6C34878D82A}">
-                    <a16:rowId xmlns:a16="http://schemas.microsoft.com/office/drawing/2014/main" val="2292214949"/>
+                    <a16:rowId xmlns:a16="http://schemas.microsoft.com/office/drawing/2014/main" xmlns="" val="2292214949"/>
                   </a:ext>
                 </a:extLst>
               </a:tr>
@@ -39030,7 +41607,7 @@
                 </a:tc>
                 <a:extLst>
                   <a:ext uri="{0D108BD9-81ED-4DB2-BD59-A6C34878D82A}">
-                    <a16:rowId xmlns:a16="http://schemas.microsoft.com/office/drawing/2014/main" val="414929653"/>
+                    <a16:rowId xmlns:a16="http://schemas.microsoft.com/office/drawing/2014/main" xmlns="" val="414929653"/>
                   </a:ext>
                 </a:extLst>
               </a:tr>
@@ -39165,7 +41742,7 @@
                 </a:tc>
                 <a:extLst>
                   <a:ext uri="{0D108BD9-81ED-4DB2-BD59-A6C34878D82A}">
-                    <a16:rowId xmlns:a16="http://schemas.microsoft.com/office/drawing/2014/main" val="2863797402"/>
+                    <a16:rowId xmlns:a16="http://schemas.microsoft.com/office/drawing/2014/main" xmlns="" val="2863797402"/>
                   </a:ext>
                 </a:extLst>
               </a:tr>
@@ -39300,7 +41877,7 @@
                 </a:tc>
                 <a:extLst>
                   <a:ext uri="{0D108BD9-81ED-4DB2-BD59-A6C34878D82A}">
-                    <a16:rowId xmlns:a16="http://schemas.microsoft.com/office/drawing/2014/main" val="2004843992"/>
+                    <a16:rowId xmlns:a16="http://schemas.microsoft.com/office/drawing/2014/main" xmlns="" val="2004843992"/>
                   </a:ext>
                 </a:extLst>
               </a:tr>
@@ -39435,7 +42012,7 @@
                 </a:tc>
                 <a:extLst>
                   <a:ext uri="{0D108BD9-81ED-4DB2-BD59-A6C34878D82A}">
-                    <a16:rowId xmlns:a16="http://schemas.microsoft.com/office/drawing/2014/main" val="1025222931"/>
+                    <a16:rowId xmlns:a16="http://schemas.microsoft.com/office/drawing/2014/main" xmlns="" val="1025222931"/>
                   </a:ext>
                 </a:extLst>
               </a:tr>
@@ -39570,7 +42147,7 @@
                 </a:tc>
                 <a:extLst>
                   <a:ext uri="{0D108BD9-81ED-4DB2-BD59-A6C34878D82A}">
-                    <a16:rowId xmlns:a16="http://schemas.microsoft.com/office/drawing/2014/main" val="1571836593"/>
+                    <a16:rowId xmlns:a16="http://schemas.microsoft.com/office/drawing/2014/main" xmlns="" val="1571836593"/>
                   </a:ext>
                 </a:extLst>
               </a:tr>

--- a/Nhom07/BaoCao.pptx
+++ b/Nhom07/BaoCao.pptx
@@ -7,7 +7,7 @@
     <p:sldMasterId id="2147483653" r:id="rId3"/>
   </p:sldMasterIdLst>
   <p:notesMasterIdLst>
-    <p:notesMasterId r:id="rId18"/>
+    <p:notesMasterId r:id="rId19"/>
   </p:notesMasterIdLst>
   <p:sldIdLst>
     <p:sldId id="256" r:id="rId4"/>
@@ -23,7 +23,8 @@
     <p:sldId id="308" r:id="rId14"/>
     <p:sldId id="306" r:id="rId15"/>
     <p:sldId id="312" r:id="rId16"/>
-    <p:sldId id="311" r:id="rId17"/>
+    <p:sldId id="315" r:id="rId17"/>
+    <p:sldId id="311" r:id="rId18"/>
   </p:sldIdLst>
   <p:sldSz cx="9144000" cy="5143500" type="screen16x9"/>
   <p:notesSz cx="6858000" cy="9144000"/>
@@ -2389,43 +2390,6 @@
       <dgm:prSet loTypeId="urn:microsoft.com/office/officeart/2005/8/layout/equation2" loCatId="process" qsTypeId="urn:microsoft.com/office/officeart/2005/8/quickstyle/simple1" qsCatId="simple" csTypeId="urn:microsoft.com/office/officeart/2005/8/colors/accent1_2" csCatId="accent1" phldr="1"/>
       <dgm:spPr/>
     </dgm:pt>
-    <dgm:pt modelId="{110FD82F-8D1B-4BCF-A77B-282D21A0B31B}">
-      <dgm:prSet phldrT="[Text]"/>
-      <dgm:spPr/>
-      <dgm:t>
-        <a:bodyPr/>
-        <a:lstStyle/>
-        <a:p>
-          <a:r>
-            <a:rPr lang="en-US" dirty="0" smtClean="0"/>
-            <a:t>Nhu cầu quản lý kinh doanh</a:t>
-          </a:r>
-          <a:endParaRPr lang="en-US" dirty="0"/>
-        </a:p>
-      </dgm:t>
-    </dgm:pt>
-    <dgm:pt modelId="{423DBB41-4B65-483A-AEFB-C26F0A370B7A}" type="parTrans" cxnId="{E2B23668-94A5-44EC-B2B0-B6C528C60B65}">
-      <dgm:prSet/>
-      <dgm:spPr/>
-      <dgm:t>
-        <a:bodyPr/>
-        <a:lstStyle/>
-        <a:p>
-          <a:endParaRPr lang="en-US"/>
-        </a:p>
-      </dgm:t>
-    </dgm:pt>
-    <dgm:pt modelId="{84A555ED-57A5-4BBB-8567-75A64DDF28DC}" type="sibTrans" cxnId="{E2B23668-94A5-44EC-B2B0-B6C528C60B65}">
-      <dgm:prSet/>
-      <dgm:spPr/>
-      <dgm:t>
-        <a:bodyPr/>
-        <a:lstStyle/>
-        <a:p>
-          <a:endParaRPr lang="en-US"/>
-        </a:p>
-      </dgm:t>
-    </dgm:pt>
     <dgm:pt modelId="{6F1C436C-953B-4CDB-B4EF-FDCCC590E180}">
       <dgm:prSet phldrT="[Text]"/>
       <dgm:spPr/>
@@ -2463,43 +2427,6 @@
         </a:p>
       </dgm:t>
     </dgm:pt>
-    <dgm:pt modelId="{402470C0-CF57-4FC1-9247-158C96E2348F}">
-      <dgm:prSet phldrT="[Text]"/>
-      <dgm:spPr/>
-      <dgm:t>
-        <a:bodyPr/>
-        <a:lstStyle/>
-        <a:p>
-          <a:r>
-            <a:rPr lang="en-US" dirty="0" smtClean="0"/>
-            <a:t>Nhu cầu quản lý nhân viên</a:t>
-          </a:r>
-          <a:endParaRPr lang="en-US" dirty="0"/>
-        </a:p>
-      </dgm:t>
-    </dgm:pt>
-    <dgm:pt modelId="{369CF306-0385-4F20-BBF6-BDB56C2D18A6}" type="parTrans" cxnId="{5EEE2AF3-539D-47DB-8843-DA944E25CA62}">
-      <dgm:prSet/>
-      <dgm:spPr/>
-      <dgm:t>
-        <a:bodyPr/>
-        <a:lstStyle/>
-        <a:p>
-          <a:endParaRPr lang="en-US"/>
-        </a:p>
-      </dgm:t>
-    </dgm:pt>
-    <dgm:pt modelId="{2489564E-DC66-4B12-B09B-460BDB1ACEFF}" type="sibTrans" cxnId="{5EEE2AF3-539D-47DB-8843-DA944E25CA62}">
-      <dgm:prSet/>
-      <dgm:spPr/>
-      <dgm:t>
-        <a:bodyPr/>
-        <a:lstStyle/>
-        <a:p>
-          <a:endParaRPr lang="en-US"/>
-        </a:p>
-      </dgm:t>
-    </dgm:pt>
     <dgm:pt modelId="{5240C325-8BD1-4AD2-AE3B-A8C40DE5C92E}" type="pres">
       <dgm:prSet presAssocID="{D1339A65-E14A-4494-974C-5D3C555E32ED}" presName="Name0" presStyleCnt="0">
         <dgm:presLayoutVars>
@@ -2513,79 +2440,8 @@
       <dgm:prSet presAssocID="{D1339A65-E14A-4494-974C-5D3C555E32ED}" presName="vNodes" presStyleCnt="0"/>
       <dgm:spPr/>
     </dgm:pt>
-    <dgm:pt modelId="{653392F7-EBCC-4F8E-A27C-4E3E3A550859}" type="pres">
-      <dgm:prSet presAssocID="{110FD82F-8D1B-4BCF-A77B-282D21A0B31B}" presName="node" presStyleLbl="node1" presStyleIdx="0" presStyleCnt="3" custScaleX="279466">
-        <dgm:presLayoutVars>
-          <dgm:bulletEnabled val="1"/>
-        </dgm:presLayoutVars>
-      </dgm:prSet>
-      <dgm:spPr/>
-      <dgm:t>
-        <a:bodyPr/>
-        <a:lstStyle/>
-        <a:p>
-          <a:endParaRPr lang="en-US"/>
-        </a:p>
-      </dgm:t>
-    </dgm:pt>
-    <dgm:pt modelId="{3DE61B0E-17DE-4F7E-AB0F-98C88D3061BC}" type="pres">
-      <dgm:prSet presAssocID="{84A555ED-57A5-4BBB-8567-75A64DDF28DC}" presName="spacerT" presStyleCnt="0"/>
-      <dgm:spPr/>
-    </dgm:pt>
-    <dgm:pt modelId="{BB19E9EA-0C88-4014-8211-7D593D0142B4}" type="pres">
-      <dgm:prSet presAssocID="{84A555ED-57A5-4BBB-8567-75A64DDF28DC}" presName="sibTrans" presStyleLbl="sibTrans2D1" presStyleIdx="0" presStyleCnt="2"/>
-      <dgm:spPr/>
-      <dgm:t>
-        <a:bodyPr/>
-        <a:lstStyle/>
-        <a:p>
-          <a:endParaRPr lang="en-US"/>
-        </a:p>
-      </dgm:t>
-    </dgm:pt>
-    <dgm:pt modelId="{1351FF9A-ED72-496E-A929-D0E984464064}" type="pres">
-      <dgm:prSet presAssocID="{84A555ED-57A5-4BBB-8567-75A64DDF28DC}" presName="spacerB" presStyleCnt="0"/>
-      <dgm:spPr/>
-    </dgm:pt>
-    <dgm:pt modelId="{AB3FC949-DAE0-4953-9777-1A23D49E2D36}" type="pres">
-      <dgm:prSet presAssocID="{402470C0-CF57-4FC1-9247-158C96E2348F}" presName="node" presStyleLbl="node1" presStyleIdx="1" presStyleCnt="3" custScaleX="279466">
-        <dgm:presLayoutVars>
-          <dgm:bulletEnabled val="1"/>
-        </dgm:presLayoutVars>
-      </dgm:prSet>
-      <dgm:spPr/>
-      <dgm:t>
-        <a:bodyPr/>
-        <a:lstStyle/>
-        <a:p>
-          <a:endParaRPr lang="en-US"/>
-        </a:p>
-      </dgm:t>
-    </dgm:pt>
-    <dgm:pt modelId="{86E9D07C-D3E1-44FC-89D2-F53F44C954B8}" type="pres">
-      <dgm:prSet presAssocID="{D1339A65-E14A-4494-974C-5D3C555E32ED}" presName="sibTransLast" presStyleLbl="sibTrans2D1" presStyleIdx="1" presStyleCnt="2"/>
-      <dgm:spPr/>
-      <dgm:t>
-        <a:bodyPr/>
-        <a:lstStyle/>
-        <a:p>
-          <a:endParaRPr lang="en-US"/>
-        </a:p>
-      </dgm:t>
-    </dgm:pt>
-    <dgm:pt modelId="{58DC0CBC-D3CA-4FA2-8E98-5901BFC2D963}" type="pres">
-      <dgm:prSet presAssocID="{D1339A65-E14A-4494-974C-5D3C555E32ED}" presName="connectorText" presStyleLbl="sibTrans2D1" presStyleIdx="1" presStyleCnt="2"/>
-      <dgm:spPr/>
-      <dgm:t>
-        <a:bodyPr/>
-        <a:lstStyle/>
-        <a:p>
-          <a:endParaRPr lang="en-US"/>
-        </a:p>
-      </dgm:t>
-    </dgm:pt>
     <dgm:pt modelId="{4BDF5720-2FEA-4D6D-B04F-EEB8BEA16702}" type="pres">
-      <dgm:prSet presAssocID="{D1339A65-E14A-4494-974C-5D3C555E32ED}" presName="lastNode" presStyleLbl="node1" presStyleIdx="2" presStyleCnt="3" custScaleX="279466">
+      <dgm:prSet presAssocID="{D1339A65-E14A-4494-974C-5D3C555E32ED}" presName="lastNode" presStyleLbl="node1" presStyleIdx="0" presStyleCnt="1" custScaleX="279466">
         <dgm:presLayoutVars>
           <dgm:bulletEnabled val="1"/>
         </dgm:presLayoutVars>
@@ -2601,25 +2457,11 @@
     </dgm:pt>
   </dgm:ptLst>
   <dgm:cxnLst>
+    <dgm:cxn modelId="{74D15682-1BD8-400A-A653-B4E4844B3AFA}" srcId="{D1339A65-E14A-4494-974C-5D3C555E32ED}" destId="{6F1C436C-953B-4CDB-B4EF-FDCCC590E180}" srcOrd="0" destOrd="0" parTransId="{B3C0F62C-6BF4-4626-9E55-305E13A64BF3}" sibTransId="{1B6200BF-7836-41AA-A6EC-017BF596A984}"/>
+    <dgm:cxn modelId="{5016406E-1866-4030-AB6B-9F02F3811697}" type="presOf" srcId="{D1339A65-E14A-4494-974C-5D3C555E32ED}" destId="{5240C325-8BD1-4AD2-AE3B-A8C40DE5C92E}" srcOrd="0" destOrd="0" presId="urn:microsoft.com/office/officeart/2005/8/layout/equation2"/>
     <dgm:cxn modelId="{1A1DA601-2F15-4989-B46A-09B4D5318D31}" type="presOf" srcId="{6F1C436C-953B-4CDB-B4EF-FDCCC590E180}" destId="{4BDF5720-2FEA-4D6D-B04F-EEB8BEA16702}" srcOrd="0" destOrd="0" presId="urn:microsoft.com/office/officeart/2005/8/layout/equation2"/>
-    <dgm:cxn modelId="{28333945-6457-4200-91C7-8117919A9A6F}" type="presOf" srcId="{2489564E-DC66-4B12-B09B-460BDB1ACEFF}" destId="{58DC0CBC-D3CA-4FA2-8E98-5901BFC2D963}" srcOrd="1" destOrd="0" presId="urn:microsoft.com/office/officeart/2005/8/layout/equation2"/>
-    <dgm:cxn modelId="{B0A55979-68FB-4E56-8126-A2F1B9D8BB28}" type="presOf" srcId="{84A555ED-57A5-4BBB-8567-75A64DDF28DC}" destId="{BB19E9EA-0C88-4014-8211-7D593D0142B4}" srcOrd="0" destOrd="0" presId="urn:microsoft.com/office/officeart/2005/8/layout/equation2"/>
-    <dgm:cxn modelId="{5EEE2AF3-539D-47DB-8843-DA944E25CA62}" srcId="{D1339A65-E14A-4494-974C-5D3C555E32ED}" destId="{402470C0-CF57-4FC1-9247-158C96E2348F}" srcOrd="1" destOrd="0" parTransId="{369CF306-0385-4F20-BBF6-BDB56C2D18A6}" sibTransId="{2489564E-DC66-4B12-B09B-460BDB1ACEFF}"/>
-    <dgm:cxn modelId="{659FED93-6F23-4317-B62B-766A6F9ADFA8}" type="presOf" srcId="{402470C0-CF57-4FC1-9247-158C96E2348F}" destId="{AB3FC949-DAE0-4953-9777-1A23D49E2D36}" srcOrd="0" destOrd="0" presId="urn:microsoft.com/office/officeart/2005/8/layout/equation2"/>
-    <dgm:cxn modelId="{E2B23668-94A5-44EC-B2B0-B6C528C60B65}" srcId="{D1339A65-E14A-4494-974C-5D3C555E32ED}" destId="{110FD82F-8D1B-4BCF-A77B-282D21A0B31B}" srcOrd="0" destOrd="0" parTransId="{423DBB41-4B65-483A-AEFB-C26F0A370B7A}" sibTransId="{84A555ED-57A5-4BBB-8567-75A64DDF28DC}"/>
-    <dgm:cxn modelId="{5D56302A-B820-4D9B-B6D9-A98F5072A1CC}" type="presOf" srcId="{110FD82F-8D1B-4BCF-A77B-282D21A0B31B}" destId="{653392F7-EBCC-4F8E-A27C-4E3E3A550859}" srcOrd="0" destOrd="0" presId="urn:microsoft.com/office/officeart/2005/8/layout/equation2"/>
-    <dgm:cxn modelId="{5016406E-1866-4030-AB6B-9F02F3811697}" type="presOf" srcId="{D1339A65-E14A-4494-974C-5D3C555E32ED}" destId="{5240C325-8BD1-4AD2-AE3B-A8C40DE5C92E}" srcOrd="0" destOrd="0" presId="urn:microsoft.com/office/officeart/2005/8/layout/equation2"/>
-    <dgm:cxn modelId="{4703B9BA-ACFA-487B-8A9D-D2C610048FCC}" type="presOf" srcId="{2489564E-DC66-4B12-B09B-460BDB1ACEFF}" destId="{86E9D07C-D3E1-44FC-89D2-F53F44C954B8}" srcOrd="0" destOrd="0" presId="urn:microsoft.com/office/officeart/2005/8/layout/equation2"/>
-    <dgm:cxn modelId="{74D15682-1BD8-400A-A653-B4E4844B3AFA}" srcId="{D1339A65-E14A-4494-974C-5D3C555E32ED}" destId="{6F1C436C-953B-4CDB-B4EF-FDCCC590E180}" srcOrd="2" destOrd="0" parTransId="{B3C0F62C-6BF4-4626-9E55-305E13A64BF3}" sibTransId="{1B6200BF-7836-41AA-A6EC-017BF596A984}"/>
     <dgm:cxn modelId="{55FCCFC1-5304-4DE9-816C-DE0F558DA40B}" type="presParOf" srcId="{5240C325-8BD1-4AD2-AE3B-A8C40DE5C92E}" destId="{DA5AF169-4641-47B5-A39F-648A2C69F898}" srcOrd="0" destOrd="0" presId="urn:microsoft.com/office/officeart/2005/8/layout/equation2"/>
-    <dgm:cxn modelId="{20817602-0865-46A1-B478-5B6652926BCD}" type="presParOf" srcId="{DA5AF169-4641-47B5-A39F-648A2C69F898}" destId="{653392F7-EBCC-4F8E-A27C-4E3E3A550859}" srcOrd="0" destOrd="0" presId="urn:microsoft.com/office/officeart/2005/8/layout/equation2"/>
-    <dgm:cxn modelId="{A9B62EC8-42B2-4CF5-B428-537472EDDC19}" type="presParOf" srcId="{DA5AF169-4641-47B5-A39F-648A2C69F898}" destId="{3DE61B0E-17DE-4F7E-AB0F-98C88D3061BC}" srcOrd="1" destOrd="0" presId="urn:microsoft.com/office/officeart/2005/8/layout/equation2"/>
-    <dgm:cxn modelId="{81F1A2E7-DA97-4379-9536-01B94CFD8BF0}" type="presParOf" srcId="{DA5AF169-4641-47B5-A39F-648A2C69F898}" destId="{BB19E9EA-0C88-4014-8211-7D593D0142B4}" srcOrd="2" destOrd="0" presId="urn:microsoft.com/office/officeart/2005/8/layout/equation2"/>
-    <dgm:cxn modelId="{F3B05DDF-8652-438C-9A9B-3B65F26F1AD2}" type="presParOf" srcId="{DA5AF169-4641-47B5-A39F-648A2C69F898}" destId="{1351FF9A-ED72-496E-A929-D0E984464064}" srcOrd="3" destOrd="0" presId="urn:microsoft.com/office/officeart/2005/8/layout/equation2"/>
-    <dgm:cxn modelId="{6AA8E7D3-60F0-4603-8DAC-F8EE6F3A7B12}" type="presParOf" srcId="{DA5AF169-4641-47B5-A39F-648A2C69F898}" destId="{AB3FC949-DAE0-4953-9777-1A23D49E2D36}" srcOrd="4" destOrd="0" presId="urn:microsoft.com/office/officeart/2005/8/layout/equation2"/>
-    <dgm:cxn modelId="{7A11881D-EC66-4604-81CD-B9BB2746FCE5}" type="presParOf" srcId="{5240C325-8BD1-4AD2-AE3B-A8C40DE5C92E}" destId="{86E9D07C-D3E1-44FC-89D2-F53F44C954B8}" srcOrd="1" destOrd="0" presId="urn:microsoft.com/office/officeart/2005/8/layout/equation2"/>
-    <dgm:cxn modelId="{AACB01A7-3C61-43D9-A211-F55A7CD1C3A8}" type="presParOf" srcId="{86E9D07C-D3E1-44FC-89D2-F53F44C954B8}" destId="{58DC0CBC-D3CA-4FA2-8E98-5901BFC2D963}" srcOrd="0" destOrd="0" presId="urn:microsoft.com/office/officeart/2005/8/layout/equation2"/>
-    <dgm:cxn modelId="{0E027623-3A44-476F-BCAF-2CF7C1F84920}" type="presParOf" srcId="{5240C325-8BD1-4AD2-AE3B-A8C40DE5C92E}" destId="{4BDF5720-2FEA-4D6D-B04F-EEB8BEA16702}" srcOrd="2" destOrd="0" presId="urn:microsoft.com/office/officeart/2005/8/layout/equation2"/>
+    <dgm:cxn modelId="{0E027623-3A44-476F-BCAF-2CF7C1F84920}" type="presParOf" srcId="{5240C325-8BD1-4AD2-AE3B-A8C40DE5C92E}" destId="{4BDF5720-2FEA-4D6D-B04F-EEB8BEA16702}" srcOrd="1" destOrd="0" presId="urn:microsoft.com/office/officeart/2005/8/layout/equation2"/>
   </dgm:cxnLst>
   <dgm:bg/>
   <dgm:whole/>
@@ -3110,19 +2952,19 @@
     </dgm:pt>
   </dgm:ptLst>
   <dgm:cxnLst>
-    <dgm:cxn modelId="{19713E57-1D5D-47CB-9438-66BAFB9E278D}" type="presOf" srcId="{6D0E2588-4114-4865-9E27-A43B1DEB6444}" destId="{F379F809-880E-4895-85DA-61C906C27457}" srcOrd="0" destOrd="0" presId="urn:microsoft.com/office/officeart/2005/8/layout/StepDownProcess"/>
-    <dgm:cxn modelId="{8F89E9F7-E3C8-47E4-9E4B-9F6A5A06471E}" type="presOf" srcId="{3D18B955-7B28-4E85-BB55-2C62DD585E6D}" destId="{60365F3E-94AE-48CF-B10D-1DADE2240891}" srcOrd="0" destOrd="0" presId="urn:microsoft.com/office/officeart/2005/8/layout/StepDownProcess"/>
-    <dgm:cxn modelId="{E288A7B6-1B09-410E-99BF-B091CC107EA8}" srcId="{CE2A4323-E904-4124-ADE2-2DD2EF9F0DA2}" destId="{6EE3F59D-E882-48CD-841B-FD7F6A0BBE05}" srcOrd="1" destOrd="0" parTransId="{58B68DA2-862A-4536-9FA9-15E80C43C7DA}" sibTransId="{04515BAF-0369-4F2F-8B08-910B05F4A9B3}"/>
-    <dgm:cxn modelId="{4BE8AEF0-5557-4187-B901-E4F5E139743C}" type="presOf" srcId="{2CAD3410-85E2-4E70-83A5-0A6F42C20DE5}" destId="{96ED9A23-DA93-49F5-8B33-FBA9B83E572E}" srcOrd="0" destOrd="0" presId="urn:microsoft.com/office/officeart/2005/8/layout/StepDownProcess"/>
+    <dgm:cxn modelId="{7400DCDD-A88A-4611-8E1A-89B92C71B083}" srcId="{CE2A4323-E904-4124-ADE2-2DD2EF9F0DA2}" destId="{3D18B955-7B28-4E85-BB55-2C62DD585E6D}" srcOrd="5" destOrd="0" parTransId="{1C30176C-842F-4C8C-8D68-DFDC4F62C6ED}" sibTransId="{F513CFE4-F299-4278-A09D-E11EA656BDA5}"/>
+    <dgm:cxn modelId="{11F4719E-51AA-4089-B38D-CB38085218EF}" type="presOf" srcId="{CE2A4323-E904-4124-ADE2-2DD2EF9F0DA2}" destId="{DFD5FC24-5B73-4E40-BE6C-9C50ED8AEB74}" srcOrd="0" destOrd="0" presId="urn:microsoft.com/office/officeart/2005/8/layout/StepDownProcess"/>
     <dgm:cxn modelId="{5DF1CDF4-2BE5-4E9E-BB09-9EDB9E052F68}" type="presOf" srcId="{6EE3F59D-E882-48CD-841B-FD7F6A0BBE05}" destId="{5763FCB2-D2E4-4616-8C97-3CA9481376BE}" srcOrd="0" destOrd="0" presId="urn:microsoft.com/office/officeart/2005/8/layout/StepDownProcess"/>
-    <dgm:cxn modelId="{7400DCDD-A88A-4611-8E1A-89B92C71B083}" srcId="{CE2A4323-E904-4124-ADE2-2DD2EF9F0DA2}" destId="{3D18B955-7B28-4E85-BB55-2C62DD585E6D}" srcOrd="5" destOrd="0" parTransId="{1C30176C-842F-4C8C-8D68-DFDC4F62C6ED}" sibTransId="{F513CFE4-F299-4278-A09D-E11EA656BDA5}"/>
-    <dgm:cxn modelId="{E66DE4CC-3CE1-4945-BD00-082BF4649854}" type="presOf" srcId="{75F67C52-1E91-46AE-8D7F-6467CAFAA35E}" destId="{0DE55DD4-6C28-44BE-8926-51993AA593F4}" srcOrd="0" destOrd="0" presId="urn:microsoft.com/office/officeart/2005/8/layout/StepDownProcess"/>
+    <dgm:cxn modelId="{34C1EA19-02EC-461D-8A98-70DF02D2AC04}" srcId="{CE2A4323-E904-4124-ADE2-2DD2EF9F0DA2}" destId="{6009C047-F2EA-42CC-822E-6538609400D0}" srcOrd="3" destOrd="0" parTransId="{E7C4EB4A-1872-4492-8328-319E8CA92D22}" sibTransId="{4AC8AC2C-3EB3-43A9-B43E-86EBE755152A}"/>
     <dgm:cxn modelId="{F51FB9D3-11B9-4313-847C-0BEBD28B4667}" srcId="{CE2A4323-E904-4124-ADE2-2DD2EF9F0DA2}" destId="{2CAD3410-85E2-4E70-83A5-0A6F42C20DE5}" srcOrd="0" destOrd="0" parTransId="{54B6540D-86E1-42DF-9007-2D898B4D7E52}" sibTransId="{498A0951-9A1F-4CA1-BA7A-40016A291D5C}"/>
     <dgm:cxn modelId="{5AC9D447-815A-4249-A4DD-C39EDCC5768A}" srcId="{CE2A4323-E904-4124-ADE2-2DD2EF9F0DA2}" destId="{6D0E2588-4114-4865-9E27-A43B1DEB6444}" srcOrd="4" destOrd="0" parTransId="{E4A17454-B093-46B8-82E8-132EBD855472}" sibTransId="{19DDC513-73F6-428D-8DBB-91C760C510A1}"/>
     <dgm:cxn modelId="{2D6377C2-150E-4032-82C9-311702C4D816}" srcId="{CE2A4323-E904-4124-ADE2-2DD2EF9F0DA2}" destId="{75F67C52-1E91-46AE-8D7F-6467CAFAA35E}" srcOrd="2" destOrd="0" parTransId="{8044BB46-FBEA-47CE-9A0F-242A7A74BDCE}" sibTransId="{0CB924F7-D9F7-489C-A347-C8D7DB96885B}"/>
+    <dgm:cxn modelId="{E66DE4CC-3CE1-4945-BD00-082BF4649854}" type="presOf" srcId="{75F67C52-1E91-46AE-8D7F-6467CAFAA35E}" destId="{0DE55DD4-6C28-44BE-8926-51993AA593F4}" srcOrd="0" destOrd="0" presId="urn:microsoft.com/office/officeart/2005/8/layout/StepDownProcess"/>
+    <dgm:cxn modelId="{4BE8AEF0-5557-4187-B901-E4F5E139743C}" type="presOf" srcId="{2CAD3410-85E2-4E70-83A5-0A6F42C20DE5}" destId="{96ED9A23-DA93-49F5-8B33-FBA9B83E572E}" srcOrd="0" destOrd="0" presId="urn:microsoft.com/office/officeart/2005/8/layout/StepDownProcess"/>
+    <dgm:cxn modelId="{8F89E9F7-E3C8-47E4-9E4B-9F6A5A06471E}" type="presOf" srcId="{3D18B955-7B28-4E85-BB55-2C62DD585E6D}" destId="{60365F3E-94AE-48CF-B10D-1DADE2240891}" srcOrd="0" destOrd="0" presId="urn:microsoft.com/office/officeart/2005/8/layout/StepDownProcess"/>
+    <dgm:cxn modelId="{E288A7B6-1B09-410E-99BF-B091CC107EA8}" srcId="{CE2A4323-E904-4124-ADE2-2DD2EF9F0DA2}" destId="{6EE3F59D-E882-48CD-841B-FD7F6A0BBE05}" srcOrd="1" destOrd="0" parTransId="{58B68DA2-862A-4536-9FA9-15E80C43C7DA}" sibTransId="{04515BAF-0369-4F2F-8B08-910B05F4A9B3}"/>
     <dgm:cxn modelId="{86B9DDA7-F44F-4FC0-ACDC-B3016749D694}" type="presOf" srcId="{6009C047-F2EA-42CC-822E-6538609400D0}" destId="{25DB703A-94B1-43D7-80BB-5DF384BE092B}" srcOrd="0" destOrd="0" presId="urn:microsoft.com/office/officeart/2005/8/layout/StepDownProcess"/>
-    <dgm:cxn modelId="{11F4719E-51AA-4089-B38D-CB38085218EF}" type="presOf" srcId="{CE2A4323-E904-4124-ADE2-2DD2EF9F0DA2}" destId="{DFD5FC24-5B73-4E40-BE6C-9C50ED8AEB74}" srcOrd="0" destOrd="0" presId="urn:microsoft.com/office/officeart/2005/8/layout/StepDownProcess"/>
-    <dgm:cxn modelId="{34C1EA19-02EC-461D-8A98-70DF02D2AC04}" srcId="{CE2A4323-E904-4124-ADE2-2DD2EF9F0DA2}" destId="{6009C047-F2EA-42CC-822E-6538609400D0}" srcOrd="3" destOrd="0" parTransId="{E7C4EB4A-1872-4492-8328-319E8CA92D22}" sibTransId="{4AC8AC2C-3EB3-43A9-B43E-86EBE755152A}"/>
+    <dgm:cxn modelId="{19713E57-1D5D-47CB-9438-66BAFB9E278D}" type="presOf" srcId="{6D0E2588-4114-4865-9E27-A43B1DEB6444}" destId="{F379F809-880E-4895-85DA-61C906C27457}" srcOrd="0" destOrd="0" presId="urn:microsoft.com/office/officeart/2005/8/layout/StepDownProcess"/>
     <dgm:cxn modelId="{18E79D95-FB03-44EB-A48E-F6BFABD5BCB8}" type="presParOf" srcId="{DFD5FC24-5B73-4E40-BE6C-9C50ED8AEB74}" destId="{13E27643-F11B-4314-87D7-3785F7BE1E51}" srcOrd="0" destOrd="0" presId="urn:microsoft.com/office/officeart/2005/8/layout/StepDownProcess"/>
     <dgm:cxn modelId="{BA80E5A8-6CB5-406D-9379-7B784A60088B}" type="presParOf" srcId="{13E27643-F11B-4314-87D7-3785F7BE1E51}" destId="{B517B95A-5193-4EBC-8930-6F0A5F1CD9C7}" srcOrd="0" destOrd="0" presId="urn:microsoft.com/office/officeart/2005/8/layout/StepDownProcess"/>
     <dgm:cxn modelId="{CB69C6D6-4681-4BD2-83D8-B439245F9D5C}" type="presParOf" srcId="{13E27643-F11B-4314-87D7-3785F7BE1E51}" destId="{96ED9A23-DA93-49F5-8B33-FBA9B83E572E}" srcOrd="1" destOrd="0" presId="urn:microsoft.com/office/officeart/2005/8/layout/StepDownProcess"/>
@@ -3155,7 +2997,7 @@
   <dgm:whole/>
   <dgm:extLst>
     <a:ext uri="http://schemas.microsoft.com/office/drawing/2008/diagram">
-      <dsp:dataModelExt xmlns:dsp="http://schemas.microsoft.com/office/drawing/2008/diagram" relId="rId6" minVer="http://schemas.openxmlformats.org/drawingml/2006/diagram"/>
+      <dsp:dataModelExt xmlns:dsp="http://schemas.microsoft.com/office/drawing/2008/diagram" relId="rId7" minVer="http://schemas.openxmlformats.org/drawingml/2006/diagram"/>
     </a:ext>
   </dgm:extLst>
 </dgm:dataModel>
@@ -3938,7 +3780,7 @@
   <dgm:whole/>
   <dgm:extLst>
     <a:ext uri="http://schemas.microsoft.com/office/drawing/2008/diagram">
-      <dsp:dataModelExt xmlns:dsp="http://schemas.microsoft.com/office/drawing/2008/diagram" relId="rId6" minVer="http://schemas.openxmlformats.org/drawingml/2006/diagram"/>
+      <dsp:dataModelExt xmlns:dsp="http://schemas.microsoft.com/office/drawing/2008/diagram" relId="rId7" minVer="http://schemas.openxmlformats.org/drawingml/2006/diagram"/>
     </a:ext>
   </dgm:extLst>
 </dgm:dataModel>
@@ -3952,15 +3794,15 @@
       <dsp:cNvGrpSpPr/>
     </dsp:nvGrpSpPr>
     <dsp:grpSpPr/>
-    <dsp:sp modelId="{653392F7-EBCC-4F8E-A27C-4E3E3A550859}">
+    <dsp:sp modelId="{4BDF5720-2FEA-4D6D-B04F-EEB8BEA16702}">
       <dsp:nvSpPr>
         <dsp:cNvPr id="0" name=""/>
         <dsp:cNvSpPr/>
       </dsp:nvSpPr>
       <dsp:spPr>
         <a:xfrm>
-          <a:off x="254938" y="287"/>
-          <a:ext cx="2685829" cy="961057"/>
+          <a:off x="891072" y="961"/>
+          <a:ext cx="7361854" cy="2634257"/>
         </a:xfrm>
         <a:prstGeom prst="ellipse">
           <a:avLst/>
@@ -4001,12 +3843,12 @@
         </a:fontRef>
       </dsp:style>
       <dsp:txBody>
-        <a:bodyPr spcFirstLastPara="0" vert="horz" wrap="square" lIns="29210" tIns="29210" rIns="29210" bIns="29210" numCol="1" spcCol="1270" anchor="ctr" anchorCtr="0">
+        <a:bodyPr spcFirstLastPara="0" vert="horz" wrap="square" lIns="81280" tIns="81280" rIns="81280" bIns="81280" numCol="1" spcCol="1270" anchor="ctr" anchorCtr="0">
           <a:noAutofit/>
         </a:bodyPr>
         <a:lstStyle/>
         <a:p>
-          <a:pPr lvl="0" algn="ctr" defTabSz="1022350">
+          <a:pPr lvl="0" algn="ctr" defTabSz="2844800">
             <a:lnSpc>
               <a:spcPct val="90000"/>
             </a:lnSpc>
@@ -4018,304 +3860,15 @@
             </a:spcAft>
           </a:pPr>
           <a:r>
-            <a:rPr lang="en-US" sz="2300" kern="1200" dirty="0" smtClean="0"/>
-            <a:t>Nhu cầu quản lý kinh doanh</a:t>
+            <a:rPr lang="en-US" sz="6400" kern="1200" dirty="0" smtClean="0"/>
+            <a:t>Hệ thống quản lý</a:t>
           </a:r>
-          <a:endParaRPr lang="en-US" sz="2300" kern="1200" dirty="0"/>
+          <a:endParaRPr lang="en-US" sz="6400" kern="1200" dirty="0"/>
         </a:p>
       </dsp:txBody>
       <dsp:txXfrm>
-        <a:off x="648269" y="141031"/>
-        <a:ext cx="1899167" cy="679569"/>
-      </dsp:txXfrm>
-    </dsp:sp>
-    <dsp:sp modelId="{BB19E9EA-0C88-4014-8211-7D593D0142B4}">
-      <dsp:nvSpPr>
-        <dsp:cNvPr id="0" name=""/>
-        <dsp:cNvSpPr/>
-      </dsp:nvSpPr>
-      <dsp:spPr>
-        <a:xfrm>
-          <a:off x="1319146" y="1039383"/>
-          <a:ext cx="557413" cy="557413"/>
-        </a:xfrm>
-        <a:prstGeom prst="mathPlus">
-          <a:avLst/>
-        </a:prstGeom>
-        <a:solidFill>
-          <a:schemeClr val="accent1">
-            <a:tint val="60000"/>
-            <a:hueOff val="0"/>
-            <a:satOff val="0"/>
-            <a:lumOff val="0"/>
-            <a:alphaOff val="0"/>
-          </a:schemeClr>
-        </a:solidFill>
-        <a:ln>
-          <a:noFill/>
-        </a:ln>
-        <a:effectLst/>
-      </dsp:spPr>
-      <dsp:style>
-        <a:lnRef idx="0">
-          <a:scrgbClr r="0" g="0" b="0"/>
-        </a:lnRef>
-        <a:fillRef idx="1">
-          <a:scrgbClr r="0" g="0" b="0"/>
-        </a:fillRef>
-        <a:effectRef idx="0">
-          <a:scrgbClr r="0" g="0" b="0"/>
-        </a:effectRef>
-        <a:fontRef idx="minor">
-          <a:schemeClr val="lt1"/>
-        </a:fontRef>
-      </dsp:style>
-      <dsp:txBody>
-        <a:bodyPr spcFirstLastPara="0" vert="horz" wrap="square" lIns="0" tIns="0" rIns="0" bIns="0" numCol="1" spcCol="1270" anchor="ctr" anchorCtr="0">
-          <a:noAutofit/>
-        </a:bodyPr>
-        <a:lstStyle/>
-        <a:p>
-          <a:pPr lvl="0" algn="ctr" defTabSz="400050">
-            <a:lnSpc>
-              <a:spcPct val="90000"/>
-            </a:lnSpc>
-            <a:spcBef>
-              <a:spcPct val="0"/>
-            </a:spcBef>
-            <a:spcAft>
-              <a:spcPct val="35000"/>
-            </a:spcAft>
-          </a:pPr>
-          <a:endParaRPr lang="en-US" sz="900" kern="1200"/>
-        </a:p>
-      </dsp:txBody>
-      <dsp:txXfrm>
-        <a:off x="1393031" y="1252538"/>
-        <a:ext cx="409643" cy="131103"/>
-      </dsp:txXfrm>
-    </dsp:sp>
-    <dsp:sp modelId="{AB3FC949-DAE0-4953-9777-1A23D49E2D36}">
-      <dsp:nvSpPr>
-        <dsp:cNvPr id="0" name=""/>
-        <dsp:cNvSpPr/>
-      </dsp:nvSpPr>
-      <dsp:spPr>
-        <a:xfrm>
-          <a:off x="254938" y="1674834"/>
-          <a:ext cx="2685829" cy="961057"/>
-        </a:xfrm>
-        <a:prstGeom prst="ellipse">
-          <a:avLst/>
-        </a:prstGeom>
-        <a:solidFill>
-          <a:schemeClr val="accent1">
-            <a:hueOff val="0"/>
-            <a:satOff val="0"/>
-            <a:lumOff val="0"/>
-            <a:alphaOff val="0"/>
-          </a:schemeClr>
-        </a:solidFill>
-        <a:ln w="25400" cap="flat" cmpd="sng" algn="ctr">
-          <a:solidFill>
-            <a:schemeClr val="lt1">
-              <a:hueOff val="0"/>
-              <a:satOff val="0"/>
-              <a:lumOff val="0"/>
-              <a:alphaOff val="0"/>
-            </a:schemeClr>
-          </a:solidFill>
-          <a:prstDash val="solid"/>
-        </a:ln>
-        <a:effectLst/>
-      </dsp:spPr>
-      <dsp:style>
-        <a:lnRef idx="2">
-          <a:scrgbClr r="0" g="0" b="0"/>
-        </a:lnRef>
-        <a:fillRef idx="1">
-          <a:scrgbClr r="0" g="0" b="0"/>
-        </a:fillRef>
-        <a:effectRef idx="0">
-          <a:scrgbClr r="0" g="0" b="0"/>
-        </a:effectRef>
-        <a:fontRef idx="minor">
-          <a:schemeClr val="lt1"/>
-        </a:fontRef>
-      </dsp:style>
-      <dsp:txBody>
-        <a:bodyPr spcFirstLastPara="0" vert="horz" wrap="square" lIns="29210" tIns="29210" rIns="29210" bIns="29210" numCol="1" spcCol="1270" anchor="ctr" anchorCtr="0">
-          <a:noAutofit/>
-        </a:bodyPr>
-        <a:lstStyle/>
-        <a:p>
-          <a:pPr lvl="0" algn="ctr" defTabSz="1022350">
-            <a:lnSpc>
-              <a:spcPct val="90000"/>
-            </a:lnSpc>
-            <a:spcBef>
-              <a:spcPct val="0"/>
-            </a:spcBef>
-            <a:spcAft>
-              <a:spcPct val="35000"/>
-            </a:spcAft>
-          </a:pPr>
-          <a:r>
-            <a:rPr lang="en-US" sz="2300" kern="1200" dirty="0" smtClean="0"/>
-            <a:t>Nhu cầu quản lý nhân viên</a:t>
-          </a:r>
-          <a:endParaRPr lang="en-US" sz="2300" kern="1200" dirty="0"/>
-        </a:p>
-      </dsp:txBody>
-      <dsp:txXfrm>
-        <a:off x="648269" y="1815578"/>
-        <a:ext cx="1899167" cy="679569"/>
-      </dsp:txXfrm>
-    </dsp:sp>
-    <dsp:sp modelId="{86E9D07C-D3E1-44FC-89D2-F53F44C954B8}">
-      <dsp:nvSpPr>
-        <dsp:cNvPr id="0" name=""/>
-        <dsp:cNvSpPr/>
-      </dsp:nvSpPr>
-      <dsp:spPr>
-        <a:xfrm>
-          <a:off x="3084926" y="1139333"/>
-          <a:ext cx="305616" cy="357513"/>
-        </a:xfrm>
-        <a:prstGeom prst="rightArrow">
-          <a:avLst>
-            <a:gd name="adj1" fmla="val 60000"/>
-            <a:gd name="adj2" fmla="val 50000"/>
-          </a:avLst>
-        </a:prstGeom>
-        <a:solidFill>
-          <a:schemeClr val="accent1">
-            <a:tint val="60000"/>
-            <a:hueOff val="0"/>
-            <a:satOff val="0"/>
-            <a:lumOff val="0"/>
-            <a:alphaOff val="0"/>
-          </a:schemeClr>
-        </a:solidFill>
-        <a:ln>
-          <a:noFill/>
-        </a:ln>
-        <a:effectLst/>
-      </dsp:spPr>
-      <dsp:style>
-        <a:lnRef idx="0">
-          <a:scrgbClr r="0" g="0" b="0"/>
-        </a:lnRef>
-        <a:fillRef idx="1">
-          <a:scrgbClr r="0" g="0" b="0"/>
-        </a:fillRef>
-        <a:effectRef idx="0">
-          <a:scrgbClr r="0" g="0" b="0"/>
-        </a:effectRef>
-        <a:fontRef idx="minor">
-          <a:schemeClr val="lt1"/>
-        </a:fontRef>
-      </dsp:style>
-      <dsp:txBody>
-        <a:bodyPr spcFirstLastPara="0" vert="horz" wrap="square" lIns="0" tIns="0" rIns="0" bIns="0" numCol="1" spcCol="1270" anchor="ctr" anchorCtr="0">
-          <a:noAutofit/>
-        </a:bodyPr>
-        <a:lstStyle/>
-        <a:p>
-          <a:pPr lvl="0" algn="ctr" defTabSz="711200">
-            <a:lnSpc>
-              <a:spcPct val="90000"/>
-            </a:lnSpc>
-            <a:spcBef>
-              <a:spcPct val="0"/>
-            </a:spcBef>
-            <a:spcAft>
-              <a:spcPct val="35000"/>
-            </a:spcAft>
-          </a:pPr>
-          <a:endParaRPr lang="en-US" sz="1600" kern="1200"/>
-        </a:p>
-      </dsp:txBody>
-      <dsp:txXfrm>
-        <a:off x="3084926" y="1210836"/>
-        <a:ext cx="213931" cy="214507"/>
-      </dsp:txXfrm>
-    </dsp:sp>
-    <dsp:sp modelId="{4BDF5720-2FEA-4D6D-B04F-EEB8BEA16702}">
-      <dsp:nvSpPr>
-        <dsp:cNvPr id="0" name=""/>
-        <dsp:cNvSpPr/>
-      </dsp:nvSpPr>
-      <dsp:spPr>
-        <a:xfrm>
-          <a:off x="3517402" y="357032"/>
-          <a:ext cx="5371658" cy="1922115"/>
-        </a:xfrm>
-        <a:prstGeom prst="ellipse">
-          <a:avLst/>
-        </a:prstGeom>
-        <a:solidFill>
-          <a:schemeClr val="accent1">
-            <a:hueOff val="0"/>
-            <a:satOff val="0"/>
-            <a:lumOff val="0"/>
-            <a:alphaOff val="0"/>
-          </a:schemeClr>
-        </a:solidFill>
-        <a:ln w="25400" cap="flat" cmpd="sng" algn="ctr">
-          <a:solidFill>
-            <a:schemeClr val="lt1">
-              <a:hueOff val="0"/>
-              <a:satOff val="0"/>
-              <a:lumOff val="0"/>
-              <a:alphaOff val="0"/>
-            </a:schemeClr>
-          </a:solidFill>
-          <a:prstDash val="solid"/>
-        </a:ln>
-        <a:effectLst/>
-      </dsp:spPr>
-      <dsp:style>
-        <a:lnRef idx="2">
-          <a:scrgbClr r="0" g="0" b="0"/>
-        </a:lnRef>
-        <a:fillRef idx="1">
-          <a:scrgbClr r="0" g="0" b="0"/>
-        </a:fillRef>
-        <a:effectRef idx="0">
-          <a:scrgbClr r="0" g="0" b="0"/>
-        </a:effectRef>
-        <a:fontRef idx="minor">
-          <a:schemeClr val="lt1"/>
-        </a:fontRef>
-      </dsp:style>
-      <dsp:txBody>
-        <a:bodyPr spcFirstLastPara="0" vert="horz" wrap="square" lIns="59690" tIns="59690" rIns="59690" bIns="59690" numCol="1" spcCol="1270" anchor="ctr" anchorCtr="0">
-          <a:noAutofit/>
-        </a:bodyPr>
-        <a:lstStyle/>
-        <a:p>
-          <a:pPr lvl="0" algn="ctr" defTabSz="2089150">
-            <a:lnSpc>
-              <a:spcPct val="90000"/>
-            </a:lnSpc>
-            <a:spcBef>
-              <a:spcPct val="0"/>
-            </a:spcBef>
-            <a:spcAft>
-              <a:spcPct val="35000"/>
-            </a:spcAft>
-          </a:pPr>
-          <a:r>
-            <a:rPr lang="en-US" sz="4700" kern="1200" dirty="0" smtClean="0"/>
-            <a:t>Hệ thống quản lý</a:t>
-          </a:r>
-          <a:endParaRPr lang="en-US" sz="4700" kern="1200" dirty="0"/>
-        </a:p>
-      </dsp:txBody>
-      <dsp:txXfrm>
-        <a:off x="4304063" y="638519"/>
-        <a:ext cx="3798336" cy="1359141"/>
+        <a:off x="1969191" y="386739"/>
+        <a:ext cx="5205616" cy="1862701"/>
       </dsp:txXfrm>
     </dsp:sp>
   </dsp:spTree>
@@ -4337,8 +3890,8 @@
       </dsp:nvSpPr>
       <dsp:spPr>
         <a:xfrm rot="5400000">
-          <a:off x="322834" y="696030"/>
-          <a:ext cx="546976" cy="622713"/>
+          <a:off x="364656" y="624521"/>
+          <a:ext cx="537572" cy="612007"/>
         </a:xfrm>
         <a:prstGeom prst="bentUpArrow">
           <a:avLst>
@@ -4389,8 +3942,8 @@
       </dsp:nvSpPr>
       <dsp:spPr>
         <a:xfrm>
-          <a:off x="4033" y="89696"/>
-          <a:ext cx="1268557" cy="644520"/>
+          <a:off x="51336" y="28610"/>
+          <a:ext cx="1246748" cy="633439"/>
         </a:xfrm>
         <a:prstGeom prst="roundRect">
           <a:avLst>
@@ -4457,8 +4010,8 @@
         </a:p>
       </dsp:txBody>
       <dsp:txXfrm>
-        <a:off x="35502" y="121165"/>
-        <a:ext cx="1205619" cy="581582"/>
+        <a:off x="82264" y="59538"/>
+        <a:ext cx="1184892" cy="571583"/>
       </dsp:txXfrm>
     </dsp:sp>
     <dsp:sp modelId="{E9E24CA3-BC9B-42E0-AA52-9DD647D5E157}">
@@ -4468,8 +4021,8 @@
       </dsp:nvSpPr>
       <dsp:spPr>
         <a:xfrm>
-          <a:off x="1098705" y="151166"/>
-          <a:ext cx="669691" cy="520929"/>
+          <a:off x="1127188" y="89023"/>
+          <a:ext cx="658178" cy="511974"/>
         </a:xfrm>
         <a:prstGeom prst="rect">
           <a:avLst/>
@@ -4500,8 +4053,8 @@
       </dsp:nvSpPr>
       <dsp:spPr>
         <a:xfrm rot="5400000">
-          <a:off x="1169729" y="1420039"/>
-          <a:ext cx="546976" cy="622713"/>
+          <a:off x="1196992" y="1336083"/>
+          <a:ext cx="537572" cy="612007"/>
         </a:xfrm>
         <a:prstGeom prst="bentUpArrow">
           <a:avLst>
@@ -4552,8 +4105,8 @@
       </dsp:nvSpPr>
       <dsp:spPr>
         <a:xfrm>
-          <a:off x="850927" y="813705"/>
-          <a:ext cx="1268557" cy="644520"/>
+          <a:off x="883671" y="740172"/>
+          <a:ext cx="1246748" cy="633439"/>
         </a:xfrm>
         <a:prstGeom prst="roundRect">
           <a:avLst>
@@ -4620,8 +4173,8 @@
         </a:p>
       </dsp:txBody>
       <dsp:txXfrm>
-        <a:off x="882396" y="845174"/>
-        <a:ext cx="1205619" cy="581582"/>
+        <a:off x="914599" y="771100"/>
+        <a:ext cx="1184892" cy="571583"/>
       </dsp:txXfrm>
     </dsp:sp>
     <dsp:sp modelId="{FC230CFC-CF3E-49FA-A0D5-4EE29B7577DE}">
@@ -4631,8 +4184,8 @@
       </dsp:nvSpPr>
       <dsp:spPr>
         <a:xfrm>
-          <a:off x="1945599" y="875175"/>
-          <a:ext cx="669691" cy="520929"/>
+          <a:off x="1959523" y="800585"/>
+          <a:ext cx="658178" cy="511974"/>
         </a:xfrm>
         <a:prstGeom prst="rect">
           <a:avLst/>
@@ -4663,8 +4216,8 @@
       </dsp:nvSpPr>
       <dsp:spPr>
         <a:xfrm rot="5400000">
-          <a:off x="2016623" y="2144048"/>
-          <a:ext cx="546976" cy="622713"/>
+          <a:off x="2029327" y="2047645"/>
+          <a:ext cx="537572" cy="612007"/>
         </a:xfrm>
         <a:prstGeom prst="bentUpArrow">
           <a:avLst>
@@ -4715,8 +4268,8 @@
       </dsp:nvSpPr>
       <dsp:spPr>
         <a:xfrm>
-          <a:off x="1697822" y="1537714"/>
-          <a:ext cx="1268557" cy="644520"/>
+          <a:off x="1716006" y="1451735"/>
+          <a:ext cx="1246748" cy="633439"/>
         </a:xfrm>
         <a:prstGeom prst="roundRect">
           <a:avLst>
@@ -4783,8 +4336,8 @@
         </a:p>
       </dsp:txBody>
       <dsp:txXfrm>
-        <a:off x="1729291" y="1569183"/>
-        <a:ext cx="1205619" cy="581582"/>
+        <a:off x="1746934" y="1482663"/>
+        <a:ext cx="1184892" cy="571583"/>
       </dsp:txXfrm>
     </dsp:sp>
     <dsp:sp modelId="{23D3DFC6-9C2E-4488-90FF-34AF96AC052B}">
@@ -4794,8 +4347,8 @@
       </dsp:nvSpPr>
       <dsp:spPr>
         <a:xfrm>
-          <a:off x="2792494" y="1599184"/>
-          <a:ext cx="669691" cy="520929"/>
+          <a:off x="2791859" y="1512147"/>
+          <a:ext cx="658178" cy="511974"/>
         </a:xfrm>
         <a:prstGeom prst="rect">
           <a:avLst/>
@@ -4826,8 +4379,8 @@
       </dsp:nvSpPr>
       <dsp:spPr>
         <a:xfrm rot="5400000">
-          <a:off x="2863518" y="2868057"/>
-          <a:ext cx="546976" cy="622713"/>
+          <a:off x="2861662" y="2759207"/>
+          <a:ext cx="537572" cy="612007"/>
         </a:xfrm>
         <a:prstGeom prst="bentUpArrow">
           <a:avLst>
@@ -4878,8 +4431,8 @@
       </dsp:nvSpPr>
       <dsp:spPr>
         <a:xfrm>
-          <a:off x="2544717" y="2261723"/>
-          <a:ext cx="1268557" cy="644520"/>
+          <a:off x="2548341" y="2163297"/>
+          <a:ext cx="1246748" cy="633439"/>
         </a:xfrm>
         <a:prstGeom prst="roundRect">
           <a:avLst>
@@ -4946,8 +4499,8 @@
         </a:p>
       </dsp:txBody>
       <dsp:txXfrm>
-        <a:off x="2576186" y="2293192"/>
-        <a:ext cx="1205619" cy="581582"/>
+        <a:off x="2579269" y="2194225"/>
+        <a:ext cx="1184892" cy="571583"/>
       </dsp:txXfrm>
     </dsp:sp>
     <dsp:sp modelId="{E0AF90E8-1479-45D5-8FF4-3D717AAFDC96}">
@@ -4957,8 +4510,8 @@
       </dsp:nvSpPr>
       <dsp:spPr>
         <a:xfrm>
-          <a:off x="3639388" y="2323193"/>
-          <a:ext cx="669691" cy="520929"/>
+          <a:off x="3624194" y="2223710"/>
+          <a:ext cx="658178" cy="511974"/>
         </a:xfrm>
         <a:prstGeom prst="rect">
           <a:avLst/>
@@ -4989,8 +4542,8 @@
       </dsp:nvSpPr>
       <dsp:spPr>
         <a:xfrm rot="5400000">
-          <a:off x="3710412" y="3592066"/>
-          <a:ext cx="546976" cy="622713"/>
+          <a:off x="3693997" y="3470769"/>
+          <a:ext cx="537572" cy="612007"/>
         </a:xfrm>
         <a:prstGeom prst="bentUpArrow">
           <a:avLst>
@@ -5041,8 +4594,8 @@
       </dsp:nvSpPr>
       <dsp:spPr>
         <a:xfrm>
-          <a:off x="3391611" y="2985732"/>
-          <a:ext cx="1268557" cy="644520"/>
+          <a:off x="3380676" y="2874859"/>
+          <a:ext cx="1246748" cy="633439"/>
         </a:xfrm>
         <a:prstGeom prst="roundRect">
           <a:avLst>
@@ -5109,8 +4662,8 @@
         </a:p>
       </dsp:txBody>
       <dsp:txXfrm>
-        <a:off x="3423080" y="3017201"/>
-        <a:ext cx="1205619" cy="581582"/>
+        <a:off x="3411604" y="2905787"/>
+        <a:ext cx="1184892" cy="571583"/>
       </dsp:txXfrm>
     </dsp:sp>
     <dsp:sp modelId="{A6541055-67E0-4247-9A6C-E75C4780D949}">
@@ -5120,8 +4673,8 @@
       </dsp:nvSpPr>
       <dsp:spPr>
         <a:xfrm>
-          <a:off x="4486283" y="3047201"/>
-          <a:ext cx="669691" cy="520929"/>
+          <a:off x="4456529" y="2935272"/>
+          <a:ext cx="658178" cy="511974"/>
         </a:xfrm>
         <a:prstGeom prst="rect">
           <a:avLst/>
@@ -5152,8 +4705,8 @@
       </dsp:nvSpPr>
       <dsp:spPr>
         <a:xfrm>
-          <a:off x="4238506" y="3709741"/>
-          <a:ext cx="1268557" cy="644520"/>
+          <a:off x="4213011" y="3586421"/>
+          <a:ext cx="1246748" cy="633439"/>
         </a:xfrm>
         <a:prstGeom prst="roundRect">
           <a:avLst>
@@ -5220,8 +4773,8 @@
         </a:p>
       </dsp:txBody>
       <dsp:txXfrm>
-        <a:off x="4269975" y="3741210"/>
-        <a:ext cx="1205619" cy="581582"/>
+        <a:off x="4243939" y="3617349"/>
+        <a:ext cx="1184892" cy="571583"/>
       </dsp:txXfrm>
     </dsp:sp>
   </dsp:spTree>
@@ -10609,6 +10162,28 @@
           <a:bodyPr/>
           <a:lstStyle/>
           <a:p>
+            <a:pPr marL="171450" indent="-171450">
+              <a:buFontTx/>
+              <a:buChar char="-"/>
+            </a:pPr>
+            <a:r>
+              <a:rPr lang="en-US" dirty="0" smtClean="0"/>
+              <a:t>Kính</a:t>
+            </a:r>
+            <a:r>
+              <a:rPr lang="en-US" baseline="0" dirty="0" smtClean="0"/>
+              <a:t> chào thầy và các bạn. Hôm nay nhóm em thuyết trình về dự án xây dựng hệ thống kinh doanh hàng hóa tại một siêu thị.</a:t>
+            </a:r>
+          </a:p>
+          <a:p>
+            <a:pPr marL="171450" indent="-171450">
+              <a:buFontTx/>
+              <a:buChar char="-"/>
+            </a:pPr>
+            <a:r>
+              <a:rPr lang="en-US" baseline="0" dirty="0" smtClean="0"/>
+              <a:t>Nhóm của em gồm 2 thành viên, em NDN và bạn PHD.</a:t>
+            </a:r>
             <a:endParaRPr lang="vi-VN" dirty="0"/>
           </a:p>
         </p:txBody>
@@ -10649,134 +10224,7 @@
 </p:notes>
 </file>
 
-<file path=ppt/notesSlides/notesSlide2.xml><?xml version="1.0" encoding="utf-8"?>
-<p:notes xmlns:a="http://schemas.openxmlformats.org/drawingml/2006/main" xmlns:r="http://schemas.openxmlformats.org/officeDocument/2006/relationships" xmlns:p="http://schemas.openxmlformats.org/presentationml/2006/main">
-  <p:cSld>
-    <p:spTree>
-      <p:nvGrpSpPr>
-        <p:cNvPr id="1" name=""/>
-        <p:cNvGrpSpPr/>
-        <p:nvPr/>
-      </p:nvGrpSpPr>
-      <p:grpSpPr>
-        <a:xfrm>
-          <a:off x="0" y="0"/>
-          <a:ext cx="0" cy="0"/>
-          <a:chOff x="0" y="0"/>
-          <a:chExt cx="0" cy="0"/>
-        </a:xfrm>
-      </p:grpSpPr>
-      <p:sp>
-        <p:nvSpPr>
-          <p:cNvPr id="2" name="Slide Image Placeholder 1"/>
-          <p:cNvSpPr>
-            <a:spLocks noGrp="1" noRot="1" noChangeAspect="1"/>
-          </p:cNvSpPr>
-          <p:nvPr>
-            <p:ph type="sldImg"/>
-          </p:nvPr>
-        </p:nvSpPr>
-        <p:spPr/>
-      </p:sp>
-      <p:sp>
-        <p:nvSpPr>
-          <p:cNvPr id="3" name="Notes Placeholder 2"/>
-          <p:cNvSpPr>
-            <a:spLocks noGrp="1"/>
-          </p:cNvSpPr>
-          <p:nvPr>
-            <p:ph type="body" idx="1"/>
-          </p:nvPr>
-        </p:nvSpPr>
-        <p:spPr/>
-        <p:txBody>
-          <a:bodyPr/>
-          <a:lstStyle/>
-          <a:p>
-            <a:pPr marL="171450" indent="-171450">
-              <a:buFontTx/>
-              <a:buChar char="-"/>
-            </a:pPr>
-            <a:r>
-              <a:rPr lang="vi-VN" sz="1200" b="0" i="0" kern="1200" dirty="0" smtClean="0">
-                <a:solidFill>
-                  <a:schemeClr val="tx1"/>
-                </a:solidFill>
-                <a:effectLst/>
-                <a:latin typeface="+mn-lt"/>
-                <a:ea typeface="+mn-ea"/>
-                <a:cs typeface="+mn-cs"/>
-              </a:rPr>
-              <a:t>Kênh bán lẻ hiện đại luôn gắn liền với hệ thống chuỗi siêu thị, cửa hàng tiện lợi và những mô hình này đang trong đà phát triển mạnh trong những năm gần đây.</a:t>
-            </a:r>
-            <a:endParaRPr lang="en-US" sz="1200" b="0" i="0" kern="1200" dirty="0" smtClean="0">
-              <a:solidFill>
-                <a:schemeClr val="tx1"/>
-              </a:solidFill>
-              <a:effectLst/>
-              <a:latin typeface="+mn-lt"/>
-              <a:ea typeface="+mn-ea"/>
-              <a:cs typeface="+mn-cs"/>
-            </a:endParaRPr>
-          </a:p>
-          <a:p>
-            <a:pPr marL="171450" indent="-171450">
-              <a:buFontTx/>
-              <a:buChar char="-"/>
-            </a:pPr>
-            <a:r>
-              <a:rPr lang="vi-VN" sz="1200" b="0" i="0" kern="1200" dirty="0" smtClean="0">
-                <a:solidFill>
-                  <a:schemeClr val="tx1"/>
-                </a:solidFill>
-                <a:effectLst/>
-                <a:latin typeface="+mn-lt"/>
-                <a:ea typeface="+mn-ea"/>
-                <a:cs typeface="+mn-cs"/>
-              </a:rPr>
-              <a:t>Siêu thị là nơi cung cấp cho người tiêu dùng rất nhiều loại hàng hóa từ đồ gia dụng tới thực phẩm, đang được phân bổ khắp cả nước với mạng lưới rộng lớn và dày đặc.</a:t>
-            </a:r>
-            <a:endParaRPr lang="vi-VN" dirty="0"/>
-          </a:p>
-        </p:txBody>
-      </p:sp>
-      <p:sp>
-        <p:nvSpPr>
-          <p:cNvPr id="4" name="Slide Number Placeholder 3"/>
-          <p:cNvSpPr>
-            <a:spLocks noGrp="1"/>
-          </p:cNvSpPr>
-          <p:nvPr>
-            <p:ph type="sldNum" sz="quarter" idx="10"/>
-          </p:nvPr>
-        </p:nvSpPr>
-        <p:spPr/>
-        <p:txBody>
-          <a:bodyPr/>
-          <a:lstStyle/>
-          <a:p>
-            <a:fld id="{A424E6C8-CCB6-4893-83AB-E4E160D98B08}" type="slidenum">
-              <a:rPr lang="vi-VN" smtClean="0"/>
-              <a:t>4</a:t>
-            </a:fld>
-            <a:endParaRPr lang="vi-VN"/>
-          </a:p>
-        </p:txBody>
-      </p:sp>
-    </p:spTree>
-    <p:extLst>
-      <p:ext uri="{BB962C8B-B14F-4D97-AF65-F5344CB8AC3E}">
-        <p14:creationId xmlns:p14="http://schemas.microsoft.com/office/powerpoint/2010/main" val="1198160647"/>
-      </p:ext>
-    </p:extLst>
-  </p:cSld>
-  <p:clrMapOvr>
-    <a:masterClrMapping/>
-  </p:clrMapOvr>
-</p:notes>
-</file>
-
-<file path=ppt/notesSlides/notesSlide3.xml><?xml version="1.0" encoding="utf-8"?>
+<file path=ppt/notesSlides/notesSlide10.xml><?xml version="1.0" encoding="utf-8"?>
 <p:notes xmlns:a="http://schemas.openxmlformats.org/drawingml/2006/main" xmlns:r="http://schemas.openxmlformats.org/officeDocument/2006/relationships" xmlns:p="http://schemas.openxmlformats.org/presentationml/2006/main">
   <p:cSld>
     <p:spTree>
@@ -10851,6 +10299,1058 @@
     <p:extLst>
       <p:ext uri="{BB962C8B-B14F-4D97-AF65-F5344CB8AC3E}">
         <p14:creationId xmlns:p14="http://schemas.microsoft.com/office/powerpoint/2010/main" val="2663393304"/>
+      </p:ext>
+    </p:extLst>
+  </p:cSld>
+  <p:clrMapOvr>
+    <a:masterClrMapping/>
+  </p:clrMapOvr>
+</p:notes>
+</file>
+
+<file path=ppt/notesSlides/notesSlide11.xml><?xml version="1.0" encoding="utf-8"?>
+<p:notes xmlns:a="http://schemas.openxmlformats.org/drawingml/2006/main" xmlns:r="http://schemas.openxmlformats.org/officeDocument/2006/relationships" xmlns:p="http://schemas.openxmlformats.org/presentationml/2006/main">
+  <p:cSld>
+    <p:spTree>
+      <p:nvGrpSpPr>
+        <p:cNvPr id="1" name=""/>
+        <p:cNvGrpSpPr/>
+        <p:nvPr/>
+      </p:nvGrpSpPr>
+      <p:grpSpPr>
+        <a:xfrm>
+          <a:off x="0" y="0"/>
+          <a:ext cx="0" cy="0"/>
+          <a:chOff x="0" y="0"/>
+          <a:chExt cx="0" cy="0"/>
+        </a:xfrm>
+      </p:grpSpPr>
+      <p:sp>
+        <p:nvSpPr>
+          <p:cNvPr id="2" name="Slide Image Placeholder 1"/>
+          <p:cNvSpPr>
+            <a:spLocks noGrp="1" noRot="1" noChangeAspect="1"/>
+          </p:cNvSpPr>
+          <p:nvPr>
+            <p:ph type="sldImg"/>
+          </p:nvPr>
+        </p:nvSpPr>
+        <p:spPr/>
+      </p:sp>
+      <p:sp>
+        <p:nvSpPr>
+          <p:cNvPr id="3" name="Notes Placeholder 2"/>
+          <p:cNvSpPr>
+            <a:spLocks noGrp="1"/>
+          </p:cNvSpPr>
+          <p:nvPr>
+            <p:ph type="body" idx="1"/>
+          </p:nvPr>
+        </p:nvSpPr>
+        <p:spPr/>
+        <p:txBody>
+          <a:bodyPr/>
+          <a:lstStyle/>
+          <a:p>
+            <a:endParaRPr lang="en-US" dirty="0"/>
+          </a:p>
+        </p:txBody>
+      </p:sp>
+      <p:sp>
+        <p:nvSpPr>
+          <p:cNvPr id="4" name="Slide Number Placeholder 3"/>
+          <p:cNvSpPr>
+            <a:spLocks noGrp="1"/>
+          </p:cNvSpPr>
+          <p:nvPr>
+            <p:ph type="sldNum" sz="quarter" idx="10"/>
+          </p:nvPr>
+        </p:nvSpPr>
+        <p:spPr/>
+        <p:txBody>
+          <a:bodyPr/>
+          <a:lstStyle/>
+          <a:p>
+            <a:fld id="{A424E6C8-CCB6-4893-83AB-E4E160D98B08}" type="slidenum">
+              <a:rPr lang="vi-VN" smtClean="0"/>
+              <a:t>14</a:t>
+            </a:fld>
+            <a:endParaRPr lang="vi-VN"/>
+          </a:p>
+        </p:txBody>
+      </p:sp>
+    </p:spTree>
+    <p:extLst>
+      <p:ext uri="{BB962C8B-B14F-4D97-AF65-F5344CB8AC3E}">
+        <p14:creationId xmlns:p14="http://schemas.microsoft.com/office/powerpoint/2010/main" val="428494219"/>
+      </p:ext>
+    </p:extLst>
+  </p:cSld>
+  <p:clrMapOvr>
+    <a:masterClrMapping/>
+  </p:clrMapOvr>
+</p:notes>
+</file>
+
+<file path=ppt/notesSlides/notesSlide2.xml><?xml version="1.0" encoding="utf-8"?>
+<p:notes xmlns:a="http://schemas.openxmlformats.org/drawingml/2006/main" xmlns:r="http://schemas.openxmlformats.org/officeDocument/2006/relationships" xmlns:p="http://schemas.openxmlformats.org/presentationml/2006/main">
+  <p:cSld>
+    <p:spTree>
+      <p:nvGrpSpPr>
+        <p:cNvPr id="1" name=""/>
+        <p:cNvGrpSpPr/>
+        <p:nvPr/>
+      </p:nvGrpSpPr>
+      <p:grpSpPr>
+        <a:xfrm>
+          <a:off x="0" y="0"/>
+          <a:ext cx="0" cy="0"/>
+          <a:chOff x="0" y="0"/>
+          <a:chExt cx="0" cy="0"/>
+        </a:xfrm>
+      </p:grpSpPr>
+      <p:sp>
+        <p:nvSpPr>
+          <p:cNvPr id="2" name="Slide Image Placeholder 1"/>
+          <p:cNvSpPr>
+            <a:spLocks noGrp="1" noRot="1" noChangeAspect="1"/>
+          </p:cNvSpPr>
+          <p:nvPr>
+            <p:ph type="sldImg"/>
+          </p:nvPr>
+        </p:nvSpPr>
+        <p:spPr/>
+      </p:sp>
+      <p:sp>
+        <p:nvSpPr>
+          <p:cNvPr id="3" name="Notes Placeholder 2"/>
+          <p:cNvSpPr>
+            <a:spLocks noGrp="1"/>
+          </p:cNvSpPr>
+          <p:nvPr>
+            <p:ph type="body" idx="1"/>
+          </p:nvPr>
+        </p:nvSpPr>
+        <p:spPr/>
+        <p:txBody>
+          <a:bodyPr/>
+          <a:lstStyle/>
+          <a:p>
+            <a:r>
+              <a:rPr lang="en-US" dirty="0" smtClean="0"/>
+              <a:t>-</a:t>
+            </a:r>
+            <a:r>
+              <a:rPr lang="en-US" baseline="0" dirty="0" smtClean="0"/>
+              <a:t> Bài thuyết trình hôm nay gồm 4 nội dung chính:</a:t>
+            </a:r>
+          </a:p>
+          <a:p>
+            <a:r>
+              <a:rPr lang="en-US" baseline="0" dirty="0" smtClean="0"/>
+              <a:t>	+ Phần 1: giới thiệu</a:t>
+            </a:r>
+          </a:p>
+          <a:p>
+            <a:r>
+              <a:rPr lang="en-US" baseline="0" dirty="0" smtClean="0"/>
+              <a:t>+	Phần 2: kế hoạch</a:t>
+            </a:r>
+          </a:p>
+          <a:p>
+            <a:r>
+              <a:rPr lang="en-US" baseline="0" dirty="0" smtClean="0"/>
+              <a:t>+	Phần 3: chi phí</a:t>
+            </a:r>
+          </a:p>
+          <a:p>
+            <a:r>
+              <a:rPr lang="en-US" baseline="0" dirty="0" smtClean="0"/>
+              <a:t>+	và cuối cùng là quản lý rủi ro </a:t>
+            </a:r>
+            <a:endParaRPr lang="vi-VN" dirty="0"/>
+          </a:p>
+        </p:txBody>
+      </p:sp>
+      <p:sp>
+        <p:nvSpPr>
+          <p:cNvPr id="4" name="Slide Number Placeholder 3"/>
+          <p:cNvSpPr>
+            <a:spLocks noGrp="1"/>
+          </p:cNvSpPr>
+          <p:nvPr>
+            <p:ph type="sldNum" sz="quarter" idx="10"/>
+          </p:nvPr>
+        </p:nvSpPr>
+        <p:spPr/>
+        <p:txBody>
+          <a:bodyPr/>
+          <a:lstStyle/>
+          <a:p>
+            <a:fld id="{A424E6C8-CCB6-4893-83AB-E4E160D98B08}" type="slidenum">
+              <a:rPr lang="vi-VN" smtClean="0"/>
+              <a:t>2</a:t>
+            </a:fld>
+            <a:endParaRPr lang="vi-VN"/>
+          </a:p>
+        </p:txBody>
+      </p:sp>
+    </p:spTree>
+    <p:extLst>
+      <p:ext uri="{BB962C8B-B14F-4D97-AF65-F5344CB8AC3E}">
+        <p14:creationId xmlns:p14="http://schemas.microsoft.com/office/powerpoint/2010/main" val="1275333675"/>
+      </p:ext>
+    </p:extLst>
+  </p:cSld>
+  <p:clrMapOvr>
+    <a:masterClrMapping/>
+  </p:clrMapOvr>
+</p:notes>
+</file>
+
+<file path=ppt/notesSlides/notesSlide3.xml><?xml version="1.0" encoding="utf-8"?>
+<p:notes xmlns:a="http://schemas.openxmlformats.org/drawingml/2006/main" xmlns:r="http://schemas.openxmlformats.org/officeDocument/2006/relationships" xmlns:p="http://schemas.openxmlformats.org/presentationml/2006/main">
+  <p:cSld>
+    <p:spTree>
+      <p:nvGrpSpPr>
+        <p:cNvPr id="1" name=""/>
+        <p:cNvGrpSpPr/>
+        <p:nvPr/>
+      </p:nvGrpSpPr>
+      <p:grpSpPr>
+        <a:xfrm>
+          <a:off x="0" y="0"/>
+          <a:ext cx="0" cy="0"/>
+          <a:chOff x="0" y="0"/>
+          <a:chExt cx="0" cy="0"/>
+        </a:xfrm>
+      </p:grpSpPr>
+      <p:sp>
+        <p:nvSpPr>
+          <p:cNvPr id="2" name="Slide Image Placeholder 1"/>
+          <p:cNvSpPr>
+            <a:spLocks noGrp="1" noRot="1" noChangeAspect="1"/>
+          </p:cNvSpPr>
+          <p:nvPr>
+            <p:ph type="sldImg"/>
+          </p:nvPr>
+        </p:nvSpPr>
+        <p:spPr/>
+      </p:sp>
+      <p:sp>
+        <p:nvSpPr>
+          <p:cNvPr id="3" name="Notes Placeholder 2"/>
+          <p:cNvSpPr>
+            <a:spLocks noGrp="1"/>
+          </p:cNvSpPr>
+          <p:nvPr>
+            <p:ph type="body" idx="1"/>
+          </p:nvPr>
+        </p:nvSpPr>
+        <p:spPr/>
+        <p:txBody>
+          <a:bodyPr/>
+          <a:lstStyle/>
+          <a:p>
+            <a:r>
+              <a:rPr lang="en-US" dirty="0" smtClean="0"/>
+              <a:t>Đầu tiên</a:t>
+            </a:r>
+            <a:r>
+              <a:rPr lang="en-US" baseline="0" dirty="0" smtClean="0"/>
+              <a:t> mời mọi người đến với phần giới thiệu dự án</a:t>
+            </a:r>
+            <a:endParaRPr lang="vi-VN" dirty="0"/>
+          </a:p>
+        </p:txBody>
+      </p:sp>
+      <p:sp>
+        <p:nvSpPr>
+          <p:cNvPr id="4" name="Slide Number Placeholder 3"/>
+          <p:cNvSpPr>
+            <a:spLocks noGrp="1"/>
+          </p:cNvSpPr>
+          <p:nvPr>
+            <p:ph type="sldNum" sz="quarter" idx="10"/>
+          </p:nvPr>
+        </p:nvSpPr>
+        <p:spPr/>
+        <p:txBody>
+          <a:bodyPr/>
+          <a:lstStyle/>
+          <a:p>
+            <a:fld id="{A424E6C8-CCB6-4893-83AB-E4E160D98B08}" type="slidenum">
+              <a:rPr lang="vi-VN" smtClean="0"/>
+              <a:t>3</a:t>
+            </a:fld>
+            <a:endParaRPr lang="vi-VN"/>
+          </a:p>
+        </p:txBody>
+      </p:sp>
+    </p:spTree>
+    <p:extLst>
+      <p:ext uri="{BB962C8B-B14F-4D97-AF65-F5344CB8AC3E}">
+        <p14:creationId xmlns:p14="http://schemas.microsoft.com/office/powerpoint/2010/main" val="4248943238"/>
+      </p:ext>
+    </p:extLst>
+  </p:cSld>
+  <p:clrMapOvr>
+    <a:masterClrMapping/>
+  </p:clrMapOvr>
+</p:notes>
+</file>
+
+<file path=ppt/notesSlides/notesSlide4.xml><?xml version="1.0" encoding="utf-8"?>
+<p:notes xmlns:a="http://schemas.openxmlformats.org/drawingml/2006/main" xmlns:r="http://schemas.openxmlformats.org/officeDocument/2006/relationships" xmlns:p="http://schemas.openxmlformats.org/presentationml/2006/main">
+  <p:cSld>
+    <p:spTree>
+      <p:nvGrpSpPr>
+        <p:cNvPr id="1" name=""/>
+        <p:cNvGrpSpPr/>
+        <p:nvPr/>
+      </p:nvGrpSpPr>
+      <p:grpSpPr>
+        <a:xfrm>
+          <a:off x="0" y="0"/>
+          <a:ext cx="0" cy="0"/>
+          <a:chOff x="0" y="0"/>
+          <a:chExt cx="0" cy="0"/>
+        </a:xfrm>
+      </p:grpSpPr>
+      <p:sp>
+        <p:nvSpPr>
+          <p:cNvPr id="2" name="Slide Image Placeholder 1"/>
+          <p:cNvSpPr>
+            <a:spLocks noGrp="1" noRot="1" noChangeAspect="1"/>
+          </p:cNvSpPr>
+          <p:nvPr>
+            <p:ph type="sldImg"/>
+          </p:nvPr>
+        </p:nvSpPr>
+        <p:spPr/>
+      </p:sp>
+      <p:sp>
+        <p:nvSpPr>
+          <p:cNvPr id="3" name="Notes Placeholder 2"/>
+          <p:cNvSpPr>
+            <a:spLocks noGrp="1"/>
+          </p:cNvSpPr>
+          <p:nvPr>
+            <p:ph type="body" idx="1"/>
+          </p:nvPr>
+        </p:nvSpPr>
+        <p:spPr/>
+        <p:txBody>
+          <a:bodyPr/>
+          <a:lstStyle/>
+          <a:p>
+            <a:pPr marL="0" marR="0" indent="0" algn="l" defTabSz="914400" rtl="0" eaLnBrk="1" fontAlgn="auto" latinLnBrk="0" hangingPunct="1">
+              <a:lnSpc>
+                <a:spcPct val="100000"/>
+              </a:lnSpc>
+              <a:spcBef>
+                <a:spcPts val="0"/>
+              </a:spcBef>
+              <a:spcAft>
+                <a:spcPts val="0"/>
+              </a:spcAft>
+              <a:buClrTx/>
+              <a:buSzTx/>
+              <a:buFontTx/>
+              <a:buNone/>
+              <a:tabLst/>
+              <a:defRPr/>
+            </a:pPr>
+            <a:r>
+              <a:rPr lang="vi-VN" sz="1200" b="0" i="0" kern="1200" dirty="0" smtClean="0">
+                <a:solidFill>
+                  <a:schemeClr val="tx1"/>
+                </a:solidFill>
+                <a:effectLst/>
+                <a:latin typeface="+mn-lt"/>
+                <a:ea typeface="+mn-ea"/>
+                <a:cs typeface="+mn-cs"/>
+              </a:rPr>
+              <a:t>Mọi người</a:t>
+            </a:r>
+            <a:r>
+              <a:rPr lang="vi-VN" sz="1200" b="0" i="0" kern="1200" baseline="0" dirty="0" smtClean="0">
+                <a:solidFill>
+                  <a:schemeClr val="tx1"/>
+                </a:solidFill>
+                <a:effectLst/>
+                <a:latin typeface="+mn-lt"/>
+                <a:ea typeface="+mn-ea"/>
+                <a:cs typeface="+mn-cs"/>
+              </a:rPr>
+              <a:t> cũng biết là chúng ta đang ở thời đại công nghệ 4.0 nơi mà công nghệ có mặt ở khắp các lĩnh vực trong cuộc sống. Trong đó </a:t>
+            </a:r>
+            <a:r>
+              <a:rPr lang="vi-VN" sz="1200" b="0" i="0" kern="1200" dirty="0" smtClean="0">
+                <a:solidFill>
+                  <a:schemeClr val="tx1"/>
+                </a:solidFill>
+                <a:effectLst/>
+                <a:latin typeface="+mn-lt"/>
+                <a:ea typeface="+mn-ea"/>
+                <a:cs typeface="+mn-cs"/>
+              </a:rPr>
+              <a:t>“Công Nghệ Thông Tin” một lĩnh vực đầy tiềm năng đã đem lại cho con người những ứng dụng thật tiện lợi và hữu ích. Một trong những ứng dụng thiết thực mà nó đem lại là việc ứng dụng tin học vào nhiều lĩnh vực của đời sống như trường học, công ty, bệnh viện,</a:t>
+            </a:r>
+            <a:r>
+              <a:rPr lang="vi-VN" sz="1200" b="0" i="0" kern="1200" baseline="0" dirty="0" smtClean="0">
+                <a:solidFill>
+                  <a:schemeClr val="tx1"/>
+                </a:solidFill>
+                <a:effectLst/>
+                <a:latin typeface="+mn-lt"/>
+                <a:ea typeface="+mn-ea"/>
+                <a:cs typeface="+mn-cs"/>
+              </a:rPr>
+              <a:t> và đặc biệt là trong lĩnh vực thương mại.</a:t>
+            </a:r>
+            <a:endParaRPr lang="vi-VN" sz="1200" b="0" i="0" kern="1200" dirty="0" smtClean="0">
+              <a:solidFill>
+                <a:schemeClr val="tx1"/>
+              </a:solidFill>
+              <a:effectLst/>
+              <a:latin typeface="+mn-lt"/>
+              <a:ea typeface="+mn-ea"/>
+              <a:cs typeface="+mn-cs"/>
+            </a:endParaRPr>
+          </a:p>
+          <a:p>
+            <a:pPr marL="171450" indent="-171450">
+              <a:buFontTx/>
+              <a:buChar char="-"/>
+            </a:pPr>
+            <a:r>
+              <a:rPr lang="vi-VN" sz="1200" b="0" i="0" kern="1200" dirty="0" smtClean="0">
+                <a:solidFill>
+                  <a:schemeClr val="tx1"/>
+                </a:solidFill>
+                <a:effectLst/>
+                <a:latin typeface="+mn-lt"/>
+                <a:ea typeface="+mn-ea"/>
+                <a:cs typeface="+mn-cs"/>
+              </a:rPr>
+              <a:t>Kênh </a:t>
+            </a:r>
+            <a:r>
+              <a:rPr lang="vi-VN" sz="1200" b="0" i="0" kern="1200" dirty="0" smtClean="0">
+                <a:solidFill>
+                  <a:schemeClr val="tx1"/>
+                </a:solidFill>
+                <a:effectLst/>
+                <a:latin typeface="+mn-lt"/>
+                <a:ea typeface="+mn-ea"/>
+                <a:cs typeface="+mn-cs"/>
+              </a:rPr>
+              <a:t>bán lẻ hiện đại luôn gắn liền với hệ thống chuỗi siêu thị, cửa hàng tiện lợi và những mô hình này đang trong đà phát triển mạnh trong những năm gần đây.</a:t>
+            </a:r>
+            <a:endParaRPr lang="en-US" sz="1200" b="0" i="0" kern="1200" dirty="0" smtClean="0">
+              <a:solidFill>
+                <a:schemeClr val="tx1"/>
+              </a:solidFill>
+              <a:effectLst/>
+              <a:latin typeface="+mn-lt"/>
+              <a:ea typeface="+mn-ea"/>
+              <a:cs typeface="+mn-cs"/>
+            </a:endParaRPr>
+          </a:p>
+          <a:p>
+            <a:pPr marL="171450" indent="-171450">
+              <a:buFontTx/>
+              <a:buChar char="-"/>
+            </a:pPr>
+            <a:r>
+              <a:rPr lang="vi-VN" sz="1200" b="0" i="0" kern="1200" dirty="0" smtClean="0">
+                <a:solidFill>
+                  <a:schemeClr val="tx1"/>
+                </a:solidFill>
+                <a:effectLst/>
+                <a:latin typeface="+mn-lt"/>
+                <a:ea typeface="+mn-ea"/>
+                <a:cs typeface="+mn-cs"/>
+              </a:rPr>
+              <a:t>Siêu thị là nơi cung cấp cho người tiêu dùng rất nhiều loại hàng hóa từ đồ gia dụng tới thực phẩm, đang được phân bổ khắp cả nước với mạng lưới rộng lớn và dày đặc</a:t>
+            </a:r>
+            <a:r>
+              <a:rPr lang="vi-VN" sz="1200" b="0" i="0" kern="1200" dirty="0" smtClean="0">
+                <a:solidFill>
+                  <a:schemeClr val="tx1"/>
+                </a:solidFill>
+                <a:effectLst/>
+                <a:latin typeface="+mn-lt"/>
+                <a:ea typeface="+mn-ea"/>
+                <a:cs typeface="+mn-cs"/>
+              </a:rPr>
+              <a:t>.</a:t>
+            </a:r>
+          </a:p>
+          <a:p>
+            <a:pPr marL="171450" indent="-171450">
+              <a:buFontTx/>
+              <a:buChar char="-"/>
+            </a:pPr>
+            <a:r>
+              <a:rPr lang="vi-VN" sz="1200" b="0" i="0" kern="1200" dirty="0" smtClean="0">
+                <a:solidFill>
+                  <a:schemeClr val="tx1"/>
+                </a:solidFill>
+                <a:effectLst/>
+                <a:latin typeface="+mn-lt"/>
+                <a:ea typeface="+mn-ea"/>
+                <a:cs typeface="+mn-cs"/>
+              </a:rPr>
+              <a:t>Vậy vấn</a:t>
+            </a:r>
+            <a:r>
+              <a:rPr lang="vi-VN" sz="1200" b="0" i="0" kern="1200" baseline="0" dirty="0" smtClean="0">
+                <a:solidFill>
+                  <a:schemeClr val="tx1"/>
+                </a:solidFill>
+                <a:effectLst/>
+                <a:latin typeface="+mn-lt"/>
+                <a:ea typeface="+mn-ea"/>
+                <a:cs typeface="+mn-cs"/>
+              </a:rPr>
+              <a:t> đề đặt ra là làm sao chũng ta có thể quản lý hệ thống này 1 cách chặt chẻ và thuận lợi.</a:t>
+            </a:r>
+            <a:endParaRPr lang="vi-VN" dirty="0"/>
+          </a:p>
+        </p:txBody>
+      </p:sp>
+      <p:sp>
+        <p:nvSpPr>
+          <p:cNvPr id="4" name="Slide Number Placeholder 3"/>
+          <p:cNvSpPr>
+            <a:spLocks noGrp="1"/>
+          </p:cNvSpPr>
+          <p:nvPr>
+            <p:ph type="sldNum" sz="quarter" idx="10"/>
+          </p:nvPr>
+        </p:nvSpPr>
+        <p:spPr/>
+        <p:txBody>
+          <a:bodyPr/>
+          <a:lstStyle/>
+          <a:p>
+            <a:fld id="{A424E6C8-CCB6-4893-83AB-E4E160D98B08}" type="slidenum">
+              <a:rPr lang="vi-VN" smtClean="0"/>
+              <a:t>4</a:t>
+            </a:fld>
+            <a:endParaRPr lang="vi-VN"/>
+          </a:p>
+        </p:txBody>
+      </p:sp>
+    </p:spTree>
+    <p:extLst>
+      <p:ext uri="{BB962C8B-B14F-4D97-AF65-F5344CB8AC3E}">
+        <p14:creationId xmlns:p14="http://schemas.microsoft.com/office/powerpoint/2010/main" val="1198160647"/>
+      </p:ext>
+    </p:extLst>
+  </p:cSld>
+  <p:clrMapOvr>
+    <a:masterClrMapping/>
+  </p:clrMapOvr>
+</p:notes>
+</file>
+
+<file path=ppt/notesSlides/notesSlide5.xml><?xml version="1.0" encoding="utf-8"?>
+<p:notes xmlns:a="http://schemas.openxmlformats.org/drawingml/2006/main" xmlns:r="http://schemas.openxmlformats.org/officeDocument/2006/relationships" xmlns:p="http://schemas.openxmlformats.org/presentationml/2006/main">
+  <p:cSld>
+    <p:spTree>
+      <p:nvGrpSpPr>
+        <p:cNvPr id="1" name=""/>
+        <p:cNvGrpSpPr/>
+        <p:nvPr/>
+      </p:nvGrpSpPr>
+      <p:grpSpPr>
+        <a:xfrm>
+          <a:off x="0" y="0"/>
+          <a:ext cx="0" cy="0"/>
+          <a:chOff x="0" y="0"/>
+          <a:chExt cx="0" cy="0"/>
+        </a:xfrm>
+      </p:grpSpPr>
+      <p:sp>
+        <p:nvSpPr>
+          <p:cNvPr id="2" name="Slide Image Placeholder 1"/>
+          <p:cNvSpPr>
+            <a:spLocks noGrp="1" noRot="1" noChangeAspect="1"/>
+          </p:cNvSpPr>
+          <p:nvPr>
+            <p:ph type="sldImg"/>
+          </p:nvPr>
+        </p:nvSpPr>
+        <p:spPr/>
+      </p:sp>
+      <p:sp>
+        <p:nvSpPr>
+          <p:cNvPr id="3" name="Notes Placeholder 2"/>
+          <p:cNvSpPr>
+            <a:spLocks noGrp="1"/>
+          </p:cNvSpPr>
+          <p:nvPr>
+            <p:ph type="body" idx="1"/>
+          </p:nvPr>
+        </p:nvSpPr>
+        <p:spPr/>
+        <p:txBody>
+          <a:bodyPr/>
+          <a:lstStyle/>
+          <a:p>
+            <a:r>
+              <a:rPr lang="en-US" dirty="0" smtClean="0"/>
+              <a:t>- để</a:t>
+            </a:r>
+            <a:r>
+              <a:rPr lang="en-US" baseline="0" dirty="0" smtClean="0"/>
+              <a:t> hiểu xâu hơn về dự án này thì chúng ta đến với kế hoạch thực hiện dự án</a:t>
+            </a:r>
+            <a:endParaRPr lang="vi-VN" dirty="0"/>
+          </a:p>
+        </p:txBody>
+      </p:sp>
+      <p:sp>
+        <p:nvSpPr>
+          <p:cNvPr id="4" name="Slide Number Placeholder 3"/>
+          <p:cNvSpPr>
+            <a:spLocks noGrp="1"/>
+          </p:cNvSpPr>
+          <p:nvPr>
+            <p:ph type="sldNum" sz="quarter" idx="10"/>
+          </p:nvPr>
+        </p:nvSpPr>
+        <p:spPr/>
+        <p:txBody>
+          <a:bodyPr/>
+          <a:lstStyle/>
+          <a:p>
+            <a:fld id="{A424E6C8-CCB6-4893-83AB-E4E160D98B08}" type="slidenum">
+              <a:rPr lang="vi-VN" smtClean="0"/>
+              <a:t>5</a:t>
+            </a:fld>
+            <a:endParaRPr lang="vi-VN"/>
+          </a:p>
+        </p:txBody>
+      </p:sp>
+    </p:spTree>
+    <p:extLst>
+      <p:ext uri="{BB962C8B-B14F-4D97-AF65-F5344CB8AC3E}">
+        <p14:creationId xmlns:p14="http://schemas.microsoft.com/office/powerpoint/2010/main" val="2008304395"/>
+      </p:ext>
+    </p:extLst>
+  </p:cSld>
+  <p:clrMapOvr>
+    <a:masterClrMapping/>
+  </p:clrMapOvr>
+</p:notes>
+</file>
+
+<file path=ppt/notesSlides/notesSlide6.xml><?xml version="1.0" encoding="utf-8"?>
+<p:notes xmlns:a="http://schemas.openxmlformats.org/drawingml/2006/main" xmlns:r="http://schemas.openxmlformats.org/officeDocument/2006/relationships" xmlns:p="http://schemas.openxmlformats.org/presentationml/2006/main">
+  <p:cSld>
+    <p:spTree>
+      <p:nvGrpSpPr>
+        <p:cNvPr id="1" name=""/>
+        <p:cNvGrpSpPr/>
+        <p:nvPr/>
+      </p:nvGrpSpPr>
+      <p:grpSpPr>
+        <a:xfrm>
+          <a:off x="0" y="0"/>
+          <a:ext cx="0" cy="0"/>
+          <a:chOff x="0" y="0"/>
+          <a:chExt cx="0" cy="0"/>
+        </a:xfrm>
+      </p:grpSpPr>
+      <p:sp>
+        <p:nvSpPr>
+          <p:cNvPr id="2" name="Slide Image Placeholder 1"/>
+          <p:cNvSpPr>
+            <a:spLocks noGrp="1" noRot="1" noChangeAspect="1"/>
+          </p:cNvSpPr>
+          <p:nvPr>
+            <p:ph type="sldImg"/>
+          </p:nvPr>
+        </p:nvSpPr>
+        <p:spPr/>
+      </p:sp>
+      <p:sp>
+        <p:nvSpPr>
+          <p:cNvPr id="3" name="Notes Placeholder 2"/>
+          <p:cNvSpPr>
+            <a:spLocks noGrp="1"/>
+          </p:cNvSpPr>
+          <p:nvPr>
+            <p:ph type="body" idx="1"/>
+          </p:nvPr>
+        </p:nvSpPr>
+        <p:spPr/>
+        <p:txBody>
+          <a:bodyPr/>
+          <a:lstStyle/>
+          <a:p>
+            <a:pPr marL="171450" indent="-171450">
+              <a:buFontTx/>
+              <a:buChar char="-"/>
+            </a:pPr>
+            <a:r>
+              <a:rPr lang="vi-VN" dirty="0" smtClean="0"/>
+              <a:t>và không thay đổi thường xuyên</a:t>
+            </a:r>
+          </a:p>
+          <a:p>
+            <a:pPr marL="742950" lvl="1" indent="-285750">
+              <a:buFont typeface="Wingdings" panose="05000000000000000000" pitchFamily="2" charset="2"/>
+              <a:buChar char="Ø"/>
+            </a:pPr>
+            <a:r>
+              <a:rPr lang="vi-VN" dirty="0" smtClean="0"/>
+              <a:t>Yêu cầu ổn định.</a:t>
+            </a:r>
+          </a:p>
+          <a:p>
+            <a:pPr marL="742950" lvl="1" indent="-285750">
+              <a:buFont typeface="Wingdings" panose="05000000000000000000" pitchFamily="2" charset="2"/>
+              <a:buChar char="Ø"/>
+            </a:pPr>
+            <a:r>
+              <a:rPr lang="vi-VN" dirty="0" smtClean="0"/>
+              <a:t>Một ứng dụng nhỏ.</a:t>
+            </a:r>
+          </a:p>
+          <a:p>
+            <a:pPr marL="742950" lvl="1" indent="-285750">
+              <a:buFont typeface="Wingdings" panose="05000000000000000000" pitchFamily="2" charset="2"/>
+              <a:buChar char="Ø"/>
+            </a:pPr>
+            <a:r>
+              <a:rPr lang="vi-VN" dirty="0" smtClean="0"/>
+              <a:t>Không có yêu cầu mà không hiểu hoặc không rõ ràng.</a:t>
+            </a:r>
+          </a:p>
+          <a:p>
+            <a:pPr marL="742950" lvl="1" indent="-285750">
+              <a:buFont typeface="Wingdings" panose="05000000000000000000" pitchFamily="2" charset="2"/>
+              <a:buChar char="Ø"/>
+            </a:pPr>
+            <a:r>
+              <a:rPr lang="vi-VN" dirty="0" smtClean="0"/>
+              <a:t>Môi trường ổn định</a:t>
+            </a:r>
+          </a:p>
+          <a:p>
+            <a:pPr marL="742950" lvl="1" indent="-285750">
+              <a:buFont typeface="Wingdings" panose="05000000000000000000" pitchFamily="2" charset="2"/>
+              <a:buChar char="Ø"/>
+            </a:pPr>
+            <a:r>
+              <a:rPr lang="vi-VN" dirty="0" smtClean="0"/>
+              <a:t>Các công cụ và công nghệ được sử dụng là ổn định</a:t>
+            </a:r>
+          </a:p>
+          <a:p>
+            <a:pPr marL="742950" lvl="1" indent="-285750">
+              <a:buFont typeface="Wingdings" panose="05000000000000000000" pitchFamily="2" charset="2"/>
+              <a:buChar char="Ø"/>
+            </a:pPr>
+            <a:r>
+              <a:rPr lang="vi-VN" dirty="0" smtClean="0"/>
+              <a:t>Nguồn lực được đào tạo và sẵn sàng.</a:t>
+            </a:r>
+            <a:endParaRPr lang="en-US" dirty="0" smtClean="0"/>
+          </a:p>
+          <a:p>
+            <a:pPr marL="171450" indent="-171450">
+              <a:buFontTx/>
+              <a:buChar char="-"/>
+            </a:pPr>
+            <a:endParaRPr lang="vi-VN" dirty="0"/>
+          </a:p>
+        </p:txBody>
+      </p:sp>
+      <p:sp>
+        <p:nvSpPr>
+          <p:cNvPr id="4" name="Slide Number Placeholder 3"/>
+          <p:cNvSpPr>
+            <a:spLocks noGrp="1"/>
+          </p:cNvSpPr>
+          <p:nvPr>
+            <p:ph type="sldNum" sz="quarter" idx="10"/>
+          </p:nvPr>
+        </p:nvSpPr>
+        <p:spPr/>
+        <p:txBody>
+          <a:bodyPr/>
+          <a:lstStyle/>
+          <a:p>
+            <a:fld id="{A424E6C8-CCB6-4893-83AB-E4E160D98B08}" type="slidenum">
+              <a:rPr lang="vi-VN" smtClean="0"/>
+              <a:t>6</a:t>
+            </a:fld>
+            <a:endParaRPr lang="vi-VN"/>
+          </a:p>
+        </p:txBody>
+      </p:sp>
+    </p:spTree>
+    <p:extLst>
+      <p:ext uri="{BB962C8B-B14F-4D97-AF65-F5344CB8AC3E}">
+        <p14:creationId xmlns:p14="http://schemas.microsoft.com/office/powerpoint/2010/main" val="1378219881"/>
+      </p:ext>
+    </p:extLst>
+  </p:cSld>
+  <p:clrMapOvr>
+    <a:masterClrMapping/>
+  </p:clrMapOvr>
+</p:notes>
+</file>
+
+<file path=ppt/notesSlides/notesSlide7.xml><?xml version="1.0" encoding="utf-8"?>
+<p:notes xmlns:a="http://schemas.openxmlformats.org/drawingml/2006/main" xmlns:r="http://schemas.openxmlformats.org/officeDocument/2006/relationships" xmlns:p="http://schemas.openxmlformats.org/presentationml/2006/main">
+  <p:cSld>
+    <p:spTree>
+      <p:nvGrpSpPr>
+        <p:cNvPr id="1" name=""/>
+        <p:cNvGrpSpPr/>
+        <p:nvPr/>
+      </p:nvGrpSpPr>
+      <p:grpSpPr>
+        <a:xfrm>
+          <a:off x="0" y="0"/>
+          <a:ext cx="0" cy="0"/>
+          <a:chOff x="0" y="0"/>
+          <a:chExt cx="0" cy="0"/>
+        </a:xfrm>
+      </p:grpSpPr>
+      <p:sp>
+        <p:nvSpPr>
+          <p:cNvPr id="2" name="Slide Image Placeholder 1"/>
+          <p:cNvSpPr>
+            <a:spLocks noGrp="1" noRot="1" noChangeAspect="1"/>
+          </p:cNvSpPr>
+          <p:nvPr>
+            <p:ph type="sldImg"/>
+          </p:nvPr>
+        </p:nvSpPr>
+        <p:spPr/>
+      </p:sp>
+      <p:sp>
+        <p:nvSpPr>
+          <p:cNvPr id="3" name="Notes Placeholder 2"/>
+          <p:cNvSpPr>
+            <a:spLocks noGrp="1"/>
+          </p:cNvSpPr>
+          <p:nvPr>
+            <p:ph type="body" idx="1"/>
+          </p:nvPr>
+        </p:nvSpPr>
+        <p:spPr/>
+        <p:txBody>
+          <a:bodyPr/>
+          <a:lstStyle/>
+          <a:p>
+            <a:endParaRPr lang="vi-VN" dirty="0"/>
+          </a:p>
+        </p:txBody>
+      </p:sp>
+      <p:sp>
+        <p:nvSpPr>
+          <p:cNvPr id="4" name="Slide Number Placeholder 3"/>
+          <p:cNvSpPr>
+            <a:spLocks noGrp="1"/>
+          </p:cNvSpPr>
+          <p:nvPr>
+            <p:ph type="sldNum" sz="quarter" idx="10"/>
+          </p:nvPr>
+        </p:nvSpPr>
+        <p:spPr/>
+        <p:txBody>
+          <a:bodyPr/>
+          <a:lstStyle/>
+          <a:p>
+            <a:fld id="{A424E6C8-CCB6-4893-83AB-E4E160D98B08}" type="slidenum">
+              <a:rPr lang="vi-VN" smtClean="0"/>
+              <a:t>7</a:t>
+            </a:fld>
+            <a:endParaRPr lang="vi-VN"/>
+          </a:p>
+        </p:txBody>
+      </p:sp>
+    </p:spTree>
+    <p:extLst>
+      <p:ext uri="{BB962C8B-B14F-4D97-AF65-F5344CB8AC3E}">
+        <p14:creationId xmlns:p14="http://schemas.microsoft.com/office/powerpoint/2010/main" val="652099225"/>
+      </p:ext>
+    </p:extLst>
+  </p:cSld>
+  <p:clrMapOvr>
+    <a:masterClrMapping/>
+  </p:clrMapOvr>
+</p:notes>
+</file>
+
+<file path=ppt/notesSlides/notesSlide8.xml><?xml version="1.0" encoding="utf-8"?>
+<p:notes xmlns:a="http://schemas.openxmlformats.org/drawingml/2006/main" xmlns:r="http://schemas.openxmlformats.org/officeDocument/2006/relationships" xmlns:p="http://schemas.openxmlformats.org/presentationml/2006/main">
+  <p:cSld>
+    <p:spTree>
+      <p:nvGrpSpPr>
+        <p:cNvPr id="1" name=""/>
+        <p:cNvGrpSpPr/>
+        <p:nvPr/>
+      </p:nvGrpSpPr>
+      <p:grpSpPr>
+        <a:xfrm>
+          <a:off x="0" y="0"/>
+          <a:ext cx="0" cy="0"/>
+          <a:chOff x="0" y="0"/>
+          <a:chExt cx="0" cy="0"/>
+        </a:xfrm>
+      </p:grpSpPr>
+      <p:sp>
+        <p:nvSpPr>
+          <p:cNvPr id="2" name="Slide Image Placeholder 1"/>
+          <p:cNvSpPr>
+            <a:spLocks noGrp="1" noRot="1" noChangeAspect="1"/>
+          </p:cNvSpPr>
+          <p:nvPr>
+            <p:ph type="sldImg"/>
+          </p:nvPr>
+        </p:nvSpPr>
+        <p:spPr/>
+      </p:sp>
+      <p:sp>
+        <p:nvSpPr>
+          <p:cNvPr id="3" name="Notes Placeholder 2"/>
+          <p:cNvSpPr>
+            <a:spLocks noGrp="1"/>
+          </p:cNvSpPr>
+          <p:nvPr>
+            <p:ph type="body" idx="1"/>
+          </p:nvPr>
+        </p:nvSpPr>
+        <p:spPr/>
+        <p:txBody>
+          <a:bodyPr/>
+          <a:lstStyle/>
+          <a:p>
+            <a:endParaRPr lang="vi-VN" dirty="0"/>
+          </a:p>
+        </p:txBody>
+      </p:sp>
+      <p:sp>
+        <p:nvSpPr>
+          <p:cNvPr id="4" name="Slide Number Placeholder 3"/>
+          <p:cNvSpPr>
+            <a:spLocks noGrp="1"/>
+          </p:cNvSpPr>
+          <p:nvPr>
+            <p:ph type="sldNum" sz="quarter" idx="10"/>
+          </p:nvPr>
+        </p:nvSpPr>
+        <p:spPr/>
+        <p:txBody>
+          <a:bodyPr/>
+          <a:lstStyle/>
+          <a:p>
+            <a:fld id="{A424E6C8-CCB6-4893-83AB-E4E160D98B08}" type="slidenum">
+              <a:rPr lang="vi-VN" smtClean="0"/>
+              <a:t>8</a:t>
+            </a:fld>
+            <a:endParaRPr lang="vi-VN"/>
+          </a:p>
+        </p:txBody>
+      </p:sp>
+    </p:spTree>
+    <p:extLst>
+      <p:ext uri="{BB962C8B-B14F-4D97-AF65-F5344CB8AC3E}">
+        <p14:creationId xmlns:p14="http://schemas.microsoft.com/office/powerpoint/2010/main" val="1100513393"/>
+      </p:ext>
+    </p:extLst>
+  </p:cSld>
+  <p:clrMapOvr>
+    <a:masterClrMapping/>
+  </p:clrMapOvr>
+</p:notes>
+</file>
+
+<file path=ppt/notesSlides/notesSlide9.xml><?xml version="1.0" encoding="utf-8"?>
+<p:notes xmlns:a="http://schemas.openxmlformats.org/drawingml/2006/main" xmlns:r="http://schemas.openxmlformats.org/officeDocument/2006/relationships" xmlns:p="http://schemas.openxmlformats.org/presentationml/2006/main">
+  <p:cSld>
+    <p:spTree>
+      <p:nvGrpSpPr>
+        <p:cNvPr id="1" name=""/>
+        <p:cNvGrpSpPr/>
+        <p:nvPr/>
+      </p:nvGrpSpPr>
+      <p:grpSpPr>
+        <a:xfrm>
+          <a:off x="0" y="0"/>
+          <a:ext cx="0" cy="0"/>
+          <a:chOff x="0" y="0"/>
+          <a:chExt cx="0" cy="0"/>
+        </a:xfrm>
+      </p:grpSpPr>
+      <p:sp>
+        <p:nvSpPr>
+          <p:cNvPr id="2" name="Slide Image Placeholder 1"/>
+          <p:cNvSpPr>
+            <a:spLocks noGrp="1" noRot="1" noChangeAspect="1"/>
+          </p:cNvSpPr>
+          <p:nvPr>
+            <p:ph type="sldImg"/>
+          </p:nvPr>
+        </p:nvSpPr>
+        <p:spPr/>
+      </p:sp>
+      <p:sp>
+        <p:nvSpPr>
+          <p:cNvPr id="3" name="Notes Placeholder 2"/>
+          <p:cNvSpPr>
+            <a:spLocks noGrp="1"/>
+          </p:cNvSpPr>
+          <p:nvPr>
+            <p:ph type="body" idx="1"/>
+          </p:nvPr>
+        </p:nvSpPr>
+        <p:spPr/>
+        <p:txBody>
+          <a:bodyPr/>
+          <a:lstStyle/>
+          <a:p>
+            <a:endParaRPr lang="vi-VN" dirty="0"/>
+          </a:p>
+        </p:txBody>
+      </p:sp>
+      <p:sp>
+        <p:nvSpPr>
+          <p:cNvPr id="4" name="Slide Number Placeholder 3"/>
+          <p:cNvSpPr>
+            <a:spLocks noGrp="1"/>
+          </p:cNvSpPr>
+          <p:nvPr>
+            <p:ph type="sldNum" sz="quarter" idx="10"/>
+          </p:nvPr>
+        </p:nvSpPr>
+        <p:spPr/>
+        <p:txBody>
+          <a:bodyPr/>
+          <a:lstStyle/>
+          <a:p>
+            <a:fld id="{A424E6C8-CCB6-4893-83AB-E4E160D98B08}" type="slidenum">
+              <a:rPr lang="vi-VN" smtClean="0"/>
+              <a:t>12</a:t>
+            </a:fld>
+            <a:endParaRPr lang="vi-VN"/>
+          </a:p>
+        </p:txBody>
+      </p:sp>
+    </p:spTree>
+    <p:extLst>
+      <p:ext uri="{BB962C8B-B14F-4D97-AF65-F5344CB8AC3E}">
+        <p14:creationId xmlns:p14="http://schemas.microsoft.com/office/powerpoint/2010/main" val="2666987485"/>
       </p:ext>
     </p:extLst>
   </p:cSld>
@@ -17174,8 +17674,8 @@
         </p:nvSpPr>
         <p:spPr>
           <a:xfrm>
-            <a:off x="2483768" y="1563638"/>
-            <a:ext cx="6660232" cy="1440160"/>
+            <a:off x="2483768" y="915566"/>
+            <a:ext cx="6660232" cy="2088232"/>
           </a:xfrm>
         </p:spPr>
         <p:txBody>
@@ -17185,7 +17685,18 @@
             <a:pPr algn="r"/>
             <a:r>
               <a:rPr lang="en-US" altLang="ko-KR" sz="3600" dirty="0" smtClean="0"/>
-              <a:t>HỆ THỐNG KINH </a:t>
+              <a:t>DỰ ÁN XÂY DỰNG</a:t>
+            </a:r>
+          </a:p>
+          <a:p>
+            <a:pPr algn="r"/>
+            <a:r>
+              <a:rPr lang="en-US" altLang="ko-KR" sz="3600" dirty="0" smtClean="0"/>
+              <a:t>HỆ </a:t>
+            </a:r>
+            <a:r>
+              <a:rPr lang="en-US" altLang="ko-KR" sz="3600" dirty="0" smtClean="0"/>
+              <a:t>THỐNG KINH </a:t>
             </a:r>
             <a:r>
               <a:rPr lang="en-US" altLang="ko-KR" sz="3600" dirty="0"/>
@@ -17215,7 +17726,7 @@
           <p:nvPr>
             <p:extLst>
               <p:ext uri="{D42A27DB-BD31-4B8C-83A1-F6EECF244321}">
-                <p14:modId xmlns:p14="http://schemas.microsoft.com/office/powerpoint/2010/main" val="2403166596"/>
+                <p14:modId xmlns:p14="http://schemas.microsoft.com/office/powerpoint/2010/main" val="3024064036"/>
               </p:ext>
             </p:extLst>
           </p:nvPr>
@@ -17234,14 +17745,14 @@
                 <a:gridCol w="3294112">
                   <a:extLst>
                     <a:ext uri="{9D8B030D-6E8A-4147-A177-3AD203B41FA5}">
-                      <a16:colId xmlns:a16="http://schemas.microsoft.com/office/drawing/2014/main" xmlns="" val="2182553213"/>
+                      <a16:colId xmlns:a16="http://schemas.microsoft.com/office/drawing/2014/main" val="2182553213"/>
                     </a:ext>
                   </a:extLst>
                 </a:gridCol>
                 <a:gridCol w="3294112">
                   <a:extLst>
                     <a:ext uri="{9D8B030D-6E8A-4147-A177-3AD203B41FA5}">
-                      <a16:colId xmlns:a16="http://schemas.microsoft.com/office/drawing/2014/main" xmlns="" val="732047531"/>
+                      <a16:colId xmlns:a16="http://schemas.microsoft.com/office/drawing/2014/main" val="732047531"/>
                     </a:ext>
                   </a:extLst>
                 </a:gridCol>
@@ -17260,7 +17771,19 @@
                       </a:pPr>
                       <a:r>
                         <a:rPr lang="en-US" altLang="ko-KR" sz="1400" b="0" dirty="0" smtClean="0"/>
-                        <a:t>Người hướng dẫn:</a:t>
+                        <a:t>Giảng</a:t>
+                      </a:r>
+                      <a:r>
+                        <a:rPr lang="en-US" altLang="ko-KR" sz="1400" b="0" baseline="0" dirty="0" smtClean="0"/>
+                        <a:t> viên</a:t>
+                      </a:r>
+                      <a:r>
+                        <a:rPr lang="en-US" altLang="ko-KR" sz="1400" b="0" dirty="0" smtClean="0"/>
+                        <a:t> </a:t>
+                      </a:r>
+                      <a:r>
+                        <a:rPr lang="en-US" altLang="ko-KR" sz="1400" b="0" dirty="0" smtClean="0"/>
+                        <a:t>hướng dẫn:</a:t>
                       </a:r>
                     </a:p>
                     <a:p>
@@ -17309,8 +17832,21 @@
                     <a:p>
                       <a:r>
                         <a:rPr lang="vi-VN" sz="1400" b="0" dirty="0" smtClean="0"/>
-                        <a:t>Sinh viên thực hiện:</a:t>
+                        <a:t>Sinh viên thực hiện</a:t>
                       </a:r>
+                      <a:r>
+                        <a:rPr lang="vi-VN" sz="1400" b="0" dirty="0" smtClean="0"/>
+                        <a:t>:</a:t>
+                      </a:r>
+                      <a:r>
+                        <a:rPr lang="en-US" sz="1400" b="0" dirty="0" smtClean="0"/>
+                        <a:t> Nhóm</a:t>
+                      </a:r>
+                      <a:r>
+                        <a:rPr lang="en-US" sz="1400" b="0" baseline="0" dirty="0" smtClean="0"/>
+                        <a:t> 07</a:t>
+                      </a:r>
+                      <a:endParaRPr lang="vi-VN" sz="1400" b="0" dirty="0" smtClean="0"/>
                     </a:p>
                     <a:p>
                       <a:pPr>
@@ -17360,7 +17896,7 @@
                 </a:tc>
                 <a:extLst>
                   <a:ext uri="{0D108BD9-81ED-4DB2-BD59-A6C34878D82A}">
-                    <a16:rowId xmlns:a16="http://schemas.microsoft.com/office/drawing/2014/main" xmlns="" val="1174455105"/>
+                    <a16:rowId xmlns:a16="http://schemas.microsoft.com/office/drawing/2014/main" val="1174455105"/>
                   </a:ext>
                 </a:extLst>
               </a:tr>
@@ -22582,6 +23118,47 @@
               <a:t>16/43</a:t>
             </a:r>
             <a:endParaRPr lang="vi-VN" sz="1000" b="1" dirty="0"/>
+          </a:p>
+        </p:txBody>
+      </p:sp>
+      <p:sp>
+        <p:nvSpPr>
+          <p:cNvPr id="130" name="TextBox 129"/>
+          <p:cNvSpPr txBox="1"/>
+          <p:nvPr/>
+        </p:nvSpPr>
+        <p:spPr>
+          <a:xfrm>
+            <a:off x="2379865" y="1406728"/>
+            <a:ext cx="2187833" cy="707886"/>
+          </a:xfrm>
+          <a:prstGeom prst="rect">
+            <a:avLst/>
+          </a:prstGeom>
+          <a:solidFill>
+            <a:schemeClr val="bg1"/>
+          </a:solidFill>
+        </p:spPr>
+        <p:txBody>
+          <a:bodyPr wrap="square" rtlCol="0" anchor="ctr">
+            <a:spAutoFit/>
+          </a:bodyPr>
+          <a:lstStyle/>
+          <a:p>
+            <a:pPr algn="ctr"/>
+            <a:r>
+              <a:rPr lang="vi-VN" sz="2000" dirty="0" smtClean="0">
+                <a:solidFill>
+                  <a:schemeClr val="accent1"/>
+                </a:solidFill>
+              </a:rPr>
+              <a:t>Sơ đồ ước lượng thời gian</a:t>
+            </a:r>
+            <a:endParaRPr lang="vi-VN" sz="2000" dirty="0">
+              <a:solidFill>
+                <a:schemeClr val="accent1"/>
+              </a:solidFill>
+            </a:endParaRPr>
           </a:p>
         </p:txBody>
       </p:sp>
@@ -27967,6 +28544,47 @@
           </a:p>
         </p:txBody>
       </p:sp>
+      <p:sp>
+        <p:nvSpPr>
+          <p:cNvPr id="132" name="TextBox 131"/>
+          <p:cNvSpPr txBox="1"/>
+          <p:nvPr/>
+        </p:nvSpPr>
+        <p:spPr>
+          <a:xfrm>
+            <a:off x="2379865" y="1406728"/>
+            <a:ext cx="2187833" cy="707886"/>
+          </a:xfrm>
+          <a:prstGeom prst="rect">
+            <a:avLst/>
+          </a:prstGeom>
+          <a:solidFill>
+            <a:schemeClr val="bg1"/>
+          </a:solidFill>
+        </p:spPr>
+        <p:txBody>
+          <a:bodyPr wrap="square" rtlCol="0" anchor="ctr">
+            <a:spAutoFit/>
+          </a:bodyPr>
+          <a:lstStyle/>
+          <a:p>
+            <a:pPr algn="ctr"/>
+            <a:r>
+              <a:rPr lang="vi-VN" sz="2000" dirty="0" smtClean="0">
+                <a:solidFill>
+                  <a:schemeClr val="accent1"/>
+                </a:solidFill>
+              </a:rPr>
+              <a:t>Sơ đồ ước lượng thời gian</a:t>
+            </a:r>
+            <a:endParaRPr lang="vi-VN" sz="2000" dirty="0">
+              <a:solidFill>
+                <a:schemeClr val="accent1"/>
+              </a:solidFill>
+            </a:endParaRPr>
+          </a:p>
+        </p:txBody>
+      </p:sp>
     </p:spTree>
     <p:extLst>
       <p:ext uri="{BB962C8B-B14F-4D97-AF65-F5344CB8AC3E}">
@@ -28071,12 +28689,28 @@
               <a:buAutoNum type="arabicPeriod"/>
             </a:pPr>
             <a:r>
+              <a:rPr lang="en-US" sz="1050" dirty="0">
+                <a:solidFill>
+                  <a:schemeClr val="accent3"/>
+                </a:solidFill>
+              </a:rPr>
+              <a:t>C</a:t>
+            </a:r>
+            <a:r>
               <a:rPr lang="en-US" sz="1050" dirty="0" smtClean="0">
                 <a:solidFill>
                   <a:schemeClr val="accent3"/>
                 </a:solidFill>
               </a:rPr>
-              <a:t>Kinh phí</a:t>
+              <a:t>hi </a:t>
+            </a:r>
+            <a:r>
+              <a:rPr lang="en-US" sz="1050" dirty="0" smtClean="0">
+                <a:solidFill>
+                  <a:schemeClr val="accent3"/>
+                </a:solidFill>
+              </a:rPr>
+              <a:t>phí</a:t>
             </a:r>
           </a:p>
           <a:p>
@@ -29841,31 +30475,1518 @@
           <a:lstStyle/>
           <a:p>
             <a:r>
-              <a:rPr lang="en-US" altLang="ko-KR" dirty="0" err="1" smtClean="0"/>
-              <a:t>Quản</a:t>
+              <a:rPr lang="en-US" altLang="ko-KR" dirty="0" smtClean="0"/>
+              <a:t>Nhận diện </a:t>
             </a:r>
             <a:r>
               <a:rPr lang="en-US" altLang="ko-KR" dirty="0" smtClean="0"/>
-              <a:t> </a:t>
-            </a:r>
-            <a:r>
-              <a:rPr lang="en-US" altLang="ko-KR" dirty="0" err="1" smtClean="0"/>
-              <a:t>lý</a:t>
+              <a:t>rủi </a:t>
             </a:r>
             <a:r>
               <a:rPr lang="en-US" altLang="ko-KR" dirty="0" smtClean="0"/>
-              <a:t> </a:t>
+              <a:t>ro</a:t>
             </a:r>
+            <a:endParaRPr lang="ko-KR" altLang="en-US" dirty="0"/>
+          </a:p>
+        </p:txBody>
+      </p:sp>
+      <p:sp>
+        <p:nvSpPr>
+          <p:cNvPr id="5" name="TextBox 4"/>
+          <p:cNvSpPr txBox="1"/>
+          <p:nvPr/>
+        </p:nvSpPr>
+        <p:spPr>
+          <a:xfrm>
+            <a:off x="8100392" y="40084"/>
+            <a:ext cx="1047756" cy="738664"/>
+          </a:xfrm>
+          <a:prstGeom prst="rect">
+            <a:avLst/>
+          </a:prstGeom>
+          <a:noFill/>
+          <a:ln>
+            <a:noFill/>
+          </a:ln>
+        </p:spPr>
+        <p:txBody>
+          <a:bodyPr wrap="square" rtlCol="0">
+            <a:spAutoFit/>
+          </a:bodyPr>
+          <a:lstStyle/>
+          <a:p>
+            <a:pPr marL="228600" indent="-228600">
+              <a:buAutoNum type="arabicPeriod"/>
+            </a:pPr>
             <a:r>
-              <a:rPr lang="en-US" altLang="ko-KR" dirty="0" err="1" smtClean="0"/>
-              <a:t>rủi</a:t>
+              <a:rPr lang="en-US" sz="1050" dirty="0" smtClean="0">
+                <a:solidFill>
+                  <a:schemeClr val="bg1">
+                    <a:lumMod val="85000"/>
+                  </a:schemeClr>
+                </a:solidFill>
+              </a:rPr>
+              <a:t>Giới thiệu</a:t>
+            </a:r>
+          </a:p>
+          <a:p>
+            <a:pPr marL="228600" indent="-228600">
+              <a:buAutoNum type="arabicPeriod"/>
+            </a:pPr>
+            <a:r>
+              <a:rPr lang="en-US" sz="1050" dirty="0">
+                <a:solidFill>
+                  <a:schemeClr val="bg1">
+                    <a:lumMod val="75000"/>
+                  </a:schemeClr>
+                </a:solidFill>
+              </a:rPr>
+              <a:t>Kế hoạch</a:t>
+            </a:r>
+          </a:p>
+          <a:p>
+            <a:pPr marL="228600" indent="-228600">
+              <a:buAutoNum type="arabicPeriod"/>
+            </a:pPr>
+            <a:r>
+              <a:rPr lang="en-US" sz="1050" dirty="0" smtClean="0">
+                <a:solidFill>
+                  <a:schemeClr val="bg1">
+                    <a:lumMod val="75000"/>
+                  </a:schemeClr>
+                </a:solidFill>
+              </a:rPr>
+              <a:t>Kinh phí</a:t>
+            </a:r>
+          </a:p>
+          <a:p>
+            <a:pPr marL="228600" indent="-228600">
+              <a:buAutoNum type="arabicPeriod"/>
+            </a:pPr>
+            <a:r>
+              <a:rPr lang="en-US" sz="1050" dirty="0">
+                <a:solidFill>
+                  <a:schemeClr val="accent3"/>
+                </a:solidFill>
+              </a:rPr>
+              <a:t>Rủi ro</a:t>
+            </a:r>
+            <a:endParaRPr lang="vi-VN" sz="1050" dirty="0">
+              <a:solidFill>
+                <a:schemeClr val="accent3"/>
+              </a:solidFill>
+            </a:endParaRPr>
+          </a:p>
+        </p:txBody>
+      </p:sp>
+      <p:grpSp>
+        <p:nvGrpSpPr>
+          <p:cNvPr id="18" name="Group 17"/>
+          <p:cNvGrpSpPr/>
+          <p:nvPr/>
+        </p:nvGrpSpPr>
+        <p:grpSpPr>
+          <a:xfrm>
+            <a:off x="-4015271" y="277264"/>
+            <a:ext cx="12907750" cy="4986800"/>
+            <a:chOff x="-4015271" y="277264"/>
+            <a:chExt cx="12907750" cy="4986800"/>
+          </a:xfrm>
+        </p:grpSpPr>
+        <p:sp>
+          <p:nvSpPr>
+            <p:cNvPr id="24" name="Chevron 23"/>
+            <p:cNvSpPr/>
+            <p:nvPr/>
+          </p:nvSpPr>
+          <p:spPr>
+            <a:xfrm>
+              <a:off x="3131840" y="1221774"/>
+              <a:ext cx="5760639" cy="555116"/>
+            </a:xfrm>
+            <a:prstGeom prst="chevron">
+              <a:avLst/>
+            </a:prstGeom>
+            <a:solidFill>
+              <a:srgbClr val="32AEB8"/>
+            </a:solidFill>
+            <a:ln>
+              <a:noFill/>
+            </a:ln>
+          </p:spPr>
+          <p:style>
+            <a:lnRef idx="2">
+              <a:schemeClr val="accent1">
+                <a:shade val="50000"/>
+              </a:schemeClr>
+            </a:lnRef>
+            <a:fillRef idx="1">
+              <a:schemeClr val="accent1"/>
+            </a:fillRef>
+            <a:effectRef idx="0">
+              <a:schemeClr val="accent1"/>
+            </a:effectRef>
+            <a:fontRef idx="minor">
+              <a:schemeClr val="lt1"/>
+            </a:fontRef>
+          </p:style>
+          <p:txBody>
+            <a:bodyPr rtlCol="0" anchor="ctr"/>
+            <a:lstStyle/>
+            <a:p>
+              <a:r>
+                <a:rPr lang="vi-VN" sz="1400" dirty="0">
+                  <a:solidFill>
+                    <a:schemeClr val="bg1"/>
+                  </a:solidFill>
+                </a:rPr>
+                <a:t>Phiên bản </a:t>
+              </a:r>
+              <a:r>
+                <a:rPr lang="en-US" sz="1400" dirty="0" smtClean="0">
+                  <a:solidFill>
+                    <a:schemeClr val="bg1"/>
+                  </a:solidFill>
+                </a:rPr>
+                <a:t>của </a:t>
+              </a:r>
+              <a:r>
+                <a:rPr lang="vi-VN" sz="1400" dirty="0" smtClean="0">
+                  <a:solidFill>
+                    <a:schemeClr val="bg1"/>
+                  </a:solidFill>
+                </a:rPr>
+                <a:t>phần </a:t>
+              </a:r>
+              <a:r>
+                <a:rPr lang="vi-VN" sz="1400" dirty="0">
+                  <a:solidFill>
+                    <a:schemeClr val="bg1"/>
+                  </a:solidFill>
+                </a:rPr>
+                <a:t>cứng, phần </a:t>
+              </a:r>
+              <a:r>
+                <a:rPr lang="vi-VN" sz="1400" dirty="0" smtClean="0">
+                  <a:solidFill>
+                    <a:schemeClr val="bg1"/>
+                  </a:solidFill>
+                </a:rPr>
+                <a:t>mềm</a:t>
+              </a:r>
+              <a:r>
+                <a:rPr lang="en-US" sz="1400" dirty="0" smtClean="0">
+                  <a:solidFill>
+                    <a:schemeClr val="bg1"/>
+                  </a:solidFill>
+                </a:rPr>
+                <a:t>, hiệu năng của hệ thống, </a:t>
+              </a:r>
+              <a:r>
+                <a:rPr lang="en-US" sz="1400" dirty="0" smtClean="0">
+                  <a:solidFill>
+                    <a:schemeClr val="bg1"/>
+                  </a:solidFill>
+                </a:rPr>
+                <a:t>biện </a:t>
+              </a:r>
+              <a:r>
+                <a:rPr lang="en-US" sz="1400" dirty="0" smtClean="0">
+                  <a:solidFill>
+                    <a:schemeClr val="bg1"/>
+                  </a:solidFill>
+                </a:rPr>
+                <a:t>pháp phòng ngừa sự cố,…</a:t>
+              </a:r>
+            </a:p>
+          </p:txBody>
+        </p:sp>
+        <p:sp>
+          <p:nvSpPr>
+            <p:cNvPr id="9" name="Block Arc 8"/>
+            <p:cNvSpPr/>
+            <p:nvPr/>
+          </p:nvSpPr>
+          <p:spPr>
+            <a:xfrm>
+              <a:off x="-4015271" y="277264"/>
+              <a:ext cx="4986800" cy="4986800"/>
+            </a:xfrm>
+            <a:prstGeom prst="blockArc">
+              <a:avLst>
+                <a:gd name="adj1" fmla="val 18900000"/>
+                <a:gd name="adj2" fmla="val 2700000"/>
+                <a:gd name="adj3" fmla="val 433"/>
+              </a:avLst>
+            </a:prstGeom>
+          </p:spPr>
+          <p:style>
+            <a:lnRef idx="2">
+              <a:schemeClr val="accent1">
+                <a:shade val="60000"/>
+                <a:hueOff val="0"/>
+                <a:satOff val="0"/>
+                <a:lumOff val="0"/>
+                <a:alphaOff val="0"/>
+              </a:schemeClr>
+            </a:lnRef>
+            <a:fillRef idx="0">
+              <a:schemeClr val="accent1">
+                <a:hueOff val="0"/>
+                <a:satOff val="0"/>
+                <a:lumOff val="0"/>
+                <a:alphaOff val="0"/>
+              </a:schemeClr>
+            </a:fillRef>
+            <a:effectRef idx="0">
+              <a:schemeClr val="accent1">
+                <a:hueOff val="0"/>
+                <a:satOff val="0"/>
+                <a:lumOff val="0"/>
+                <a:alphaOff val="0"/>
+              </a:schemeClr>
+            </a:effectRef>
+            <a:fontRef idx="minor">
+              <a:schemeClr val="tx1">
+                <a:hueOff val="0"/>
+                <a:satOff val="0"/>
+                <a:lumOff val="0"/>
+                <a:alphaOff val="0"/>
+              </a:schemeClr>
+            </a:fontRef>
+          </p:style>
+        </p:sp>
+        <p:sp>
+          <p:nvSpPr>
+            <p:cNvPr id="10" name="Freeform 9"/>
+            <p:cNvSpPr/>
+            <p:nvPr/>
+          </p:nvSpPr>
+          <p:spPr>
+            <a:xfrm>
+              <a:off x="589921" y="1204112"/>
+              <a:ext cx="2492443" cy="569574"/>
+            </a:xfrm>
+            <a:custGeom>
+              <a:avLst/>
+              <a:gdLst>
+                <a:gd name="connsiteX0" fmla="*/ 0 w 2492443"/>
+                <a:gd name="connsiteY0" fmla="*/ 0 h 569574"/>
+                <a:gd name="connsiteX1" fmla="*/ 2492443 w 2492443"/>
+                <a:gd name="connsiteY1" fmla="*/ 0 h 569574"/>
+                <a:gd name="connsiteX2" fmla="*/ 2492443 w 2492443"/>
+                <a:gd name="connsiteY2" fmla="*/ 569574 h 569574"/>
+                <a:gd name="connsiteX3" fmla="*/ 0 w 2492443"/>
+                <a:gd name="connsiteY3" fmla="*/ 569574 h 569574"/>
+                <a:gd name="connsiteX4" fmla="*/ 0 w 2492443"/>
+                <a:gd name="connsiteY4" fmla="*/ 0 h 569574"/>
+              </a:gdLst>
+              <a:ahLst/>
+              <a:cxnLst>
+                <a:cxn ang="0">
+                  <a:pos x="connsiteX0" y="connsiteY0"/>
+                </a:cxn>
+                <a:cxn ang="0">
+                  <a:pos x="connsiteX1" y="connsiteY1"/>
+                </a:cxn>
+                <a:cxn ang="0">
+                  <a:pos x="connsiteX2" y="connsiteY2"/>
+                </a:cxn>
+                <a:cxn ang="0">
+                  <a:pos x="connsiteX3" y="connsiteY3"/>
+                </a:cxn>
+                <a:cxn ang="0">
+                  <a:pos x="connsiteX4" y="connsiteY4"/>
+                </a:cxn>
+              </a:cxnLst>
+              <a:rect l="l" t="t" r="r" b="b"/>
+              <a:pathLst>
+                <a:path w="2492443" h="569574">
+                  <a:moveTo>
+                    <a:pt x="0" y="0"/>
+                  </a:moveTo>
+                  <a:lnTo>
+                    <a:pt x="2492443" y="0"/>
+                  </a:lnTo>
+                  <a:lnTo>
+                    <a:pt x="2492443" y="569574"/>
+                  </a:lnTo>
+                  <a:lnTo>
+                    <a:pt x="0" y="569574"/>
+                  </a:lnTo>
+                  <a:lnTo>
+                    <a:pt x="0" y="0"/>
+                  </a:lnTo>
+                  <a:close/>
+                </a:path>
+              </a:pathLst>
+            </a:custGeom>
+          </p:spPr>
+          <p:style>
+            <a:lnRef idx="2">
+              <a:schemeClr val="lt1">
+                <a:hueOff val="0"/>
+                <a:satOff val="0"/>
+                <a:lumOff val="0"/>
+                <a:alphaOff val="0"/>
+              </a:schemeClr>
+            </a:lnRef>
+            <a:fillRef idx="1">
+              <a:schemeClr val="accent1">
+                <a:hueOff val="0"/>
+                <a:satOff val="0"/>
+                <a:lumOff val="0"/>
+                <a:alphaOff val="0"/>
+              </a:schemeClr>
+            </a:fillRef>
+            <a:effectRef idx="0">
+              <a:schemeClr val="accent1">
+                <a:hueOff val="0"/>
+                <a:satOff val="0"/>
+                <a:lumOff val="0"/>
+                <a:alphaOff val="0"/>
+              </a:schemeClr>
+            </a:effectRef>
+            <a:fontRef idx="minor">
+              <a:schemeClr val="lt1"/>
+            </a:fontRef>
+          </p:style>
+          <p:txBody>
+            <a:bodyPr spcFirstLastPara="0" vert="horz" wrap="square" lIns="452100" tIns="68580" rIns="68580" bIns="68580" numCol="1" spcCol="1270" anchor="ctr" anchorCtr="0">
+              <a:noAutofit/>
+            </a:bodyPr>
+            <a:lstStyle/>
+            <a:p>
+              <a:pPr lvl="0" algn="l" defTabSz="1200150">
+                <a:lnSpc>
+                  <a:spcPct val="90000"/>
+                </a:lnSpc>
+                <a:spcBef>
+                  <a:spcPct val="0"/>
+                </a:spcBef>
+                <a:spcAft>
+                  <a:spcPct val="35000"/>
+                </a:spcAft>
+              </a:pPr>
+              <a:r>
+                <a:rPr lang="vi-VN" sz="2700" kern="1200" dirty="0" smtClean="0"/>
+                <a:t>Công nghệ</a:t>
+              </a:r>
+              <a:endParaRPr lang="en-US" sz="2700" kern="1200" dirty="0"/>
+            </a:p>
+          </p:txBody>
+        </p:sp>
+        <p:sp>
+          <p:nvSpPr>
+            <p:cNvPr id="11" name="Oval 10"/>
+            <p:cNvSpPr/>
+            <p:nvPr/>
+          </p:nvSpPr>
+          <p:spPr>
+            <a:xfrm>
+              <a:off x="233937" y="1132915"/>
+              <a:ext cx="711967" cy="711967"/>
+            </a:xfrm>
+            <a:prstGeom prst="ellipse">
+              <a:avLst/>
+            </a:prstGeom>
+          </p:spPr>
+          <p:style>
+            <a:lnRef idx="2">
+              <a:schemeClr val="accent1">
+                <a:hueOff val="0"/>
+                <a:satOff val="0"/>
+                <a:lumOff val="0"/>
+                <a:alphaOff val="0"/>
+              </a:schemeClr>
+            </a:lnRef>
+            <a:fillRef idx="1">
+              <a:schemeClr val="lt1">
+                <a:hueOff val="0"/>
+                <a:satOff val="0"/>
+                <a:lumOff val="0"/>
+                <a:alphaOff val="0"/>
+              </a:schemeClr>
+            </a:fillRef>
+            <a:effectRef idx="0">
+              <a:schemeClr val="lt1">
+                <a:hueOff val="0"/>
+                <a:satOff val="0"/>
+                <a:lumOff val="0"/>
+                <a:alphaOff val="0"/>
+              </a:schemeClr>
+            </a:effectRef>
+            <a:fontRef idx="minor">
+              <a:schemeClr val="dk1">
+                <a:hueOff val="0"/>
+                <a:satOff val="0"/>
+                <a:lumOff val="0"/>
+                <a:alphaOff val="0"/>
+              </a:schemeClr>
+            </a:fontRef>
+          </p:style>
+        </p:sp>
+      </p:grpSp>
+      <p:grpSp>
+        <p:nvGrpSpPr>
+          <p:cNvPr id="19" name="Group 18"/>
+          <p:cNvGrpSpPr/>
+          <p:nvPr/>
+        </p:nvGrpSpPr>
+        <p:grpSpPr>
+          <a:xfrm>
+            <a:off x="560487" y="1987425"/>
+            <a:ext cx="8331992" cy="711967"/>
+            <a:chOff x="560487" y="1987425"/>
+            <a:chExt cx="8331992" cy="711967"/>
+          </a:xfrm>
+        </p:grpSpPr>
+        <p:sp>
+          <p:nvSpPr>
+            <p:cNvPr id="37" name="Chevron 36"/>
+            <p:cNvSpPr/>
+            <p:nvPr/>
+          </p:nvSpPr>
+          <p:spPr>
+            <a:xfrm>
+              <a:off x="3131840" y="2080696"/>
+              <a:ext cx="5760639" cy="563061"/>
+            </a:xfrm>
+            <a:prstGeom prst="chevron">
+              <a:avLst/>
+            </a:prstGeom>
+            <a:solidFill>
+              <a:srgbClr val="32AEB8"/>
+            </a:solidFill>
+            <a:ln>
+              <a:noFill/>
+            </a:ln>
+          </p:spPr>
+          <p:style>
+            <a:lnRef idx="2">
+              <a:schemeClr val="accent1">
+                <a:shade val="50000"/>
+              </a:schemeClr>
+            </a:lnRef>
+            <a:fillRef idx="1">
+              <a:schemeClr val="accent1"/>
+            </a:fillRef>
+            <a:effectRef idx="0">
+              <a:schemeClr val="accent1"/>
+            </a:effectRef>
+            <a:fontRef idx="minor">
+              <a:schemeClr val="lt1"/>
+            </a:fontRef>
+          </p:style>
+          <p:txBody>
+            <a:bodyPr rtlCol="0" anchor="ctr"/>
+            <a:lstStyle/>
+            <a:p>
+              <a:r>
+                <a:rPr lang="en-US" sz="1400" dirty="0" smtClean="0"/>
+                <a:t>Chưa </a:t>
+              </a:r>
+              <a:r>
+                <a:rPr lang="en-US" sz="1400" dirty="0" smtClean="0"/>
+                <a:t>biết đến các công nghệ mới,…</a:t>
+              </a:r>
+              <a:endParaRPr lang="en-US" sz="1400" dirty="0" smtClean="0">
+                <a:solidFill>
+                  <a:schemeClr val="bg1"/>
+                </a:solidFill>
+              </a:endParaRPr>
+            </a:p>
+          </p:txBody>
+        </p:sp>
+        <p:sp>
+          <p:nvSpPr>
+            <p:cNvPr id="12" name="Freeform 11"/>
+            <p:cNvSpPr/>
+            <p:nvPr/>
+          </p:nvSpPr>
+          <p:spPr>
+            <a:xfrm>
+              <a:off x="916471" y="2058622"/>
+              <a:ext cx="2165893" cy="569574"/>
+            </a:xfrm>
+            <a:custGeom>
+              <a:avLst/>
+              <a:gdLst>
+                <a:gd name="connsiteX0" fmla="*/ 0 w 2165893"/>
+                <a:gd name="connsiteY0" fmla="*/ 0 h 569574"/>
+                <a:gd name="connsiteX1" fmla="*/ 2165893 w 2165893"/>
+                <a:gd name="connsiteY1" fmla="*/ 0 h 569574"/>
+                <a:gd name="connsiteX2" fmla="*/ 2165893 w 2165893"/>
+                <a:gd name="connsiteY2" fmla="*/ 569574 h 569574"/>
+                <a:gd name="connsiteX3" fmla="*/ 0 w 2165893"/>
+                <a:gd name="connsiteY3" fmla="*/ 569574 h 569574"/>
+                <a:gd name="connsiteX4" fmla="*/ 0 w 2165893"/>
+                <a:gd name="connsiteY4" fmla="*/ 0 h 569574"/>
+              </a:gdLst>
+              <a:ahLst/>
+              <a:cxnLst>
+                <a:cxn ang="0">
+                  <a:pos x="connsiteX0" y="connsiteY0"/>
+                </a:cxn>
+                <a:cxn ang="0">
+                  <a:pos x="connsiteX1" y="connsiteY1"/>
+                </a:cxn>
+                <a:cxn ang="0">
+                  <a:pos x="connsiteX2" y="connsiteY2"/>
+                </a:cxn>
+                <a:cxn ang="0">
+                  <a:pos x="connsiteX3" y="connsiteY3"/>
+                </a:cxn>
+                <a:cxn ang="0">
+                  <a:pos x="connsiteX4" y="connsiteY4"/>
+                </a:cxn>
+              </a:cxnLst>
+              <a:rect l="l" t="t" r="r" b="b"/>
+              <a:pathLst>
+                <a:path w="2165893" h="569574">
+                  <a:moveTo>
+                    <a:pt x="0" y="0"/>
+                  </a:moveTo>
+                  <a:lnTo>
+                    <a:pt x="2165893" y="0"/>
+                  </a:lnTo>
+                  <a:lnTo>
+                    <a:pt x="2165893" y="569574"/>
+                  </a:lnTo>
+                  <a:lnTo>
+                    <a:pt x="0" y="569574"/>
+                  </a:lnTo>
+                  <a:lnTo>
+                    <a:pt x="0" y="0"/>
+                  </a:lnTo>
+                  <a:close/>
+                </a:path>
+              </a:pathLst>
+            </a:custGeom>
+          </p:spPr>
+          <p:style>
+            <a:lnRef idx="2">
+              <a:schemeClr val="lt1">
+                <a:hueOff val="0"/>
+                <a:satOff val="0"/>
+                <a:lumOff val="0"/>
+                <a:alphaOff val="0"/>
+              </a:schemeClr>
+            </a:lnRef>
+            <a:fillRef idx="1">
+              <a:schemeClr val="accent1">
+                <a:hueOff val="0"/>
+                <a:satOff val="0"/>
+                <a:lumOff val="0"/>
+                <a:alphaOff val="0"/>
+              </a:schemeClr>
+            </a:fillRef>
+            <a:effectRef idx="0">
+              <a:schemeClr val="accent1">
+                <a:hueOff val="0"/>
+                <a:satOff val="0"/>
+                <a:lumOff val="0"/>
+                <a:alphaOff val="0"/>
+              </a:schemeClr>
+            </a:effectRef>
+            <a:fontRef idx="minor">
+              <a:schemeClr val="lt1"/>
+            </a:fontRef>
+          </p:style>
+          <p:txBody>
+            <a:bodyPr spcFirstLastPara="0" vert="horz" wrap="square" lIns="452100" tIns="68580" rIns="68580" bIns="68580" numCol="1" spcCol="1270" anchor="ctr" anchorCtr="0">
+              <a:noAutofit/>
+            </a:bodyPr>
+            <a:lstStyle/>
+            <a:p>
+              <a:pPr lvl="0" algn="l" defTabSz="1200150">
+                <a:lnSpc>
+                  <a:spcPct val="90000"/>
+                </a:lnSpc>
+                <a:spcBef>
+                  <a:spcPct val="0"/>
+                </a:spcBef>
+                <a:spcAft>
+                  <a:spcPct val="35000"/>
+                </a:spcAft>
+              </a:pPr>
+              <a:r>
+                <a:rPr lang="vi-VN" sz="2700" kern="1200" dirty="0" smtClean="0"/>
+                <a:t>Con người</a:t>
+              </a:r>
+              <a:endParaRPr lang="en-US" sz="2700" kern="1200" dirty="0"/>
+            </a:p>
+          </p:txBody>
+        </p:sp>
+        <p:sp>
+          <p:nvSpPr>
+            <p:cNvPr id="13" name="Oval 12"/>
+            <p:cNvSpPr/>
+            <p:nvPr/>
+          </p:nvSpPr>
+          <p:spPr>
+            <a:xfrm>
+              <a:off x="560487" y="1987425"/>
+              <a:ext cx="711967" cy="711967"/>
+            </a:xfrm>
+            <a:prstGeom prst="ellipse">
+              <a:avLst/>
+            </a:prstGeom>
+          </p:spPr>
+          <p:style>
+            <a:lnRef idx="2">
+              <a:schemeClr val="accent1">
+                <a:hueOff val="0"/>
+                <a:satOff val="0"/>
+                <a:lumOff val="0"/>
+                <a:alphaOff val="0"/>
+              </a:schemeClr>
+            </a:lnRef>
+            <a:fillRef idx="1">
+              <a:schemeClr val="lt1">
+                <a:hueOff val="0"/>
+                <a:satOff val="0"/>
+                <a:lumOff val="0"/>
+                <a:alphaOff val="0"/>
+              </a:schemeClr>
+            </a:fillRef>
+            <a:effectRef idx="0">
+              <a:schemeClr val="lt1">
+                <a:hueOff val="0"/>
+                <a:satOff val="0"/>
+                <a:lumOff val="0"/>
+                <a:alphaOff val="0"/>
+              </a:schemeClr>
+            </a:effectRef>
+            <a:fontRef idx="minor">
+              <a:schemeClr val="dk1">
+                <a:hueOff val="0"/>
+                <a:satOff val="0"/>
+                <a:lumOff val="0"/>
+                <a:alphaOff val="0"/>
+              </a:schemeClr>
+            </a:fontRef>
+          </p:style>
+        </p:sp>
+      </p:grpSp>
+      <p:grpSp>
+        <p:nvGrpSpPr>
+          <p:cNvPr id="20" name="Group 19"/>
+          <p:cNvGrpSpPr/>
+          <p:nvPr/>
+        </p:nvGrpSpPr>
+        <p:grpSpPr>
+          <a:xfrm>
+            <a:off x="560487" y="2841934"/>
+            <a:ext cx="8331992" cy="711967"/>
+            <a:chOff x="560487" y="2841934"/>
+            <a:chExt cx="8331992" cy="711967"/>
+          </a:xfrm>
+        </p:grpSpPr>
+        <p:sp>
+          <p:nvSpPr>
+            <p:cNvPr id="48" name="Chevron 47"/>
+            <p:cNvSpPr/>
+            <p:nvPr/>
+          </p:nvSpPr>
+          <p:spPr>
+            <a:xfrm>
+              <a:off x="3131840" y="2947562"/>
+              <a:ext cx="5760639" cy="560292"/>
+            </a:xfrm>
+            <a:prstGeom prst="chevron">
+              <a:avLst/>
+            </a:prstGeom>
+            <a:solidFill>
+              <a:srgbClr val="32AEB8"/>
+            </a:solidFill>
+            <a:ln>
+              <a:noFill/>
+            </a:ln>
+          </p:spPr>
+          <p:style>
+            <a:lnRef idx="2">
+              <a:schemeClr val="accent1">
+                <a:shade val="50000"/>
+              </a:schemeClr>
+            </a:lnRef>
+            <a:fillRef idx="1">
+              <a:schemeClr val="accent1"/>
+            </a:fillRef>
+            <a:effectRef idx="0">
+              <a:schemeClr val="accent1"/>
+            </a:effectRef>
+            <a:fontRef idx="minor">
+              <a:schemeClr val="lt1"/>
+            </a:fontRef>
+          </p:style>
+          <p:txBody>
+            <a:bodyPr rtlCol="0" anchor="ctr"/>
+            <a:lstStyle/>
+            <a:p>
+              <a:r>
+                <a:rPr lang="vi-VN" sz="1400" dirty="0"/>
+                <a:t>Phần mềm không tương thích với hệ </a:t>
+              </a:r>
+              <a:r>
+                <a:rPr lang="vi-VN" sz="1400" dirty="0" smtClean="0"/>
+                <a:t>thống</a:t>
+              </a:r>
+              <a:r>
+                <a:rPr lang="en-US" sz="1400" dirty="0" smtClean="0"/>
+                <a:t>, l</a:t>
+              </a:r>
+              <a:r>
+                <a:rPr lang="vi-VN" sz="1400" dirty="0" smtClean="0"/>
+                <a:t>ỗi code</a:t>
+              </a:r>
+              <a:r>
+                <a:rPr lang="en-US" sz="1400" dirty="0" smtClean="0"/>
+                <a:t>,…</a:t>
+              </a:r>
+              <a:endParaRPr lang="en-US" sz="1400" dirty="0"/>
+            </a:p>
+          </p:txBody>
+        </p:sp>
+        <p:sp>
+          <p:nvSpPr>
+            <p:cNvPr id="14" name="Freeform 13"/>
+            <p:cNvSpPr/>
+            <p:nvPr/>
+          </p:nvSpPr>
+          <p:spPr>
+            <a:xfrm>
+              <a:off x="916471" y="2913131"/>
+              <a:ext cx="2165893" cy="569574"/>
+            </a:xfrm>
+            <a:custGeom>
+              <a:avLst/>
+              <a:gdLst>
+                <a:gd name="connsiteX0" fmla="*/ 0 w 2165893"/>
+                <a:gd name="connsiteY0" fmla="*/ 0 h 569574"/>
+                <a:gd name="connsiteX1" fmla="*/ 2165893 w 2165893"/>
+                <a:gd name="connsiteY1" fmla="*/ 0 h 569574"/>
+                <a:gd name="connsiteX2" fmla="*/ 2165893 w 2165893"/>
+                <a:gd name="connsiteY2" fmla="*/ 569574 h 569574"/>
+                <a:gd name="connsiteX3" fmla="*/ 0 w 2165893"/>
+                <a:gd name="connsiteY3" fmla="*/ 569574 h 569574"/>
+                <a:gd name="connsiteX4" fmla="*/ 0 w 2165893"/>
+                <a:gd name="connsiteY4" fmla="*/ 0 h 569574"/>
+              </a:gdLst>
+              <a:ahLst/>
+              <a:cxnLst>
+                <a:cxn ang="0">
+                  <a:pos x="connsiteX0" y="connsiteY0"/>
+                </a:cxn>
+                <a:cxn ang="0">
+                  <a:pos x="connsiteX1" y="connsiteY1"/>
+                </a:cxn>
+                <a:cxn ang="0">
+                  <a:pos x="connsiteX2" y="connsiteY2"/>
+                </a:cxn>
+                <a:cxn ang="0">
+                  <a:pos x="connsiteX3" y="connsiteY3"/>
+                </a:cxn>
+                <a:cxn ang="0">
+                  <a:pos x="connsiteX4" y="connsiteY4"/>
+                </a:cxn>
+              </a:cxnLst>
+              <a:rect l="l" t="t" r="r" b="b"/>
+              <a:pathLst>
+                <a:path w="2165893" h="569574">
+                  <a:moveTo>
+                    <a:pt x="0" y="0"/>
+                  </a:moveTo>
+                  <a:lnTo>
+                    <a:pt x="2165893" y="0"/>
+                  </a:lnTo>
+                  <a:lnTo>
+                    <a:pt x="2165893" y="569574"/>
+                  </a:lnTo>
+                  <a:lnTo>
+                    <a:pt x="0" y="569574"/>
+                  </a:lnTo>
+                  <a:lnTo>
+                    <a:pt x="0" y="0"/>
+                  </a:lnTo>
+                  <a:close/>
+                </a:path>
+              </a:pathLst>
+            </a:custGeom>
+          </p:spPr>
+          <p:style>
+            <a:lnRef idx="2">
+              <a:schemeClr val="lt1">
+                <a:hueOff val="0"/>
+                <a:satOff val="0"/>
+                <a:lumOff val="0"/>
+                <a:alphaOff val="0"/>
+              </a:schemeClr>
+            </a:lnRef>
+            <a:fillRef idx="1">
+              <a:schemeClr val="accent1">
+                <a:hueOff val="0"/>
+                <a:satOff val="0"/>
+                <a:lumOff val="0"/>
+                <a:alphaOff val="0"/>
+              </a:schemeClr>
+            </a:fillRef>
+            <a:effectRef idx="0">
+              <a:schemeClr val="accent1">
+                <a:hueOff val="0"/>
+                <a:satOff val="0"/>
+                <a:lumOff val="0"/>
+                <a:alphaOff val="0"/>
+              </a:schemeClr>
+            </a:effectRef>
+            <a:fontRef idx="minor">
+              <a:schemeClr val="lt1"/>
+            </a:fontRef>
+          </p:style>
+          <p:txBody>
+            <a:bodyPr spcFirstLastPara="0" vert="horz" wrap="square" lIns="452100" tIns="68580" rIns="68580" bIns="68580" numCol="1" spcCol="1270" anchor="ctr" anchorCtr="0">
+              <a:noAutofit/>
+            </a:bodyPr>
+            <a:lstStyle/>
+            <a:p>
+              <a:pPr lvl="0" algn="l" defTabSz="1200150">
+                <a:lnSpc>
+                  <a:spcPct val="90000"/>
+                </a:lnSpc>
+                <a:spcBef>
+                  <a:spcPct val="0"/>
+                </a:spcBef>
+                <a:spcAft>
+                  <a:spcPct val="35000"/>
+                </a:spcAft>
+              </a:pPr>
+              <a:r>
+                <a:rPr lang="vi-VN" sz="2700" kern="1200" dirty="0" smtClean="0"/>
+                <a:t>Cài đặt</a:t>
+              </a:r>
+              <a:endParaRPr lang="en-US" sz="2700" kern="1200" dirty="0"/>
+            </a:p>
+          </p:txBody>
+        </p:sp>
+        <p:sp>
+          <p:nvSpPr>
+            <p:cNvPr id="15" name="Oval 14"/>
+            <p:cNvSpPr/>
+            <p:nvPr/>
+          </p:nvSpPr>
+          <p:spPr>
+            <a:xfrm>
+              <a:off x="560487" y="2841934"/>
+              <a:ext cx="711967" cy="711967"/>
+            </a:xfrm>
+            <a:prstGeom prst="ellipse">
+              <a:avLst/>
+            </a:prstGeom>
+          </p:spPr>
+          <p:style>
+            <a:lnRef idx="2">
+              <a:schemeClr val="accent1">
+                <a:hueOff val="0"/>
+                <a:satOff val="0"/>
+                <a:lumOff val="0"/>
+                <a:alphaOff val="0"/>
+              </a:schemeClr>
+            </a:lnRef>
+            <a:fillRef idx="1">
+              <a:schemeClr val="lt1">
+                <a:hueOff val="0"/>
+                <a:satOff val="0"/>
+                <a:lumOff val="0"/>
+                <a:alphaOff val="0"/>
+              </a:schemeClr>
+            </a:fillRef>
+            <a:effectRef idx="0">
+              <a:schemeClr val="lt1">
+                <a:hueOff val="0"/>
+                <a:satOff val="0"/>
+                <a:lumOff val="0"/>
+                <a:alphaOff val="0"/>
+              </a:schemeClr>
+            </a:effectRef>
+            <a:fontRef idx="minor">
+              <a:schemeClr val="dk1">
+                <a:hueOff val="0"/>
+                <a:satOff val="0"/>
+                <a:lumOff val="0"/>
+                <a:alphaOff val="0"/>
+              </a:schemeClr>
+            </a:fontRef>
+          </p:style>
+        </p:sp>
+      </p:grpSp>
+      <p:grpSp>
+        <p:nvGrpSpPr>
+          <p:cNvPr id="21" name="Group 20"/>
+          <p:cNvGrpSpPr/>
+          <p:nvPr/>
+        </p:nvGrpSpPr>
+        <p:grpSpPr>
+          <a:xfrm>
+            <a:off x="233937" y="3696444"/>
+            <a:ext cx="8658542" cy="711967"/>
+            <a:chOff x="233937" y="3696444"/>
+            <a:chExt cx="8658542" cy="711967"/>
+          </a:xfrm>
+        </p:grpSpPr>
+        <p:sp>
+          <p:nvSpPr>
+            <p:cNvPr id="51" name="Chevron 50"/>
+            <p:cNvSpPr/>
+            <p:nvPr/>
+          </p:nvSpPr>
+          <p:spPr>
+            <a:xfrm>
+              <a:off x="3127623" y="3806136"/>
+              <a:ext cx="5764856" cy="497006"/>
+            </a:xfrm>
+            <a:prstGeom prst="chevron">
+              <a:avLst/>
+            </a:prstGeom>
+            <a:solidFill>
+              <a:srgbClr val="32AEB8"/>
+            </a:solidFill>
+            <a:ln>
+              <a:noFill/>
+            </a:ln>
+          </p:spPr>
+          <p:style>
+            <a:lnRef idx="2">
+              <a:schemeClr val="accent1">
+                <a:shade val="50000"/>
+              </a:schemeClr>
+            </a:lnRef>
+            <a:fillRef idx="1">
+              <a:schemeClr val="accent1"/>
+            </a:fillRef>
+            <a:effectRef idx="0">
+              <a:schemeClr val="accent1"/>
+            </a:effectRef>
+            <a:fontRef idx="minor">
+              <a:schemeClr val="lt1"/>
+            </a:fontRef>
+          </p:style>
+          <p:txBody>
+            <a:bodyPr rtlCol="0" anchor="ctr"/>
+            <a:lstStyle/>
+            <a:p>
+              <a:r>
+                <a:rPr lang="en-US" sz="1400" dirty="0" smtClean="0"/>
+                <a:t>Phạm vi yêu cầu tăng dẫn đến thiếu kinh phí, không đáp ứng </a:t>
+              </a:r>
+              <a:endParaRPr lang="en-US" sz="1400" dirty="0" smtClean="0"/>
+            </a:p>
+            <a:p>
+              <a:r>
+                <a:rPr lang="en-US" sz="1400" dirty="0" smtClean="0"/>
+                <a:t>được nhu </a:t>
+              </a:r>
+              <a:r>
+                <a:rPr lang="en-US" sz="1400" dirty="0" smtClean="0"/>
+                <a:t>cầu</a:t>
+              </a:r>
+              <a:r>
+                <a:rPr lang="en-US" sz="1400" dirty="0"/>
+                <a:t> </a:t>
+              </a:r>
+              <a:r>
+                <a:rPr lang="en-US" sz="1400" dirty="0" smtClean="0"/>
+                <a:t>sử dụng,…</a:t>
+              </a:r>
+              <a:endParaRPr lang="en-US" sz="1400" dirty="0" smtClean="0">
+                <a:solidFill>
+                  <a:schemeClr val="bg1"/>
+                </a:solidFill>
+              </a:endParaRPr>
+            </a:p>
+          </p:txBody>
+        </p:sp>
+        <p:sp>
+          <p:nvSpPr>
+            <p:cNvPr id="16" name="Freeform 15"/>
+            <p:cNvSpPr/>
+            <p:nvPr/>
+          </p:nvSpPr>
+          <p:spPr>
+            <a:xfrm>
+              <a:off x="589921" y="3767641"/>
+              <a:ext cx="2492443" cy="569574"/>
+            </a:xfrm>
+            <a:custGeom>
+              <a:avLst/>
+              <a:gdLst>
+                <a:gd name="connsiteX0" fmla="*/ 0 w 2492443"/>
+                <a:gd name="connsiteY0" fmla="*/ 0 h 569574"/>
+                <a:gd name="connsiteX1" fmla="*/ 2492443 w 2492443"/>
+                <a:gd name="connsiteY1" fmla="*/ 0 h 569574"/>
+                <a:gd name="connsiteX2" fmla="*/ 2492443 w 2492443"/>
+                <a:gd name="connsiteY2" fmla="*/ 569574 h 569574"/>
+                <a:gd name="connsiteX3" fmla="*/ 0 w 2492443"/>
+                <a:gd name="connsiteY3" fmla="*/ 569574 h 569574"/>
+                <a:gd name="connsiteX4" fmla="*/ 0 w 2492443"/>
+                <a:gd name="connsiteY4" fmla="*/ 0 h 569574"/>
+              </a:gdLst>
+              <a:ahLst/>
+              <a:cxnLst>
+                <a:cxn ang="0">
+                  <a:pos x="connsiteX0" y="connsiteY0"/>
+                </a:cxn>
+                <a:cxn ang="0">
+                  <a:pos x="connsiteX1" y="connsiteY1"/>
+                </a:cxn>
+                <a:cxn ang="0">
+                  <a:pos x="connsiteX2" y="connsiteY2"/>
+                </a:cxn>
+                <a:cxn ang="0">
+                  <a:pos x="connsiteX3" y="connsiteY3"/>
+                </a:cxn>
+                <a:cxn ang="0">
+                  <a:pos x="connsiteX4" y="connsiteY4"/>
+                </a:cxn>
+              </a:cxnLst>
+              <a:rect l="l" t="t" r="r" b="b"/>
+              <a:pathLst>
+                <a:path w="2492443" h="569574">
+                  <a:moveTo>
+                    <a:pt x="0" y="0"/>
+                  </a:moveTo>
+                  <a:lnTo>
+                    <a:pt x="2492443" y="0"/>
+                  </a:lnTo>
+                  <a:lnTo>
+                    <a:pt x="2492443" y="569574"/>
+                  </a:lnTo>
+                  <a:lnTo>
+                    <a:pt x="0" y="569574"/>
+                  </a:lnTo>
+                  <a:lnTo>
+                    <a:pt x="0" y="0"/>
+                  </a:lnTo>
+                  <a:close/>
+                </a:path>
+              </a:pathLst>
+            </a:custGeom>
+          </p:spPr>
+          <p:style>
+            <a:lnRef idx="2">
+              <a:schemeClr val="lt1">
+                <a:hueOff val="0"/>
+                <a:satOff val="0"/>
+                <a:lumOff val="0"/>
+                <a:alphaOff val="0"/>
+              </a:schemeClr>
+            </a:lnRef>
+            <a:fillRef idx="1">
+              <a:schemeClr val="accent1">
+                <a:hueOff val="0"/>
+                <a:satOff val="0"/>
+                <a:lumOff val="0"/>
+                <a:alphaOff val="0"/>
+              </a:schemeClr>
+            </a:fillRef>
+            <a:effectRef idx="0">
+              <a:schemeClr val="accent1">
+                <a:hueOff val="0"/>
+                <a:satOff val="0"/>
+                <a:lumOff val="0"/>
+                <a:alphaOff val="0"/>
+              </a:schemeClr>
+            </a:effectRef>
+            <a:fontRef idx="minor">
+              <a:schemeClr val="lt1"/>
+            </a:fontRef>
+          </p:style>
+          <p:txBody>
+            <a:bodyPr spcFirstLastPara="0" vert="horz" wrap="square" lIns="452100" tIns="68580" rIns="68580" bIns="68580" numCol="1" spcCol="1270" anchor="ctr" anchorCtr="0">
+              <a:noAutofit/>
+            </a:bodyPr>
+            <a:lstStyle/>
+            <a:p>
+              <a:pPr lvl="0" algn="l" defTabSz="1200150">
+                <a:lnSpc>
+                  <a:spcPct val="90000"/>
+                </a:lnSpc>
+                <a:spcBef>
+                  <a:spcPct val="0"/>
+                </a:spcBef>
+                <a:spcAft>
+                  <a:spcPct val="35000"/>
+                </a:spcAft>
+              </a:pPr>
+              <a:r>
+                <a:rPr lang="vi-VN" sz="2700" kern="1200" dirty="0" smtClean="0"/>
+                <a:t>Nghiệp vụ</a:t>
+              </a:r>
+              <a:endParaRPr lang="en-US" sz="2700" kern="1200" dirty="0"/>
+            </a:p>
+          </p:txBody>
+        </p:sp>
+        <p:sp>
+          <p:nvSpPr>
+            <p:cNvPr id="17" name="Oval 16"/>
+            <p:cNvSpPr/>
+            <p:nvPr/>
+          </p:nvSpPr>
+          <p:spPr>
+            <a:xfrm>
+              <a:off x="233937" y="3696444"/>
+              <a:ext cx="711967" cy="711967"/>
+            </a:xfrm>
+            <a:prstGeom prst="ellipse">
+              <a:avLst/>
+            </a:prstGeom>
+          </p:spPr>
+          <p:style>
+            <a:lnRef idx="2">
+              <a:schemeClr val="accent1">
+                <a:hueOff val="0"/>
+                <a:satOff val="0"/>
+                <a:lumOff val="0"/>
+                <a:alphaOff val="0"/>
+              </a:schemeClr>
+            </a:lnRef>
+            <a:fillRef idx="1">
+              <a:schemeClr val="lt1">
+                <a:hueOff val="0"/>
+                <a:satOff val="0"/>
+                <a:lumOff val="0"/>
+                <a:alphaOff val="0"/>
+              </a:schemeClr>
+            </a:fillRef>
+            <a:effectRef idx="0">
+              <a:schemeClr val="lt1">
+                <a:hueOff val="0"/>
+                <a:satOff val="0"/>
+                <a:lumOff val="0"/>
+                <a:alphaOff val="0"/>
+              </a:schemeClr>
+            </a:effectRef>
+            <a:fontRef idx="minor">
+              <a:schemeClr val="dk1">
+                <a:hueOff val="0"/>
+                <a:satOff val="0"/>
+                <a:lumOff val="0"/>
+                <a:alphaOff val="0"/>
+              </a:schemeClr>
+            </a:fontRef>
+          </p:style>
+        </p:sp>
+      </p:grpSp>
+    </p:spTree>
+    <p:extLst>
+      <p:ext uri="{BB962C8B-B14F-4D97-AF65-F5344CB8AC3E}">
+        <p14:creationId xmlns:p14="http://schemas.microsoft.com/office/powerpoint/2010/main" val="3421677144"/>
+      </p:ext>
+    </p:extLst>
+  </p:cSld>
+  <p:clrMapOvr>
+    <a:masterClrMapping/>
+  </p:clrMapOvr>
+  <p:transition spd="slow">
+    <p:cover/>
+  </p:transition>
+  <p:timing>
+    <p:tnLst>
+      <p:par>
+        <p:cTn id="1" dur="indefinite" restart="never" nodeType="tmRoot">
+          <p:childTnLst>
+            <p:seq concurrent="1" nextAc="seek">
+              <p:cTn id="2" dur="indefinite" nodeType="mainSeq">
+                <p:childTnLst>
+                  <p:par>
+                    <p:cTn id="3" fill="hold">
+                      <p:stCondLst>
+                        <p:cond delay="indefinite"/>
+                      </p:stCondLst>
+                      <p:childTnLst>
+                        <p:par>
+                          <p:cTn id="4" fill="hold">
+                            <p:stCondLst>
+                              <p:cond delay="0"/>
+                            </p:stCondLst>
+                            <p:childTnLst>
+                              <p:par>
+                                <p:cTn id="5" presetID="22" presetClass="entr" presetSubtype="1" fill="hold" nodeType="clickEffect">
+                                  <p:stCondLst>
+                                    <p:cond delay="0"/>
+                                  </p:stCondLst>
+                                  <p:childTnLst>
+                                    <p:set>
+                                      <p:cBhvr>
+                                        <p:cTn id="6" dur="1" fill="hold">
+                                          <p:stCondLst>
+                                            <p:cond delay="0"/>
+                                          </p:stCondLst>
+                                        </p:cTn>
+                                        <p:tgtEl>
+                                          <p:spTgt spid="18"/>
+                                        </p:tgtEl>
+                                        <p:attrNameLst>
+                                          <p:attrName>style.visibility</p:attrName>
+                                        </p:attrNameLst>
+                                      </p:cBhvr>
+                                      <p:to>
+                                        <p:strVal val="visible"/>
+                                      </p:to>
+                                    </p:set>
+                                    <p:animEffect transition="in" filter="wipe(up)">
+                                      <p:cBhvr>
+                                        <p:cTn id="7" dur="500"/>
+                                        <p:tgtEl>
+                                          <p:spTgt spid="18"/>
+                                        </p:tgtEl>
+                                      </p:cBhvr>
+                                    </p:animEffect>
+                                  </p:childTnLst>
+                                </p:cTn>
+                              </p:par>
+                            </p:childTnLst>
+                          </p:cTn>
+                        </p:par>
+                      </p:childTnLst>
+                    </p:cTn>
+                  </p:par>
+                  <p:par>
+                    <p:cTn id="8" fill="hold">
+                      <p:stCondLst>
+                        <p:cond delay="indefinite"/>
+                      </p:stCondLst>
+                      <p:childTnLst>
+                        <p:par>
+                          <p:cTn id="9" fill="hold">
+                            <p:stCondLst>
+                              <p:cond delay="0"/>
+                            </p:stCondLst>
+                            <p:childTnLst>
+                              <p:par>
+                                <p:cTn id="10" presetID="22" presetClass="entr" presetSubtype="4" fill="hold" nodeType="clickEffect">
+                                  <p:stCondLst>
+                                    <p:cond delay="0"/>
+                                  </p:stCondLst>
+                                  <p:childTnLst>
+                                    <p:set>
+                                      <p:cBhvr>
+                                        <p:cTn id="11" dur="1" fill="hold">
+                                          <p:stCondLst>
+                                            <p:cond delay="0"/>
+                                          </p:stCondLst>
+                                        </p:cTn>
+                                        <p:tgtEl>
+                                          <p:spTgt spid="19"/>
+                                        </p:tgtEl>
+                                        <p:attrNameLst>
+                                          <p:attrName>style.visibility</p:attrName>
+                                        </p:attrNameLst>
+                                      </p:cBhvr>
+                                      <p:to>
+                                        <p:strVal val="visible"/>
+                                      </p:to>
+                                    </p:set>
+                                    <p:animEffect transition="in" filter="wipe(down)">
+                                      <p:cBhvr>
+                                        <p:cTn id="12" dur="500"/>
+                                        <p:tgtEl>
+                                          <p:spTgt spid="19"/>
+                                        </p:tgtEl>
+                                      </p:cBhvr>
+                                    </p:animEffect>
+                                  </p:childTnLst>
+                                </p:cTn>
+                              </p:par>
+                            </p:childTnLst>
+                          </p:cTn>
+                        </p:par>
+                      </p:childTnLst>
+                    </p:cTn>
+                  </p:par>
+                  <p:par>
+                    <p:cTn id="13" fill="hold">
+                      <p:stCondLst>
+                        <p:cond delay="indefinite"/>
+                      </p:stCondLst>
+                      <p:childTnLst>
+                        <p:par>
+                          <p:cTn id="14" fill="hold">
+                            <p:stCondLst>
+                              <p:cond delay="0"/>
+                            </p:stCondLst>
+                            <p:childTnLst>
+                              <p:par>
+                                <p:cTn id="15" presetID="22" presetClass="entr" presetSubtype="4" fill="hold" nodeType="clickEffect">
+                                  <p:stCondLst>
+                                    <p:cond delay="0"/>
+                                  </p:stCondLst>
+                                  <p:childTnLst>
+                                    <p:set>
+                                      <p:cBhvr>
+                                        <p:cTn id="16" dur="1" fill="hold">
+                                          <p:stCondLst>
+                                            <p:cond delay="0"/>
+                                          </p:stCondLst>
+                                        </p:cTn>
+                                        <p:tgtEl>
+                                          <p:spTgt spid="20"/>
+                                        </p:tgtEl>
+                                        <p:attrNameLst>
+                                          <p:attrName>style.visibility</p:attrName>
+                                        </p:attrNameLst>
+                                      </p:cBhvr>
+                                      <p:to>
+                                        <p:strVal val="visible"/>
+                                      </p:to>
+                                    </p:set>
+                                    <p:animEffect transition="in" filter="wipe(down)">
+                                      <p:cBhvr>
+                                        <p:cTn id="17" dur="500"/>
+                                        <p:tgtEl>
+                                          <p:spTgt spid="20"/>
+                                        </p:tgtEl>
+                                      </p:cBhvr>
+                                    </p:animEffect>
+                                  </p:childTnLst>
+                                </p:cTn>
+                              </p:par>
+                            </p:childTnLst>
+                          </p:cTn>
+                        </p:par>
+                      </p:childTnLst>
+                    </p:cTn>
+                  </p:par>
+                  <p:par>
+                    <p:cTn id="18" fill="hold">
+                      <p:stCondLst>
+                        <p:cond delay="indefinite"/>
+                      </p:stCondLst>
+                      <p:childTnLst>
+                        <p:par>
+                          <p:cTn id="19" fill="hold">
+                            <p:stCondLst>
+                              <p:cond delay="0"/>
+                            </p:stCondLst>
+                            <p:childTnLst>
+                              <p:par>
+                                <p:cTn id="20" presetID="22" presetClass="entr" presetSubtype="4" fill="hold" nodeType="clickEffect">
+                                  <p:stCondLst>
+                                    <p:cond delay="0"/>
+                                  </p:stCondLst>
+                                  <p:childTnLst>
+                                    <p:set>
+                                      <p:cBhvr>
+                                        <p:cTn id="21" dur="1" fill="hold">
+                                          <p:stCondLst>
+                                            <p:cond delay="0"/>
+                                          </p:stCondLst>
+                                        </p:cTn>
+                                        <p:tgtEl>
+                                          <p:spTgt spid="21"/>
+                                        </p:tgtEl>
+                                        <p:attrNameLst>
+                                          <p:attrName>style.visibility</p:attrName>
+                                        </p:attrNameLst>
+                                      </p:cBhvr>
+                                      <p:to>
+                                        <p:strVal val="visible"/>
+                                      </p:to>
+                                    </p:set>
+                                    <p:animEffect transition="in" filter="wipe(down)">
+                                      <p:cBhvr>
+                                        <p:cTn id="22" dur="500"/>
+                                        <p:tgtEl>
+                                          <p:spTgt spid="21"/>
+                                        </p:tgtEl>
+                                      </p:cBhvr>
+                                    </p:animEffect>
+                                  </p:childTnLst>
+                                </p:cTn>
+                              </p:par>
+                            </p:childTnLst>
+                          </p:cTn>
+                        </p:par>
+                      </p:childTnLst>
+                    </p:cTn>
+                  </p:par>
+                </p:childTnLst>
+              </p:cTn>
+              <p:prevCondLst>
+                <p:cond evt="onPrev" delay="0">
+                  <p:tgtEl>
+                    <p:sldTgt/>
+                  </p:tgtEl>
+                </p:cond>
+              </p:prevCondLst>
+              <p:nextCondLst>
+                <p:cond evt="onNext" delay="0">
+                  <p:tgtEl>
+                    <p:sldTgt/>
+                  </p:tgtEl>
+                </p:cond>
+              </p:nextCondLst>
+            </p:seq>
+          </p:childTnLst>
+        </p:cTn>
+      </p:par>
+    </p:tnLst>
+  </p:timing>
+</p:sld>
+</file>
+
+<file path=ppt/slides/slide14.xml><?xml version="1.0" encoding="utf-8"?>
+<p:sld xmlns:a="http://schemas.openxmlformats.org/drawingml/2006/main" xmlns:r="http://schemas.openxmlformats.org/officeDocument/2006/relationships" xmlns:p="http://schemas.openxmlformats.org/presentationml/2006/main">
+  <p:cSld>
+    <p:spTree>
+      <p:nvGrpSpPr>
+        <p:cNvPr id="1" name=""/>
+        <p:cNvGrpSpPr/>
+        <p:nvPr/>
+      </p:nvGrpSpPr>
+      <p:grpSpPr>
+        <a:xfrm>
+          <a:off x="0" y="0"/>
+          <a:ext cx="0" cy="0"/>
+          <a:chOff x="0" y="0"/>
+          <a:chExt cx="0" cy="0"/>
+        </a:xfrm>
+      </p:grpSpPr>
+      <p:sp>
+        <p:nvSpPr>
+          <p:cNvPr id="4" name="Text Placeholder 1"/>
+          <p:cNvSpPr>
+            <a:spLocks noGrp="1"/>
+          </p:cNvSpPr>
+          <p:nvPr>
+            <p:ph type="body" sz="quarter" idx="10"/>
+          </p:nvPr>
+        </p:nvSpPr>
+        <p:spPr>
+          <a:xfrm>
+            <a:off x="0" y="0"/>
+            <a:ext cx="8100392" cy="738664"/>
+          </a:xfrm>
+          <a:solidFill>
+            <a:schemeClr val="accent1">
+              <a:lumMod val="20000"/>
+              <a:lumOff val="80000"/>
+            </a:schemeClr>
+          </a:solidFill>
+        </p:spPr>
+        <p:txBody>
+          <a:bodyPr/>
+          <a:lstStyle/>
+          <a:p>
+            <a:r>
+              <a:rPr lang="en-US" altLang="ko-KR" dirty="0" smtClean="0"/>
+              <a:t>Nhận diện </a:t>
             </a:r>
             <a:r>
               <a:rPr lang="en-US" altLang="ko-KR" dirty="0" smtClean="0"/>
-              <a:t> </a:t>
+              <a:t>rủi </a:t>
             </a:r>
             <a:r>
-              <a:rPr lang="en-US" altLang="ko-KR" dirty="0" err="1" smtClean="0"/>
+              <a:rPr lang="en-US" altLang="ko-KR" dirty="0" smtClean="0"/>
               <a:t>ro</a:t>
             </a:r>
             <a:endParaRPr lang="ko-KR" altLang="en-US" dirty="0"/>
@@ -29963,820 +32084,14 @@
       </p:sp>
       <p:sp>
         <p:nvSpPr>
-          <p:cNvPr id="6" name="Block Arc 5"/>
-          <p:cNvSpPr/>
-          <p:nvPr/>
-        </p:nvSpPr>
-        <p:spPr>
-          <a:xfrm>
-            <a:off x="-4974417" y="-24367"/>
-            <a:ext cx="5930899" cy="5930899"/>
-          </a:xfrm>
-          <a:prstGeom prst="blockArc">
-            <a:avLst>
-              <a:gd name="adj1" fmla="val 18900000"/>
-              <a:gd name="adj2" fmla="val 2700000"/>
-              <a:gd name="adj3" fmla="val 364"/>
-            </a:avLst>
-          </a:prstGeom>
-        </p:spPr>
-        <p:style>
-          <a:lnRef idx="2">
-            <a:schemeClr val="accent1">
-              <a:shade val="60000"/>
-              <a:hueOff val="0"/>
-              <a:satOff val="0"/>
-              <a:lumOff val="0"/>
-              <a:alphaOff val="0"/>
-            </a:schemeClr>
-          </a:lnRef>
-          <a:fillRef idx="0">
-            <a:schemeClr val="accent1">
-              <a:hueOff val="0"/>
-              <a:satOff val="0"/>
-              <a:lumOff val="0"/>
-              <a:alphaOff val="0"/>
-            </a:schemeClr>
-          </a:fillRef>
-          <a:effectRef idx="0">
-            <a:schemeClr val="accent1">
-              <a:hueOff val="0"/>
-              <a:satOff val="0"/>
-              <a:lumOff val="0"/>
-              <a:alphaOff val="0"/>
-            </a:schemeClr>
-          </a:effectRef>
-          <a:fontRef idx="minor">
-            <a:schemeClr val="tx1">
-              <a:hueOff val="0"/>
-              <a:satOff val="0"/>
-              <a:lumOff val="0"/>
-              <a:alphaOff val="0"/>
-            </a:schemeClr>
-          </a:fontRef>
-        </p:style>
-      </p:sp>
-      <p:sp>
-        <p:nvSpPr>
-          <p:cNvPr id="22" name="Pentagon 21"/>
-          <p:cNvSpPr/>
-          <p:nvPr/>
-        </p:nvSpPr>
-        <p:spPr>
-          <a:xfrm>
-            <a:off x="394047" y="874586"/>
-            <a:ext cx="2489768" cy="501066"/>
-          </a:xfrm>
-          <a:prstGeom prst="homePlate">
-            <a:avLst/>
-          </a:prstGeom>
-          <a:solidFill>
-            <a:srgbClr val="32AEB8"/>
-          </a:solidFill>
-          <a:ln>
-            <a:noFill/>
-          </a:ln>
-        </p:spPr>
-        <p:style>
-          <a:lnRef idx="2">
-            <a:schemeClr val="accent1">
-              <a:shade val="50000"/>
-            </a:schemeClr>
-          </a:lnRef>
-          <a:fillRef idx="1">
-            <a:schemeClr val="accent1"/>
-          </a:fillRef>
-          <a:effectRef idx="0">
-            <a:schemeClr val="accent1"/>
-          </a:effectRef>
-          <a:fontRef idx="minor">
-            <a:schemeClr val="lt1"/>
-          </a:fontRef>
-        </p:style>
-        <p:txBody>
-          <a:bodyPr rtlCol="0" anchor="ctr"/>
-          <a:lstStyle/>
-          <a:p>
-            <a:pPr algn="ctr"/>
-            <a:r>
-              <a:rPr lang="vi-VN" dirty="0"/>
-              <a:t>Công nghệ</a:t>
-            </a:r>
-            <a:endParaRPr lang="en-US" dirty="0"/>
-          </a:p>
-        </p:txBody>
-      </p:sp>
-      <p:sp>
-        <p:nvSpPr>
-          <p:cNvPr id="23" name="Oval 22"/>
-          <p:cNvSpPr/>
-          <p:nvPr/>
-        </p:nvSpPr>
-        <p:spPr>
-          <a:xfrm>
-            <a:off x="-1" y="814650"/>
-            <a:ext cx="673809" cy="629004"/>
-          </a:xfrm>
-          <a:prstGeom prst="ellipse">
-            <a:avLst/>
-          </a:prstGeom>
-        </p:spPr>
-        <p:style>
-          <a:lnRef idx="2">
-            <a:schemeClr val="accent1">
-              <a:hueOff val="0"/>
-              <a:satOff val="0"/>
-              <a:lumOff val="0"/>
-              <a:alphaOff val="0"/>
-            </a:schemeClr>
-          </a:lnRef>
-          <a:fillRef idx="1">
-            <a:schemeClr val="lt1">
-              <a:hueOff val="0"/>
-              <a:satOff val="0"/>
-              <a:lumOff val="0"/>
-              <a:alphaOff val="0"/>
-            </a:schemeClr>
-          </a:fillRef>
-          <a:effectRef idx="0">
-            <a:schemeClr val="lt1">
-              <a:hueOff val="0"/>
-              <a:satOff val="0"/>
-              <a:lumOff val="0"/>
-              <a:alphaOff val="0"/>
-            </a:schemeClr>
-          </a:effectRef>
-          <a:fontRef idx="minor">
-            <a:schemeClr val="dk1">
-              <a:hueOff val="0"/>
-              <a:satOff val="0"/>
-              <a:lumOff val="0"/>
-              <a:alphaOff val="0"/>
-            </a:schemeClr>
-          </a:fontRef>
-        </p:style>
-      </p:sp>
-      <p:sp>
-        <p:nvSpPr>
           <p:cNvPr id="24" name="Chevron 23"/>
           <p:cNvSpPr/>
           <p:nvPr/>
         </p:nvSpPr>
         <p:spPr>
           <a:xfrm>
-            <a:off x="2840799" y="874586"/>
-            <a:ext cx="6123690" cy="501067"/>
-          </a:xfrm>
-          <a:prstGeom prst="chevron">
-            <a:avLst/>
-          </a:prstGeom>
-          <a:solidFill>
-            <a:srgbClr val="32AEB8"/>
-          </a:solidFill>
-          <a:ln>
-            <a:noFill/>
-          </a:ln>
-        </p:spPr>
-        <p:style>
-          <a:lnRef idx="2">
-            <a:schemeClr val="accent1">
-              <a:shade val="50000"/>
-            </a:schemeClr>
-          </a:lnRef>
-          <a:fillRef idx="1">
-            <a:schemeClr val="accent1"/>
-          </a:fillRef>
-          <a:effectRef idx="0">
-            <a:schemeClr val="accent1"/>
-          </a:effectRef>
-          <a:fontRef idx="minor">
-            <a:schemeClr val="lt1"/>
-          </a:fontRef>
-        </p:style>
-        <p:txBody>
-          <a:bodyPr rtlCol="0" anchor="ctr"/>
-          <a:lstStyle/>
-          <a:p>
-            <a:r>
-              <a:rPr lang="vi-VN" sz="1400" dirty="0">
-                <a:solidFill>
-                  <a:schemeClr val="bg1"/>
-                </a:solidFill>
-              </a:rPr>
-              <a:t>Phiên bản </a:t>
-            </a:r>
-            <a:r>
-              <a:rPr lang="en-US" sz="1400" dirty="0" err="1" smtClean="0">
-                <a:solidFill>
-                  <a:schemeClr val="bg1"/>
-                </a:solidFill>
-              </a:rPr>
-              <a:t>của</a:t>
-            </a:r>
-            <a:r>
-              <a:rPr lang="en-US" sz="1400" dirty="0" smtClean="0">
-                <a:solidFill>
-                  <a:schemeClr val="bg1"/>
-                </a:solidFill>
-              </a:rPr>
-              <a:t> </a:t>
-            </a:r>
-            <a:r>
-              <a:rPr lang="vi-VN" sz="1400" dirty="0" smtClean="0">
-                <a:solidFill>
-                  <a:schemeClr val="bg1"/>
-                </a:solidFill>
-              </a:rPr>
-              <a:t>phần </a:t>
-            </a:r>
-            <a:r>
-              <a:rPr lang="vi-VN" sz="1400" dirty="0">
-                <a:solidFill>
-                  <a:schemeClr val="bg1"/>
-                </a:solidFill>
-              </a:rPr>
-              <a:t>cứng, phần </a:t>
-            </a:r>
-            <a:r>
-              <a:rPr lang="vi-VN" sz="1400" dirty="0" smtClean="0">
-                <a:solidFill>
-                  <a:schemeClr val="bg1"/>
-                </a:solidFill>
-              </a:rPr>
-              <a:t>mềm</a:t>
-            </a:r>
-            <a:r>
-              <a:rPr lang="en-US" sz="1400" dirty="0" smtClean="0">
-                <a:solidFill>
-                  <a:schemeClr val="bg1"/>
-                </a:solidFill>
-              </a:rPr>
-              <a:t>, </a:t>
-            </a:r>
-            <a:r>
-              <a:rPr lang="en-US" sz="1400" dirty="0" err="1" smtClean="0">
-                <a:solidFill>
-                  <a:schemeClr val="bg1"/>
-                </a:solidFill>
-              </a:rPr>
-              <a:t>hiệu</a:t>
-            </a:r>
-            <a:r>
-              <a:rPr lang="en-US" sz="1400" dirty="0" smtClean="0">
-                <a:solidFill>
-                  <a:schemeClr val="bg1"/>
-                </a:solidFill>
-              </a:rPr>
-              <a:t> </a:t>
-            </a:r>
-            <a:r>
-              <a:rPr lang="en-US" sz="1400" dirty="0" err="1" smtClean="0">
-                <a:solidFill>
-                  <a:schemeClr val="bg1"/>
-                </a:solidFill>
-              </a:rPr>
-              <a:t>năng</a:t>
-            </a:r>
-            <a:r>
-              <a:rPr lang="en-US" sz="1400" dirty="0" smtClean="0">
-                <a:solidFill>
-                  <a:schemeClr val="bg1"/>
-                </a:solidFill>
-              </a:rPr>
-              <a:t> </a:t>
-            </a:r>
-            <a:r>
-              <a:rPr lang="en-US" sz="1400" dirty="0" err="1" smtClean="0">
-                <a:solidFill>
-                  <a:schemeClr val="bg1"/>
-                </a:solidFill>
-              </a:rPr>
-              <a:t>của</a:t>
-            </a:r>
-            <a:r>
-              <a:rPr lang="en-US" sz="1400" dirty="0" smtClean="0">
-                <a:solidFill>
-                  <a:schemeClr val="bg1"/>
-                </a:solidFill>
-              </a:rPr>
-              <a:t> </a:t>
-            </a:r>
-            <a:r>
-              <a:rPr lang="en-US" sz="1400" dirty="0" err="1" smtClean="0">
-                <a:solidFill>
-                  <a:schemeClr val="bg1"/>
-                </a:solidFill>
-              </a:rPr>
-              <a:t>hệ</a:t>
-            </a:r>
-            <a:r>
-              <a:rPr lang="en-US" sz="1400" dirty="0" smtClean="0">
-                <a:solidFill>
-                  <a:schemeClr val="bg1"/>
-                </a:solidFill>
-              </a:rPr>
-              <a:t> </a:t>
-            </a:r>
-            <a:r>
-              <a:rPr lang="en-US" sz="1400" dirty="0" err="1" smtClean="0">
-                <a:solidFill>
-                  <a:schemeClr val="bg1"/>
-                </a:solidFill>
-              </a:rPr>
-              <a:t>thống</a:t>
-            </a:r>
-            <a:r>
-              <a:rPr lang="en-US" sz="1400" dirty="0" smtClean="0">
-                <a:solidFill>
-                  <a:schemeClr val="bg1"/>
-                </a:solidFill>
-              </a:rPr>
-              <a:t>, </a:t>
-            </a:r>
-          </a:p>
-          <a:p>
-            <a:r>
-              <a:rPr lang="en-US" sz="1400" dirty="0" err="1">
-                <a:solidFill>
-                  <a:schemeClr val="bg1"/>
-                </a:solidFill>
-              </a:rPr>
-              <a:t>b</a:t>
-            </a:r>
-            <a:r>
-              <a:rPr lang="en-US" sz="1400" dirty="0" err="1" smtClean="0">
-                <a:solidFill>
-                  <a:schemeClr val="bg1"/>
-                </a:solidFill>
-              </a:rPr>
-              <a:t>iện</a:t>
-            </a:r>
-            <a:r>
-              <a:rPr lang="en-US" sz="1400" dirty="0" smtClean="0">
-                <a:solidFill>
-                  <a:schemeClr val="bg1"/>
-                </a:solidFill>
-              </a:rPr>
-              <a:t> </a:t>
-            </a:r>
-            <a:r>
-              <a:rPr lang="en-US" sz="1400" dirty="0" err="1" smtClean="0">
-                <a:solidFill>
-                  <a:schemeClr val="bg1"/>
-                </a:solidFill>
-              </a:rPr>
-              <a:t>pháp</a:t>
-            </a:r>
-            <a:r>
-              <a:rPr lang="en-US" sz="1400" dirty="0" smtClean="0">
-                <a:solidFill>
-                  <a:schemeClr val="bg1"/>
-                </a:solidFill>
-              </a:rPr>
-              <a:t> </a:t>
-            </a:r>
-            <a:r>
-              <a:rPr lang="en-US" sz="1400" dirty="0" err="1" smtClean="0">
-                <a:solidFill>
-                  <a:schemeClr val="bg1"/>
-                </a:solidFill>
-              </a:rPr>
-              <a:t>phòng</a:t>
-            </a:r>
-            <a:r>
-              <a:rPr lang="en-US" sz="1400" dirty="0" smtClean="0">
-                <a:solidFill>
-                  <a:schemeClr val="bg1"/>
-                </a:solidFill>
-              </a:rPr>
-              <a:t> </a:t>
-            </a:r>
-            <a:r>
-              <a:rPr lang="en-US" sz="1400" dirty="0" err="1" smtClean="0">
-                <a:solidFill>
-                  <a:schemeClr val="bg1"/>
-                </a:solidFill>
-              </a:rPr>
-              <a:t>ngừa</a:t>
-            </a:r>
-            <a:r>
-              <a:rPr lang="en-US" sz="1400" dirty="0" smtClean="0">
-                <a:solidFill>
-                  <a:schemeClr val="bg1"/>
-                </a:solidFill>
-              </a:rPr>
-              <a:t> </a:t>
-            </a:r>
-            <a:r>
-              <a:rPr lang="en-US" sz="1400" dirty="0" err="1" smtClean="0">
-                <a:solidFill>
-                  <a:schemeClr val="bg1"/>
-                </a:solidFill>
-              </a:rPr>
-              <a:t>sự</a:t>
-            </a:r>
-            <a:r>
-              <a:rPr lang="en-US" sz="1400" dirty="0" smtClean="0">
-                <a:solidFill>
-                  <a:schemeClr val="bg1"/>
-                </a:solidFill>
-              </a:rPr>
-              <a:t> </a:t>
-            </a:r>
-            <a:r>
-              <a:rPr lang="en-US" sz="1400" dirty="0" err="1" smtClean="0">
-                <a:solidFill>
-                  <a:schemeClr val="bg1"/>
-                </a:solidFill>
-              </a:rPr>
-              <a:t>cố</a:t>
-            </a:r>
-            <a:r>
-              <a:rPr lang="en-US" sz="1400" dirty="0" smtClean="0">
-                <a:solidFill>
-                  <a:schemeClr val="bg1"/>
-                </a:solidFill>
-              </a:rPr>
-              <a:t>,…</a:t>
-            </a:r>
-          </a:p>
-        </p:txBody>
-      </p:sp>
-      <p:sp>
-        <p:nvSpPr>
-          <p:cNvPr id="25" name="Pentagon 24"/>
-          <p:cNvSpPr/>
-          <p:nvPr/>
-        </p:nvSpPr>
-        <p:spPr>
-          <a:xfrm>
-            <a:off x="764328" y="1571377"/>
-            <a:ext cx="2130232" cy="502455"/>
-          </a:xfrm>
-          <a:prstGeom prst="homePlate">
-            <a:avLst/>
-          </a:prstGeom>
-          <a:solidFill>
-            <a:srgbClr val="32AEB8"/>
-          </a:solidFill>
-          <a:ln>
-            <a:noFill/>
-          </a:ln>
-        </p:spPr>
-        <p:style>
-          <a:lnRef idx="2">
-            <a:schemeClr val="accent1">
-              <a:shade val="50000"/>
-            </a:schemeClr>
-          </a:lnRef>
-          <a:fillRef idx="1">
-            <a:schemeClr val="accent1"/>
-          </a:fillRef>
-          <a:effectRef idx="0">
-            <a:schemeClr val="accent1"/>
-          </a:effectRef>
-          <a:fontRef idx="minor">
-            <a:schemeClr val="lt1"/>
-          </a:fontRef>
-        </p:style>
-        <p:txBody>
-          <a:bodyPr rtlCol="0" anchor="ctr"/>
-          <a:lstStyle/>
-          <a:p>
-            <a:pPr algn="ctr"/>
-            <a:r>
-              <a:rPr lang="vi-VN" dirty="0"/>
-              <a:t>Con người</a:t>
-            </a:r>
-            <a:endParaRPr lang="en-US" dirty="0"/>
-          </a:p>
-        </p:txBody>
-      </p:sp>
-      <p:sp>
-        <p:nvSpPr>
-          <p:cNvPr id="26" name="Oval 25"/>
-          <p:cNvSpPr/>
-          <p:nvPr/>
-        </p:nvSpPr>
-        <p:spPr>
-          <a:xfrm>
-            <a:off x="336299" y="1521727"/>
-            <a:ext cx="676405" cy="619634"/>
-          </a:xfrm>
-          <a:prstGeom prst="ellipse">
-            <a:avLst/>
-          </a:prstGeom>
-        </p:spPr>
-        <p:style>
-          <a:lnRef idx="2">
-            <a:schemeClr val="accent1">
-              <a:hueOff val="0"/>
-              <a:satOff val="0"/>
-              <a:lumOff val="0"/>
-              <a:alphaOff val="0"/>
-            </a:schemeClr>
-          </a:lnRef>
-          <a:fillRef idx="1">
-            <a:schemeClr val="lt1">
-              <a:hueOff val="0"/>
-              <a:satOff val="0"/>
-              <a:lumOff val="0"/>
-              <a:alphaOff val="0"/>
-            </a:schemeClr>
-          </a:fillRef>
-          <a:effectRef idx="0">
-            <a:schemeClr val="lt1">
-              <a:hueOff val="0"/>
-              <a:satOff val="0"/>
-              <a:lumOff val="0"/>
-              <a:alphaOff val="0"/>
-            </a:schemeClr>
-          </a:effectRef>
-          <a:fontRef idx="minor">
-            <a:schemeClr val="dk1">
-              <a:hueOff val="0"/>
-              <a:satOff val="0"/>
-              <a:lumOff val="0"/>
-              <a:alphaOff val="0"/>
-            </a:schemeClr>
-          </a:fontRef>
-        </p:style>
-      </p:sp>
-      <p:sp>
-        <p:nvSpPr>
-          <p:cNvPr id="37" name="Chevron 36"/>
-          <p:cNvSpPr/>
-          <p:nvPr/>
-        </p:nvSpPr>
-        <p:spPr>
-          <a:xfrm>
-            <a:off x="2840798" y="1567328"/>
-            <a:ext cx="6123690" cy="497006"/>
-          </a:xfrm>
-          <a:prstGeom prst="chevron">
-            <a:avLst/>
-          </a:prstGeom>
-          <a:solidFill>
-            <a:srgbClr val="32AEB8"/>
-          </a:solidFill>
-          <a:ln>
-            <a:noFill/>
-          </a:ln>
-        </p:spPr>
-        <p:style>
-          <a:lnRef idx="2">
-            <a:schemeClr val="accent1">
-              <a:shade val="50000"/>
-            </a:schemeClr>
-          </a:lnRef>
-          <a:fillRef idx="1">
-            <a:schemeClr val="accent1"/>
-          </a:fillRef>
-          <a:effectRef idx="0">
-            <a:schemeClr val="accent1"/>
-          </a:effectRef>
-          <a:fontRef idx="minor">
-            <a:schemeClr val="lt1"/>
-          </a:fontRef>
-        </p:style>
-        <p:txBody>
-          <a:bodyPr rtlCol="0" anchor="ctr"/>
-          <a:lstStyle/>
-          <a:p>
-            <a:r>
-              <a:rPr lang="en-US" sz="1400" dirty="0"/>
-              <a:t>R</a:t>
-            </a:r>
-            <a:r>
-              <a:rPr lang="vi-VN" sz="1400" dirty="0" smtClean="0"/>
-              <a:t>ời </a:t>
-            </a:r>
-            <a:r>
-              <a:rPr lang="vi-VN" sz="1400" dirty="0"/>
-              <a:t>dự án </a:t>
-            </a:r>
-            <a:r>
-              <a:rPr lang="vi-VN" sz="1400" dirty="0" smtClean="0"/>
-              <a:t>giữa</a:t>
-            </a:r>
-            <a:r>
-              <a:rPr lang="en-US" sz="1400" dirty="0" smtClean="0"/>
-              <a:t> </a:t>
-            </a:r>
-            <a:r>
-              <a:rPr lang="en-US" sz="1400" dirty="0" err="1" smtClean="0"/>
-              <a:t>chừng</a:t>
-            </a:r>
-            <a:r>
-              <a:rPr lang="en-US" sz="1400" dirty="0" smtClean="0"/>
-              <a:t>, </a:t>
-            </a:r>
-            <a:r>
-              <a:rPr lang="en-US" sz="1400" dirty="0" err="1" smtClean="0"/>
-              <a:t>bị</a:t>
-            </a:r>
-            <a:r>
-              <a:rPr lang="en-US" sz="1400" dirty="0" smtClean="0"/>
-              <a:t> </a:t>
-            </a:r>
-            <a:r>
-              <a:rPr lang="en-US" sz="1400" dirty="0" err="1" smtClean="0"/>
-              <a:t>bệnh</a:t>
-            </a:r>
-            <a:r>
-              <a:rPr lang="en-US" sz="1400" dirty="0" smtClean="0"/>
-              <a:t>, </a:t>
-            </a:r>
-            <a:r>
-              <a:rPr lang="en-US" sz="1400" dirty="0" err="1" smtClean="0"/>
-              <a:t>chưa</a:t>
-            </a:r>
-            <a:r>
-              <a:rPr lang="en-US" sz="1400" dirty="0" smtClean="0"/>
-              <a:t> </a:t>
-            </a:r>
-            <a:r>
-              <a:rPr lang="en-US" sz="1400" dirty="0" err="1" smtClean="0"/>
-              <a:t>biết</a:t>
-            </a:r>
-            <a:r>
-              <a:rPr lang="en-US" sz="1400" dirty="0" smtClean="0"/>
-              <a:t> </a:t>
-            </a:r>
-            <a:r>
-              <a:rPr lang="en-US" sz="1400" dirty="0" err="1" smtClean="0"/>
-              <a:t>đến</a:t>
-            </a:r>
-            <a:r>
-              <a:rPr lang="en-US" sz="1400" dirty="0" smtClean="0"/>
-              <a:t> </a:t>
-            </a:r>
-            <a:r>
-              <a:rPr lang="en-US" sz="1400" dirty="0" err="1" smtClean="0"/>
-              <a:t>các</a:t>
-            </a:r>
-            <a:r>
-              <a:rPr lang="en-US" sz="1400" dirty="0" smtClean="0"/>
-              <a:t> </a:t>
-            </a:r>
-            <a:r>
-              <a:rPr lang="en-US" sz="1400" dirty="0" err="1" smtClean="0"/>
-              <a:t>công</a:t>
-            </a:r>
-            <a:r>
-              <a:rPr lang="en-US" sz="1400" dirty="0" smtClean="0"/>
-              <a:t> </a:t>
-            </a:r>
-            <a:r>
-              <a:rPr lang="en-US" sz="1400" dirty="0" err="1" smtClean="0"/>
-              <a:t>nghệ</a:t>
-            </a:r>
-            <a:r>
-              <a:rPr lang="en-US" sz="1400" dirty="0" smtClean="0"/>
-              <a:t> </a:t>
-            </a:r>
-            <a:r>
-              <a:rPr lang="en-US" sz="1400" dirty="0" err="1" smtClean="0"/>
-              <a:t>mới</a:t>
-            </a:r>
-            <a:r>
-              <a:rPr lang="en-US" sz="1400" dirty="0" smtClean="0"/>
-              <a:t>,…</a:t>
-            </a:r>
-            <a:endParaRPr lang="en-US" sz="1400" dirty="0" smtClean="0">
-              <a:solidFill>
-                <a:schemeClr val="bg1"/>
-              </a:solidFill>
-            </a:endParaRPr>
-          </a:p>
-        </p:txBody>
-      </p:sp>
-      <p:sp>
-        <p:nvSpPr>
-          <p:cNvPr id="40" name="Pentagon 39"/>
-          <p:cNvSpPr/>
-          <p:nvPr/>
-        </p:nvSpPr>
-        <p:spPr>
-          <a:xfrm>
-            <a:off x="959011" y="2339327"/>
-            <a:ext cx="1935453" cy="502455"/>
-          </a:xfrm>
-          <a:prstGeom prst="homePlate">
-            <a:avLst/>
-          </a:prstGeom>
-          <a:solidFill>
-            <a:srgbClr val="32AEB8"/>
-          </a:solidFill>
-          <a:ln>
-            <a:noFill/>
-          </a:ln>
-        </p:spPr>
-        <p:style>
-          <a:lnRef idx="2">
-            <a:schemeClr val="accent1">
-              <a:shade val="50000"/>
-            </a:schemeClr>
-          </a:lnRef>
-          <a:fillRef idx="1">
-            <a:schemeClr val="accent1"/>
-          </a:fillRef>
-          <a:effectRef idx="0">
-            <a:schemeClr val="accent1"/>
-          </a:effectRef>
-          <a:fontRef idx="minor">
-            <a:schemeClr val="lt1"/>
-          </a:fontRef>
-        </p:style>
-        <p:txBody>
-          <a:bodyPr rtlCol="0" anchor="ctr"/>
-          <a:lstStyle/>
-          <a:p>
-            <a:pPr algn="ctr"/>
-            <a:r>
-              <a:rPr lang="vi-VN" dirty="0" smtClean="0"/>
-              <a:t>Xác </a:t>
-            </a:r>
-            <a:r>
-              <a:rPr lang="vi-VN" dirty="0"/>
-              <a:t>định </a:t>
-            </a:r>
-            <a:endParaRPr lang="en-US" dirty="0" smtClean="0"/>
-          </a:p>
-          <a:p>
-            <a:pPr algn="ctr"/>
-            <a:r>
-              <a:rPr lang="vi-VN" dirty="0" smtClean="0"/>
-              <a:t>yêu </a:t>
-            </a:r>
-            <a:r>
-              <a:rPr lang="vi-VN" dirty="0"/>
-              <a:t>cầu</a:t>
-            </a:r>
-            <a:endParaRPr lang="en-US" dirty="0"/>
-          </a:p>
-        </p:txBody>
-      </p:sp>
-      <p:sp>
-        <p:nvSpPr>
-          <p:cNvPr id="41" name="Oval 40"/>
-          <p:cNvSpPr/>
-          <p:nvPr/>
-        </p:nvSpPr>
-        <p:spPr>
-          <a:xfrm>
-            <a:off x="530982" y="2289677"/>
-            <a:ext cx="655182" cy="619634"/>
-          </a:xfrm>
-          <a:prstGeom prst="ellipse">
-            <a:avLst/>
-          </a:prstGeom>
-        </p:spPr>
-        <p:style>
-          <a:lnRef idx="2">
-            <a:schemeClr val="accent1">
-              <a:hueOff val="0"/>
-              <a:satOff val="0"/>
-              <a:lumOff val="0"/>
-              <a:alphaOff val="0"/>
-            </a:schemeClr>
-          </a:lnRef>
-          <a:fillRef idx="1">
-            <a:schemeClr val="lt1">
-              <a:hueOff val="0"/>
-              <a:satOff val="0"/>
-              <a:lumOff val="0"/>
-              <a:alphaOff val="0"/>
-            </a:schemeClr>
-          </a:fillRef>
-          <a:effectRef idx="0">
-            <a:schemeClr val="lt1">
-              <a:hueOff val="0"/>
-              <a:satOff val="0"/>
-              <a:lumOff val="0"/>
-              <a:alphaOff val="0"/>
-            </a:schemeClr>
-          </a:effectRef>
-          <a:fontRef idx="minor">
-            <a:schemeClr val="dk1">
-              <a:hueOff val="0"/>
-              <a:satOff val="0"/>
-              <a:lumOff val="0"/>
-              <a:alphaOff val="0"/>
-            </a:schemeClr>
-          </a:fontRef>
-        </p:style>
-      </p:sp>
-      <p:sp>
-        <p:nvSpPr>
-          <p:cNvPr id="42" name="Chevron 41"/>
-          <p:cNvSpPr/>
-          <p:nvPr/>
-        </p:nvSpPr>
-        <p:spPr>
-          <a:xfrm>
-            <a:off x="2840798" y="2345194"/>
-            <a:ext cx="6123692" cy="497006"/>
+            <a:off x="3131840" y="1221774"/>
+            <a:ext cx="5760639" cy="555116"/>
           </a:xfrm>
           <a:prstGeom prst="chevron">
             <a:avLst/>
@@ -30810,36 +32125,9 @@
           <a:p>
             <a:r>
               <a:rPr lang="vi-VN" sz="1400" dirty="0"/>
-              <a:t>Khách hàng thay đổi về phạm vi và yêu cầu dự </a:t>
+              <a:t>Yêu cầu phiên bản mới nhất hoặc giải pháp trọn gói</a:t>
             </a:r>
-            <a:r>
-              <a:rPr lang="vi-VN" sz="1400" dirty="0" smtClean="0"/>
-              <a:t>án</a:t>
-            </a:r>
-            <a:r>
-              <a:rPr lang="en-US" sz="1400" dirty="0" smtClean="0"/>
-              <a:t>, </a:t>
-            </a:r>
-            <a:r>
-              <a:rPr lang="en-US" sz="1400" dirty="0"/>
-              <a:t>h</a:t>
-            </a:r>
-            <a:r>
-              <a:rPr lang="vi-VN" sz="1400" dirty="0" smtClean="0"/>
-              <a:t>ợp đồng chưa </a:t>
-            </a:r>
-            <a:endParaRPr lang="en-US" sz="1400" dirty="0" smtClean="0"/>
-          </a:p>
-          <a:p>
-            <a:r>
-              <a:rPr lang="vi-VN" sz="1400" dirty="0" smtClean="0"/>
-              <a:t>chặt chẽ</a:t>
-            </a:r>
-            <a:r>
-              <a:rPr lang="en-US" sz="1400" dirty="0" smtClean="0"/>
-              <a:t>,…</a:t>
-            </a:r>
-            <a:endParaRPr lang="en-US" sz="1400" dirty="0" smtClean="0">
+            <a:endParaRPr lang="en-US" sz="1400" dirty="0">
               <a:solidFill>
                 <a:schemeClr val="bg1"/>
               </a:solidFill>
@@ -30849,114 +32137,14 @@
       </p:sp>
       <p:sp>
         <p:nvSpPr>
-          <p:cNvPr id="43" name="Pentagon 42"/>
+          <p:cNvPr id="37" name="Chevron 36"/>
           <p:cNvSpPr/>
           <p:nvPr/>
         </p:nvSpPr>
         <p:spPr>
           <a:xfrm>
-            <a:off x="1040306" y="3083337"/>
-            <a:ext cx="1854118" cy="502456"/>
-          </a:xfrm>
-          <a:prstGeom prst="homePlate">
-            <a:avLst/>
-          </a:prstGeom>
-          <a:solidFill>
-            <a:srgbClr val="32AEB8"/>
-          </a:solidFill>
-          <a:ln>
-            <a:noFill/>
-          </a:ln>
-        </p:spPr>
-        <p:style>
-          <a:lnRef idx="2">
-            <a:schemeClr val="accent1">
-              <a:shade val="50000"/>
-            </a:schemeClr>
-          </a:lnRef>
-          <a:fillRef idx="1">
-            <a:schemeClr val="accent1"/>
-          </a:fillRef>
-          <a:effectRef idx="0">
-            <a:schemeClr val="accent1"/>
-          </a:effectRef>
-          <a:fontRef idx="minor">
-            <a:schemeClr val="lt1"/>
-          </a:fontRef>
-        </p:style>
-        <p:txBody>
-          <a:bodyPr rtlCol="0" anchor="ctr"/>
-          <a:lstStyle/>
-          <a:p>
-            <a:pPr algn="ctr"/>
-            <a:r>
-              <a:rPr lang="vi-VN" dirty="0"/>
-              <a:t>Kế hoạch</a:t>
-            </a:r>
-            <a:endParaRPr lang="en-US" dirty="0"/>
-          </a:p>
-        </p:txBody>
-      </p:sp>
-      <p:sp>
-        <p:nvSpPr>
-          <p:cNvPr id="44" name="Oval 43"/>
-          <p:cNvSpPr/>
-          <p:nvPr/>
-        </p:nvSpPr>
-        <p:spPr>
-          <a:xfrm>
-            <a:off x="570807" y="3027847"/>
-            <a:ext cx="644883" cy="619634"/>
-          </a:xfrm>
-          <a:prstGeom prst="ellipse">
-            <a:avLst/>
-          </a:prstGeom>
-        </p:spPr>
-        <p:style>
-          <a:lnRef idx="2">
-            <a:schemeClr val="accent1">
-              <a:hueOff val="0"/>
-              <a:satOff val="0"/>
-              <a:lumOff val="0"/>
-              <a:alphaOff val="0"/>
-            </a:schemeClr>
-          </a:lnRef>
-          <a:fillRef idx="1">
-            <a:schemeClr val="lt1">
-              <a:hueOff val="0"/>
-              <a:satOff val="0"/>
-              <a:lumOff val="0"/>
-              <a:alphaOff val="0"/>
-            </a:schemeClr>
-          </a:fillRef>
-          <a:effectRef idx="0">
-            <a:schemeClr val="lt1">
-              <a:hueOff val="0"/>
-              <a:satOff val="0"/>
-              <a:lumOff val="0"/>
-              <a:alphaOff val="0"/>
-            </a:schemeClr>
-          </a:effectRef>
-          <a:fontRef idx="minor">
-            <a:schemeClr val="dk1">
-              <a:hueOff val="0"/>
-              <a:satOff val="0"/>
-              <a:lumOff val="0"/>
-              <a:alphaOff val="0"/>
-            </a:schemeClr>
-          </a:fontRef>
-        </p:style>
-      </p:sp>
-      <p:sp>
-        <p:nvSpPr>
-          <p:cNvPr id="45" name="Chevron 44"/>
-          <p:cNvSpPr/>
-          <p:nvPr/>
-        </p:nvSpPr>
-        <p:spPr>
-          <a:xfrm>
-            <a:off x="2840798" y="3089205"/>
-            <a:ext cx="6123690" cy="497006"/>
+            <a:off x="3131840" y="2080696"/>
+            <a:ext cx="5760639" cy="563061"/>
           </a:xfrm>
           <a:prstGeom prst="chevron">
             <a:avLst/>
@@ -30990,17 +32178,17 @@
           <a:p>
             <a:r>
               <a:rPr lang="vi-VN" sz="1400" dirty="0"/>
-              <a:t>Lập lịch không hợp </a:t>
+              <a:t>Thực hiện đào tạo và hỗ trợ người sử dụng, cung cấp kiến thức về </a:t>
             </a:r>
             <a:r>
               <a:rPr lang="vi-VN" sz="1400" dirty="0" smtClean="0"/>
-              <a:t>lí</a:t>
+              <a:t>hệ </a:t>
             </a:r>
             <a:r>
-              <a:rPr lang="en-US" sz="1400" dirty="0" smtClean="0"/>
-              <a:t>,…</a:t>
+              <a:rPr lang="vi-VN" sz="1400" dirty="0"/>
+              <a:t>thống mới</a:t>
             </a:r>
-            <a:endParaRPr lang="en-US" sz="1400" dirty="0" smtClean="0">
+            <a:endParaRPr lang="en-US" sz="1100" dirty="0">
               <a:solidFill>
                 <a:schemeClr val="bg1"/>
               </a:solidFill>
@@ -31010,114 +32198,14 @@
       </p:sp>
       <p:sp>
         <p:nvSpPr>
-          <p:cNvPr id="46" name="Pentagon 45"/>
-          <p:cNvSpPr/>
-          <p:nvPr/>
-        </p:nvSpPr>
-        <p:spPr>
-          <a:xfrm>
-            <a:off x="845482" y="3818096"/>
-            <a:ext cx="2049037" cy="502455"/>
-          </a:xfrm>
-          <a:prstGeom prst="homePlate">
-            <a:avLst/>
-          </a:prstGeom>
-          <a:solidFill>
-            <a:srgbClr val="32AEB8"/>
-          </a:solidFill>
-          <a:ln>
-            <a:noFill/>
-          </a:ln>
-        </p:spPr>
-        <p:style>
-          <a:lnRef idx="2">
-            <a:schemeClr val="accent1">
-              <a:shade val="50000"/>
-            </a:schemeClr>
-          </a:lnRef>
-          <a:fillRef idx="1">
-            <a:schemeClr val="accent1"/>
-          </a:fillRef>
-          <a:effectRef idx="0">
-            <a:schemeClr val="accent1"/>
-          </a:effectRef>
-          <a:fontRef idx="minor">
-            <a:schemeClr val="lt1"/>
-          </a:fontRef>
-        </p:style>
-        <p:txBody>
-          <a:bodyPr rtlCol="0" anchor="ctr"/>
-          <a:lstStyle/>
-          <a:p>
-            <a:pPr algn="ctr"/>
-            <a:r>
-              <a:rPr lang="vi-VN" dirty="0"/>
-              <a:t>Cài đặt</a:t>
-            </a:r>
-            <a:endParaRPr lang="en-US" dirty="0"/>
-          </a:p>
-        </p:txBody>
-      </p:sp>
-      <p:sp>
-        <p:nvSpPr>
-          <p:cNvPr id="47" name="Oval 46"/>
-          <p:cNvSpPr/>
-          <p:nvPr/>
-        </p:nvSpPr>
-        <p:spPr>
-          <a:xfrm>
-            <a:off x="330383" y="3756315"/>
-            <a:ext cx="676405" cy="619634"/>
-          </a:xfrm>
-          <a:prstGeom prst="ellipse">
-            <a:avLst/>
-          </a:prstGeom>
-        </p:spPr>
-        <p:style>
-          <a:lnRef idx="2">
-            <a:schemeClr val="accent1">
-              <a:hueOff val="0"/>
-              <a:satOff val="0"/>
-              <a:lumOff val="0"/>
-              <a:alphaOff val="0"/>
-            </a:schemeClr>
-          </a:lnRef>
-          <a:fillRef idx="1">
-            <a:schemeClr val="lt1">
-              <a:hueOff val="0"/>
-              <a:satOff val="0"/>
-              <a:lumOff val="0"/>
-              <a:alphaOff val="0"/>
-            </a:schemeClr>
-          </a:fillRef>
-          <a:effectRef idx="0">
-            <a:schemeClr val="lt1">
-              <a:hueOff val="0"/>
-              <a:satOff val="0"/>
-              <a:lumOff val="0"/>
-              <a:alphaOff val="0"/>
-            </a:schemeClr>
-          </a:effectRef>
-          <a:fontRef idx="minor">
-            <a:schemeClr val="dk1">
-              <a:hueOff val="0"/>
-              <a:satOff val="0"/>
-              <a:lumOff val="0"/>
-              <a:alphaOff val="0"/>
-            </a:schemeClr>
-          </a:fontRef>
-        </p:style>
-      </p:sp>
-      <p:sp>
-        <p:nvSpPr>
           <p:cNvPr id="48" name="Chevron 47"/>
           <p:cNvSpPr/>
           <p:nvPr/>
         </p:nvSpPr>
         <p:spPr>
           <a:xfrm>
-            <a:off x="2840798" y="3818096"/>
-            <a:ext cx="6123690" cy="497006"/>
+            <a:off x="3131840" y="2947562"/>
+            <a:ext cx="5760639" cy="560292"/>
           </a:xfrm>
           <a:prstGeom prst="chevron">
             <a:avLst/>
@@ -31151,127 +32239,15 @@
           <a:p>
             <a:r>
               <a:rPr lang="vi-VN" sz="1400" dirty="0"/>
-              <a:t>Phần mềm không tương thích với hệ </a:t>
+              <a:t>Thực hiện tốt quá trình kiểm tra chất lượng sản </a:t>
             </a:r>
             <a:r>
               <a:rPr lang="vi-VN" sz="1400" dirty="0" smtClean="0"/>
-              <a:t>thống</a:t>
+              <a:t>phẩm, kiểm tra từng quá trình</a:t>
             </a:r>
-            <a:r>
-              <a:rPr lang="en-US" sz="1400" dirty="0" smtClean="0"/>
-              <a:t>, l</a:t>
-            </a:r>
-            <a:r>
-              <a:rPr lang="vi-VN" sz="1400" dirty="0" smtClean="0"/>
-              <a:t>ỗi code</a:t>
-            </a:r>
-            <a:r>
-              <a:rPr lang="en-US" sz="1400" dirty="0" smtClean="0"/>
-              <a:t>,…</a:t>
-            </a:r>
-            <a:endParaRPr lang="en-US" sz="1400" dirty="0"/>
+            <a:endParaRPr lang="en-US" sz="1100" dirty="0"/>
           </a:p>
         </p:txBody>
-      </p:sp>
-      <p:sp>
-        <p:nvSpPr>
-          <p:cNvPr id="49" name="Pentagon 48"/>
-          <p:cNvSpPr/>
-          <p:nvPr/>
-        </p:nvSpPr>
-        <p:spPr>
-          <a:xfrm>
-            <a:off x="470073" y="4517149"/>
-            <a:ext cx="2413742" cy="502455"/>
-          </a:xfrm>
-          <a:prstGeom prst="homePlate">
-            <a:avLst/>
-          </a:prstGeom>
-          <a:solidFill>
-            <a:srgbClr val="32AEB8"/>
-          </a:solidFill>
-          <a:ln>
-            <a:noFill/>
-          </a:ln>
-        </p:spPr>
-        <p:style>
-          <a:lnRef idx="2">
-            <a:schemeClr val="accent1">
-              <a:shade val="50000"/>
-            </a:schemeClr>
-          </a:lnRef>
-          <a:fillRef idx="1">
-            <a:schemeClr val="accent1"/>
-          </a:fillRef>
-          <a:effectRef idx="0">
-            <a:schemeClr val="accent1"/>
-          </a:effectRef>
-          <a:fontRef idx="minor">
-            <a:schemeClr val="lt1"/>
-          </a:fontRef>
-        </p:style>
-        <p:txBody>
-          <a:bodyPr rtlCol="0" anchor="ctr"/>
-          <a:lstStyle/>
-          <a:p>
-            <a:pPr algn="ctr"/>
-            <a:r>
-              <a:rPr lang="vi-VN" dirty="0"/>
-              <a:t>Nghiệp vụ</a:t>
-            </a:r>
-            <a:endParaRPr lang="en-US" dirty="0"/>
-          </a:p>
-        </p:txBody>
-      </p:sp>
-      <p:sp>
-        <p:nvSpPr>
-          <p:cNvPr id="50" name="Oval 49"/>
-          <p:cNvSpPr/>
-          <p:nvPr/>
-        </p:nvSpPr>
-        <p:spPr>
-          <a:xfrm>
-            <a:off x="0" y="4453407"/>
-            <a:ext cx="676405" cy="619634"/>
-          </a:xfrm>
-          <a:prstGeom prst="ellipse">
-            <a:avLst/>
-          </a:prstGeom>
-        </p:spPr>
-        <p:style>
-          <a:lnRef idx="2">
-            <a:schemeClr val="accent1">
-              <a:hueOff val="0"/>
-              <a:satOff val="0"/>
-              <a:lumOff val="0"/>
-              <a:alphaOff val="0"/>
-            </a:schemeClr>
-          </a:lnRef>
-          <a:fillRef idx="1">
-            <a:schemeClr val="lt1">
-              <a:hueOff val="0"/>
-              <a:satOff val="0"/>
-              <a:lumOff val="0"/>
-              <a:alphaOff val="0"/>
-            </a:schemeClr>
-          </a:fillRef>
-          <a:effectRef idx="0">
-            <a:schemeClr val="lt1">
-              <a:hueOff val="0"/>
-              <a:satOff val="0"/>
-              <a:lumOff val="0"/>
-              <a:alphaOff val="0"/>
-            </a:schemeClr>
-          </a:effectRef>
-          <a:fontRef idx="minor">
-            <a:schemeClr val="dk1">
-              <a:hueOff val="0"/>
-              <a:satOff val="0"/>
-              <a:lumOff val="0"/>
-              <a:alphaOff val="0"/>
-            </a:schemeClr>
-          </a:fontRef>
-        </p:style>
       </p:sp>
       <p:sp>
         <p:nvSpPr>
@@ -31281,8 +32257,8 @@
         </p:nvSpPr>
         <p:spPr>
           <a:xfrm>
-            <a:off x="2840798" y="4523016"/>
-            <a:ext cx="6123690" cy="497006"/>
+            <a:off x="3127623" y="3806136"/>
+            <a:ext cx="5764856" cy="497006"/>
           </a:xfrm>
           <a:prstGeom prst="chevron">
             <a:avLst/>
@@ -31315,144 +32291,18 @@
           <a:lstStyle/>
           <a:p>
             <a:r>
-              <a:rPr lang="en-US" sz="1400" dirty="0" err="1" smtClean="0"/>
-              <a:t>Phạm</a:t>
+              <a:rPr lang="vi-VN" sz="1400" dirty="0"/>
+              <a:t>Mọi thay đổi về phạm vi sẽ phải qua tiến trình phê duyệt </a:t>
             </a:r>
             <a:r>
-              <a:rPr lang="en-US" sz="1400" dirty="0" smtClean="0"/>
-              <a:t> vi </a:t>
+              <a:rPr lang="vi-VN" sz="1400" dirty="0" smtClean="0"/>
+              <a:t>và </a:t>
             </a:r>
             <a:r>
-              <a:rPr lang="en-US" sz="1400" dirty="0" err="1" smtClean="0"/>
-              <a:t>yêu</a:t>
+              <a:rPr lang="vi-VN" sz="1400" dirty="0"/>
+              <a:t>phải đảm bảo phù hợp với kinh phí được phê duyệt trước đó</a:t>
             </a:r>
-            <a:r>
-              <a:rPr lang="en-US" sz="1400" dirty="0" smtClean="0"/>
-              <a:t> </a:t>
-            </a:r>
-            <a:r>
-              <a:rPr lang="en-US" sz="1400" dirty="0" err="1" smtClean="0"/>
-              <a:t>cầu</a:t>
-            </a:r>
-            <a:r>
-              <a:rPr lang="en-US" sz="1400" dirty="0" smtClean="0"/>
-              <a:t> </a:t>
-            </a:r>
-            <a:r>
-              <a:rPr lang="en-US" sz="1400" dirty="0" err="1" smtClean="0"/>
-              <a:t>tăng</a:t>
-            </a:r>
-            <a:r>
-              <a:rPr lang="en-US" sz="1400" dirty="0" smtClean="0"/>
-              <a:t> </a:t>
-            </a:r>
-            <a:r>
-              <a:rPr lang="en-US" sz="1400" dirty="0" err="1" smtClean="0"/>
-              <a:t>dẫn</a:t>
-            </a:r>
-            <a:r>
-              <a:rPr lang="en-US" sz="1400" dirty="0" smtClean="0"/>
-              <a:t> </a:t>
-            </a:r>
-            <a:r>
-              <a:rPr lang="en-US" sz="1400" dirty="0" err="1" smtClean="0"/>
-              <a:t>đến</a:t>
-            </a:r>
-            <a:r>
-              <a:rPr lang="en-US" sz="1400" dirty="0" smtClean="0"/>
-              <a:t> </a:t>
-            </a:r>
-            <a:r>
-              <a:rPr lang="en-US" sz="1400" dirty="0" err="1" smtClean="0"/>
-              <a:t>thiếu</a:t>
-            </a:r>
-            <a:r>
-              <a:rPr lang="en-US" sz="1400" dirty="0" smtClean="0"/>
-              <a:t> </a:t>
-            </a:r>
-            <a:r>
-              <a:rPr lang="en-US" sz="1400" dirty="0" err="1" smtClean="0"/>
-              <a:t>kinh</a:t>
-            </a:r>
-            <a:r>
-              <a:rPr lang="en-US" sz="1400" dirty="0" smtClean="0"/>
-              <a:t> </a:t>
-            </a:r>
-            <a:r>
-              <a:rPr lang="en-US" sz="1400" dirty="0" err="1" smtClean="0"/>
-              <a:t>phí</a:t>
-            </a:r>
-            <a:r>
-              <a:rPr lang="en-US" sz="1400" dirty="0" smtClean="0"/>
-              <a:t>, </a:t>
-            </a:r>
-            <a:r>
-              <a:rPr lang="en-US" sz="1400" dirty="0" err="1" smtClean="0"/>
-              <a:t>không</a:t>
-            </a:r>
-            <a:r>
-              <a:rPr lang="en-US" sz="1400" dirty="0" smtClean="0"/>
-              <a:t> </a:t>
-            </a:r>
-            <a:r>
-              <a:rPr lang="en-US" sz="1400" dirty="0" err="1" smtClean="0"/>
-              <a:t>đáp</a:t>
-            </a:r>
-            <a:r>
-              <a:rPr lang="en-US" sz="1400" dirty="0" smtClean="0"/>
-              <a:t> </a:t>
-            </a:r>
-            <a:r>
-              <a:rPr lang="en-US" sz="1400" dirty="0" err="1" smtClean="0"/>
-              <a:t>ứng</a:t>
-            </a:r>
-            <a:r>
-              <a:rPr lang="en-US" sz="1400" dirty="0" smtClean="0"/>
-              <a:t> </a:t>
-            </a:r>
-            <a:r>
-              <a:rPr lang="en-US" sz="1400" dirty="0" err="1" smtClean="0"/>
-              <a:t>được</a:t>
-            </a:r>
-            <a:r>
-              <a:rPr lang="en-US" sz="1400" dirty="0" smtClean="0"/>
-              <a:t> </a:t>
-            </a:r>
-          </a:p>
-          <a:p>
-            <a:r>
-              <a:rPr lang="en-US" sz="1400" dirty="0" err="1" smtClean="0"/>
-              <a:t>nhu</a:t>
-            </a:r>
-            <a:r>
-              <a:rPr lang="en-US" sz="1400" dirty="0" smtClean="0"/>
-              <a:t> </a:t>
-            </a:r>
-            <a:r>
-              <a:rPr lang="en-US" sz="1400" dirty="0" err="1" smtClean="0"/>
-              <a:t>cầu</a:t>
-            </a:r>
-            <a:r>
-              <a:rPr lang="en-US" sz="1400" dirty="0"/>
-              <a:t> </a:t>
-            </a:r>
-            <a:r>
-              <a:rPr lang="en-US" sz="1400" dirty="0" err="1" smtClean="0"/>
-              <a:t>sử</a:t>
-            </a:r>
-            <a:r>
-              <a:rPr lang="en-US" sz="1400" dirty="0" smtClean="0"/>
-              <a:t> </a:t>
-            </a:r>
-            <a:r>
-              <a:rPr lang="en-US" sz="1400" dirty="0" err="1" smtClean="0"/>
-              <a:t>dụng</a:t>
-            </a:r>
-            <a:r>
-              <a:rPr lang="en-US" sz="1400" dirty="0" smtClean="0"/>
-              <a:t>,…</a:t>
-            </a:r>
-            <a:endParaRPr lang="en-US" sz="1400" dirty="0" smtClean="0">
+            <a:endParaRPr lang="en-US" sz="1100" dirty="0" smtClean="0">
               <a:solidFill>
                 <a:schemeClr val="bg1"/>
               </a:solidFill>
@@ -31460,10 +32310,805 @@
           </a:p>
         </p:txBody>
       </p:sp>
+      <p:grpSp>
+        <p:nvGrpSpPr>
+          <p:cNvPr id="15" name="Group 14"/>
+          <p:cNvGrpSpPr/>
+          <p:nvPr/>
+        </p:nvGrpSpPr>
+        <p:grpSpPr>
+          <a:xfrm>
+            <a:off x="-4015271" y="277264"/>
+            <a:ext cx="7097635" cy="4986800"/>
+            <a:chOff x="-4015271" y="277264"/>
+            <a:chExt cx="7097635" cy="4986800"/>
+          </a:xfrm>
+        </p:grpSpPr>
+        <p:sp>
+          <p:nvSpPr>
+            <p:cNvPr id="3" name="Block Arc 2"/>
+            <p:cNvSpPr/>
+            <p:nvPr/>
+          </p:nvSpPr>
+          <p:spPr>
+            <a:xfrm>
+              <a:off x="-4015271" y="277264"/>
+              <a:ext cx="4986800" cy="4986800"/>
+            </a:xfrm>
+            <a:prstGeom prst="blockArc">
+              <a:avLst>
+                <a:gd name="adj1" fmla="val 18900000"/>
+                <a:gd name="adj2" fmla="val 2700000"/>
+                <a:gd name="adj3" fmla="val 433"/>
+              </a:avLst>
+            </a:prstGeom>
+          </p:spPr>
+          <p:style>
+            <a:lnRef idx="2">
+              <a:schemeClr val="accent1">
+                <a:shade val="60000"/>
+                <a:hueOff val="0"/>
+                <a:satOff val="0"/>
+                <a:lumOff val="0"/>
+                <a:alphaOff val="0"/>
+              </a:schemeClr>
+            </a:lnRef>
+            <a:fillRef idx="0">
+              <a:schemeClr val="accent1">
+                <a:hueOff val="0"/>
+                <a:satOff val="0"/>
+                <a:lumOff val="0"/>
+                <a:alphaOff val="0"/>
+              </a:schemeClr>
+            </a:fillRef>
+            <a:effectRef idx="0">
+              <a:schemeClr val="accent1">
+                <a:hueOff val="0"/>
+                <a:satOff val="0"/>
+                <a:lumOff val="0"/>
+                <a:alphaOff val="0"/>
+              </a:schemeClr>
+            </a:effectRef>
+            <a:fontRef idx="minor">
+              <a:schemeClr val="tx1">
+                <a:hueOff val="0"/>
+                <a:satOff val="0"/>
+                <a:lumOff val="0"/>
+                <a:alphaOff val="0"/>
+              </a:schemeClr>
+            </a:fontRef>
+          </p:style>
+        </p:sp>
+        <p:sp>
+          <p:nvSpPr>
+            <p:cNvPr id="6" name="Freeform 5"/>
+            <p:cNvSpPr/>
+            <p:nvPr/>
+          </p:nvSpPr>
+          <p:spPr>
+            <a:xfrm>
+              <a:off x="589921" y="1204112"/>
+              <a:ext cx="2492443" cy="569574"/>
+            </a:xfrm>
+            <a:custGeom>
+              <a:avLst/>
+              <a:gdLst>
+                <a:gd name="connsiteX0" fmla="*/ 0 w 2492443"/>
+                <a:gd name="connsiteY0" fmla="*/ 0 h 569574"/>
+                <a:gd name="connsiteX1" fmla="*/ 2492443 w 2492443"/>
+                <a:gd name="connsiteY1" fmla="*/ 0 h 569574"/>
+                <a:gd name="connsiteX2" fmla="*/ 2492443 w 2492443"/>
+                <a:gd name="connsiteY2" fmla="*/ 569574 h 569574"/>
+                <a:gd name="connsiteX3" fmla="*/ 0 w 2492443"/>
+                <a:gd name="connsiteY3" fmla="*/ 569574 h 569574"/>
+                <a:gd name="connsiteX4" fmla="*/ 0 w 2492443"/>
+                <a:gd name="connsiteY4" fmla="*/ 0 h 569574"/>
+              </a:gdLst>
+              <a:ahLst/>
+              <a:cxnLst>
+                <a:cxn ang="0">
+                  <a:pos x="connsiteX0" y="connsiteY0"/>
+                </a:cxn>
+                <a:cxn ang="0">
+                  <a:pos x="connsiteX1" y="connsiteY1"/>
+                </a:cxn>
+                <a:cxn ang="0">
+                  <a:pos x="connsiteX2" y="connsiteY2"/>
+                </a:cxn>
+                <a:cxn ang="0">
+                  <a:pos x="connsiteX3" y="connsiteY3"/>
+                </a:cxn>
+                <a:cxn ang="0">
+                  <a:pos x="connsiteX4" y="connsiteY4"/>
+                </a:cxn>
+              </a:cxnLst>
+              <a:rect l="l" t="t" r="r" b="b"/>
+              <a:pathLst>
+                <a:path w="2492443" h="569574">
+                  <a:moveTo>
+                    <a:pt x="0" y="0"/>
+                  </a:moveTo>
+                  <a:lnTo>
+                    <a:pt x="2492443" y="0"/>
+                  </a:lnTo>
+                  <a:lnTo>
+                    <a:pt x="2492443" y="569574"/>
+                  </a:lnTo>
+                  <a:lnTo>
+                    <a:pt x="0" y="569574"/>
+                  </a:lnTo>
+                  <a:lnTo>
+                    <a:pt x="0" y="0"/>
+                  </a:lnTo>
+                  <a:close/>
+                </a:path>
+              </a:pathLst>
+            </a:custGeom>
+          </p:spPr>
+          <p:style>
+            <a:lnRef idx="2">
+              <a:schemeClr val="lt1">
+                <a:hueOff val="0"/>
+                <a:satOff val="0"/>
+                <a:lumOff val="0"/>
+                <a:alphaOff val="0"/>
+              </a:schemeClr>
+            </a:lnRef>
+            <a:fillRef idx="1">
+              <a:schemeClr val="accent1">
+                <a:hueOff val="0"/>
+                <a:satOff val="0"/>
+                <a:lumOff val="0"/>
+                <a:alphaOff val="0"/>
+              </a:schemeClr>
+            </a:fillRef>
+            <a:effectRef idx="0">
+              <a:schemeClr val="accent1">
+                <a:hueOff val="0"/>
+                <a:satOff val="0"/>
+                <a:lumOff val="0"/>
+                <a:alphaOff val="0"/>
+              </a:schemeClr>
+            </a:effectRef>
+            <a:fontRef idx="minor">
+              <a:schemeClr val="lt1"/>
+            </a:fontRef>
+          </p:style>
+          <p:txBody>
+            <a:bodyPr spcFirstLastPara="0" vert="horz" wrap="square" lIns="452100" tIns="68580" rIns="68580" bIns="68580" numCol="1" spcCol="1270" anchor="ctr" anchorCtr="0">
+              <a:noAutofit/>
+            </a:bodyPr>
+            <a:lstStyle/>
+            <a:p>
+              <a:pPr lvl="0" algn="l" defTabSz="1200150">
+                <a:lnSpc>
+                  <a:spcPct val="90000"/>
+                </a:lnSpc>
+                <a:spcBef>
+                  <a:spcPct val="0"/>
+                </a:spcBef>
+                <a:spcAft>
+                  <a:spcPct val="35000"/>
+                </a:spcAft>
+              </a:pPr>
+              <a:r>
+                <a:rPr lang="vi-VN" sz="2700" kern="1200" dirty="0" smtClean="0"/>
+                <a:t>Công nghệ</a:t>
+              </a:r>
+              <a:endParaRPr lang="en-US" sz="2700" kern="1200" dirty="0"/>
+            </a:p>
+          </p:txBody>
+        </p:sp>
+        <p:sp>
+          <p:nvSpPr>
+            <p:cNvPr id="8" name="Oval 7"/>
+            <p:cNvSpPr/>
+            <p:nvPr/>
+          </p:nvSpPr>
+          <p:spPr>
+            <a:xfrm>
+              <a:off x="233937" y="1132915"/>
+              <a:ext cx="711967" cy="711967"/>
+            </a:xfrm>
+            <a:prstGeom prst="ellipse">
+              <a:avLst/>
+            </a:prstGeom>
+          </p:spPr>
+          <p:style>
+            <a:lnRef idx="2">
+              <a:schemeClr val="accent1">
+                <a:hueOff val="0"/>
+                <a:satOff val="0"/>
+                <a:lumOff val="0"/>
+                <a:alphaOff val="0"/>
+              </a:schemeClr>
+            </a:lnRef>
+            <a:fillRef idx="1">
+              <a:schemeClr val="lt1">
+                <a:hueOff val="0"/>
+                <a:satOff val="0"/>
+                <a:lumOff val="0"/>
+                <a:alphaOff val="0"/>
+              </a:schemeClr>
+            </a:fillRef>
+            <a:effectRef idx="0">
+              <a:schemeClr val="lt1">
+                <a:hueOff val="0"/>
+                <a:satOff val="0"/>
+                <a:lumOff val="0"/>
+                <a:alphaOff val="0"/>
+              </a:schemeClr>
+            </a:effectRef>
+            <a:fontRef idx="minor">
+              <a:schemeClr val="dk1">
+                <a:hueOff val="0"/>
+                <a:satOff val="0"/>
+                <a:lumOff val="0"/>
+                <a:alphaOff val="0"/>
+              </a:schemeClr>
+            </a:fontRef>
+          </p:style>
+        </p:sp>
+      </p:grpSp>
+      <p:grpSp>
+        <p:nvGrpSpPr>
+          <p:cNvPr id="16" name="Group 15"/>
+          <p:cNvGrpSpPr/>
+          <p:nvPr/>
+        </p:nvGrpSpPr>
+        <p:grpSpPr>
+          <a:xfrm>
+            <a:off x="560487" y="1987425"/>
+            <a:ext cx="2521877" cy="711967"/>
+            <a:chOff x="560487" y="1987425"/>
+            <a:chExt cx="2521877" cy="711967"/>
+          </a:xfrm>
+        </p:grpSpPr>
+        <p:sp>
+          <p:nvSpPr>
+            <p:cNvPr id="9" name="Freeform 8"/>
+            <p:cNvSpPr/>
+            <p:nvPr/>
+          </p:nvSpPr>
+          <p:spPr>
+            <a:xfrm>
+              <a:off x="916471" y="2058622"/>
+              <a:ext cx="2165893" cy="569574"/>
+            </a:xfrm>
+            <a:custGeom>
+              <a:avLst/>
+              <a:gdLst>
+                <a:gd name="connsiteX0" fmla="*/ 0 w 2165893"/>
+                <a:gd name="connsiteY0" fmla="*/ 0 h 569574"/>
+                <a:gd name="connsiteX1" fmla="*/ 2165893 w 2165893"/>
+                <a:gd name="connsiteY1" fmla="*/ 0 h 569574"/>
+                <a:gd name="connsiteX2" fmla="*/ 2165893 w 2165893"/>
+                <a:gd name="connsiteY2" fmla="*/ 569574 h 569574"/>
+                <a:gd name="connsiteX3" fmla="*/ 0 w 2165893"/>
+                <a:gd name="connsiteY3" fmla="*/ 569574 h 569574"/>
+                <a:gd name="connsiteX4" fmla="*/ 0 w 2165893"/>
+                <a:gd name="connsiteY4" fmla="*/ 0 h 569574"/>
+              </a:gdLst>
+              <a:ahLst/>
+              <a:cxnLst>
+                <a:cxn ang="0">
+                  <a:pos x="connsiteX0" y="connsiteY0"/>
+                </a:cxn>
+                <a:cxn ang="0">
+                  <a:pos x="connsiteX1" y="connsiteY1"/>
+                </a:cxn>
+                <a:cxn ang="0">
+                  <a:pos x="connsiteX2" y="connsiteY2"/>
+                </a:cxn>
+                <a:cxn ang="0">
+                  <a:pos x="connsiteX3" y="connsiteY3"/>
+                </a:cxn>
+                <a:cxn ang="0">
+                  <a:pos x="connsiteX4" y="connsiteY4"/>
+                </a:cxn>
+              </a:cxnLst>
+              <a:rect l="l" t="t" r="r" b="b"/>
+              <a:pathLst>
+                <a:path w="2165893" h="569574">
+                  <a:moveTo>
+                    <a:pt x="0" y="0"/>
+                  </a:moveTo>
+                  <a:lnTo>
+                    <a:pt x="2165893" y="0"/>
+                  </a:lnTo>
+                  <a:lnTo>
+                    <a:pt x="2165893" y="569574"/>
+                  </a:lnTo>
+                  <a:lnTo>
+                    <a:pt x="0" y="569574"/>
+                  </a:lnTo>
+                  <a:lnTo>
+                    <a:pt x="0" y="0"/>
+                  </a:lnTo>
+                  <a:close/>
+                </a:path>
+              </a:pathLst>
+            </a:custGeom>
+          </p:spPr>
+          <p:style>
+            <a:lnRef idx="2">
+              <a:schemeClr val="lt1">
+                <a:hueOff val="0"/>
+                <a:satOff val="0"/>
+                <a:lumOff val="0"/>
+                <a:alphaOff val="0"/>
+              </a:schemeClr>
+            </a:lnRef>
+            <a:fillRef idx="1">
+              <a:schemeClr val="accent1">
+                <a:hueOff val="0"/>
+                <a:satOff val="0"/>
+                <a:lumOff val="0"/>
+                <a:alphaOff val="0"/>
+              </a:schemeClr>
+            </a:fillRef>
+            <a:effectRef idx="0">
+              <a:schemeClr val="accent1">
+                <a:hueOff val="0"/>
+                <a:satOff val="0"/>
+                <a:lumOff val="0"/>
+                <a:alphaOff val="0"/>
+              </a:schemeClr>
+            </a:effectRef>
+            <a:fontRef idx="minor">
+              <a:schemeClr val="lt1"/>
+            </a:fontRef>
+          </p:style>
+          <p:txBody>
+            <a:bodyPr spcFirstLastPara="0" vert="horz" wrap="square" lIns="452100" tIns="68580" rIns="68580" bIns="68580" numCol="1" spcCol="1270" anchor="ctr" anchorCtr="0">
+              <a:noAutofit/>
+            </a:bodyPr>
+            <a:lstStyle/>
+            <a:p>
+              <a:pPr lvl="0" algn="l" defTabSz="1200150">
+                <a:lnSpc>
+                  <a:spcPct val="90000"/>
+                </a:lnSpc>
+                <a:spcBef>
+                  <a:spcPct val="0"/>
+                </a:spcBef>
+                <a:spcAft>
+                  <a:spcPct val="35000"/>
+                </a:spcAft>
+              </a:pPr>
+              <a:r>
+                <a:rPr lang="vi-VN" sz="2700" kern="1200" dirty="0" smtClean="0"/>
+                <a:t>Con người</a:t>
+              </a:r>
+              <a:endParaRPr lang="en-US" sz="2700" kern="1200" dirty="0"/>
+            </a:p>
+          </p:txBody>
+        </p:sp>
+        <p:sp>
+          <p:nvSpPr>
+            <p:cNvPr id="10" name="Oval 9"/>
+            <p:cNvSpPr/>
+            <p:nvPr/>
+          </p:nvSpPr>
+          <p:spPr>
+            <a:xfrm>
+              <a:off x="560487" y="1987425"/>
+              <a:ext cx="711967" cy="711967"/>
+            </a:xfrm>
+            <a:prstGeom prst="ellipse">
+              <a:avLst/>
+            </a:prstGeom>
+          </p:spPr>
+          <p:style>
+            <a:lnRef idx="2">
+              <a:schemeClr val="accent1">
+                <a:hueOff val="0"/>
+                <a:satOff val="0"/>
+                <a:lumOff val="0"/>
+                <a:alphaOff val="0"/>
+              </a:schemeClr>
+            </a:lnRef>
+            <a:fillRef idx="1">
+              <a:schemeClr val="lt1">
+                <a:hueOff val="0"/>
+                <a:satOff val="0"/>
+                <a:lumOff val="0"/>
+                <a:alphaOff val="0"/>
+              </a:schemeClr>
+            </a:fillRef>
+            <a:effectRef idx="0">
+              <a:schemeClr val="lt1">
+                <a:hueOff val="0"/>
+                <a:satOff val="0"/>
+                <a:lumOff val="0"/>
+                <a:alphaOff val="0"/>
+              </a:schemeClr>
+            </a:effectRef>
+            <a:fontRef idx="minor">
+              <a:schemeClr val="dk1">
+                <a:hueOff val="0"/>
+                <a:satOff val="0"/>
+                <a:lumOff val="0"/>
+                <a:alphaOff val="0"/>
+              </a:schemeClr>
+            </a:fontRef>
+          </p:style>
+        </p:sp>
+      </p:grpSp>
+      <p:grpSp>
+        <p:nvGrpSpPr>
+          <p:cNvPr id="17" name="Group 16"/>
+          <p:cNvGrpSpPr/>
+          <p:nvPr/>
+        </p:nvGrpSpPr>
+        <p:grpSpPr>
+          <a:xfrm>
+            <a:off x="560487" y="2841934"/>
+            <a:ext cx="2521877" cy="711967"/>
+            <a:chOff x="560487" y="2841934"/>
+            <a:chExt cx="2521877" cy="711967"/>
+          </a:xfrm>
+        </p:grpSpPr>
+        <p:sp>
+          <p:nvSpPr>
+            <p:cNvPr id="11" name="Freeform 10"/>
+            <p:cNvSpPr/>
+            <p:nvPr/>
+          </p:nvSpPr>
+          <p:spPr>
+            <a:xfrm>
+              <a:off x="916471" y="2913131"/>
+              <a:ext cx="2165893" cy="569574"/>
+            </a:xfrm>
+            <a:custGeom>
+              <a:avLst/>
+              <a:gdLst>
+                <a:gd name="connsiteX0" fmla="*/ 0 w 2165893"/>
+                <a:gd name="connsiteY0" fmla="*/ 0 h 569574"/>
+                <a:gd name="connsiteX1" fmla="*/ 2165893 w 2165893"/>
+                <a:gd name="connsiteY1" fmla="*/ 0 h 569574"/>
+                <a:gd name="connsiteX2" fmla="*/ 2165893 w 2165893"/>
+                <a:gd name="connsiteY2" fmla="*/ 569574 h 569574"/>
+                <a:gd name="connsiteX3" fmla="*/ 0 w 2165893"/>
+                <a:gd name="connsiteY3" fmla="*/ 569574 h 569574"/>
+                <a:gd name="connsiteX4" fmla="*/ 0 w 2165893"/>
+                <a:gd name="connsiteY4" fmla="*/ 0 h 569574"/>
+              </a:gdLst>
+              <a:ahLst/>
+              <a:cxnLst>
+                <a:cxn ang="0">
+                  <a:pos x="connsiteX0" y="connsiteY0"/>
+                </a:cxn>
+                <a:cxn ang="0">
+                  <a:pos x="connsiteX1" y="connsiteY1"/>
+                </a:cxn>
+                <a:cxn ang="0">
+                  <a:pos x="connsiteX2" y="connsiteY2"/>
+                </a:cxn>
+                <a:cxn ang="0">
+                  <a:pos x="connsiteX3" y="connsiteY3"/>
+                </a:cxn>
+                <a:cxn ang="0">
+                  <a:pos x="connsiteX4" y="connsiteY4"/>
+                </a:cxn>
+              </a:cxnLst>
+              <a:rect l="l" t="t" r="r" b="b"/>
+              <a:pathLst>
+                <a:path w="2165893" h="569574">
+                  <a:moveTo>
+                    <a:pt x="0" y="0"/>
+                  </a:moveTo>
+                  <a:lnTo>
+                    <a:pt x="2165893" y="0"/>
+                  </a:lnTo>
+                  <a:lnTo>
+                    <a:pt x="2165893" y="569574"/>
+                  </a:lnTo>
+                  <a:lnTo>
+                    <a:pt x="0" y="569574"/>
+                  </a:lnTo>
+                  <a:lnTo>
+                    <a:pt x="0" y="0"/>
+                  </a:lnTo>
+                  <a:close/>
+                </a:path>
+              </a:pathLst>
+            </a:custGeom>
+          </p:spPr>
+          <p:style>
+            <a:lnRef idx="2">
+              <a:schemeClr val="lt1">
+                <a:hueOff val="0"/>
+                <a:satOff val="0"/>
+                <a:lumOff val="0"/>
+                <a:alphaOff val="0"/>
+              </a:schemeClr>
+            </a:lnRef>
+            <a:fillRef idx="1">
+              <a:schemeClr val="accent1">
+                <a:hueOff val="0"/>
+                <a:satOff val="0"/>
+                <a:lumOff val="0"/>
+                <a:alphaOff val="0"/>
+              </a:schemeClr>
+            </a:fillRef>
+            <a:effectRef idx="0">
+              <a:schemeClr val="accent1">
+                <a:hueOff val="0"/>
+                <a:satOff val="0"/>
+                <a:lumOff val="0"/>
+                <a:alphaOff val="0"/>
+              </a:schemeClr>
+            </a:effectRef>
+            <a:fontRef idx="minor">
+              <a:schemeClr val="lt1"/>
+            </a:fontRef>
+          </p:style>
+          <p:txBody>
+            <a:bodyPr spcFirstLastPara="0" vert="horz" wrap="square" lIns="452100" tIns="68580" rIns="68580" bIns="68580" numCol="1" spcCol="1270" anchor="ctr" anchorCtr="0">
+              <a:noAutofit/>
+            </a:bodyPr>
+            <a:lstStyle/>
+            <a:p>
+              <a:pPr lvl="0" algn="l" defTabSz="1200150">
+                <a:lnSpc>
+                  <a:spcPct val="90000"/>
+                </a:lnSpc>
+                <a:spcBef>
+                  <a:spcPct val="0"/>
+                </a:spcBef>
+                <a:spcAft>
+                  <a:spcPct val="35000"/>
+                </a:spcAft>
+              </a:pPr>
+              <a:r>
+                <a:rPr lang="vi-VN" sz="2700" kern="1200" dirty="0" smtClean="0"/>
+                <a:t>Cài đặt</a:t>
+              </a:r>
+              <a:endParaRPr lang="en-US" sz="2700" kern="1200" dirty="0"/>
+            </a:p>
+          </p:txBody>
+        </p:sp>
+        <p:sp>
+          <p:nvSpPr>
+            <p:cNvPr id="12" name="Oval 11"/>
+            <p:cNvSpPr/>
+            <p:nvPr/>
+          </p:nvSpPr>
+          <p:spPr>
+            <a:xfrm>
+              <a:off x="560487" y="2841934"/>
+              <a:ext cx="711967" cy="711967"/>
+            </a:xfrm>
+            <a:prstGeom prst="ellipse">
+              <a:avLst/>
+            </a:prstGeom>
+          </p:spPr>
+          <p:style>
+            <a:lnRef idx="2">
+              <a:schemeClr val="accent1">
+                <a:hueOff val="0"/>
+                <a:satOff val="0"/>
+                <a:lumOff val="0"/>
+                <a:alphaOff val="0"/>
+              </a:schemeClr>
+            </a:lnRef>
+            <a:fillRef idx="1">
+              <a:schemeClr val="lt1">
+                <a:hueOff val="0"/>
+                <a:satOff val="0"/>
+                <a:lumOff val="0"/>
+                <a:alphaOff val="0"/>
+              </a:schemeClr>
+            </a:fillRef>
+            <a:effectRef idx="0">
+              <a:schemeClr val="lt1">
+                <a:hueOff val="0"/>
+                <a:satOff val="0"/>
+                <a:lumOff val="0"/>
+                <a:alphaOff val="0"/>
+              </a:schemeClr>
+            </a:effectRef>
+            <a:fontRef idx="minor">
+              <a:schemeClr val="dk1">
+                <a:hueOff val="0"/>
+                <a:satOff val="0"/>
+                <a:lumOff val="0"/>
+                <a:alphaOff val="0"/>
+              </a:schemeClr>
+            </a:fontRef>
+          </p:style>
+        </p:sp>
+      </p:grpSp>
+      <p:grpSp>
+        <p:nvGrpSpPr>
+          <p:cNvPr id="18" name="Group 17"/>
+          <p:cNvGrpSpPr/>
+          <p:nvPr/>
+        </p:nvGrpSpPr>
+        <p:grpSpPr>
+          <a:xfrm>
+            <a:off x="233937" y="3696444"/>
+            <a:ext cx="2848427" cy="711967"/>
+            <a:chOff x="233937" y="3696444"/>
+            <a:chExt cx="2848427" cy="711967"/>
+          </a:xfrm>
+        </p:grpSpPr>
+        <p:sp>
+          <p:nvSpPr>
+            <p:cNvPr id="13" name="Freeform 12"/>
+            <p:cNvSpPr/>
+            <p:nvPr/>
+          </p:nvSpPr>
+          <p:spPr>
+            <a:xfrm>
+              <a:off x="589921" y="3767641"/>
+              <a:ext cx="2492443" cy="569574"/>
+            </a:xfrm>
+            <a:custGeom>
+              <a:avLst/>
+              <a:gdLst>
+                <a:gd name="connsiteX0" fmla="*/ 0 w 2492443"/>
+                <a:gd name="connsiteY0" fmla="*/ 0 h 569574"/>
+                <a:gd name="connsiteX1" fmla="*/ 2492443 w 2492443"/>
+                <a:gd name="connsiteY1" fmla="*/ 0 h 569574"/>
+                <a:gd name="connsiteX2" fmla="*/ 2492443 w 2492443"/>
+                <a:gd name="connsiteY2" fmla="*/ 569574 h 569574"/>
+                <a:gd name="connsiteX3" fmla="*/ 0 w 2492443"/>
+                <a:gd name="connsiteY3" fmla="*/ 569574 h 569574"/>
+                <a:gd name="connsiteX4" fmla="*/ 0 w 2492443"/>
+                <a:gd name="connsiteY4" fmla="*/ 0 h 569574"/>
+              </a:gdLst>
+              <a:ahLst/>
+              <a:cxnLst>
+                <a:cxn ang="0">
+                  <a:pos x="connsiteX0" y="connsiteY0"/>
+                </a:cxn>
+                <a:cxn ang="0">
+                  <a:pos x="connsiteX1" y="connsiteY1"/>
+                </a:cxn>
+                <a:cxn ang="0">
+                  <a:pos x="connsiteX2" y="connsiteY2"/>
+                </a:cxn>
+                <a:cxn ang="0">
+                  <a:pos x="connsiteX3" y="connsiteY3"/>
+                </a:cxn>
+                <a:cxn ang="0">
+                  <a:pos x="connsiteX4" y="connsiteY4"/>
+                </a:cxn>
+              </a:cxnLst>
+              <a:rect l="l" t="t" r="r" b="b"/>
+              <a:pathLst>
+                <a:path w="2492443" h="569574">
+                  <a:moveTo>
+                    <a:pt x="0" y="0"/>
+                  </a:moveTo>
+                  <a:lnTo>
+                    <a:pt x="2492443" y="0"/>
+                  </a:lnTo>
+                  <a:lnTo>
+                    <a:pt x="2492443" y="569574"/>
+                  </a:lnTo>
+                  <a:lnTo>
+                    <a:pt x="0" y="569574"/>
+                  </a:lnTo>
+                  <a:lnTo>
+                    <a:pt x="0" y="0"/>
+                  </a:lnTo>
+                  <a:close/>
+                </a:path>
+              </a:pathLst>
+            </a:custGeom>
+          </p:spPr>
+          <p:style>
+            <a:lnRef idx="2">
+              <a:schemeClr val="lt1">
+                <a:hueOff val="0"/>
+                <a:satOff val="0"/>
+                <a:lumOff val="0"/>
+                <a:alphaOff val="0"/>
+              </a:schemeClr>
+            </a:lnRef>
+            <a:fillRef idx="1">
+              <a:schemeClr val="accent1">
+                <a:hueOff val="0"/>
+                <a:satOff val="0"/>
+                <a:lumOff val="0"/>
+                <a:alphaOff val="0"/>
+              </a:schemeClr>
+            </a:fillRef>
+            <a:effectRef idx="0">
+              <a:schemeClr val="accent1">
+                <a:hueOff val="0"/>
+                <a:satOff val="0"/>
+                <a:lumOff val="0"/>
+                <a:alphaOff val="0"/>
+              </a:schemeClr>
+            </a:effectRef>
+            <a:fontRef idx="minor">
+              <a:schemeClr val="lt1"/>
+            </a:fontRef>
+          </p:style>
+          <p:txBody>
+            <a:bodyPr spcFirstLastPara="0" vert="horz" wrap="square" lIns="452100" tIns="68580" rIns="68580" bIns="68580" numCol="1" spcCol="1270" anchor="ctr" anchorCtr="0">
+              <a:noAutofit/>
+            </a:bodyPr>
+            <a:lstStyle/>
+            <a:p>
+              <a:pPr lvl="0" algn="l" defTabSz="1200150">
+                <a:lnSpc>
+                  <a:spcPct val="90000"/>
+                </a:lnSpc>
+                <a:spcBef>
+                  <a:spcPct val="0"/>
+                </a:spcBef>
+                <a:spcAft>
+                  <a:spcPct val="35000"/>
+                </a:spcAft>
+              </a:pPr>
+              <a:r>
+                <a:rPr lang="vi-VN" sz="2700" kern="1200" dirty="0" smtClean="0"/>
+                <a:t>Nghiệp vụ</a:t>
+              </a:r>
+              <a:endParaRPr lang="en-US" sz="2700" kern="1200" dirty="0"/>
+            </a:p>
+          </p:txBody>
+        </p:sp>
+        <p:sp>
+          <p:nvSpPr>
+            <p:cNvPr id="14" name="Oval 13"/>
+            <p:cNvSpPr/>
+            <p:nvPr/>
+          </p:nvSpPr>
+          <p:spPr>
+            <a:xfrm>
+              <a:off x="233937" y="3696444"/>
+              <a:ext cx="711967" cy="711967"/>
+            </a:xfrm>
+            <a:prstGeom prst="ellipse">
+              <a:avLst/>
+            </a:prstGeom>
+          </p:spPr>
+          <p:style>
+            <a:lnRef idx="2">
+              <a:schemeClr val="accent1">
+                <a:hueOff val="0"/>
+                <a:satOff val="0"/>
+                <a:lumOff val="0"/>
+                <a:alphaOff val="0"/>
+              </a:schemeClr>
+            </a:lnRef>
+            <a:fillRef idx="1">
+              <a:schemeClr val="lt1">
+                <a:hueOff val="0"/>
+                <a:satOff val="0"/>
+                <a:lumOff val="0"/>
+                <a:alphaOff val="0"/>
+              </a:schemeClr>
+            </a:fillRef>
+            <a:effectRef idx="0">
+              <a:schemeClr val="lt1">
+                <a:hueOff val="0"/>
+                <a:satOff val="0"/>
+                <a:lumOff val="0"/>
+                <a:alphaOff val="0"/>
+              </a:schemeClr>
+            </a:effectRef>
+            <a:fontRef idx="minor">
+              <a:schemeClr val="dk1">
+                <a:hueOff val="0"/>
+                <a:satOff val="0"/>
+                <a:lumOff val="0"/>
+                <a:alphaOff val="0"/>
+              </a:schemeClr>
+            </a:fontRef>
+          </p:style>
+        </p:sp>
+      </p:grpSp>
     </p:spTree>
     <p:extLst>
       <p:ext uri="{BB962C8B-B14F-4D97-AF65-F5344CB8AC3E}">
-        <p14:creationId xmlns:p14="http://schemas.microsoft.com/office/powerpoint/2010/main" val="3421677144"/>
+        <p14:creationId xmlns:p14="http://schemas.microsoft.com/office/powerpoint/2010/main" val="848480141"/>
       </p:ext>
     </p:extLst>
   </p:cSld>
@@ -31507,7 +33152,7 @@
                                           </p:stCondLst>
                                         </p:cTn>
                                         <p:tgtEl>
-                                          <p:spTgt spid="6"/>
+                                          <p:spTgt spid="15"/>
                                         </p:tgtEl>
                                         <p:attrNameLst>
                                           <p:attrName>style.visibility</p:attrName>
@@ -31521,92 +33166,40 @@
                                       <p:cBhvr>
                                         <p:cTn id="7" dur="500"/>
                                         <p:tgtEl>
-                                          <p:spTgt spid="6"/>
+                                          <p:spTgt spid="15"/>
                                         </p:tgtEl>
                                       </p:cBhvr>
                                     </p:animEffect>
                                   </p:childTnLst>
                                 </p:cTn>
                               </p:par>
+                            </p:childTnLst>
+                          </p:cTn>
+                        </p:par>
+                      </p:childTnLst>
+                    </p:cTn>
+                  </p:par>
+                  <p:par>
+                    <p:cTn id="8" fill="hold">
+                      <p:stCondLst>
+                        <p:cond delay="indefinite"/>
+                      </p:stCondLst>
+                      <p:childTnLst>
+                        <p:par>
+                          <p:cTn id="9" fill="hold">
+                            <p:stCondLst>
+                              <p:cond delay="0"/>
+                            </p:stCondLst>
+                            <p:childTnLst>
                               <p:par>
-                                <p:cTn id="8" presetID="22" presetClass="entr" presetSubtype="1" fill="hold" nodeType="withEffect">
+                                <p:cTn id="10" presetID="22" presetClass="entr" presetSubtype="8" fill="hold" grpId="0" nodeType="clickEffect">
                                   <p:stCondLst>
                                     <p:cond delay="0"/>
                                   </p:stCondLst>
                                   <p:childTnLst>
                                     <p:set>
                                       <p:cBhvr>
-                                        <p:cTn id="9" dur="1" fill="hold">
-                                          <p:stCondLst>
-                                            <p:cond delay="0"/>
-                                          </p:stCondLst>
-                                        </p:cTn>
-                                        <p:tgtEl>
-                                          <p:spTgt spid="23"/>
-                                        </p:tgtEl>
-                                        <p:attrNameLst>
-                                          <p:attrName>style.visibility</p:attrName>
-                                        </p:attrNameLst>
-                                      </p:cBhvr>
-                                      <p:to>
-                                        <p:strVal val="visible"/>
-                                      </p:to>
-                                    </p:set>
-                                    <p:animEffect transition="in" filter="wipe(up)">
-                                      <p:cBhvr>
-                                        <p:cTn id="10" dur="500"/>
-                                        <p:tgtEl>
-                                          <p:spTgt spid="23"/>
-                                        </p:tgtEl>
-                                      </p:cBhvr>
-                                    </p:animEffect>
-                                  </p:childTnLst>
-                                </p:cTn>
-                              </p:par>
-                              <p:par>
-                                <p:cTn id="11" presetID="22" presetClass="entr" presetSubtype="1" fill="hold" grpId="0" nodeType="withEffect">
-                                  <p:stCondLst>
-                                    <p:cond delay="0"/>
-                                  </p:stCondLst>
-                                  <p:childTnLst>
-                                    <p:set>
-                                      <p:cBhvr>
-                                        <p:cTn id="12" dur="1" fill="hold">
-                                          <p:stCondLst>
-                                            <p:cond delay="0"/>
-                                          </p:stCondLst>
-                                        </p:cTn>
-                                        <p:tgtEl>
-                                          <p:spTgt spid="22"/>
-                                        </p:tgtEl>
-                                        <p:attrNameLst>
-                                          <p:attrName>style.visibility</p:attrName>
-                                        </p:attrNameLst>
-                                      </p:cBhvr>
-                                      <p:to>
-                                        <p:strVal val="visible"/>
-                                      </p:to>
-                                    </p:set>
-                                    <p:animEffect transition="in" filter="wipe(up)">
-                                      <p:cBhvr>
-                                        <p:cTn id="13" dur="500"/>
-                                        <p:tgtEl>
-                                          <p:spTgt spid="22"/>
-                                        </p:tgtEl>
-                                      </p:cBhvr>
-                                    </p:animEffect>
-                                  </p:childTnLst>
-                                </p:cTn>
-                              </p:par>
-                              <p:par>
-                                <p:cTn id="14" presetID="22" presetClass="entr" presetSubtype="1" fill="hold" grpId="0" nodeType="withEffect">
-                                  <p:stCondLst>
-                                    <p:cond delay="0"/>
-                                  </p:stCondLst>
-                                  <p:childTnLst>
-                                    <p:set>
-                                      <p:cBhvr>
-                                        <p:cTn id="15" dur="1" fill="hold">
+                                        <p:cTn id="11" dur="1" fill="hold">
                                           <p:stCondLst>
                                             <p:cond delay="0"/>
                                           </p:stCondLst>
@@ -31622,9 +33215,9 @@
                                         <p:strVal val="visible"/>
                                       </p:to>
                                     </p:set>
-                                    <p:animEffect transition="in" filter="wipe(up)">
+                                    <p:animEffect transition="in" filter="wipe(left)">
                                       <p:cBhvr>
-                                        <p:cTn id="16" dur="500"/>
+                                        <p:cTn id="12" dur="500"/>
                                         <p:tgtEl>
                                           <p:spTgt spid="24"/>
                                         </p:tgtEl>
@@ -31640,32 +33233,32 @@
                     </p:cTn>
                   </p:par>
                   <p:par>
-                    <p:cTn id="17" fill="hold">
+                    <p:cTn id="13" fill="hold">
                       <p:stCondLst>
                         <p:cond delay="indefinite"/>
                       </p:stCondLst>
                       <p:childTnLst>
                         <p:par>
-                          <p:cTn id="18" fill="hold">
+                          <p:cTn id="14" fill="hold">
                             <p:stCondLst>
                               <p:cond delay="0"/>
                             </p:stCondLst>
                             <p:childTnLst>
                               <p:par>
-                                <p:cTn id="19" presetID="22" presetClass="entr" presetSubtype="8" fill="hold" nodeType="clickEffect">
+                                <p:cTn id="15" presetID="22" presetClass="entr" presetSubtype="1" fill="hold" nodeType="clickEffect">
                                   <p:stCondLst>
                                     <p:cond delay="0"/>
                                   </p:stCondLst>
                                   <p:childTnLst>
                                     <p:set>
                                       <p:cBhvr>
-                                        <p:cTn id="20" dur="1" fill="hold">
+                                        <p:cTn id="16" dur="1" fill="hold">
                                           <p:stCondLst>
                                             <p:cond delay="0"/>
                                           </p:stCondLst>
                                         </p:cTn>
                                         <p:tgtEl>
-                                          <p:spTgt spid="26"/>
+                                          <p:spTgt spid="16"/>
                                         </p:tgtEl>
                                         <p:attrNameLst>
                                           <p:attrName>style.visibility</p:attrName>
@@ -31675,61 +33268,44 @@
                                         <p:strVal val="visible"/>
                                       </p:to>
                                     </p:set>
-                                    <p:animEffect transition="in" filter="wipe(left)">
+                                    <p:animEffect transition="in" filter="wipe(up)">
                                       <p:cBhvr>
-                                        <p:cTn id="21" dur="500"/>
+                                        <p:cTn id="17" dur="500"/>
                                         <p:tgtEl>
-                                          <p:spTgt spid="26"/>
+                                          <p:spTgt spid="16"/>
                                         </p:tgtEl>
                                       </p:cBhvr>
                                     </p:animEffect>
                                   </p:childTnLst>
                                 </p:cTn>
                               </p:par>
+                            </p:childTnLst>
+                          </p:cTn>
+                        </p:par>
+                      </p:childTnLst>
+                    </p:cTn>
+                  </p:par>
+                  <p:par>
+                    <p:cTn id="18" fill="hold">
+                      <p:stCondLst>
+                        <p:cond delay="indefinite"/>
+                      </p:stCondLst>
+                      <p:childTnLst>
+                        <p:par>
+                          <p:cTn id="19" fill="hold">
+                            <p:stCondLst>
+                              <p:cond delay="0"/>
+                            </p:stCondLst>
+                            <p:childTnLst>
                               <p:par>
-                                <p:cTn id="22" presetID="22" presetClass="entr" presetSubtype="8" fill="hold" grpId="0" nodeType="withEffect">
+                                <p:cTn id="20" presetID="22" presetClass="entr" presetSubtype="8" fill="hold" grpId="0" nodeType="clickEffect">
                                   <p:stCondLst>
                                     <p:cond delay="0"/>
                                   </p:stCondLst>
                                   <p:childTnLst>
                                     <p:set>
                                       <p:cBhvr>
-                                        <p:cTn id="23" dur="1" fill="hold">
-                                          <p:stCondLst>
-                                            <p:cond delay="0"/>
-                                          </p:stCondLst>
-                                        </p:cTn>
-                                        <p:tgtEl>
-                                          <p:spTgt spid="25"/>
-                                        </p:tgtEl>
-                                        <p:attrNameLst>
-                                          <p:attrName>style.visibility</p:attrName>
-                                        </p:attrNameLst>
-                                      </p:cBhvr>
-                                      <p:to>
-                                        <p:strVal val="visible"/>
-                                      </p:to>
-                                    </p:set>
-                                    <p:animEffect transition="in" filter="wipe(left)">
-                                      <p:cBhvr>
-                                        <p:cTn id="24" dur="500"/>
-                                        <p:tgtEl>
-                                          <p:spTgt spid="25"/>
-                                        </p:tgtEl>
-                                      </p:cBhvr>
-                                    </p:animEffect>
-                                  </p:childTnLst>
-                                </p:cTn>
-                              </p:par>
-                              <p:par>
-                                <p:cTn id="25" presetID="22" presetClass="entr" presetSubtype="8" fill="hold" grpId="0" nodeType="withEffect">
-                                  <p:stCondLst>
-                                    <p:cond delay="0"/>
-                                  </p:stCondLst>
-                                  <p:childTnLst>
-                                    <p:set>
-                                      <p:cBhvr>
-                                        <p:cTn id="26" dur="1" fill="hold">
+                                        <p:cTn id="21" dur="1" fill="hold">
                                           <p:stCondLst>
                                             <p:cond delay="0"/>
                                           </p:stCondLst>
@@ -31747,9 +33323,62 @@
                                     </p:set>
                                     <p:animEffect transition="in" filter="wipe(left)">
                                       <p:cBhvr>
+                                        <p:cTn id="22" dur="500"/>
+                                        <p:tgtEl>
+                                          <p:spTgt spid="37"/>
+                                        </p:tgtEl>
+                                      </p:cBhvr>
+                                    </p:animEffect>
+                                  </p:childTnLst>
+                                </p:cTn>
+                              </p:par>
+                            </p:childTnLst>
+                          </p:cTn>
+                        </p:par>
+                      </p:childTnLst>
+                    </p:cTn>
+                  </p:par>
+                  <p:par>
+                    <p:cTn id="23" fill="hold">
+                      <p:stCondLst>
+                        <p:cond delay="indefinite"/>
+                      </p:stCondLst>
+                      <p:childTnLst>
+                        <p:par>
+                          <p:cTn id="24" fill="hold">
+                            <p:stCondLst>
+                              <p:cond delay="0"/>
+                            </p:stCondLst>
+                            <p:childTnLst>
+                              <p:par>
+                                <p:cTn id="25" presetID="22" presetClass="entr" presetSubtype="1" fill="hold" nodeType="clickEffect">
+                                  <p:stCondLst>
+                                    <p:cond delay="0"/>
+                                  </p:stCondLst>
+                                  <p:childTnLst>
+                                    <p:set>
+                                      <p:cBhvr>
+                                        <p:cTn id="26" dur="1" fill="hold">
+                                          <p:stCondLst>
+                                            <p:cond delay="0"/>
+                                          </p:stCondLst>
+                                        </p:cTn>
+                                        <p:tgtEl>
+                                          <p:spTgt spid="17"/>
+                                        </p:tgtEl>
+                                        <p:attrNameLst>
+                                          <p:attrName>style.visibility</p:attrName>
+                                        </p:attrNameLst>
+                                      </p:cBhvr>
+                                      <p:to>
+                                        <p:strVal val="visible"/>
+                                      </p:to>
+                                    </p:set>
+                                    <p:animEffect transition="in" filter="wipe(up)">
+                                      <p:cBhvr>
                                         <p:cTn id="27" dur="500"/>
                                         <p:tgtEl>
-                                          <p:spTgt spid="37"/>
+                                          <p:spTgt spid="17"/>
                                         </p:tgtEl>
                                       </p:cBhvr>
                                     </p:animEffect>
@@ -31775,7 +33404,7 @@
                             </p:stCondLst>
                             <p:childTnLst>
                               <p:par>
-                                <p:cTn id="30" presetID="22" presetClass="entr" presetSubtype="8" fill="hold" nodeType="clickEffect">
+                                <p:cTn id="30" presetID="22" presetClass="entr" presetSubtype="8" fill="hold" grpId="0" nodeType="clickEffect">
                                   <p:stCondLst>
                                     <p:cond delay="0"/>
                                   </p:stCondLst>
@@ -31783,322 +33412,6 @@
                                     <p:set>
                                       <p:cBhvr>
                                         <p:cTn id="31" dur="1" fill="hold">
-                                          <p:stCondLst>
-                                            <p:cond delay="0"/>
-                                          </p:stCondLst>
-                                        </p:cTn>
-                                        <p:tgtEl>
-                                          <p:spTgt spid="41"/>
-                                        </p:tgtEl>
-                                        <p:attrNameLst>
-                                          <p:attrName>style.visibility</p:attrName>
-                                        </p:attrNameLst>
-                                      </p:cBhvr>
-                                      <p:to>
-                                        <p:strVal val="visible"/>
-                                      </p:to>
-                                    </p:set>
-                                    <p:animEffect transition="in" filter="wipe(left)">
-                                      <p:cBhvr>
-                                        <p:cTn id="32" dur="500"/>
-                                        <p:tgtEl>
-                                          <p:spTgt spid="41"/>
-                                        </p:tgtEl>
-                                      </p:cBhvr>
-                                    </p:animEffect>
-                                  </p:childTnLst>
-                                </p:cTn>
-                              </p:par>
-                              <p:par>
-                                <p:cTn id="33" presetID="22" presetClass="entr" presetSubtype="8" fill="hold" grpId="0" nodeType="withEffect">
-                                  <p:stCondLst>
-                                    <p:cond delay="0"/>
-                                  </p:stCondLst>
-                                  <p:childTnLst>
-                                    <p:set>
-                                      <p:cBhvr>
-                                        <p:cTn id="34" dur="1" fill="hold">
-                                          <p:stCondLst>
-                                            <p:cond delay="0"/>
-                                          </p:stCondLst>
-                                        </p:cTn>
-                                        <p:tgtEl>
-                                          <p:spTgt spid="40"/>
-                                        </p:tgtEl>
-                                        <p:attrNameLst>
-                                          <p:attrName>style.visibility</p:attrName>
-                                        </p:attrNameLst>
-                                      </p:cBhvr>
-                                      <p:to>
-                                        <p:strVal val="visible"/>
-                                      </p:to>
-                                    </p:set>
-                                    <p:animEffect transition="in" filter="wipe(left)">
-                                      <p:cBhvr>
-                                        <p:cTn id="35" dur="500"/>
-                                        <p:tgtEl>
-                                          <p:spTgt spid="40"/>
-                                        </p:tgtEl>
-                                      </p:cBhvr>
-                                    </p:animEffect>
-                                  </p:childTnLst>
-                                </p:cTn>
-                              </p:par>
-                              <p:par>
-                                <p:cTn id="36" presetID="22" presetClass="entr" presetSubtype="8" fill="hold" grpId="0" nodeType="withEffect">
-                                  <p:stCondLst>
-                                    <p:cond delay="0"/>
-                                  </p:stCondLst>
-                                  <p:childTnLst>
-                                    <p:set>
-                                      <p:cBhvr>
-                                        <p:cTn id="37" dur="1" fill="hold">
-                                          <p:stCondLst>
-                                            <p:cond delay="0"/>
-                                          </p:stCondLst>
-                                        </p:cTn>
-                                        <p:tgtEl>
-                                          <p:spTgt spid="42"/>
-                                        </p:tgtEl>
-                                        <p:attrNameLst>
-                                          <p:attrName>style.visibility</p:attrName>
-                                        </p:attrNameLst>
-                                      </p:cBhvr>
-                                      <p:to>
-                                        <p:strVal val="visible"/>
-                                      </p:to>
-                                    </p:set>
-                                    <p:animEffect transition="in" filter="wipe(left)">
-                                      <p:cBhvr>
-                                        <p:cTn id="38" dur="500"/>
-                                        <p:tgtEl>
-                                          <p:spTgt spid="42"/>
-                                        </p:tgtEl>
-                                      </p:cBhvr>
-                                    </p:animEffect>
-                                  </p:childTnLst>
-                                </p:cTn>
-                              </p:par>
-                            </p:childTnLst>
-                          </p:cTn>
-                        </p:par>
-                      </p:childTnLst>
-                    </p:cTn>
-                  </p:par>
-                  <p:par>
-                    <p:cTn id="39" fill="hold">
-                      <p:stCondLst>
-                        <p:cond delay="indefinite"/>
-                      </p:stCondLst>
-                      <p:childTnLst>
-                        <p:par>
-                          <p:cTn id="40" fill="hold">
-                            <p:stCondLst>
-                              <p:cond delay="0"/>
-                            </p:stCondLst>
-                            <p:childTnLst>
-                              <p:par>
-                                <p:cTn id="41" presetID="22" presetClass="entr" presetSubtype="8" fill="hold" nodeType="clickEffect">
-                                  <p:stCondLst>
-                                    <p:cond delay="0"/>
-                                  </p:stCondLst>
-                                  <p:childTnLst>
-                                    <p:set>
-                                      <p:cBhvr>
-                                        <p:cTn id="42" dur="1" fill="hold">
-                                          <p:stCondLst>
-                                            <p:cond delay="0"/>
-                                          </p:stCondLst>
-                                        </p:cTn>
-                                        <p:tgtEl>
-                                          <p:spTgt spid="44"/>
-                                        </p:tgtEl>
-                                        <p:attrNameLst>
-                                          <p:attrName>style.visibility</p:attrName>
-                                        </p:attrNameLst>
-                                      </p:cBhvr>
-                                      <p:to>
-                                        <p:strVal val="visible"/>
-                                      </p:to>
-                                    </p:set>
-                                    <p:animEffect transition="in" filter="wipe(left)">
-                                      <p:cBhvr>
-                                        <p:cTn id="43" dur="500"/>
-                                        <p:tgtEl>
-                                          <p:spTgt spid="44"/>
-                                        </p:tgtEl>
-                                      </p:cBhvr>
-                                    </p:animEffect>
-                                  </p:childTnLst>
-                                </p:cTn>
-                              </p:par>
-                              <p:par>
-                                <p:cTn id="44" presetID="22" presetClass="entr" presetSubtype="8" fill="hold" grpId="0" nodeType="withEffect">
-                                  <p:stCondLst>
-                                    <p:cond delay="0"/>
-                                  </p:stCondLst>
-                                  <p:childTnLst>
-                                    <p:set>
-                                      <p:cBhvr>
-                                        <p:cTn id="45" dur="1" fill="hold">
-                                          <p:stCondLst>
-                                            <p:cond delay="0"/>
-                                          </p:stCondLst>
-                                        </p:cTn>
-                                        <p:tgtEl>
-                                          <p:spTgt spid="43"/>
-                                        </p:tgtEl>
-                                        <p:attrNameLst>
-                                          <p:attrName>style.visibility</p:attrName>
-                                        </p:attrNameLst>
-                                      </p:cBhvr>
-                                      <p:to>
-                                        <p:strVal val="visible"/>
-                                      </p:to>
-                                    </p:set>
-                                    <p:animEffect transition="in" filter="wipe(left)">
-                                      <p:cBhvr>
-                                        <p:cTn id="46" dur="500"/>
-                                        <p:tgtEl>
-                                          <p:spTgt spid="43"/>
-                                        </p:tgtEl>
-                                      </p:cBhvr>
-                                    </p:animEffect>
-                                  </p:childTnLst>
-                                </p:cTn>
-                              </p:par>
-                              <p:par>
-                                <p:cTn id="47" presetID="22" presetClass="entr" presetSubtype="8" fill="hold" grpId="0" nodeType="withEffect">
-                                  <p:stCondLst>
-                                    <p:cond delay="0"/>
-                                  </p:stCondLst>
-                                  <p:childTnLst>
-                                    <p:set>
-                                      <p:cBhvr>
-                                        <p:cTn id="48" dur="1" fill="hold">
-                                          <p:stCondLst>
-                                            <p:cond delay="0"/>
-                                          </p:stCondLst>
-                                        </p:cTn>
-                                        <p:tgtEl>
-                                          <p:spTgt spid="45"/>
-                                        </p:tgtEl>
-                                        <p:attrNameLst>
-                                          <p:attrName>style.visibility</p:attrName>
-                                        </p:attrNameLst>
-                                      </p:cBhvr>
-                                      <p:to>
-                                        <p:strVal val="visible"/>
-                                      </p:to>
-                                    </p:set>
-                                    <p:animEffect transition="in" filter="wipe(left)">
-                                      <p:cBhvr>
-                                        <p:cTn id="49" dur="500"/>
-                                        <p:tgtEl>
-                                          <p:spTgt spid="45"/>
-                                        </p:tgtEl>
-                                      </p:cBhvr>
-                                    </p:animEffect>
-                                  </p:childTnLst>
-                                </p:cTn>
-                              </p:par>
-                            </p:childTnLst>
-                          </p:cTn>
-                        </p:par>
-                      </p:childTnLst>
-                    </p:cTn>
-                  </p:par>
-                  <p:par>
-                    <p:cTn id="50" fill="hold">
-                      <p:stCondLst>
-                        <p:cond delay="indefinite"/>
-                      </p:stCondLst>
-                      <p:childTnLst>
-                        <p:par>
-                          <p:cTn id="51" fill="hold">
-                            <p:stCondLst>
-                              <p:cond delay="0"/>
-                            </p:stCondLst>
-                            <p:childTnLst>
-                              <p:par>
-                                <p:cTn id="52" presetID="22" presetClass="entr" presetSubtype="8" fill="hold" nodeType="clickEffect">
-                                  <p:stCondLst>
-                                    <p:cond delay="0"/>
-                                  </p:stCondLst>
-                                  <p:childTnLst>
-                                    <p:set>
-                                      <p:cBhvr>
-                                        <p:cTn id="53" dur="1" fill="hold">
-                                          <p:stCondLst>
-                                            <p:cond delay="0"/>
-                                          </p:stCondLst>
-                                        </p:cTn>
-                                        <p:tgtEl>
-                                          <p:spTgt spid="47"/>
-                                        </p:tgtEl>
-                                        <p:attrNameLst>
-                                          <p:attrName>style.visibility</p:attrName>
-                                        </p:attrNameLst>
-                                      </p:cBhvr>
-                                      <p:to>
-                                        <p:strVal val="visible"/>
-                                      </p:to>
-                                    </p:set>
-                                    <p:animEffect transition="in" filter="wipe(left)">
-                                      <p:cBhvr>
-                                        <p:cTn id="54" dur="500"/>
-                                        <p:tgtEl>
-                                          <p:spTgt spid="47"/>
-                                        </p:tgtEl>
-                                      </p:cBhvr>
-                                    </p:animEffect>
-                                  </p:childTnLst>
-                                </p:cTn>
-                              </p:par>
-                              <p:par>
-                                <p:cTn id="55" presetID="22" presetClass="entr" presetSubtype="8" fill="hold" grpId="0" nodeType="withEffect">
-                                  <p:stCondLst>
-                                    <p:cond delay="0"/>
-                                  </p:stCondLst>
-                                  <p:childTnLst>
-                                    <p:set>
-                                      <p:cBhvr>
-                                        <p:cTn id="56" dur="1" fill="hold">
-                                          <p:stCondLst>
-                                            <p:cond delay="0"/>
-                                          </p:stCondLst>
-                                        </p:cTn>
-                                        <p:tgtEl>
-                                          <p:spTgt spid="46"/>
-                                        </p:tgtEl>
-                                        <p:attrNameLst>
-                                          <p:attrName>style.visibility</p:attrName>
-                                        </p:attrNameLst>
-                                      </p:cBhvr>
-                                      <p:to>
-                                        <p:strVal val="visible"/>
-                                      </p:to>
-                                    </p:set>
-                                    <p:animEffect transition="in" filter="wipe(left)">
-                                      <p:cBhvr>
-                                        <p:cTn id="57" dur="500"/>
-                                        <p:tgtEl>
-                                          <p:spTgt spid="46"/>
-                                        </p:tgtEl>
-                                      </p:cBhvr>
-                                    </p:animEffect>
-                                  </p:childTnLst>
-                                </p:cTn>
-                              </p:par>
-                              <p:par>
-                                <p:cTn id="58" presetID="22" presetClass="entr" presetSubtype="8" fill="hold" grpId="0" nodeType="withEffect">
-                                  <p:stCondLst>
-                                    <p:cond delay="0"/>
-                                  </p:stCondLst>
-                                  <p:childTnLst>
-                                    <p:set>
-                                      <p:cBhvr>
-                                        <p:cTn id="59" dur="1" fill="hold">
                                           <p:stCondLst>
                                             <p:cond delay="0"/>
                                           </p:stCondLst>
@@ -32116,7 +33429,7 @@
                                     </p:set>
                                     <p:animEffect transition="in" filter="wipe(left)">
                                       <p:cBhvr>
-                                        <p:cTn id="60" dur="500"/>
+                                        <p:cTn id="32" dur="500"/>
                                         <p:tgtEl>
                                           <p:spTgt spid="48"/>
                                         </p:tgtEl>
@@ -32132,32 +33445,32 @@
                     </p:cTn>
                   </p:par>
                   <p:par>
-                    <p:cTn id="61" fill="hold">
+                    <p:cTn id="33" fill="hold">
                       <p:stCondLst>
                         <p:cond delay="indefinite"/>
                       </p:stCondLst>
                       <p:childTnLst>
                         <p:par>
-                          <p:cTn id="62" fill="hold">
+                          <p:cTn id="34" fill="hold">
                             <p:stCondLst>
                               <p:cond delay="0"/>
                             </p:stCondLst>
                             <p:childTnLst>
                               <p:par>
-                                <p:cTn id="63" presetID="22" presetClass="entr" presetSubtype="8" fill="hold" nodeType="clickEffect">
+                                <p:cTn id="35" presetID="22" presetClass="entr" presetSubtype="1" fill="hold" nodeType="clickEffect">
                                   <p:stCondLst>
                                     <p:cond delay="0"/>
                                   </p:stCondLst>
                                   <p:childTnLst>
                                     <p:set>
                                       <p:cBhvr>
-                                        <p:cTn id="64" dur="1" fill="hold">
+                                        <p:cTn id="36" dur="1" fill="hold">
                                           <p:stCondLst>
                                             <p:cond delay="0"/>
                                           </p:stCondLst>
                                         </p:cTn>
                                         <p:tgtEl>
-                                          <p:spTgt spid="50"/>
+                                          <p:spTgt spid="18"/>
                                         </p:tgtEl>
                                         <p:attrNameLst>
                                           <p:attrName>style.visibility</p:attrName>
@@ -32167,61 +33480,44 @@
                                         <p:strVal val="visible"/>
                                       </p:to>
                                     </p:set>
-                                    <p:animEffect transition="in" filter="wipe(left)">
+                                    <p:animEffect transition="in" filter="wipe(up)">
                                       <p:cBhvr>
-                                        <p:cTn id="65" dur="500"/>
+                                        <p:cTn id="37" dur="500"/>
                                         <p:tgtEl>
-                                          <p:spTgt spid="50"/>
+                                          <p:spTgt spid="18"/>
                                         </p:tgtEl>
                                       </p:cBhvr>
                                     </p:animEffect>
                                   </p:childTnLst>
                                 </p:cTn>
                               </p:par>
+                            </p:childTnLst>
+                          </p:cTn>
+                        </p:par>
+                      </p:childTnLst>
+                    </p:cTn>
+                  </p:par>
+                  <p:par>
+                    <p:cTn id="38" fill="hold">
+                      <p:stCondLst>
+                        <p:cond delay="indefinite"/>
+                      </p:stCondLst>
+                      <p:childTnLst>
+                        <p:par>
+                          <p:cTn id="39" fill="hold">
+                            <p:stCondLst>
+                              <p:cond delay="0"/>
+                            </p:stCondLst>
+                            <p:childTnLst>
                               <p:par>
-                                <p:cTn id="66" presetID="22" presetClass="entr" presetSubtype="8" fill="hold" grpId="0" nodeType="withEffect">
+                                <p:cTn id="40" presetID="22" presetClass="entr" presetSubtype="8" fill="hold" grpId="0" nodeType="clickEffect">
                                   <p:stCondLst>
                                     <p:cond delay="0"/>
                                   </p:stCondLst>
                                   <p:childTnLst>
                                     <p:set>
                                       <p:cBhvr>
-                                        <p:cTn id="67" dur="1" fill="hold">
-                                          <p:stCondLst>
-                                            <p:cond delay="0"/>
-                                          </p:stCondLst>
-                                        </p:cTn>
-                                        <p:tgtEl>
-                                          <p:spTgt spid="49"/>
-                                        </p:tgtEl>
-                                        <p:attrNameLst>
-                                          <p:attrName>style.visibility</p:attrName>
-                                        </p:attrNameLst>
-                                      </p:cBhvr>
-                                      <p:to>
-                                        <p:strVal val="visible"/>
-                                      </p:to>
-                                    </p:set>
-                                    <p:animEffect transition="in" filter="wipe(left)">
-                                      <p:cBhvr>
-                                        <p:cTn id="68" dur="500"/>
-                                        <p:tgtEl>
-                                          <p:spTgt spid="49"/>
-                                        </p:tgtEl>
-                                      </p:cBhvr>
-                                    </p:animEffect>
-                                  </p:childTnLst>
-                                </p:cTn>
-                              </p:par>
-                              <p:par>
-                                <p:cTn id="69" presetID="22" presetClass="entr" presetSubtype="8" fill="hold" grpId="0" nodeType="withEffect">
-                                  <p:stCondLst>
-                                    <p:cond delay="0"/>
-                                  </p:stCondLst>
-                                  <p:childTnLst>
-                                    <p:set>
-                                      <p:cBhvr>
-                                        <p:cTn id="70" dur="1" fill="hold">
+                                        <p:cTn id="41" dur="1" fill="hold">
                                           <p:stCondLst>
                                             <p:cond delay="0"/>
                                           </p:stCondLst>
@@ -32239,7 +33535,7 @@
                                     </p:set>
                                     <p:animEffect transition="in" filter="wipe(left)">
                                       <p:cBhvr>
-                                        <p:cTn id="71" dur="500"/>
+                                        <p:cTn id="42" dur="500"/>
                                         <p:tgtEl>
                                           <p:spTgt spid="51"/>
                                         </p:tgtEl>
@@ -32276,24 +33572,16 @@
       </p:par>
     </p:tnLst>
     <p:bldLst>
-      <p:bldP spid="22" grpId="0" animBg="1"/>
       <p:bldP spid="24" grpId="0" animBg="1"/>
-      <p:bldP spid="25" grpId="0" animBg="1"/>
       <p:bldP spid="37" grpId="0" animBg="1"/>
-      <p:bldP spid="40" grpId="0" animBg="1"/>
-      <p:bldP spid="42" grpId="0" animBg="1"/>
-      <p:bldP spid="43" grpId="0" animBg="1"/>
-      <p:bldP spid="45" grpId="0" animBg="1"/>
-      <p:bldP spid="46" grpId="0" animBg="1"/>
       <p:bldP spid="48" grpId="0" animBg="1"/>
-      <p:bldP spid="49" grpId="0" animBg="1"/>
       <p:bldP spid="51" grpId="0" animBg="1"/>
     </p:bldLst>
   </p:timing>
 </p:sld>
 </file>
 
-<file path=ppt/slides/slide14.xml><?xml version="1.0" encoding="utf-8"?>
+<file path=ppt/slides/slide15.xml><?xml version="1.0" encoding="utf-8"?>
 <p:sld xmlns:a="http://schemas.openxmlformats.org/drawingml/2006/main" xmlns:r="http://schemas.openxmlformats.org/officeDocument/2006/relationships" xmlns:p="http://schemas.openxmlformats.org/presentationml/2006/main">
   <p:cSld>
     <p:spTree>
@@ -33116,7 +34404,31 @@
                   </a:solidFill>
                   <a:cs typeface="Arial" pitchFamily="34" charset="0"/>
                 </a:rPr>
-                <a:t>Ước lượng kinh phí</a:t>
+                <a:t>Ước lượng </a:t>
+              </a:r>
+              <a:r>
+                <a:rPr lang="en-US" altLang="ko-KR" sz="2400" b="1" dirty="0" smtClean="0">
+                  <a:solidFill>
+                    <a:schemeClr val="tx1">
+                      <a:lumMod val="75000"/>
+                      <a:lumOff val="25000"/>
+                    </a:schemeClr>
+                  </a:solidFill>
+                  <a:cs typeface="Arial" pitchFamily="34" charset="0"/>
+                </a:rPr>
+                <a:t>chi </a:t>
+              </a:r>
+              <a:r>
+                <a:rPr lang="en-US" altLang="ko-KR" sz="2400" b="1" dirty="0" smtClean="0">
+                  <a:solidFill>
+                    <a:schemeClr val="tx1">
+                      <a:lumMod val="75000"/>
+                      <a:lumOff val="25000"/>
+                    </a:schemeClr>
+                  </a:solidFill>
+                  <a:cs typeface="Arial" pitchFamily="34" charset="0"/>
+                </a:rPr>
+                <a:t>phí</a:t>
               </a:r>
               <a:endParaRPr lang="ko-KR" altLang="en-US" sz="2400" b="1" dirty="0">
                 <a:solidFill>
@@ -33825,7 +35137,11 @@
           <a:p>
             <a:r>
               <a:rPr lang="en-US" altLang="ko-KR" dirty="0" smtClean="0"/>
-              <a:t>Giới Thiệu</a:t>
+              <a:t>Giới </a:t>
+            </a:r>
+            <a:r>
+              <a:rPr lang="en-US" altLang="ko-KR" dirty="0" smtClean="0"/>
+              <a:t>thiệu</a:t>
             </a:r>
             <a:endParaRPr lang="ko-KR" altLang="en-US" dirty="0"/>
           </a:p>
@@ -33989,7 +35305,7 @@
           <p:nvPr>
             <p:extLst>
               <p:ext uri="{D42A27DB-BD31-4B8C-83A1-F6EECF244321}">
-                <p14:modId xmlns:p14="http://schemas.microsoft.com/office/powerpoint/2010/main" val="860935611"/>
+                <p14:modId xmlns:p14="http://schemas.microsoft.com/office/powerpoint/2010/main" val="3732977728"/>
               </p:ext>
             </p:extLst>
           </p:nvPr>
@@ -35225,8 +36541,8 @@
         </p:nvSpPr>
         <p:spPr>
           <a:xfrm>
-            <a:off x="2555776" y="862142"/>
-            <a:ext cx="6588224" cy="2308324"/>
+            <a:off x="107504" y="2355726"/>
+            <a:ext cx="2915816" cy="369332"/>
           </a:xfrm>
           <a:prstGeom prst="rect">
             <a:avLst/>
@@ -35245,72 +36561,13 @@
             </a:pPr>
             <a:r>
               <a:rPr lang="en-US" dirty="0" smtClean="0"/>
-              <a:t>Mô hình thác nước</a:t>
+              <a:t>Mô hình thác </a:t>
             </a:r>
-          </a:p>
-          <a:p>
-            <a:pPr marL="742950" lvl="1" indent="-285750">
-              <a:buFont typeface="Wingdings" panose="05000000000000000000" pitchFamily="2" charset="2"/>
-              <a:buChar char="Ø"/>
-            </a:pPr>
             <a:r>
-              <a:rPr lang="vi-VN" dirty="0"/>
-              <a:t>Yêu cầu ổn định và không thay đổi thường xuyên.</a:t>
-            </a:r>
-          </a:p>
-          <a:p>
-            <a:pPr marL="742950" lvl="1" indent="-285750">
-              <a:buFont typeface="Wingdings" panose="05000000000000000000" pitchFamily="2" charset="2"/>
-              <a:buChar char="Ø"/>
-            </a:pPr>
-            <a:r>
-              <a:rPr lang="vi-VN" dirty="0"/>
-              <a:t>Một ứng dụng nhỏ.</a:t>
-            </a:r>
-          </a:p>
-          <a:p>
-            <a:pPr marL="742950" lvl="1" indent="-285750">
-              <a:buFont typeface="Wingdings" panose="05000000000000000000" pitchFamily="2" charset="2"/>
-              <a:buChar char="Ø"/>
-            </a:pPr>
-            <a:r>
-              <a:rPr lang="vi-VN" dirty="0"/>
-              <a:t>Không có yêu cầu mà không hiểu hoặc không rõ ràng.</a:t>
-            </a:r>
-          </a:p>
-          <a:p>
-            <a:pPr marL="742950" lvl="1" indent="-285750">
-              <a:buFont typeface="Wingdings" panose="05000000000000000000" pitchFamily="2" charset="2"/>
-              <a:buChar char="Ø"/>
-            </a:pPr>
-            <a:r>
-              <a:rPr lang="vi-VN" dirty="0"/>
-              <a:t>Môi trường ổn định</a:t>
-            </a:r>
-          </a:p>
-          <a:p>
-            <a:pPr marL="742950" lvl="1" indent="-285750">
-              <a:buFont typeface="Wingdings" panose="05000000000000000000" pitchFamily="2" charset="2"/>
-              <a:buChar char="Ø"/>
-            </a:pPr>
-            <a:r>
-              <a:rPr lang="vi-VN" dirty="0"/>
-              <a:t>Các công cụ và công nghệ được sử dụng là ổn định</a:t>
-            </a:r>
-          </a:p>
-          <a:p>
-            <a:pPr marL="742950" lvl="1" indent="-285750">
-              <a:buFont typeface="Wingdings" panose="05000000000000000000" pitchFamily="2" charset="2"/>
-              <a:buChar char="Ø"/>
-            </a:pPr>
-            <a:r>
-              <a:rPr lang="vi-VN" dirty="0"/>
-              <a:t>Nguồn lực được đào tạo và sẵn sàng.</a:t>
+              <a:rPr lang="en-US" dirty="0" smtClean="0"/>
+              <a:t>nước</a:t>
             </a:r>
             <a:endParaRPr lang="en-US" dirty="0" smtClean="0"/>
-          </a:p>
-          <a:p>
-            <a:endParaRPr lang="vi-VN" dirty="0"/>
           </a:p>
         </p:txBody>
       </p:sp>
@@ -35321,18 +36578,18 @@
           <p:nvPr>
             <p:extLst>
               <p:ext uri="{D42A27DB-BD31-4B8C-83A1-F6EECF244321}">
-                <p14:modId xmlns:p14="http://schemas.microsoft.com/office/powerpoint/2010/main" val="4044190043"/>
+                <p14:modId xmlns:p14="http://schemas.microsoft.com/office/powerpoint/2010/main" val="1263209253"/>
               </p:ext>
             </p:extLst>
           </p:nvPr>
         </p:nvGraphicFramePr>
         <p:xfrm>
-          <a:off x="0" y="738664"/>
-          <a:ext cx="5511097" cy="4443958"/>
+          <a:off x="2411760" y="839365"/>
+          <a:ext cx="5511097" cy="4248472"/>
         </p:xfrm>
         <a:graphic>
           <a:graphicData uri="http://schemas.openxmlformats.org/drawingml/2006/diagram">
-            <dgm:relIds xmlns:dgm="http://schemas.openxmlformats.org/drawingml/2006/diagram" xmlns:r="http://schemas.openxmlformats.org/officeDocument/2006/relationships" r:dm="rId2" r:lo="rId3" r:qs="rId4" r:cs="rId5"/>
+            <dgm:relIds xmlns:dgm="http://schemas.openxmlformats.org/drawingml/2006/diagram" xmlns:r="http://schemas.openxmlformats.org/officeDocument/2006/relationships" r:dm="rId3" r:lo="rId4" r:qs="rId5" r:cs="rId6"/>
           </a:graphicData>
         </a:graphic>
       </p:graphicFrame>
@@ -36312,7 +37569,15 @@
               </a:pPr>
               <a:r>
                 <a:rPr lang="vi-VN" sz="1000" b="0" i="0" kern="1200" dirty="0" smtClean="0"/>
-                <a:t>Thiết kế giao diện cho website, thiết kế đồ họa</a:t>
+                <a:t>Thiết kế giao diện cho </a:t>
+              </a:r>
+              <a:r>
+                <a:rPr lang="vi-VN" sz="1000" b="0" i="0" kern="1200" dirty="0" smtClean="0"/>
+                <a:t>phần mềm, </a:t>
+              </a:r>
+              <a:r>
+                <a:rPr lang="vi-VN" sz="1000" b="0" i="0" kern="1200" dirty="0" smtClean="0"/>
+                <a:t>thiết kế đồ họa</a:t>
               </a:r>
               <a:endParaRPr lang="en-US" sz="1000" kern="1200" dirty="0"/>
             </a:p>
@@ -37528,7 +38793,7 @@
         </p:xfrm>
         <a:graphic>
           <a:graphicData uri="http://schemas.openxmlformats.org/drawingml/2006/diagram">
-            <dgm:relIds xmlns:dgm="http://schemas.openxmlformats.org/drawingml/2006/diagram" xmlns:r="http://schemas.openxmlformats.org/officeDocument/2006/relationships" r:dm="rId2" r:lo="rId3" r:qs="rId4" r:cs="rId5"/>
+            <dgm:relIds xmlns:dgm="http://schemas.openxmlformats.org/drawingml/2006/diagram" xmlns:r="http://schemas.openxmlformats.org/officeDocument/2006/relationships" r:dm="rId3" r:lo="rId4" r:qs="rId5" r:cs="rId6"/>
           </a:graphicData>
         </a:graphic>
       </p:graphicFrame>
@@ -37611,7 +38876,19 @@
             <a:p>
               <a:r>
                 <a:rPr lang="en-US" sz="2400" dirty="0" smtClean="0"/>
-                <a:t>Hoàn thành dự án trong 44 ngày</a:t>
+                <a:t>Hoàn thành dự án trong </a:t>
+              </a:r>
+              <a:r>
+                <a:rPr lang="en-US" sz="2400" dirty="0" smtClean="0"/>
+                <a:t>50</a:t>
+              </a:r>
+              <a:r>
+                <a:rPr lang="en-US" sz="2400" dirty="0" smtClean="0"/>
+                <a:t> </a:t>
+              </a:r>
+              <a:r>
+                <a:rPr lang="en-US" sz="2400" dirty="0" smtClean="0"/>
+                <a:t>ngày</a:t>
               </a:r>
               <a:endParaRPr lang="vi-VN" sz="2400" dirty="0"/>
             </a:p>
@@ -37933,28 +39210,28 @@
                 <a:gridCol w="207893">
                   <a:extLst>
                     <a:ext uri="{9D8B030D-6E8A-4147-A177-3AD203B41FA5}">
-                      <a16:colId xmlns:a16="http://schemas.microsoft.com/office/drawing/2014/main" xmlns="" val="993252977"/>
+                      <a16:colId xmlns:a16="http://schemas.microsoft.com/office/drawing/2014/main" val="993252977"/>
                     </a:ext>
                   </a:extLst>
                 </a:gridCol>
                 <a:gridCol w="1987843">
                   <a:extLst>
                     <a:ext uri="{9D8B030D-6E8A-4147-A177-3AD203B41FA5}">
-                      <a16:colId xmlns:a16="http://schemas.microsoft.com/office/drawing/2014/main" xmlns="" val="1322109277"/>
+                      <a16:colId xmlns:a16="http://schemas.microsoft.com/office/drawing/2014/main" val="1322109277"/>
                     </a:ext>
                   </a:extLst>
                 </a:gridCol>
                 <a:gridCol w="936104">
                   <a:extLst>
                     <a:ext uri="{9D8B030D-6E8A-4147-A177-3AD203B41FA5}">
-                      <a16:colId xmlns:a16="http://schemas.microsoft.com/office/drawing/2014/main" xmlns="" val="965916880"/>
+                      <a16:colId xmlns:a16="http://schemas.microsoft.com/office/drawing/2014/main" val="965916880"/>
                     </a:ext>
                   </a:extLst>
                 </a:gridCol>
                 <a:gridCol w="942863">
                   <a:extLst>
                     <a:ext uri="{9D8B030D-6E8A-4147-A177-3AD203B41FA5}">
-                      <a16:colId xmlns:a16="http://schemas.microsoft.com/office/drawing/2014/main" xmlns="" val="3826113273"/>
+                      <a16:colId xmlns:a16="http://schemas.microsoft.com/office/drawing/2014/main" val="3826113273"/>
                     </a:ext>
                   </a:extLst>
                 </a:gridCol>
@@ -38118,7 +39395,7 @@
                 </a:tc>
                 <a:extLst>
                   <a:ext uri="{0D108BD9-81ED-4DB2-BD59-A6C34878D82A}">
-                    <a16:rowId xmlns:a16="http://schemas.microsoft.com/office/drawing/2014/main" xmlns="" val="1029573305"/>
+                    <a16:rowId xmlns:a16="http://schemas.microsoft.com/office/drawing/2014/main" val="1029573305"/>
                   </a:ext>
                 </a:extLst>
               </a:tr>
@@ -38253,7 +39530,7 @@
                 </a:tc>
                 <a:extLst>
                   <a:ext uri="{0D108BD9-81ED-4DB2-BD59-A6C34878D82A}">
-                    <a16:rowId xmlns:a16="http://schemas.microsoft.com/office/drawing/2014/main" xmlns="" val="3450903129"/>
+                    <a16:rowId xmlns:a16="http://schemas.microsoft.com/office/drawing/2014/main" val="3450903129"/>
                   </a:ext>
                 </a:extLst>
               </a:tr>
@@ -38388,7 +39665,7 @@
                 </a:tc>
                 <a:extLst>
                   <a:ext uri="{0D108BD9-81ED-4DB2-BD59-A6C34878D82A}">
-                    <a16:rowId xmlns:a16="http://schemas.microsoft.com/office/drawing/2014/main" xmlns="" val="2934985046"/>
+                    <a16:rowId xmlns:a16="http://schemas.microsoft.com/office/drawing/2014/main" val="2934985046"/>
                   </a:ext>
                 </a:extLst>
               </a:tr>
@@ -38523,7 +39800,7 @@
                 </a:tc>
                 <a:extLst>
                   <a:ext uri="{0D108BD9-81ED-4DB2-BD59-A6C34878D82A}">
-                    <a16:rowId xmlns:a16="http://schemas.microsoft.com/office/drawing/2014/main" xmlns="" val="507756792"/>
+                    <a16:rowId xmlns:a16="http://schemas.microsoft.com/office/drawing/2014/main" val="507756792"/>
                   </a:ext>
                 </a:extLst>
               </a:tr>
@@ -38658,7 +39935,7 @@
                 </a:tc>
                 <a:extLst>
                   <a:ext uri="{0D108BD9-81ED-4DB2-BD59-A6C34878D82A}">
-                    <a16:rowId xmlns:a16="http://schemas.microsoft.com/office/drawing/2014/main" xmlns="" val="996940151"/>
+                    <a16:rowId xmlns:a16="http://schemas.microsoft.com/office/drawing/2014/main" val="996940151"/>
                   </a:ext>
                 </a:extLst>
               </a:tr>
@@ -38793,7 +40070,7 @@
                 </a:tc>
                 <a:extLst>
                   <a:ext uri="{0D108BD9-81ED-4DB2-BD59-A6C34878D82A}">
-                    <a16:rowId xmlns:a16="http://schemas.microsoft.com/office/drawing/2014/main" xmlns="" val="2951058208"/>
+                    <a16:rowId xmlns:a16="http://schemas.microsoft.com/office/drawing/2014/main" val="2951058208"/>
                   </a:ext>
                 </a:extLst>
               </a:tr>
@@ -38928,7 +40205,7 @@
                 </a:tc>
                 <a:extLst>
                   <a:ext uri="{0D108BD9-81ED-4DB2-BD59-A6C34878D82A}">
-                    <a16:rowId xmlns:a16="http://schemas.microsoft.com/office/drawing/2014/main" xmlns="" val="3217075677"/>
+                    <a16:rowId xmlns:a16="http://schemas.microsoft.com/office/drawing/2014/main" val="3217075677"/>
                   </a:ext>
                 </a:extLst>
               </a:tr>
@@ -39063,7 +40340,7 @@
                 </a:tc>
                 <a:extLst>
                   <a:ext uri="{0D108BD9-81ED-4DB2-BD59-A6C34878D82A}">
-                    <a16:rowId xmlns:a16="http://schemas.microsoft.com/office/drawing/2014/main" xmlns="" val="2255415068"/>
+                    <a16:rowId xmlns:a16="http://schemas.microsoft.com/office/drawing/2014/main" val="2255415068"/>
                   </a:ext>
                 </a:extLst>
               </a:tr>
@@ -39198,7 +40475,7 @@
                 </a:tc>
                 <a:extLst>
                   <a:ext uri="{0D108BD9-81ED-4DB2-BD59-A6C34878D82A}">
-                    <a16:rowId xmlns:a16="http://schemas.microsoft.com/office/drawing/2014/main" xmlns="" val="3511100479"/>
+                    <a16:rowId xmlns:a16="http://schemas.microsoft.com/office/drawing/2014/main" val="3511100479"/>
                   </a:ext>
                 </a:extLst>
               </a:tr>
@@ -39333,7 +40610,7 @@
                 </a:tc>
                 <a:extLst>
                   <a:ext uri="{0D108BD9-81ED-4DB2-BD59-A6C34878D82A}">
-                    <a16:rowId xmlns:a16="http://schemas.microsoft.com/office/drawing/2014/main" xmlns="" val="2426890671"/>
+                    <a16:rowId xmlns:a16="http://schemas.microsoft.com/office/drawing/2014/main" val="2426890671"/>
                   </a:ext>
                 </a:extLst>
               </a:tr>
@@ -39468,7 +40745,7 @@
                 </a:tc>
                 <a:extLst>
                   <a:ext uri="{0D108BD9-81ED-4DB2-BD59-A6C34878D82A}">
-                    <a16:rowId xmlns:a16="http://schemas.microsoft.com/office/drawing/2014/main" xmlns="" val="2079778918"/>
+                    <a16:rowId xmlns:a16="http://schemas.microsoft.com/office/drawing/2014/main" val="2079778918"/>
                   </a:ext>
                 </a:extLst>
               </a:tr>
@@ -39631,7 +40908,7 @@
                 </a:tc>
                 <a:extLst>
                   <a:ext uri="{0D108BD9-81ED-4DB2-BD59-A6C34878D82A}">
-                    <a16:rowId xmlns:a16="http://schemas.microsoft.com/office/drawing/2014/main" xmlns="" val="2998932665"/>
+                    <a16:rowId xmlns:a16="http://schemas.microsoft.com/office/drawing/2014/main" val="2998932665"/>
                   </a:ext>
                 </a:extLst>
               </a:tr>
@@ -39766,7 +41043,7 @@
                 </a:tc>
                 <a:extLst>
                   <a:ext uri="{0D108BD9-81ED-4DB2-BD59-A6C34878D82A}">
-                    <a16:rowId xmlns:a16="http://schemas.microsoft.com/office/drawing/2014/main" xmlns="" val="2626392403"/>
+                    <a16:rowId xmlns:a16="http://schemas.microsoft.com/office/drawing/2014/main" val="2626392403"/>
                   </a:ext>
                 </a:extLst>
               </a:tr>
@@ -39901,7 +41178,7 @@
                 </a:tc>
                 <a:extLst>
                   <a:ext uri="{0D108BD9-81ED-4DB2-BD59-A6C34878D82A}">
-                    <a16:rowId xmlns:a16="http://schemas.microsoft.com/office/drawing/2014/main" xmlns="" val="2987382929"/>
+                    <a16:rowId xmlns:a16="http://schemas.microsoft.com/office/drawing/2014/main" val="2987382929"/>
                   </a:ext>
                 </a:extLst>
               </a:tr>
@@ -39918,14 +41195,14 @@
           <p:nvPr>
             <p:extLst>
               <p:ext uri="{D42A27DB-BD31-4B8C-83A1-F6EECF244321}">
-                <p14:modId xmlns:p14="http://schemas.microsoft.com/office/powerpoint/2010/main" val="3846670421"/>
+                <p14:modId xmlns:p14="http://schemas.microsoft.com/office/powerpoint/2010/main" val="1610956541"/>
               </p:ext>
             </p:extLst>
           </p:nvPr>
         </p:nvGraphicFramePr>
         <p:xfrm>
           <a:off x="4139953" y="738669"/>
-          <a:ext cx="4997152" cy="4433736"/>
+          <a:ext cx="4997152" cy="4393239"/>
         </p:xfrm>
         <a:graphic>
           <a:graphicData uri="http://schemas.openxmlformats.org/drawingml/2006/table">
@@ -39937,33 +41214,33 @@
                 <a:gridCol w="254956">
                   <a:extLst>
                     <a:ext uri="{9D8B030D-6E8A-4147-A177-3AD203B41FA5}">
-                      <a16:colId xmlns:a16="http://schemas.microsoft.com/office/drawing/2014/main" xmlns="" val="3467281822"/>
+                      <a16:colId xmlns:a16="http://schemas.microsoft.com/office/drawing/2014/main" val="3467281822"/>
                     </a:ext>
                   </a:extLst>
                 </a:gridCol>
                 <a:gridCol w="2937668">
                   <a:extLst>
                     <a:ext uri="{9D8B030D-6E8A-4147-A177-3AD203B41FA5}">
-                      <a16:colId xmlns:a16="http://schemas.microsoft.com/office/drawing/2014/main" xmlns="" val="3343962413"/>
+                      <a16:colId xmlns:a16="http://schemas.microsoft.com/office/drawing/2014/main" val="3343962413"/>
                     </a:ext>
                   </a:extLst>
                 </a:gridCol>
                 <a:gridCol w="971669">
                   <a:extLst>
                     <a:ext uri="{9D8B030D-6E8A-4147-A177-3AD203B41FA5}">
-                      <a16:colId xmlns:a16="http://schemas.microsoft.com/office/drawing/2014/main" xmlns="" val="1795382390"/>
+                      <a16:colId xmlns:a16="http://schemas.microsoft.com/office/drawing/2014/main" val="1795382390"/>
                     </a:ext>
                   </a:extLst>
                 </a:gridCol>
                 <a:gridCol w="832859">
                   <a:extLst>
                     <a:ext uri="{9D8B030D-6E8A-4147-A177-3AD203B41FA5}">
-                      <a16:colId xmlns:a16="http://schemas.microsoft.com/office/drawing/2014/main" xmlns="" val="1953180135"/>
+                      <a16:colId xmlns:a16="http://schemas.microsoft.com/office/drawing/2014/main" val="1953180135"/>
                     </a:ext>
                   </a:extLst>
                 </a:gridCol>
               </a:tblGrid>
-              <a:tr h="426710">
+              <a:tr h="437923">
                 <a:tc>
                   <a:txBody>
                     <a:bodyPr/>
@@ -40122,11 +41399,11 @@
                 </a:tc>
                 <a:extLst>
                   <a:ext uri="{0D108BD9-81ED-4DB2-BD59-A6C34878D82A}">
-                    <a16:rowId xmlns:a16="http://schemas.microsoft.com/office/drawing/2014/main" xmlns="" val="1476789936"/>
+                    <a16:rowId xmlns:a16="http://schemas.microsoft.com/office/drawing/2014/main" val="1476789936"/>
                   </a:ext>
                 </a:extLst>
               </a:tr>
-              <a:tr h="283218">
+              <a:tr h="280631">
                 <a:tc>
                   <a:txBody>
                     <a:bodyPr/>
@@ -40257,11 +41534,11 @@
                 </a:tc>
                 <a:extLst>
                   <a:ext uri="{0D108BD9-81ED-4DB2-BD59-A6C34878D82A}">
-                    <a16:rowId xmlns:a16="http://schemas.microsoft.com/office/drawing/2014/main" xmlns="" val="2235205793"/>
+                    <a16:rowId xmlns:a16="http://schemas.microsoft.com/office/drawing/2014/main" val="2235205793"/>
                   </a:ext>
                 </a:extLst>
               </a:tr>
-              <a:tr h="176570">
+              <a:tr h="181210">
                 <a:tc>
                   <a:txBody>
                     <a:bodyPr/>
@@ -40392,11 +41669,11 @@
                 </a:tc>
                 <a:extLst>
                   <a:ext uri="{0D108BD9-81ED-4DB2-BD59-A6C34878D82A}">
-                    <a16:rowId xmlns:a16="http://schemas.microsoft.com/office/drawing/2014/main" xmlns="" val="2260336039"/>
+                    <a16:rowId xmlns:a16="http://schemas.microsoft.com/office/drawing/2014/main" val="2260336039"/>
                   </a:ext>
                 </a:extLst>
               </a:tr>
-              <a:tr h="283218">
+              <a:tr h="280631">
                 <a:tc>
                   <a:txBody>
                     <a:bodyPr/>
@@ -40527,11 +41804,11 @@
                 </a:tc>
                 <a:extLst>
                   <a:ext uri="{0D108BD9-81ED-4DB2-BD59-A6C34878D82A}">
-                    <a16:rowId xmlns:a16="http://schemas.microsoft.com/office/drawing/2014/main" xmlns="" val="2622292242"/>
+                    <a16:rowId xmlns:a16="http://schemas.microsoft.com/office/drawing/2014/main" val="2622292242"/>
                   </a:ext>
                 </a:extLst>
               </a:tr>
-              <a:tr h="176570">
+              <a:tr h="181210">
                 <a:tc>
                   <a:txBody>
                     <a:bodyPr/>
@@ -40662,11 +41939,11 @@
                 </a:tc>
                 <a:extLst>
                   <a:ext uri="{0D108BD9-81ED-4DB2-BD59-A6C34878D82A}">
-                    <a16:rowId xmlns:a16="http://schemas.microsoft.com/office/drawing/2014/main" xmlns="" val="2366861278"/>
+                    <a16:rowId xmlns:a16="http://schemas.microsoft.com/office/drawing/2014/main" val="2366861278"/>
                   </a:ext>
                 </a:extLst>
               </a:tr>
-              <a:tr h="176570">
+              <a:tr h="181210">
                 <a:tc>
                   <a:txBody>
                     <a:bodyPr/>
@@ -40797,11 +42074,11 @@
                 </a:tc>
                 <a:extLst>
                   <a:ext uri="{0D108BD9-81ED-4DB2-BD59-A6C34878D82A}">
-                    <a16:rowId xmlns:a16="http://schemas.microsoft.com/office/drawing/2014/main" xmlns="" val="3925908686"/>
+                    <a16:rowId xmlns:a16="http://schemas.microsoft.com/office/drawing/2014/main" val="3925908686"/>
                   </a:ext>
                 </a:extLst>
               </a:tr>
-              <a:tr h="283218">
+              <a:tr h="280631">
                 <a:tc>
                   <a:txBody>
                     <a:bodyPr/>
@@ -40932,11 +42209,11 @@
                 </a:tc>
                 <a:extLst>
                   <a:ext uri="{0D108BD9-81ED-4DB2-BD59-A6C34878D82A}">
-                    <a16:rowId xmlns:a16="http://schemas.microsoft.com/office/drawing/2014/main" xmlns="" val="3778334257"/>
+                    <a16:rowId xmlns:a16="http://schemas.microsoft.com/office/drawing/2014/main" val="3778334257"/>
                   </a:ext>
                 </a:extLst>
               </a:tr>
-              <a:tr h="283218">
+              <a:tr h="280631">
                 <a:tc>
                   <a:txBody>
                     <a:bodyPr/>
@@ -41067,11 +42344,11 @@
                 </a:tc>
                 <a:extLst>
                   <a:ext uri="{0D108BD9-81ED-4DB2-BD59-A6C34878D82A}">
-                    <a16:rowId xmlns:a16="http://schemas.microsoft.com/office/drawing/2014/main" xmlns="" val="3684376204"/>
+                    <a16:rowId xmlns:a16="http://schemas.microsoft.com/office/drawing/2014/main" val="3684376204"/>
                   </a:ext>
                 </a:extLst>
               </a:tr>
-              <a:tr h="283218">
+              <a:tr h="280631">
                 <a:tc>
                   <a:txBody>
                     <a:bodyPr/>
@@ -41202,11 +42479,11 @@
                 </a:tc>
                 <a:extLst>
                   <a:ext uri="{0D108BD9-81ED-4DB2-BD59-A6C34878D82A}">
-                    <a16:rowId xmlns:a16="http://schemas.microsoft.com/office/drawing/2014/main" xmlns="" val="3390676083"/>
+                    <a16:rowId xmlns:a16="http://schemas.microsoft.com/office/drawing/2014/main" val="3390676083"/>
                   </a:ext>
                 </a:extLst>
               </a:tr>
-              <a:tr h="283218">
+              <a:tr h="280631">
                 <a:tc>
                   <a:txBody>
                     <a:bodyPr/>
@@ -41337,11 +42614,11 @@
                 </a:tc>
                 <a:extLst>
                   <a:ext uri="{0D108BD9-81ED-4DB2-BD59-A6C34878D82A}">
-                    <a16:rowId xmlns:a16="http://schemas.microsoft.com/office/drawing/2014/main" xmlns="" val="3136304490"/>
+                    <a16:rowId xmlns:a16="http://schemas.microsoft.com/office/drawing/2014/main" val="3136304490"/>
                   </a:ext>
                 </a:extLst>
               </a:tr>
-              <a:tr h="283218">
+              <a:tr h="280631">
                 <a:tc>
                   <a:txBody>
                     <a:bodyPr/>
@@ -41472,11 +42749,11 @@
                 </a:tc>
                 <a:extLst>
                   <a:ext uri="{0D108BD9-81ED-4DB2-BD59-A6C34878D82A}">
-                    <a16:rowId xmlns:a16="http://schemas.microsoft.com/office/drawing/2014/main" xmlns="" val="2292214949"/>
+                    <a16:rowId xmlns:a16="http://schemas.microsoft.com/office/drawing/2014/main" val="2292214949"/>
                   </a:ext>
                 </a:extLst>
               </a:tr>
-              <a:tr h="176570">
+              <a:tr h="181210">
                 <a:tc>
                   <a:txBody>
                     <a:bodyPr/>
@@ -41607,11 +42884,11 @@
                 </a:tc>
                 <a:extLst>
                   <a:ext uri="{0D108BD9-81ED-4DB2-BD59-A6C34878D82A}">
-                    <a16:rowId xmlns:a16="http://schemas.microsoft.com/office/drawing/2014/main" xmlns="" val="414929653"/>
+                    <a16:rowId xmlns:a16="http://schemas.microsoft.com/office/drawing/2014/main" val="414929653"/>
                   </a:ext>
                 </a:extLst>
               </a:tr>
-              <a:tr h="286468">
+              <a:tr h="283851">
                 <a:tc>
                   <a:txBody>
                     <a:bodyPr/>
@@ -41742,11 +43019,11 @@
                 </a:tc>
                 <a:extLst>
                   <a:ext uri="{0D108BD9-81ED-4DB2-BD59-A6C34878D82A}">
-                    <a16:rowId xmlns:a16="http://schemas.microsoft.com/office/drawing/2014/main" xmlns="" val="2863797402"/>
+                    <a16:rowId xmlns:a16="http://schemas.microsoft.com/office/drawing/2014/main" val="2863797402"/>
                   </a:ext>
                 </a:extLst>
               </a:tr>
-              <a:tr h="283218">
+              <a:tr h="280631">
                 <a:tc>
                   <a:txBody>
                     <a:bodyPr/>
@@ -41877,11 +43154,11 @@
                 </a:tc>
                 <a:extLst>
                   <a:ext uri="{0D108BD9-81ED-4DB2-BD59-A6C34878D82A}">
-                    <a16:rowId xmlns:a16="http://schemas.microsoft.com/office/drawing/2014/main" xmlns="" val="2004843992"/>
+                    <a16:rowId xmlns:a16="http://schemas.microsoft.com/office/drawing/2014/main" val="2004843992"/>
                   </a:ext>
                 </a:extLst>
               </a:tr>
-              <a:tr h="283218">
+              <a:tr h="280631">
                 <a:tc>
                   <a:txBody>
                     <a:bodyPr/>
@@ -42012,11 +43289,11 @@
                 </a:tc>
                 <a:extLst>
                   <a:ext uri="{0D108BD9-81ED-4DB2-BD59-A6C34878D82A}">
-                    <a16:rowId xmlns:a16="http://schemas.microsoft.com/office/drawing/2014/main" xmlns="" val="1025222931"/>
+                    <a16:rowId xmlns:a16="http://schemas.microsoft.com/office/drawing/2014/main" val="1025222931"/>
                   </a:ext>
                 </a:extLst>
               </a:tr>
-              <a:tr h="424826">
+              <a:tr h="420946">
                 <a:tc>
                   <a:txBody>
                     <a:bodyPr/>
@@ -42066,12 +43343,12 @@
                         </a:spcAft>
                       </a:pPr>
                       <a:r>
-                        <a:rPr lang="en-US" sz="1000">
+                        <a:rPr lang="en-US" sz="1000" dirty="0">
                           <a:effectLst/>
                         </a:rPr>
                         <a:t>Đào tạo - cải tiến - bảo hành - nâng cấp hệ thống</a:t>
                       </a:r>
-                      <a:endParaRPr lang="vi-VN" sz="1000">
+                      <a:endParaRPr lang="vi-VN" sz="1000" dirty="0">
                         <a:effectLst/>
                         <a:latin typeface="Times New Roman" panose="02020603050405020304" pitchFamily="18" charset="0"/>
                         <a:ea typeface="Arial" panose="020B0604020202020204" pitchFamily="34" charset="0"/>
@@ -42147,7 +43424,7 @@
                 </a:tc>
                 <a:extLst>
                   <a:ext uri="{0D108BD9-81ED-4DB2-BD59-A6C34878D82A}">
-                    <a16:rowId xmlns:a16="http://schemas.microsoft.com/office/drawing/2014/main" xmlns="" val="1571836593"/>
+                    <a16:rowId xmlns:a16="http://schemas.microsoft.com/office/drawing/2014/main" val="1571836593"/>
                   </a:ext>
                 </a:extLst>
               </a:tr>
